--- a/doc/Projecten voor het werkveld 2.pptx
+++ b/doc/Projecten voor het werkveld 2.pptx
@@ -5,10 +5,10 @@
     <p:sldMasterId id="2147483685" r:id="rId1"/>
   </p:sldMasterIdLst>
   <p:notesMasterIdLst>
-    <p:notesMasterId r:id="rId47"/>
+    <p:notesMasterId r:id="rId52"/>
   </p:notesMasterIdLst>
   <p:handoutMasterIdLst>
-    <p:handoutMasterId r:id="rId48"/>
+    <p:handoutMasterId r:id="rId53"/>
   </p:handoutMasterIdLst>
   <p:sldIdLst>
     <p:sldId id="258" r:id="rId2"/>
@@ -36,26 +36,31 @@
     <p:sldId id="408" r:id="rId24"/>
     <p:sldId id="409" r:id="rId25"/>
     <p:sldId id="410" r:id="rId26"/>
-    <p:sldId id="411" r:id="rId27"/>
-    <p:sldId id="412" r:id="rId28"/>
-    <p:sldId id="413" r:id="rId29"/>
-    <p:sldId id="414" r:id="rId30"/>
-    <p:sldId id="415" r:id="rId31"/>
-    <p:sldId id="416" r:id="rId32"/>
-    <p:sldId id="417" r:id="rId33"/>
-    <p:sldId id="418" r:id="rId34"/>
-    <p:sldId id="429" r:id="rId35"/>
-    <p:sldId id="430" r:id="rId36"/>
-    <p:sldId id="419" r:id="rId37"/>
-    <p:sldId id="420" r:id="rId38"/>
-    <p:sldId id="421" r:id="rId39"/>
-    <p:sldId id="422" r:id="rId40"/>
-    <p:sldId id="423" r:id="rId41"/>
-    <p:sldId id="424" r:id="rId42"/>
-    <p:sldId id="425" r:id="rId43"/>
-    <p:sldId id="426" r:id="rId44"/>
-    <p:sldId id="427" r:id="rId45"/>
-    <p:sldId id="428" r:id="rId46"/>
+    <p:sldId id="434" r:id="rId27"/>
+    <p:sldId id="435" r:id="rId28"/>
+    <p:sldId id="411" r:id="rId29"/>
+    <p:sldId id="412" r:id="rId30"/>
+    <p:sldId id="413" r:id="rId31"/>
+    <p:sldId id="414" r:id="rId32"/>
+    <p:sldId id="415" r:id="rId33"/>
+    <p:sldId id="416" r:id="rId34"/>
+    <p:sldId id="417" r:id="rId35"/>
+    <p:sldId id="418" r:id="rId36"/>
+    <p:sldId id="432" r:id="rId37"/>
+    <p:sldId id="433" r:id="rId38"/>
+    <p:sldId id="429" r:id="rId39"/>
+    <p:sldId id="430" r:id="rId40"/>
+    <p:sldId id="419" r:id="rId41"/>
+    <p:sldId id="420" r:id="rId42"/>
+    <p:sldId id="421" r:id="rId43"/>
+    <p:sldId id="422" r:id="rId44"/>
+    <p:sldId id="423" r:id="rId45"/>
+    <p:sldId id="431" r:id="rId46"/>
+    <p:sldId id="424" r:id="rId47"/>
+    <p:sldId id="425" r:id="rId48"/>
+    <p:sldId id="426" r:id="rId49"/>
+    <p:sldId id="427" r:id="rId50"/>
+    <p:sldId id="428" r:id="rId51"/>
   </p:sldIdLst>
   <p:sldSz cx="9144000" cy="6858000" type="screen4x3"/>
   <p:notesSz cx="6858000" cy="9144000"/>
@@ -4476,7 +4481,7 @@
             </a:r>
             <a:r>
               <a:rPr lang="nl-NL" sz="1200" dirty="0"/>
-              <a:t> board stelt de gebruiker in staat om eender welk toestel dat kan gestuurd worden met een </a:t>
+              <a:t> board stelt de gebruiker in staat om eender welk toestel, dat kan gestuurd worden met een </a:t>
             </a:r>
             <a:r>
               <a:rPr lang="nl-NL" sz="1200" dirty="0" err="1"/>
@@ -11740,7 +11745,7 @@
         <p:cNvPr id="1" name="">
           <a:extLst>
             <a:ext uri="{FF2B5EF4-FFF2-40B4-BE49-F238E27FC236}">
-              <a16:creationId xmlns:a16="http://schemas.microsoft.com/office/drawing/2014/main" id="{DF358A55-75AB-1873-5190-B5DAEBB51A11}"/>
+              <a16:creationId xmlns:a16="http://schemas.microsoft.com/office/drawing/2014/main" id="{01AE0CF2-EC6F-A02B-AC7D-5DA32050143D}"/>
             </a:ext>
           </a:extLst>
         </p:cNvPr>
@@ -11760,7 +11765,7 @@
           <p:cNvPr id="41987" name="Titel 2">
             <a:extLst>
               <a:ext uri="{FF2B5EF4-FFF2-40B4-BE49-F238E27FC236}">
-                <a16:creationId xmlns:a16="http://schemas.microsoft.com/office/drawing/2014/main" id="{203AA55B-F870-DEA6-35BD-702E463F812F}"/>
+                <a16:creationId xmlns:a16="http://schemas.microsoft.com/office/drawing/2014/main" id="{72918E8D-4B90-C0E6-D7C5-89B0E2D2B91E}"/>
               </a:ext>
             </a:extLst>
           </p:cNvPr>
@@ -11792,7 +11797,7 @@
           <a:p>
             <a:r>
               <a:rPr lang="nl-BE" altLang="en-US" dirty="0"/>
-              <a:t>Sensor data </a:t>
+              <a:t>BME280 - protocol</a:t>
             </a:r>
           </a:p>
         </p:txBody>
@@ -11802,7 +11807,7 @@
           <p:cNvPr id="2" name="Footer Placeholder 1">
             <a:extLst>
               <a:ext uri="{FF2B5EF4-FFF2-40B4-BE49-F238E27FC236}">
-                <a16:creationId xmlns:a16="http://schemas.microsoft.com/office/drawing/2014/main" id="{FA363F70-51A6-FF27-6102-8E28C2E1529E}"/>
+                <a16:creationId xmlns:a16="http://schemas.microsoft.com/office/drawing/2014/main" id="{879CBB0C-D4F9-4C90-4E2A-116CD815965F}"/>
               </a:ext>
             </a:extLst>
           </p:cNvPr>
@@ -11838,7 +11843,7 @@
           <p:cNvPr id="3" name="Slide Number Placeholder 2">
             <a:extLst>
               <a:ext uri="{FF2B5EF4-FFF2-40B4-BE49-F238E27FC236}">
-                <a16:creationId xmlns:a16="http://schemas.microsoft.com/office/drawing/2014/main" id="{8CAF4481-6EEB-6B3F-2AD5-DACA631D738B}"/>
+                <a16:creationId xmlns:a16="http://schemas.microsoft.com/office/drawing/2014/main" id="{C35DB10E-74A2-470B-EFA7-C43D533320A0}"/>
               </a:ext>
             </a:extLst>
           </p:cNvPr>
@@ -11868,7 +11873,7 @@
           <p:cNvPr id="41988" name="Tijdelijke aanduiding voor dianummer 3">
             <a:extLst>
               <a:ext uri="{FF2B5EF4-FFF2-40B4-BE49-F238E27FC236}">
-                <a16:creationId xmlns:a16="http://schemas.microsoft.com/office/drawing/2014/main" id="{10B6C0C2-2886-1FB7-7C95-C7806BDB0585}"/>
+                <a16:creationId xmlns:a16="http://schemas.microsoft.com/office/drawing/2014/main" id="{4F102765-159A-8717-D4C9-B61786036F63}"/>
               </a:ext>
             </a:extLst>
           </p:cNvPr>
@@ -12015,6 +12020,856 @@
               </a:rPr>
               <a:pPr eaLnBrk="1" hangingPunct="1"/>
               <a:t>26</a:t>
+            </a:fld>
+            <a:endParaRPr lang="nl-BE" altLang="en-US" sz="2000">
+              <a:solidFill>
+                <a:srgbClr val="FFFFFF"/>
+              </a:solidFill>
+              <a:latin typeface="Trebuchet MS" panose="020B0603020202020204" pitchFamily="34" charset="0"/>
+            </a:endParaRPr>
+          </a:p>
+        </p:txBody>
+      </p:sp>
+      <p:sp>
+        <p:nvSpPr>
+          <p:cNvPr id="33" name="Tijdelijke aanduiding voor inhoud 1">
+            <a:extLst>
+              <a:ext uri="{FF2B5EF4-FFF2-40B4-BE49-F238E27FC236}">
+                <a16:creationId xmlns:a16="http://schemas.microsoft.com/office/drawing/2014/main" id="{B96BEE32-C8DD-5916-AC9A-C395668C2B75}"/>
+              </a:ext>
+            </a:extLst>
+          </p:cNvPr>
+          <p:cNvSpPr>
+            <a:spLocks noGrp="1"/>
+          </p:cNvSpPr>
+          <p:nvPr>
+            <p:ph idx="1"/>
+          </p:nvPr>
+        </p:nvSpPr>
+        <p:spPr>
+          <a:xfrm>
+            <a:off x="0" y="927266"/>
+            <a:ext cx="4501088" cy="4950005"/>
+          </a:xfrm>
+        </p:spPr>
+        <p:txBody>
+          <a:bodyPr>
+            <a:noAutofit/>
+          </a:bodyPr>
+          <a:lstStyle/>
+          <a:p>
+            <a:pPr>
+              <a:buFont typeface="Arial" panose="020B0604020202020204" pitchFamily="34" charset="0"/>
+              <a:buChar char="•"/>
+            </a:pPr>
+            <a:r>
+              <a:rPr lang="nl-NL" sz="1500" dirty="0"/>
+              <a:t>Makkelijk om data uit te lezen</a:t>
+            </a:r>
+          </a:p>
+          <a:p>
+            <a:pPr>
+              <a:buFont typeface="Arial" panose="020B0604020202020204" pitchFamily="34" charset="0"/>
+              <a:buChar char="•"/>
+            </a:pPr>
+            <a:r>
+              <a:rPr lang="nl-NL" sz="1500" dirty="0"/>
+              <a:t>Zeer moeilijk om data om te vormen in nuttige data (rauwe data VS nuttige waarden in de juiste eenheid)</a:t>
+            </a:r>
+          </a:p>
+          <a:p>
+            <a:pPr>
+              <a:buFont typeface="Arial" panose="020B0604020202020204" pitchFamily="34" charset="0"/>
+              <a:buChar char="•"/>
+            </a:pPr>
+            <a:r>
+              <a:rPr lang="nl-NL" sz="1500" dirty="0"/>
+              <a:t>Moeten afkijken bij andere </a:t>
+            </a:r>
+            <a:r>
+              <a:rPr lang="nl-NL" sz="1500" dirty="0" err="1"/>
+              <a:t>libs</a:t>
+            </a:r>
+            <a:r>
+              <a:rPr lang="nl-NL" sz="1500" dirty="0"/>
+              <a:t> om een implementaties te hebben die correct werkt (dank u </a:t>
+            </a:r>
+            <a:r>
+              <a:rPr lang="nl-NL" sz="1500" dirty="0" err="1"/>
+              <a:t>github</a:t>
+            </a:r>
+            <a:r>
+              <a:rPr lang="nl-NL" sz="1500" dirty="0"/>
+              <a:t>)</a:t>
+            </a:r>
+          </a:p>
+          <a:p>
+            <a:pPr>
+              <a:buFont typeface="Arial" panose="020B0604020202020204" pitchFamily="34" charset="0"/>
+              <a:buChar char="•"/>
+            </a:pPr>
+            <a:endParaRPr lang="nl-NL" sz="1500" dirty="0"/>
+          </a:p>
+          <a:p>
+            <a:pPr>
+              <a:buFont typeface="Arial" panose="020B0604020202020204" pitchFamily="34" charset="0"/>
+              <a:buChar char="•"/>
+            </a:pPr>
+            <a:endParaRPr lang="nl-NL" sz="600" dirty="0"/>
+          </a:p>
+        </p:txBody>
+      </p:sp>
+      <p:pic>
+        <p:nvPicPr>
+          <p:cNvPr id="6" name="Picture 5">
+            <a:extLst>
+              <a:ext uri="{FF2B5EF4-FFF2-40B4-BE49-F238E27FC236}">
+                <a16:creationId xmlns:a16="http://schemas.microsoft.com/office/drawing/2014/main" id="{45A711C3-28D7-4BE0-96CB-98B4081B63A7}"/>
+              </a:ext>
+            </a:extLst>
+          </p:cNvPr>
+          <p:cNvPicPr>
+            <a:picLocks noChangeAspect="1"/>
+          </p:cNvPicPr>
+          <p:nvPr/>
+        </p:nvPicPr>
+        <p:blipFill>
+          <a:blip r:embed="rId2"/>
+          <a:stretch>
+            <a:fillRect/>
+          </a:stretch>
+        </p:blipFill>
+        <p:spPr>
+          <a:xfrm>
+            <a:off x="4067944" y="1052736"/>
+            <a:ext cx="4668694" cy="4418350"/>
+          </a:xfrm>
+          <a:prstGeom prst="rect">
+            <a:avLst/>
+          </a:prstGeom>
+        </p:spPr>
+      </p:pic>
+    </p:spTree>
+    <p:extLst>
+      <p:ext uri="{BB962C8B-B14F-4D97-AF65-F5344CB8AC3E}">
+        <p14:creationId xmlns:p14="http://schemas.microsoft.com/office/powerpoint/2010/main" val="3306340797"/>
+      </p:ext>
+    </p:extLst>
+  </p:cSld>
+  <p:clrMapOvr>
+    <a:masterClrMapping/>
+  </p:clrMapOvr>
+</p:sld>
+</file>
+
+<file path=ppt/slides/slide27.xml><?xml version="1.0" encoding="utf-8"?>
+<p:sld xmlns:a="http://schemas.openxmlformats.org/drawingml/2006/main" xmlns:r="http://schemas.openxmlformats.org/officeDocument/2006/relationships" xmlns:p="http://schemas.openxmlformats.org/presentationml/2006/main">
+  <p:cSld>
+    <p:spTree>
+      <p:nvGrpSpPr>
+        <p:cNvPr id="1" name="">
+          <a:extLst>
+            <a:ext uri="{FF2B5EF4-FFF2-40B4-BE49-F238E27FC236}">
+              <a16:creationId xmlns:a16="http://schemas.microsoft.com/office/drawing/2014/main" id="{5A2A4FE9-F954-D2A1-9B6F-6F749FCABF8A}"/>
+            </a:ext>
+          </a:extLst>
+        </p:cNvPr>
+        <p:cNvGrpSpPr/>
+        <p:nvPr/>
+      </p:nvGrpSpPr>
+      <p:grpSpPr>
+        <a:xfrm>
+          <a:off x="0" y="0"/>
+          <a:ext cx="0" cy="0"/>
+          <a:chOff x="0" y="0"/>
+          <a:chExt cx="0" cy="0"/>
+        </a:xfrm>
+      </p:grpSpPr>
+      <p:sp>
+        <p:nvSpPr>
+          <p:cNvPr id="41987" name="Titel 2">
+            <a:extLst>
+              <a:ext uri="{FF2B5EF4-FFF2-40B4-BE49-F238E27FC236}">
+                <a16:creationId xmlns:a16="http://schemas.microsoft.com/office/drawing/2014/main" id="{78860CBD-3146-1A98-08FF-1F1C78898499}"/>
+              </a:ext>
+            </a:extLst>
+          </p:cNvPr>
+          <p:cNvSpPr>
+            <a:spLocks noGrp="1"/>
+          </p:cNvSpPr>
+          <p:nvPr>
+            <p:ph type="title"/>
+          </p:nvPr>
+        </p:nvSpPr>
+        <p:spPr>
+          <a:noFill/>
+          <a:extLst>
+            <a:ext uri="{91240B29-F687-4F45-9708-019B960494DF}">
+              <a14:hiddenLine xmlns:a14="http://schemas.microsoft.com/office/drawing/2010/main" w="0">
+                <a:solidFill>
+                  <a:srgbClr val="000000"/>
+                </a:solidFill>
+                <a:miter lim="800000"/>
+                <a:headEnd/>
+                <a:tailEnd/>
+              </a14:hiddenLine>
+            </a:ext>
+          </a:extLst>
+        </p:spPr>
+        <p:txBody>
+          <a:bodyPr/>
+          <a:lstStyle/>
+          <a:p>
+            <a:r>
+              <a:rPr lang="nl-BE" altLang="en-US" dirty="0"/>
+              <a:t>BME280 - protocol</a:t>
+            </a:r>
+          </a:p>
+        </p:txBody>
+      </p:sp>
+      <p:sp>
+        <p:nvSpPr>
+          <p:cNvPr id="2" name="Footer Placeholder 1">
+            <a:extLst>
+              <a:ext uri="{FF2B5EF4-FFF2-40B4-BE49-F238E27FC236}">
+                <a16:creationId xmlns:a16="http://schemas.microsoft.com/office/drawing/2014/main" id="{2AD20677-A715-770F-11CD-418B5C79155C}"/>
+              </a:ext>
+            </a:extLst>
+          </p:cNvPr>
+          <p:cNvSpPr>
+            <a:spLocks noGrp="1"/>
+          </p:cNvSpPr>
+          <p:nvPr>
+            <p:ph type="ftr" sz="quarter" idx="11"/>
+          </p:nvPr>
+        </p:nvSpPr>
+        <p:spPr/>
+        <p:txBody>
+          <a:bodyPr/>
+          <a:lstStyle/>
+          <a:p>
+            <a:r>
+              <a:rPr lang="nl-BE" dirty="0"/>
+              <a:t>Projecten van het werkveld – </a:t>
+            </a:r>
+            <a:r>
+              <a:rPr lang="nl-BE" dirty="0" err="1"/>
+              <a:t>IoT</a:t>
+            </a:r>
+            <a:r>
+              <a:rPr lang="nl-BE" dirty="0"/>
+              <a:t> Graduaat</a:t>
+            </a:r>
+          </a:p>
+        </p:txBody>
+      </p:sp>
+      <p:sp>
+        <p:nvSpPr>
+          <p:cNvPr id="3" name="Slide Number Placeholder 2">
+            <a:extLst>
+              <a:ext uri="{FF2B5EF4-FFF2-40B4-BE49-F238E27FC236}">
+                <a16:creationId xmlns:a16="http://schemas.microsoft.com/office/drawing/2014/main" id="{FC8DA7B9-9662-F1C2-DC36-4CB03841D04A}"/>
+              </a:ext>
+            </a:extLst>
+          </p:cNvPr>
+          <p:cNvSpPr>
+            <a:spLocks noGrp="1"/>
+          </p:cNvSpPr>
+          <p:nvPr>
+            <p:ph type="sldNum" sz="quarter" idx="12"/>
+          </p:nvPr>
+        </p:nvSpPr>
+        <p:spPr/>
+        <p:txBody>
+          <a:bodyPr/>
+          <a:lstStyle/>
+          <a:p>
+            <a:fld id="{3B80295F-48CD-49FC-897A-CCEC919B8070}" type="slidenum">
+              <a:rPr lang="nl-BE" smtClean="0"/>
+              <a:pPr/>
+              <a:t>27</a:t>
+            </a:fld>
+            <a:endParaRPr lang="nl-BE" dirty="0"/>
+          </a:p>
+        </p:txBody>
+      </p:sp>
+      <p:sp>
+        <p:nvSpPr>
+          <p:cNvPr id="41988" name="Tijdelijke aanduiding voor dianummer 3">
+            <a:extLst>
+              <a:ext uri="{FF2B5EF4-FFF2-40B4-BE49-F238E27FC236}">
+                <a16:creationId xmlns:a16="http://schemas.microsoft.com/office/drawing/2014/main" id="{6D442143-E637-2FD7-1486-807D388CC14E}"/>
+              </a:ext>
+            </a:extLst>
+          </p:cNvPr>
+          <p:cNvSpPr txBox="1">
+            <a:spLocks noGrp="1"/>
+          </p:cNvSpPr>
+          <p:nvPr/>
+        </p:nvSpPr>
+        <p:spPr bwMode="auto">
+          <a:xfrm>
+            <a:off x="360363" y="6083300"/>
+            <a:ext cx="360362" cy="668338"/>
+          </a:xfrm>
+          <a:prstGeom prst="rect">
+            <a:avLst/>
+          </a:prstGeom>
+          <a:solidFill>
+            <a:srgbClr val="00A0AE"/>
+          </a:solidFill>
+          <a:ln>
+            <a:noFill/>
+          </a:ln>
+          <a:extLst>
+            <a:ext uri="{91240B29-F687-4F45-9708-019B960494DF}">
+              <a14:hiddenLine xmlns:a14="http://schemas.microsoft.com/office/drawing/2010/main" w="9525">
+                <a:solidFill>
+                  <a:srgbClr val="000000"/>
+                </a:solidFill>
+                <a:miter lim="800000"/>
+                <a:headEnd/>
+                <a:tailEnd/>
+              </a14:hiddenLine>
+            </a:ext>
+          </a:extLst>
+        </p:spPr>
+        <p:txBody>
+          <a:bodyPr wrap="none" lIns="0" tIns="108000" rIns="0" bIns="0" anchor="ctr"/>
+          <a:lstStyle>
+            <a:lvl1pPr eaLnBrk="0" hangingPunct="0">
+              <a:defRPr>
+                <a:solidFill>
+                  <a:schemeClr val="tx1"/>
+                </a:solidFill>
+                <a:latin typeface="Arial" panose="020B0604020202020204" pitchFamily="34" charset="0"/>
+              </a:defRPr>
+            </a:lvl1pPr>
+            <a:lvl2pPr marL="742950" indent="-285750" eaLnBrk="0" hangingPunct="0">
+              <a:defRPr>
+                <a:solidFill>
+                  <a:schemeClr val="tx1"/>
+                </a:solidFill>
+                <a:latin typeface="Arial" panose="020B0604020202020204" pitchFamily="34" charset="0"/>
+              </a:defRPr>
+            </a:lvl2pPr>
+            <a:lvl3pPr marL="1143000" indent="-228600" eaLnBrk="0" hangingPunct="0">
+              <a:defRPr>
+                <a:solidFill>
+                  <a:schemeClr val="tx1"/>
+                </a:solidFill>
+                <a:latin typeface="Arial" panose="020B0604020202020204" pitchFamily="34" charset="0"/>
+              </a:defRPr>
+            </a:lvl3pPr>
+            <a:lvl4pPr marL="1600200" indent="-228600" eaLnBrk="0" hangingPunct="0">
+              <a:defRPr>
+                <a:solidFill>
+                  <a:schemeClr val="tx1"/>
+                </a:solidFill>
+                <a:latin typeface="Arial" panose="020B0604020202020204" pitchFamily="34" charset="0"/>
+              </a:defRPr>
+            </a:lvl4pPr>
+            <a:lvl5pPr marL="2057400" indent="-228600" eaLnBrk="0" hangingPunct="0">
+              <a:defRPr>
+                <a:solidFill>
+                  <a:schemeClr val="tx1"/>
+                </a:solidFill>
+                <a:latin typeface="Arial" panose="020B0604020202020204" pitchFamily="34" charset="0"/>
+              </a:defRPr>
+            </a:lvl5pPr>
+            <a:lvl6pPr marL="2514600" indent="-228600" eaLnBrk="0" fontAlgn="base" hangingPunct="0">
+              <a:spcBef>
+                <a:spcPct val="0"/>
+              </a:spcBef>
+              <a:spcAft>
+                <a:spcPct val="0"/>
+              </a:spcAft>
+              <a:defRPr>
+                <a:solidFill>
+                  <a:schemeClr val="tx1"/>
+                </a:solidFill>
+                <a:latin typeface="Arial" panose="020B0604020202020204" pitchFamily="34" charset="0"/>
+              </a:defRPr>
+            </a:lvl6pPr>
+            <a:lvl7pPr marL="2971800" indent="-228600" eaLnBrk="0" fontAlgn="base" hangingPunct="0">
+              <a:spcBef>
+                <a:spcPct val="0"/>
+              </a:spcBef>
+              <a:spcAft>
+                <a:spcPct val="0"/>
+              </a:spcAft>
+              <a:defRPr>
+                <a:solidFill>
+                  <a:schemeClr val="tx1"/>
+                </a:solidFill>
+                <a:latin typeface="Arial" panose="020B0604020202020204" pitchFamily="34" charset="0"/>
+              </a:defRPr>
+            </a:lvl7pPr>
+            <a:lvl8pPr marL="3429000" indent="-228600" eaLnBrk="0" fontAlgn="base" hangingPunct="0">
+              <a:spcBef>
+                <a:spcPct val="0"/>
+              </a:spcBef>
+              <a:spcAft>
+                <a:spcPct val="0"/>
+              </a:spcAft>
+              <a:defRPr>
+                <a:solidFill>
+                  <a:schemeClr val="tx1"/>
+                </a:solidFill>
+                <a:latin typeface="Arial" panose="020B0604020202020204" pitchFamily="34" charset="0"/>
+              </a:defRPr>
+            </a:lvl8pPr>
+            <a:lvl9pPr marL="3886200" indent="-228600" eaLnBrk="0" fontAlgn="base" hangingPunct="0">
+              <a:spcBef>
+                <a:spcPct val="0"/>
+              </a:spcBef>
+              <a:spcAft>
+                <a:spcPct val="0"/>
+              </a:spcAft>
+              <a:defRPr>
+                <a:solidFill>
+                  <a:schemeClr val="tx1"/>
+                </a:solidFill>
+                <a:latin typeface="Arial" panose="020B0604020202020204" pitchFamily="34" charset="0"/>
+              </a:defRPr>
+            </a:lvl9pPr>
+          </a:lstStyle>
+          <a:p>
+            <a:pPr eaLnBrk="1" hangingPunct="1"/>
+            <a:fld id="{E7E9740F-FEEC-4722-AD1A-FA148BA257E6}" type="slidenum">
+              <a:rPr lang="nl-BE" altLang="en-US" sz="2000" smtClean="0">
+                <a:solidFill>
+                  <a:srgbClr val="FFFFFF"/>
+                </a:solidFill>
+                <a:latin typeface="Trebuchet MS" panose="020B0603020202020204" pitchFamily="34" charset="0"/>
+              </a:rPr>
+              <a:pPr eaLnBrk="1" hangingPunct="1"/>
+              <a:t>27</a:t>
+            </a:fld>
+            <a:endParaRPr lang="nl-BE" altLang="en-US" sz="2000">
+              <a:solidFill>
+                <a:srgbClr val="FFFFFF"/>
+              </a:solidFill>
+              <a:latin typeface="Trebuchet MS" panose="020B0603020202020204" pitchFamily="34" charset="0"/>
+            </a:endParaRPr>
+          </a:p>
+        </p:txBody>
+      </p:sp>
+      <p:sp>
+        <p:nvSpPr>
+          <p:cNvPr id="33" name="Tijdelijke aanduiding voor inhoud 1">
+            <a:extLst>
+              <a:ext uri="{FF2B5EF4-FFF2-40B4-BE49-F238E27FC236}">
+                <a16:creationId xmlns:a16="http://schemas.microsoft.com/office/drawing/2014/main" id="{78AA24EF-CB6D-BE69-46A1-0E45DBD793CC}"/>
+              </a:ext>
+            </a:extLst>
+          </p:cNvPr>
+          <p:cNvSpPr>
+            <a:spLocks noGrp="1"/>
+          </p:cNvSpPr>
+          <p:nvPr>
+            <p:ph idx="1"/>
+          </p:nvPr>
+        </p:nvSpPr>
+        <p:spPr>
+          <a:xfrm>
+            <a:off x="0" y="927266"/>
+            <a:ext cx="4501088" cy="4950005"/>
+          </a:xfrm>
+        </p:spPr>
+        <p:txBody>
+          <a:bodyPr>
+            <a:noAutofit/>
+          </a:bodyPr>
+          <a:lstStyle/>
+          <a:p>
+            <a:pPr>
+              <a:buFont typeface="Arial" panose="020B0604020202020204" pitchFamily="34" charset="0"/>
+              <a:buChar char="•"/>
+            </a:pPr>
+            <a:r>
+              <a:rPr lang="nl-NL" sz="1500" dirty="0"/>
+              <a:t>Makkelijk om data uit te lezen</a:t>
+            </a:r>
+          </a:p>
+          <a:p>
+            <a:pPr>
+              <a:buFont typeface="Arial" panose="020B0604020202020204" pitchFamily="34" charset="0"/>
+              <a:buChar char="•"/>
+            </a:pPr>
+            <a:r>
+              <a:rPr lang="nl-NL" sz="1500" dirty="0"/>
+              <a:t>Zeer moeilijk om data om te vormen in nuttige data (rauwe data VS nuttige waarden in de juiste eenheid)</a:t>
+            </a:r>
+          </a:p>
+          <a:p>
+            <a:pPr>
+              <a:buFont typeface="Arial" panose="020B0604020202020204" pitchFamily="34" charset="0"/>
+              <a:buChar char="•"/>
+            </a:pPr>
+            <a:r>
+              <a:rPr lang="nl-NL" sz="1500" dirty="0"/>
+              <a:t>Moeten afkijken bij andere </a:t>
+            </a:r>
+            <a:r>
+              <a:rPr lang="nl-NL" sz="1500" dirty="0" err="1"/>
+              <a:t>libs</a:t>
+            </a:r>
+            <a:r>
+              <a:rPr lang="nl-NL" sz="1500" dirty="0"/>
+              <a:t> om een implementaties te hebben die correct werkt (dank u </a:t>
+            </a:r>
+            <a:r>
+              <a:rPr lang="nl-NL" sz="1500" dirty="0" err="1"/>
+              <a:t>github</a:t>
+            </a:r>
+            <a:r>
+              <a:rPr lang="nl-NL" sz="1500" dirty="0"/>
+              <a:t>)</a:t>
+            </a:r>
+          </a:p>
+          <a:p>
+            <a:pPr>
+              <a:buFont typeface="Arial" panose="020B0604020202020204" pitchFamily="34" charset="0"/>
+              <a:buChar char="•"/>
+            </a:pPr>
+            <a:endParaRPr lang="nl-NL" sz="1500" dirty="0"/>
+          </a:p>
+          <a:p>
+            <a:pPr>
+              <a:buFont typeface="Arial" panose="020B0604020202020204" pitchFamily="34" charset="0"/>
+              <a:buChar char="•"/>
+            </a:pPr>
+            <a:endParaRPr lang="nl-NL" sz="600" dirty="0"/>
+          </a:p>
+        </p:txBody>
+      </p:sp>
+      <p:pic>
+        <p:nvPicPr>
+          <p:cNvPr id="5" name="Picture 4">
+            <a:extLst>
+              <a:ext uri="{FF2B5EF4-FFF2-40B4-BE49-F238E27FC236}">
+                <a16:creationId xmlns:a16="http://schemas.microsoft.com/office/drawing/2014/main" id="{8ABCED6E-7CF9-D643-FFEB-03B111DD3B36}"/>
+              </a:ext>
+            </a:extLst>
+          </p:cNvPr>
+          <p:cNvPicPr>
+            <a:picLocks noChangeAspect="1"/>
+          </p:cNvPicPr>
+          <p:nvPr/>
+        </p:nvPicPr>
+        <p:blipFill>
+          <a:blip r:embed="rId2"/>
+          <a:stretch>
+            <a:fillRect/>
+          </a:stretch>
+        </p:blipFill>
+        <p:spPr>
+          <a:xfrm>
+            <a:off x="4211960" y="1142984"/>
+            <a:ext cx="4265720" cy="4176464"/>
+          </a:xfrm>
+          <a:prstGeom prst="rect">
+            <a:avLst/>
+          </a:prstGeom>
+        </p:spPr>
+      </p:pic>
+    </p:spTree>
+    <p:extLst>
+      <p:ext uri="{BB962C8B-B14F-4D97-AF65-F5344CB8AC3E}">
+        <p14:creationId xmlns:p14="http://schemas.microsoft.com/office/powerpoint/2010/main" val="2759070786"/>
+      </p:ext>
+    </p:extLst>
+  </p:cSld>
+  <p:clrMapOvr>
+    <a:masterClrMapping/>
+  </p:clrMapOvr>
+</p:sld>
+</file>
+
+<file path=ppt/slides/slide28.xml><?xml version="1.0" encoding="utf-8"?>
+<p:sld xmlns:a="http://schemas.openxmlformats.org/drawingml/2006/main" xmlns:r="http://schemas.openxmlformats.org/officeDocument/2006/relationships" xmlns:p="http://schemas.openxmlformats.org/presentationml/2006/main">
+  <p:cSld>
+    <p:spTree>
+      <p:nvGrpSpPr>
+        <p:cNvPr id="1" name="">
+          <a:extLst>
+            <a:ext uri="{FF2B5EF4-FFF2-40B4-BE49-F238E27FC236}">
+              <a16:creationId xmlns:a16="http://schemas.microsoft.com/office/drawing/2014/main" id="{DF358A55-75AB-1873-5190-B5DAEBB51A11}"/>
+            </a:ext>
+          </a:extLst>
+        </p:cNvPr>
+        <p:cNvGrpSpPr/>
+        <p:nvPr/>
+      </p:nvGrpSpPr>
+      <p:grpSpPr>
+        <a:xfrm>
+          <a:off x="0" y="0"/>
+          <a:ext cx="0" cy="0"/>
+          <a:chOff x="0" y="0"/>
+          <a:chExt cx="0" cy="0"/>
+        </a:xfrm>
+      </p:grpSpPr>
+      <p:sp>
+        <p:nvSpPr>
+          <p:cNvPr id="41987" name="Titel 2">
+            <a:extLst>
+              <a:ext uri="{FF2B5EF4-FFF2-40B4-BE49-F238E27FC236}">
+                <a16:creationId xmlns:a16="http://schemas.microsoft.com/office/drawing/2014/main" id="{203AA55B-F870-DEA6-35BD-702E463F812F}"/>
+              </a:ext>
+            </a:extLst>
+          </p:cNvPr>
+          <p:cNvSpPr>
+            <a:spLocks noGrp="1"/>
+          </p:cNvSpPr>
+          <p:nvPr>
+            <p:ph type="title"/>
+          </p:nvPr>
+        </p:nvSpPr>
+        <p:spPr>
+          <a:noFill/>
+          <a:extLst>
+            <a:ext uri="{91240B29-F687-4F45-9708-019B960494DF}">
+              <a14:hiddenLine xmlns:a14="http://schemas.microsoft.com/office/drawing/2010/main" w="0">
+                <a:solidFill>
+                  <a:srgbClr val="000000"/>
+                </a:solidFill>
+                <a:miter lim="800000"/>
+                <a:headEnd/>
+                <a:tailEnd/>
+              </a14:hiddenLine>
+            </a:ext>
+          </a:extLst>
+        </p:spPr>
+        <p:txBody>
+          <a:bodyPr/>
+          <a:lstStyle/>
+          <a:p>
+            <a:r>
+              <a:rPr lang="nl-BE" altLang="en-US" dirty="0"/>
+              <a:t>Sensor data </a:t>
+            </a:r>
+          </a:p>
+        </p:txBody>
+      </p:sp>
+      <p:sp>
+        <p:nvSpPr>
+          <p:cNvPr id="2" name="Footer Placeholder 1">
+            <a:extLst>
+              <a:ext uri="{FF2B5EF4-FFF2-40B4-BE49-F238E27FC236}">
+                <a16:creationId xmlns:a16="http://schemas.microsoft.com/office/drawing/2014/main" id="{FA363F70-51A6-FF27-6102-8E28C2E1529E}"/>
+              </a:ext>
+            </a:extLst>
+          </p:cNvPr>
+          <p:cNvSpPr>
+            <a:spLocks noGrp="1"/>
+          </p:cNvSpPr>
+          <p:nvPr>
+            <p:ph type="ftr" sz="quarter" idx="11"/>
+          </p:nvPr>
+        </p:nvSpPr>
+        <p:spPr/>
+        <p:txBody>
+          <a:bodyPr/>
+          <a:lstStyle/>
+          <a:p>
+            <a:r>
+              <a:rPr lang="nl-BE" dirty="0"/>
+              <a:t>Projecten van het werkveld – </a:t>
+            </a:r>
+            <a:r>
+              <a:rPr lang="nl-BE" dirty="0" err="1"/>
+              <a:t>IoT</a:t>
+            </a:r>
+            <a:r>
+              <a:rPr lang="nl-BE" dirty="0"/>
+              <a:t> Graduaat</a:t>
+            </a:r>
+          </a:p>
+        </p:txBody>
+      </p:sp>
+      <p:sp>
+        <p:nvSpPr>
+          <p:cNvPr id="3" name="Slide Number Placeholder 2">
+            <a:extLst>
+              <a:ext uri="{FF2B5EF4-FFF2-40B4-BE49-F238E27FC236}">
+                <a16:creationId xmlns:a16="http://schemas.microsoft.com/office/drawing/2014/main" id="{8CAF4481-6EEB-6B3F-2AD5-DACA631D738B}"/>
+              </a:ext>
+            </a:extLst>
+          </p:cNvPr>
+          <p:cNvSpPr>
+            <a:spLocks noGrp="1"/>
+          </p:cNvSpPr>
+          <p:nvPr>
+            <p:ph type="sldNum" sz="quarter" idx="12"/>
+          </p:nvPr>
+        </p:nvSpPr>
+        <p:spPr/>
+        <p:txBody>
+          <a:bodyPr/>
+          <a:lstStyle/>
+          <a:p>
+            <a:fld id="{3B80295F-48CD-49FC-897A-CCEC919B8070}" type="slidenum">
+              <a:rPr lang="nl-BE" smtClean="0"/>
+              <a:pPr/>
+              <a:t>28</a:t>
+            </a:fld>
+            <a:endParaRPr lang="nl-BE" dirty="0"/>
+          </a:p>
+        </p:txBody>
+      </p:sp>
+      <p:sp>
+        <p:nvSpPr>
+          <p:cNvPr id="41988" name="Tijdelijke aanduiding voor dianummer 3">
+            <a:extLst>
+              <a:ext uri="{FF2B5EF4-FFF2-40B4-BE49-F238E27FC236}">
+                <a16:creationId xmlns:a16="http://schemas.microsoft.com/office/drawing/2014/main" id="{10B6C0C2-2886-1FB7-7C95-C7806BDB0585}"/>
+              </a:ext>
+            </a:extLst>
+          </p:cNvPr>
+          <p:cNvSpPr txBox="1">
+            <a:spLocks noGrp="1"/>
+          </p:cNvSpPr>
+          <p:nvPr/>
+        </p:nvSpPr>
+        <p:spPr bwMode="auto">
+          <a:xfrm>
+            <a:off x="360363" y="6083300"/>
+            <a:ext cx="360362" cy="668338"/>
+          </a:xfrm>
+          <a:prstGeom prst="rect">
+            <a:avLst/>
+          </a:prstGeom>
+          <a:solidFill>
+            <a:srgbClr val="00A0AE"/>
+          </a:solidFill>
+          <a:ln>
+            <a:noFill/>
+          </a:ln>
+          <a:extLst>
+            <a:ext uri="{91240B29-F687-4F45-9708-019B960494DF}">
+              <a14:hiddenLine xmlns:a14="http://schemas.microsoft.com/office/drawing/2010/main" w="9525">
+                <a:solidFill>
+                  <a:srgbClr val="000000"/>
+                </a:solidFill>
+                <a:miter lim="800000"/>
+                <a:headEnd/>
+                <a:tailEnd/>
+              </a14:hiddenLine>
+            </a:ext>
+          </a:extLst>
+        </p:spPr>
+        <p:txBody>
+          <a:bodyPr wrap="none" lIns="0" tIns="108000" rIns="0" bIns="0" anchor="ctr"/>
+          <a:lstStyle>
+            <a:lvl1pPr eaLnBrk="0" hangingPunct="0">
+              <a:defRPr>
+                <a:solidFill>
+                  <a:schemeClr val="tx1"/>
+                </a:solidFill>
+                <a:latin typeface="Arial" panose="020B0604020202020204" pitchFamily="34" charset="0"/>
+              </a:defRPr>
+            </a:lvl1pPr>
+            <a:lvl2pPr marL="742950" indent="-285750" eaLnBrk="0" hangingPunct="0">
+              <a:defRPr>
+                <a:solidFill>
+                  <a:schemeClr val="tx1"/>
+                </a:solidFill>
+                <a:latin typeface="Arial" panose="020B0604020202020204" pitchFamily="34" charset="0"/>
+              </a:defRPr>
+            </a:lvl2pPr>
+            <a:lvl3pPr marL="1143000" indent="-228600" eaLnBrk="0" hangingPunct="0">
+              <a:defRPr>
+                <a:solidFill>
+                  <a:schemeClr val="tx1"/>
+                </a:solidFill>
+                <a:latin typeface="Arial" panose="020B0604020202020204" pitchFamily="34" charset="0"/>
+              </a:defRPr>
+            </a:lvl3pPr>
+            <a:lvl4pPr marL="1600200" indent="-228600" eaLnBrk="0" hangingPunct="0">
+              <a:defRPr>
+                <a:solidFill>
+                  <a:schemeClr val="tx1"/>
+                </a:solidFill>
+                <a:latin typeface="Arial" panose="020B0604020202020204" pitchFamily="34" charset="0"/>
+              </a:defRPr>
+            </a:lvl4pPr>
+            <a:lvl5pPr marL="2057400" indent="-228600" eaLnBrk="0" hangingPunct="0">
+              <a:defRPr>
+                <a:solidFill>
+                  <a:schemeClr val="tx1"/>
+                </a:solidFill>
+                <a:latin typeface="Arial" panose="020B0604020202020204" pitchFamily="34" charset="0"/>
+              </a:defRPr>
+            </a:lvl5pPr>
+            <a:lvl6pPr marL="2514600" indent="-228600" eaLnBrk="0" fontAlgn="base" hangingPunct="0">
+              <a:spcBef>
+                <a:spcPct val="0"/>
+              </a:spcBef>
+              <a:spcAft>
+                <a:spcPct val="0"/>
+              </a:spcAft>
+              <a:defRPr>
+                <a:solidFill>
+                  <a:schemeClr val="tx1"/>
+                </a:solidFill>
+                <a:latin typeface="Arial" panose="020B0604020202020204" pitchFamily="34" charset="0"/>
+              </a:defRPr>
+            </a:lvl6pPr>
+            <a:lvl7pPr marL="2971800" indent="-228600" eaLnBrk="0" fontAlgn="base" hangingPunct="0">
+              <a:spcBef>
+                <a:spcPct val="0"/>
+              </a:spcBef>
+              <a:spcAft>
+                <a:spcPct val="0"/>
+              </a:spcAft>
+              <a:defRPr>
+                <a:solidFill>
+                  <a:schemeClr val="tx1"/>
+                </a:solidFill>
+                <a:latin typeface="Arial" panose="020B0604020202020204" pitchFamily="34" charset="0"/>
+              </a:defRPr>
+            </a:lvl7pPr>
+            <a:lvl8pPr marL="3429000" indent="-228600" eaLnBrk="0" fontAlgn="base" hangingPunct="0">
+              <a:spcBef>
+                <a:spcPct val="0"/>
+              </a:spcBef>
+              <a:spcAft>
+                <a:spcPct val="0"/>
+              </a:spcAft>
+              <a:defRPr>
+                <a:solidFill>
+                  <a:schemeClr val="tx1"/>
+                </a:solidFill>
+                <a:latin typeface="Arial" panose="020B0604020202020204" pitchFamily="34" charset="0"/>
+              </a:defRPr>
+            </a:lvl8pPr>
+            <a:lvl9pPr marL="3886200" indent="-228600" eaLnBrk="0" fontAlgn="base" hangingPunct="0">
+              <a:spcBef>
+                <a:spcPct val="0"/>
+              </a:spcBef>
+              <a:spcAft>
+                <a:spcPct val="0"/>
+              </a:spcAft>
+              <a:defRPr>
+                <a:solidFill>
+                  <a:schemeClr val="tx1"/>
+                </a:solidFill>
+                <a:latin typeface="Arial" panose="020B0604020202020204" pitchFamily="34" charset="0"/>
+              </a:defRPr>
+            </a:lvl9pPr>
+          </a:lstStyle>
+          <a:p>
+            <a:pPr eaLnBrk="1" hangingPunct="1"/>
+            <a:fld id="{E7E9740F-FEEC-4722-AD1A-FA148BA257E6}" type="slidenum">
+              <a:rPr lang="nl-BE" altLang="en-US" sz="2000" smtClean="0">
+                <a:solidFill>
+                  <a:srgbClr val="FFFFFF"/>
+                </a:solidFill>
+                <a:latin typeface="Trebuchet MS" panose="020B0603020202020204" pitchFamily="34" charset="0"/>
+              </a:rPr>
+              <a:pPr eaLnBrk="1" hangingPunct="1"/>
+              <a:t>28</a:t>
             </a:fld>
             <a:endParaRPr lang="nl-BE" altLang="en-US" sz="2000">
               <a:solidFill>
@@ -12144,7 +12999,7 @@
 </p:sld>
 </file>
 
-<file path=ppt/slides/slide27.xml><?xml version="1.0" encoding="utf-8"?>
+<file path=ppt/slides/slide29.xml><?xml version="1.0" encoding="utf-8"?>
 <p:sld xmlns:a="http://schemas.openxmlformats.org/drawingml/2006/main" xmlns:r="http://schemas.openxmlformats.org/officeDocument/2006/relationships" xmlns:p="http://schemas.openxmlformats.org/presentationml/2006/main">
   <p:cSld>
     <p:spTree>
@@ -12269,7 +13124,7 @@
             <a:fld id="{3B80295F-48CD-49FC-897A-CCEC919B8070}" type="slidenum">
               <a:rPr lang="nl-BE" smtClean="0"/>
               <a:pPr/>
-              <a:t>27</a:t>
+              <a:t>29</a:t>
             </a:fld>
             <a:endParaRPr lang="nl-BE" dirty="0"/>
           </a:p>
@@ -12426,7 +13281,7 @@
                 <a:latin typeface="Trebuchet MS" panose="020B0603020202020204" pitchFamily="34" charset="0"/>
               </a:rPr>
               <a:pPr eaLnBrk="1" hangingPunct="1"/>
-              <a:t>27</a:t>
+              <a:t>29</a:t>
             </a:fld>
             <a:endParaRPr lang="nl-BE" altLang="en-US" sz="2000">
               <a:solidFill>
@@ -12556,7 +13411,469 @@
 </p:sld>
 </file>
 
-<file path=ppt/slides/slide28.xml><?xml version="1.0" encoding="utf-8"?>
+<file path=ppt/slides/slide3.xml><?xml version="1.0" encoding="utf-8"?>
+<p:sld xmlns:a="http://schemas.openxmlformats.org/drawingml/2006/main" xmlns:r="http://schemas.openxmlformats.org/officeDocument/2006/relationships" xmlns:p="http://schemas.openxmlformats.org/presentationml/2006/main">
+  <p:cSld>
+    <p:spTree>
+      <p:nvGrpSpPr>
+        <p:cNvPr id="1" name="">
+          <a:extLst>
+            <a:ext uri="{FF2B5EF4-FFF2-40B4-BE49-F238E27FC236}">
+              <a16:creationId xmlns:a16="http://schemas.microsoft.com/office/drawing/2014/main" id="{45034D93-0D2C-170E-CAAB-849D473A8057}"/>
+            </a:ext>
+          </a:extLst>
+        </p:cNvPr>
+        <p:cNvGrpSpPr/>
+        <p:nvPr/>
+      </p:nvGrpSpPr>
+      <p:grpSpPr>
+        <a:xfrm>
+          <a:off x="0" y="0"/>
+          <a:ext cx="0" cy="0"/>
+          <a:chOff x="0" y="0"/>
+          <a:chExt cx="0" cy="0"/>
+        </a:xfrm>
+      </p:grpSpPr>
+      <p:sp>
+        <p:nvSpPr>
+          <p:cNvPr id="41987" name="Titel 2">
+            <a:extLst>
+              <a:ext uri="{FF2B5EF4-FFF2-40B4-BE49-F238E27FC236}">
+                <a16:creationId xmlns:a16="http://schemas.microsoft.com/office/drawing/2014/main" id="{D151D23B-3898-2B84-E89E-D60148778DBE}"/>
+              </a:ext>
+            </a:extLst>
+          </p:cNvPr>
+          <p:cNvSpPr>
+            <a:spLocks noGrp="1"/>
+          </p:cNvSpPr>
+          <p:nvPr>
+            <p:ph type="title"/>
+          </p:nvPr>
+        </p:nvSpPr>
+        <p:spPr>
+          <a:noFill/>
+          <a:extLst>
+            <a:ext uri="{91240B29-F687-4F45-9708-019B960494DF}">
+              <a14:hiddenLine xmlns:a14="http://schemas.microsoft.com/office/drawing/2010/main" w="0">
+                <a:solidFill>
+                  <a:srgbClr val="000000"/>
+                </a:solidFill>
+                <a:miter lim="800000"/>
+                <a:headEnd/>
+                <a:tailEnd/>
+              </a14:hiddenLine>
+            </a:ext>
+          </a:extLst>
+        </p:spPr>
+        <p:txBody>
+          <a:bodyPr/>
+          <a:lstStyle/>
+          <a:p>
+            <a:r>
+              <a:rPr lang="nl-BE" altLang="en-US" dirty="0" err="1"/>
+              <a:t>Requirements</a:t>
+            </a:r>
+            <a:endParaRPr lang="nl-BE" altLang="en-US" dirty="0"/>
+          </a:p>
+        </p:txBody>
+      </p:sp>
+      <p:sp>
+        <p:nvSpPr>
+          <p:cNvPr id="41986" name="Tijdelijke aanduiding voor inhoud 1">
+            <a:extLst>
+              <a:ext uri="{FF2B5EF4-FFF2-40B4-BE49-F238E27FC236}">
+                <a16:creationId xmlns:a16="http://schemas.microsoft.com/office/drawing/2014/main" id="{E47EA0A2-F279-501C-586D-BD8ECBF7A390}"/>
+              </a:ext>
+            </a:extLst>
+          </p:cNvPr>
+          <p:cNvSpPr>
+            <a:spLocks noGrp="1"/>
+          </p:cNvSpPr>
+          <p:nvPr>
+            <p:ph idx="1"/>
+          </p:nvPr>
+        </p:nvSpPr>
+        <p:spPr>
+          <a:xfrm>
+            <a:off x="0" y="1152000"/>
+            <a:ext cx="9144000" cy="4777330"/>
+          </a:xfrm>
+          <a:noFill/>
+          <a:ln>
+            <a:noFill/>
+          </a:ln>
+        </p:spPr>
+        <p:txBody>
+          <a:bodyPr bIns="144000">
+            <a:normAutofit/>
+          </a:bodyPr>
+          <a:lstStyle/>
+          <a:p>
+            <a:pPr marL="342900" indent="-342900">
+              <a:buFont typeface="+mj-lt"/>
+              <a:buAutoNum type="arabicPeriod"/>
+            </a:pPr>
+            <a:r>
+              <a:rPr lang="nl-NL" sz="1800" dirty="0"/>
+              <a:t>Temperatuur moet binnen de box gemeten kunnen worden</a:t>
+            </a:r>
+          </a:p>
+          <a:p>
+            <a:pPr marL="342900" indent="-342900">
+              <a:buFont typeface="+mj-lt"/>
+              <a:buAutoNum type="arabicPeriod"/>
+            </a:pPr>
+            <a:r>
+              <a:rPr lang="nl-NL" sz="1800" dirty="0"/>
+              <a:t>Temperatuur moet buiten de box gemeten kunnen worden</a:t>
+            </a:r>
+          </a:p>
+          <a:p>
+            <a:pPr marL="342900" indent="-342900">
+              <a:buFont typeface="+mj-lt"/>
+              <a:buAutoNum type="arabicPeriod"/>
+            </a:pPr>
+            <a:r>
+              <a:rPr lang="nl-NL" sz="1800" dirty="0"/>
+              <a:t>Vochtigheid moet binnen de box gemeten kunnen worden</a:t>
+            </a:r>
+          </a:p>
+          <a:p>
+            <a:pPr marL="342900" indent="-342900">
+              <a:buFont typeface="+mj-lt"/>
+              <a:buAutoNum type="arabicPeriod"/>
+            </a:pPr>
+            <a:r>
+              <a:rPr lang="nl-NL" sz="1800" dirty="0"/>
+              <a:t>Vochtigheid moet buiten de box gemeten kunnen worden</a:t>
+            </a:r>
+          </a:p>
+          <a:p>
+            <a:pPr marL="342900" indent="-342900">
+              <a:buFont typeface="+mj-lt"/>
+              <a:buAutoNum type="arabicPeriod"/>
+            </a:pPr>
+            <a:r>
+              <a:rPr lang="nl-NL" sz="1800" dirty="0"/>
+              <a:t>Als de temperatuur buiten hoger is als binnen moet de temperatuur binnen de box op hetzelfde niveau als buiten komt</a:t>
+            </a:r>
+          </a:p>
+          <a:p>
+            <a:pPr marL="342900" indent="-342900">
+              <a:buFont typeface="+mj-lt"/>
+              <a:buAutoNum type="arabicPeriod"/>
+            </a:pPr>
+            <a:r>
+              <a:rPr lang="nl-NL" sz="1800" dirty="0"/>
+              <a:t>Als de temperatuur in de box X is dan moet de vochtigheid de </a:t>
+            </a:r>
+            <a:r>
+              <a:rPr lang="nl-NL" sz="1800" dirty="0" err="1"/>
+              <a:t>bijhordende</a:t>
+            </a:r>
+            <a:r>
+              <a:rPr lang="nl-NL" sz="1800" dirty="0"/>
+              <a:t> waarde hebben vanuit de gegeven tabel</a:t>
+            </a:r>
+          </a:p>
+          <a:p>
+            <a:pPr marL="342900" indent="-342900">
+              <a:buFont typeface="+mj-lt"/>
+              <a:buAutoNum type="arabicPeriod"/>
+            </a:pPr>
+            <a:r>
+              <a:rPr lang="nl-NL" sz="1800" dirty="0"/>
+              <a:t>Afhankelijk van welke moet een </a:t>
+            </a:r>
+            <a:r>
+              <a:rPr lang="nl-NL" sz="1800" dirty="0" err="1"/>
+              <a:t>relay</a:t>
+            </a:r>
+            <a:r>
+              <a:rPr lang="nl-NL" sz="1800" dirty="0"/>
+              <a:t> gesloten of openen</a:t>
+            </a:r>
+          </a:p>
+          <a:p>
+            <a:pPr marL="0" indent="0">
+              <a:buNone/>
+            </a:pPr>
+            <a:endParaRPr lang="nl-NL" sz="1800" dirty="0"/>
+          </a:p>
+          <a:p>
+            <a:pPr marL="0" indent="0">
+              <a:buNone/>
+            </a:pPr>
+            <a:endParaRPr lang="nl-NL" sz="1800" dirty="0"/>
+          </a:p>
+          <a:p>
+            <a:pPr marL="0" indent="0">
+              <a:buNone/>
+            </a:pPr>
+            <a:endParaRPr lang="nl-NL" sz="1800" dirty="0"/>
+          </a:p>
+          <a:p>
+            <a:pPr marL="0" indent="0">
+              <a:buNone/>
+            </a:pPr>
+            <a:endParaRPr lang="nl-NL" sz="1800" dirty="0"/>
+          </a:p>
+          <a:p>
+            <a:pPr marL="0" indent="0" algn="just">
+              <a:buNone/>
+            </a:pPr>
+            <a:endParaRPr lang="nl-BE" altLang="en-US" sz="1800" dirty="0">
+              <a:solidFill>
+                <a:schemeClr val="accent6">
+                  <a:lumMod val="10000"/>
+                </a:schemeClr>
+              </a:solidFill>
+            </a:endParaRPr>
+          </a:p>
+        </p:txBody>
+      </p:sp>
+      <p:sp>
+        <p:nvSpPr>
+          <p:cNvPr id="2" name="Footer Placeholder 1">
+            <a:extLst>
+              <a:ext uri="{FF2B5EF4-FFF2-40B4-BE49-F238E27FC236}">
+                <a16:creationId xmlns:a16="http://schemas.microsoft.com/office/drawing/2014/main" id="{C772981B-76EF-99A8-735D-8D364BC04F66}"/>
+              </a:ext>
+            </a:extLst>
+          </p:cNvPr>
+          <p:cNvSpPr>
+            <a:spLocks noGrp="1"/>
+          </p:cNvSpPr>
+          <p:nvPr>
+            <p:ph type="ftr" sz="quarter" idx="11"/>
+          </p:nvPr>
+        </p:nvSpPr>
+        <p:spPr/>
+        <p:txBody>
+          <a:bodyPr/>
+          <a:lstStyle/>
+          <a:p>
+            <a:r>
+              <a:rPr lang="nl-BE" dirty="0"/>
+              <a:t>Projecten van het werkveld – </a:t>
+            </a:r>
+            <a:r>
+              <a:rPr lang="nl-BE" dirty="0" err="1"/>
+              <a:t>IoT</a:t>
+            </a:r>
+            <a:r>
+              <a:rPr lang="nl-BE" dirty="0"/>
+              <a:t> Graduaat</a:t>
+            </a:r>
+          </a:p>
+        </p:txBody>
+      </p:sp>
+      <p:sp>
+        <p:nvSpPr>
+          <p:cNvPr id="3" name="Slide Number Placeholder 2">
+            <a:extLst>
+              <a:ext uri="{FF2B5EF4-FFF2-40B4-BE49-F238E27FC236}">
+                <a16:creationId xmlns:a16="http://schemas.microsoft.com/office/drawing/2014/main" id="{EB9654F6-75E6-7CEB-2FF4-881FA70B99B7}"/>
+              </a:ext>
+            </a:extLst>
+          </p:cNvPr>
+          <p:cNvSpPr>
+            <a:spLocks noGrp="1"/>
+          </p:cNvSpPr>
+          <p:nvPr>
+            <p:ph type="sldNum" sz="quarter" idx="12"/>
+          </p:nvPr>
+        </p:nvSpPr>
+        <p:spPr/>
+        <p:txBody>
+          <a:bodyPr/>
+          <a:lstStyle/>
+          <a:p>
+            <a:fld id="{3B80295F-48CD-49FC-897A-CCEC919B8070}" type="slidenum">
+              <a:rPr lang="nl-BE" smtClean="0"/>
+              <a:pPr/>
+              <a:t>3</a:t>
+            </a:fld>
+            <a:endParaRPr lang="nl-BE" dirty="0"/>
+          </a:p>
+        </p:txBody>
+      </p:sp>
+      <p:sp>
+        <p:nvSpPr>
+          <p:cNvPr id="41988" name="Tijdelijke aanduiding voor dianummer 3">
+            <a:extLst>
+              <a:ext uri="{FF2B5EF4-FFF2-40B4-BE49-F238E27FC236}">
+                <a16:creationId xmlns:a16="http://schemas.microsoft.com/office/drawing/2014/main" id="{DCFB56B9-DE09-01B6-3F3F-47A6C37E72F3}"/>
+              </a:ext>
+            </a:extLst>
+          </p:cNvPr>
+          <p:cNvSpPr txBox="1">
+            <a:spLocks noGrp="1"/>
+          </p:cNvSpPr>
+          <p:nvPr/>
+        </p:nvSpPr>
+        <p:spPr bwMode="auto">
+          <a:xfrm>
+            <a:off x="360363" y="6083300"/>
+            <a:ext cx="360362" cy="668338"/>
+          </a:xfrm>
+          <a:prstGeom prst="rect">
+            <a:avLst/>
+          </a:prstGeom>
+          <a:solidFill>
+            <a:srgbClr val="00A0AE"/>
+          </a:solidFill>
+          <a:ln>
+            <a:noFill/>
+          </a:ln>
+          <a:extLst>
+            <a:ext uri="{91240B29-F687-4F45-9708-019B960494DF}">
+              <a14:hiddenLine xmlns:a14="http://schemas.microsoft.com/office/drawing/2010/main" w="9525">
+                <a:solidFill>
+                  <a:srgbClr val="000000"/>
+                </a:solidFill>
+                <a:miter lim="800000"/>
+                <a:headEnd/>
+                <a:tailEnd/>
+              </a14:hiddenLine>
+            </a:ext>
+          </a:extLst>
+        </p:spPr>
+        <p:txBody>
+          <a:bodyPr wrap="none" lIns="0" tIns="108000" rIns="0" bIns="0" anchor="ctr"/>
+          <a:lstStyle>
+            <a:lvl1pPr eaLnBrk="0" hangingPunct="0">
+              <a:defRPr>
+                <a:solidFill>
+                  <a:schemeClr val="tx1"/>
+                </a:solidFill>
+                <a:latin typeface="Arial" panose="020B0604020202020204" pitchFamily="34" charset="0"/>
+              </a:defRPr>
+            </a:lvl1pPr>
+            <a:lvl2pPr marL="742950" indent="-285750" eaLnBrk="0" hangingPunct="0">
+              <a:defRPr>
+                <a:solidFill>
+                  <a:schemeClr val="tx1"/>
+                </a:solidFill>
+                <a:latin typeface="Arial" panose="020B0604020202020204" pitchFamily="34" charset="0"/>
+              </a:defRPr>
+            </a:lvl2pPr>
+            <a:lvl3pPr marL="1143000" indent="-228600" eaLnBrk="0" hangingPunct="0">
+              <a:defRPr>
+                <a:solidFill>
+                  <a:schemeClr val="tx1"/>
+                </a:solidFill>
+                <a:latin typeface="Arial" panose="020B0604020202020204" pitchFamily="34" charset="0"/>
+              </a:defRPr>
+            </a:lvl3pPr>
+            <a:lvl4pPr marL="1600200" indent="-228600" eaLnBrk="0" hangingPunct="0">
+              <a:defRPr>
+                <a:solidFill>
+                  <a:schemeClr val="tx1"/>
+                </a:solidFill>
+                <a:latin typeface="Arial" panose="020B0604020202020204" pitchFamily="34" charset="0"/>
+              </a:defRPr>
+            </a:lvl4pPr>
+            <a:lvl5pPr marL="2057400" indent="-228600" eaLnBrk="0" hangingPunct="0">
+              <a:defRPr>
+                <a:solidFill>
+                  <a:schemeClr val="tx1"/>
+                </a:solidFill>
+                <a:latin typeface="Arial" panose="020B0604020202020204" pitchFamily="34" charset="0"/>
+              </a:defRPr>
+            </a:lvl5pPr>
+            <a:lvl6pPr marL="2514600" indent="-228600" eaLnBrk="0" fontAlgn="base" hangingPunct="0">
+              <a:spcBef>
+                <a:spcPct val="0"/>
+              </a:spcBef>
+              <a:spcAft>
+                <a:spcPct val="0"/>
+              </a:spcAft>
+              <a:defRPr>
+                <a:solidFill>
+                  <a:schemeClr val="tx1"/>
+                </a:solidFill>
+                <a:latin typeface="Arial" panose="020B0604020202020204" pitchFamily="34" charset="0"/>
+              </a:defRPr>
+            </a:lvl6pPr>
+            <a:lvl7pPr marL="2971800" indent="-228600" eaLnBrk="0" fontAlgn="base" hangingPunct="0">
+              <a:spcBef>
+                <a:spcPct val="0"/>
+              </a:spcBef>
+              <a:spcAft>
+                <a:spcPct val="0"/>
+              </a:spcAft>
+              <a:defRPr>
+                <a:solidFill>
+                  <a:schemeClr val="tx1"/>
+                </a:solidFill>
+                <a:latin typeface="Arial" panose="020B0604020202020204" pitchFamily="34" charset="0"/>
+              </a:defRPr>
+            </a:lvl7pPr>
+            <a:lvl8pPr marL="3429000" indent="-228600" eaLnBrk="0" fontAlgn="base" hangingPunct="0">
+              <a:spcBef>
+                <a:spcPct val="0"/>
+              </a:spcBef>
+              <a:spcAft>
+                <a:spcPct val="0"/>
+              </a:spcAft>
+              <a:defRPr>
+                <a:solidFill>
+                  <a:schemeClr val="tx1"/>
+                </a:solidFill>
+                <a:latin typeface="Arial" panose="020B0604020202020204" pitchFamily="34" charset="0"/>
+              </a:defRPr>
+            </a:lvl8pPr>
+            <a:lvl9pPr marL="3886200" indent="-228600" eaLnBrk="0" fontAlgn="base" hangingPunct="0">
+              <a:spcBef>
+                <a:spcPct val="0"/>
+              </a:spcBef>
+              <a:spcAft>
+                <a:spcPct val="0"/>
+              </a:spcAft>
+              <a:defRPr>
+                <a:solidFill>
+                  <a:schemeClr val="tx1"/>
+                </a:solidFill>
+                <a:latin typeface="Arial" panose="020B0604020202020204" pitchFamily="34" charset="0"/>
+              </a:defRPr>
+            </a:lvl9pPr>
+          </a:lstStyle>
+          <a:p>
+            <a:pPr eaLnBrk="1" hangingPunct="1"/>
+            <a:fld id="{E7E9740F-FEEC-4722-AD1A-FA148BA257E6}" type="slidenum">
+              <a:rPr lang="nl-BE" altLang="en-US" sz="2000" smtClean="0">
+                <a:solidFill>
+                  <a:srgbClr val="FFFFFF"/>
+                </a:solidFill>
+                <a:latin typeface="Trebuchet MS" panose="020B0603020202020204" pitchFamily="34" charset="0"/>
+              </a:rPr>
+              <a:pPr eaLnBrk="1" hangingPunct="1"/>
+              <a:t>3</a:t>
+            </a:fld>
+            <a:endParaRPr lang="nl-BE" altLang="en-US" sz="2000">
+              <a:solidFill>
+                <a:srgbClr val="FFFFFF"/>
+              </a:solidFill>
+              <a:latin typeface="Trebuchet MS" panose="020B0603020202020204" pitchFamily="34" charset="0"/>
+            </a:endParaRPr>
+          </a:p>
+        </p:txBody>
+      </p:sp>
+    </p:spTree>
+    <p:extLst>
+      <p:ext uri="{BB962C8B-B14F-4D97-AF65-F5344CB8AC3E}">
+        <p14:creationId xmlns:p14="http://schemas.microsoft.com/office/powerpoint/2010/main" val="2020119689"/>
+      </p:ext>
+    </p:extLst>
+  </p:cSld>
+  <p:clrMapOvr>
+    <a:masterClrMapping/>
+  </p:clrMapOvr>
+</p:sld>
+</file>
+
+<file path=ppt/slides/slide30.xml><?xml version="1.0" encoding="utf-8"?>
 <p:sld xmlns:a="http://schemas.openxmlformats.org/drawingml/2006/main" xmlns:r="http://schemas.openxmlformats.org/officeDocument/2006/relationships" xmlns:p="http://schemas.openxmlformats.org/presentationml/2006/main">
   <p:cSld>
     <p:spTree>
@@ -12685,7 +14002,7 @@
             <a:fld id="{3B80295F-48CD-49FC-897A-CCEC919B8070}" type="slidenum">
               <a:rPr lang="nl-BE" smtClean="0"/>
               <a:pPr/>
-              <a:t>28</a:t>
+              <a:t>30</a:t>
             </a:fld>
             <a:endParaRPr lang="nl-BE" dirty="0"/>
           </a:p>
@@ -12842,7 +14159,7 @@
                 <a:latin typeface="Trebuchet MS" panose="020B0603020202020204" pitchFamily="34" charset="0"/>
               </a:rPr>
               <a:pPr eaLnBrk="1" hangingPunct="1"/>
-              <a:t>28</a:t>
+              <a:t>30</a:t>
             </a:fld>
             <a:endParaRPr lang="nl-BE" altLang="en-US" sz="2000">
               <a:solidFill>
@@ -13029,7 +14346,7 @@
 </p:sld>
 </file>
 
-<file path=ppt/slides/slide29.xml><?xml version="1.0" encoding="utf-8"?>
+<file path=ppt/slides/slide31.xml><?xml version="1.0" encoding="utf-8"?>
 <p:sld xmlns:a="http://schemas.openxmlformats.org/drawingml/2006/main" xmlns:r="http://schemas.openxmlformats.org/officeDocument/2006/relationships" xmlns:p="http://schemas.openxmlformats.org/presentationml/2006/main">
   <p:cSld>
     <p:spTree>
@@ -13158,7 +14475,7 @@
             <a:fld id="{3B80295F-48CD-49FC-897A-CCEC919B8070}" type="slidenum">
               <a:rPr lang="nl-BE" smtClean="0"/>
               <a:pPr/>
-              <a:t>29</a:t>
+              <a:t>31</a:t>
             </a:fld>
             <a:endParaRPr lang="nl-BE" dirty="0"/>
           </a:p>
@@ -13315,7 +14632,7 @@
                 <a:latin typeface="Trebuchet MS" panose="020B0603020202020204" pitchFamily="34" charset="0"/>
               </a:rPr>
               <a:pPr eaLnBrk="1" hangingPunct="1"/>
-              <a:t>29</a:t>
+              <a:t>31</a:t>
             </a:fld>
             <a:endParaRPr lang="nl-BE" altLang="en-US" sz="2000">
               <a:solidFill>
@@ -13472,469 +14789,7 @@
 </p:sld>
 </file>
 
-<file path=ppt/slides/slide3.xml><?xml version="1.0" encoding="utf-8"?>
-<p:sld xmlns:a="http://schemas.openxmlformats.org/drawingml/2006/main" xmlns:r="http://schemas.openxmlformats.org/officeDocument/2006/relationships" xmlns:p="http://schemas.openxmlformats.org/presentationml/2006/main">
-  <p:cSld>
-    <p:spTree>
-      <p:nvGrpSpPr>
-        <p:cNvPr id="1" name="">
-          <a:extLst>
-            <a:ext uri="{FF2B5EF4-FFF2-40B4-BE49-F238E27FC236}">
-              <a16:creationId xmlns:a16="http://schemas.microsoft.com/office/drawing/2014/main" id="{45034D93-0D2C-170E-CAAB-849D473A8057}"/>
-            </a:ext>
-          </a:extLst>
-        </p:cNvPr>
-        <p:cNvGrpSpPr/>
-        <p:nvPr/>
-      </p:nvGrpSpPr>
-      <p:grpSpPr>
-        <a:xfrm>
-          <a:off x="0" y="0"/>
-          <a:ext cx="0" cy="0"/>
-          <a:chOff x="0" y="0"/>
-          <a:chExt cx="0" cy="0"/>
-        </a:xfrm>
-      </p:grpSpPr>
-      <p:sp>
-        <p:nvSpPr>
-          <p:cNvPr id="41987" name="Titel 2">
-            <a:extLst>
-              <a:ext uri="{FF2B5EF4-FFF2-40B4-BE49-F238E27FC236}">
-                <a16:creationId xmlns:a16="http://schemas.microsoft.com/office/drawing/2014/main" id="{D151D23B-3898-2B84-E89E-D60148778DBE}"/>
-              </a:ext>
-            </a:extLst>
-          </p:cNvPr>
-          <p:cNvSpPr>
-            <a:spLocks noGrp="1"/>
-          </p:cNvSpPr>
-          <p:nvPr>
-            <p:ph type="title"/>
-          </p:nvPr>
-        </p:nvSpPr>
-        <p:spPr>
-          <a:noFill/>
-          <a:extLst>
-            <a:ext uri="{91240B29-F687-4F45-9708-019B960494DF}">
-              <a14:hiddenLine xmlns:a14="http://schemas.microsoft.com/office/drawing/2010/main" w="0">
-                <a:solidFill>
-                  <a:srgbClr val="000000"/>
-                </a:solidFill>
-                <a:miter lim="800000"/>
-                <a:headEnd/>
-                <a:tailEnd/>
-              </a14:hiddenLine>
-            </a:ext>
-          </a:extLst>
-        </p:spPr>
-        <p:txBody>
-          <a:bodyPr/>
-          <a:lstStyle/>
-          <a:p>
-            <a:r>
-              <a:rPr lang="nl-BE" altLang="en-US" dirty="0" err="1"/>
-              <a:t>Requirements</a:t>
-            </a:r>
-            <a:endParaRPr lang="nl-BE" altLang="en-US" dirty="0"/>
-          </a:p>
-        </p:txBody>
-      </p:sp>
-      <p:sp>
-        <p:nvSpPr>
-          <p:cNvPr id="41986" name="Tijdelijke aanduiding voor inhoud 1">
-            <a:extLst>
-              <a:ext uri="{FF2B5EF4-FFF2-40B4-BE49-F238E27FC236}">
-                <a16:creationId xmlns:a16="http://schemas.microsoft.com/office/drawing/2014/main" id="{E47EA0A2-F279-501C-586D-BD8ECBF7A390}"/>
-              </a:ext>
-            </a:extLst>
-          </p:cNvPr>
-          <p:cNvSpPr>
-            <a:spLocks noGrp="1"/>
-          </p:cNvSpPr>
-          <p:nvPr>
-            <p:ph idx="1"/>
-          </p:nvPr>
-        </p:nvSpPr>
-        <p:spPr>
-          <a:xfrm>
-            <a:off x="0" y="1152000"/>
-            <a:ext cx="9144000" cy="4777330"/>
-          </a:xfrm>
-          <a:noFill/>
-          <a:ln>
-            <a:noFill/>
-          </a:ln>
-        </p:spPr>
-        <p:txBody>
-          <a:bodyPr bIns="144000">
-            <a:normAutofit/>
-          </a:bodyPr>
-          <a:lstStyle/>
-          <a:p>
-            <a:pPr marL="342900" indent="-342900">
-              <a:buFont typeface="+mj-lt"/>
-              <a:buAutoNum type="arabicPeriod"/>
-            </a:pPr>
-            <a:r>
-              <a:rPr lang="nl-NL" sz="1800" dirty="0"/>
-              <a:t>Temperatuur moet binnen de box gemeten kunnen worden</a:t>
-            </a:r>
-          </a:p>
-          <a:p>
-            <a:pPr marL="342900" indent="-342900">
-              <a:buFont typeface="+mj-lt"/>
-              <a:buAutoNum type="arabicPeriod"/>
-            </a:pPr>
-            <a:r>
-              <a:rPr lang="nl-NL" sz="1800" dirty="0"/>
-              <a:t>Temperatuur moet buiten de box gemeten kunnen worden</a:t>
-            </a:r>
-          </a:p>
-          <a:p>
-            <a:pPr marL="342900" indent="-342900">
-              <a:buFont typeface="+mj-lt"/>
-              <a:buAutoNum type="arabicPeriod"/>
-            </a:pPr>
-            <a:r>
-              <a:rPr lang="nl-NL" sz="1800" dirty="0"/>
-              <a:t>Vochtigheid moet binnen de box gemeten kunnen worden</a:t>
-            </a:r>
-          </a:p>
-          <a:p>
-            <a:pPr marL="342900" indent="-342900">
-              <a:buFont typeface="+mj-lt"/>
-              <a:buAutoNum type="arabicPeriod"/>
-            </a:pPr>
-            <a:r>
-              <a:rPr lang="nl-NL" sz="1800" dirty="0"/>
-              <a:t>Vochtigheid moet buiten de box gemeten kunnen worden</a:t>
-            </a:r>
-          </a:p>
-          <a:p>
-            <a:pPr marL="342900" indent="-342900">
-              <a:buFont typeface="+mj-lt"/>
-              <a:buAutoNum type="arabicPeriod"/>
-            </a:pPr>
-            <a:r>
-              <a:rPr lang="nl-NL" sz="1800" dirty="0"/>
-              <a:t>Als de temperatuur buiten hoger is als binnen moet de temperatuur binnen de box op hetzelfde niveau als buiten komt</a:t>
-            </a:r>
-          </a:p>
-          <a:p>
-            <a:pPr marL="342900" indent="-342900">
-              <a:buFont typeface="+mj-lt"/>
-              <a:buAutoNum type="arabicPeriod"/>
-            </a:pPr>
-            <a:r>
-              <a:rPr lang="nl-NL" sz="1800" dirty="0"/>
-              <a:t>Als de temperatuur in de box X is dan moet de vochtigheid de </a:t>
-            </a:r>
-            <a:r>
-              <a:rPr lang="nl-NL" sz="1800" dirty="0" err="1"/>
-              <a:t>bijhordende</a:t>
-            </a:r>
-            <a:r>
-              <a:rPr lang="nl-NL" sz="1800" dirty="0"/>
-              <a:t> waarde hebben vanuit de gegeven tabel</a:t>
-            </a:r>
-          </a:p>
-          <a:p>
-            <a:pPr marL="342900" indent="-342900">
-              <a:buFont typeface="+mj-lt"/>
-              <a:buAutoNum type="arabicPeriod"/>
-            </a:pPr>
-            <a:r>
-              <a:rPr lang="nl-NL" sz="1800" dirty="0"/>
-              <a:t>Afhankelijk van welke moet een </a:t>
-            </a:r>
-            <a:r>
-              <a:rPr lang="nl-NL" sz="1800" dirty="0" err="1"/>
-              <a:t>relay</a:t>
-            </a:r>
-            <a:r>
-              <a:rPr lang="nl-NL" sz="1800" dirty="0"/>
-              <a:t> gesloten of openen</a:t>
-            </a:r>
-          </a:p>
-          <a:p>
-            <a:pPr marL="0" indent="0">
-              <a:buNone/>
-            </a:pPr>
-            <a:endParaRPr lang="nl-NL" sz="1800" dirty="0"/>
-          </a:p>
-          <a:p>
-            <a:pPr marL="0" indent="0">
-              <a:buNone/>
-            </a:pPr>
-            <a:endParaRPr lang="nl-NL" sz="1800" dirty="0"/>
-          </a:p>
-          <a:p>
-            <a:pPr marL="0" indent="0">
-              <a:buNone/>
-            </a:pPr>
-            <a:endParaRPr lang="nl-NL" sz="1800" dirty="0"/>
-          </a:p>
-          <a:p>
-            <a:pPr marL="0" indent="0">
-              <a:buNone/>
-            </a:pPr>
-            <a:endParaRPr lang="nl-NL" sz="1800" dirty="0"/>
-          </a:p>
-          <a:p>
-            <a:pPr marL="0" indent="0" algn="just">
-              <a:buNone/>
-            </a:pPr>
-            <a:endParaRPr lang="nl-BE" altLang="en-US" sz="1800" dirty="0">
-              <a:solidFill>
-                <a:schemeClr val="accent6">
-                  <a:lumMod val="10000"/>
-                </a:schemeClr>
-              </a:solidFill>
-            </a:endParaRPr>
-          </a:p>
-        </p:txBody>
-      </p:sp>
-      <p:sp>
-        <p:nvSpPr>
-          <p:cNvPr id="2" name="Footer Placeholder 1">
-            <a:extLst>
-              <a:ext uri="{FF2B5EF4-FFF2-40B4-BE49-F238E27FC236}">
-                <a16:creationId xmlns:a16="http://schemas.microsoft.com/office/drawing/2014/main" id="{C772981B-76EF-99A8-735D-8D364BC04F66}"/>
-              </a:ext>
-            </a:extLst>
-          </p:cNvPr>
-          <p:cNvSpPr>
-            <a:spLocks noGrp="1"/>
-          </p:cNvSpPr>
-          <p:nvPr>
-            <p:ph type="ftr" sz="quarter" idx="11"/>
-          </p:nvPr>
-        </p:nvSpPr>
-        <p:spPr/>
-        <p:txBody>
-          <a:bodyPr/>
-          <a:lstStyle/>
-          <a:p>
-            <a:r>
-              <a:rPr lang="nl-BE" dirty="0"/>
-              <a:t>Projecten van het werkveld – </a:t>
-            </a:r>
-            <a:r>
-              <a:rPr lang="nl-BE" dirty="0" err="1"/>
-              <a:t>IoT</a:t>
-            </a:r>
-            <a:r>
-              <a:rPr lang="nl-BE" dirty="0"/>
-              <a:t> Graduaat</a:t>
-            </a:r>
-          </a:p>
-        </p:txBody>
-      </p:sp>
-      <p:sp>
-        <p:nvSpPr>
-          <p:cNvPr id="3" name="Slide Number Placeholder 2">
-            <a:extLst>
-              <a:ext uri="{FF2B5EF4-FFF2-40B4-BE49-F238E27FC236}">
-                <a16:creationId xmlns:a16="http://schemas.microsoft.com/office/drawing/2014/main" id="{EB9654F6-75E6-7CEB-2FF4-881FA70B99B7}"/>
-              </a:ext>
-            </a:extLst>
-          </p:cNvPr>
-          <p:cNvSpPr>
-            <a:spLocks noGrp="1"/>
-          </p:cNvSpPr>
-          <p:nvPr>
-            <p:ph type="sldNum" sz="quarter" idx="12"/>
-          </p:nvPr>
-        </p:nvSpPr>
-        <p:spPr/>
-        <p:txBody>
-          <a:bodyPr/>
-          <a:lstStyle/>
-          <a:p>
-            <a:fld id="{3B80295F-48CD-49FC-897A-CCEC919B8070}" type="slidenum">
-              <a:rPr lang="nl-BE" smtClean="0"/>
-              <a:pPr/>
-              <a:t>3</a:t>
-            </a:fld>
-            <a:endParaRPr lang="nl-BE" dirty="0"/>
-          </a:p>
-        </p:txBody>
-      </p:sp>
-      <p:sp>
-        <p:nvSpPr>
-          <p:cNvPr id="41988" name="Tijdelijke aanduiding voor dianummer 3">
-            <a:extLst>
-              <a:ext uri="{FF2B5EF4-FFF2-40B4-BE49-F238E27FC236}">
-                <a16:creationId xmlns:a16="http://schemas.microsoft.com/office/drawing/2014/main" id="{DCFB56B9-DE09-01B6-3F3F-47A6C37E72F3}"/>
-              </a:ext>
-            </a:extLst>
-          </p:cNvPr>
-          <p:cNvSpPr txBox="1">
-            <a:spLocks noGrp="1"/>
-          </p:cNvSpPr>
-          <p:nvPr/>
-        </p:nvSpPr>
-        <p:spPr bwMode="auto">
-          <a:xfrm>
-            <a:off x="360363" y="6083300"/>
-            <a:ext cx="360362" cy="668338"/>
-          </a:xfrm>
-          <a:prstGeom prst="rect">
-            <a:avLst/>
-          </a:prstGeom>
-          <a:solidFill>
-            <a:srgbClr val="00A0AE"/>
-          </a:solidFill>
-          <a:ln>
-            <a:noFill/>
-          </a:ln>
-          <a:extLst>
-            <a:ext uri="{91240B29-F687-4F45-9708-019B960494DF}">
-              <a14:hiddenLine xmlns:a14="http://schemas.microsoft.com/office/drawing/2010/main" w="9525">
-                <a:solidFill>
-                  <a:srgbClr val="000000"/>
-                </a:solidFill>
-                <a:miter lim="800000"/>
-                <a:headEnd/>
-                <a:tailEnd/>
-              </a14:hiddenLine>
-            </a:ext>
-          </a:extLst>
-        </p:spPr>
-        <p:txBody>
-          <a:bodyPr wrap="none" lIns="0" tIns="108000" rIns="0" bIns="0" anchor="ctr"/>
-          <a:lstStyle>
-            <a:lvl1pPr eaLnBrk="0" hangingPunct="0">
-              <a:defRPr>
-                <a:solidFill>
-                  <a:schemeClr val="tx1"/>
-                </a:solidFill>
-                <a:latin typeface="Arial" panose="020B0604020202020204" pitchFamily="34" charset="0"/>
-              </a:defRPr>
-            </a:lvl1pPr>
-            <a:lvl2pPr marL="742950" indent="-285750" eaLnBrk="0" hangingPunct="0">
-              <a:defRPr>
-                <a:solidFill>
-                  <a:schemeClr val="tx1"/>
-                </a:solidFill>
-                <a:latin typeface="Arial" panose="020B0604020202020204" pitchFamily="34" charset="0"/>
-              </a:defRPr>
-            </a:lvl2pPr>
-            <a:lvl3pPr marL="1143000" indent="-228600" eaLnBrk="0" hangingPunct="0">
-              <a:defRPr>
-                <a:solidFill>
-                  <a:schemeClr val="tx1"/>
-                </a:solidFill>
-                <a:latin typeface="Arial" panose="020B0604020202020204" pitchFamily="34" charset="0"/>
-              </a:defRPr>
-            </a:lvl3pPr>
-            <a:lvl4pPr marL="1600200" indent="-228600" eaLnBrk="0" hangingPunct="0">
-              <a:defRPr>
-                <a:solidFill>
-                  <a:schemeClr val="tx1"/>
-                </a:solidFill>
-                <a:latin typeface="Arial" panose="020B0604020202020204" pitchFamily="34" charset="0"/>
-              </a:defRPr>
-            </a:lvl4pPr>
-            <a:lvl5pPr marL="2057400" indent="-228600" eaLnBrk="0" hangingPunct="0">
-              <a:defRPr>
-                <a:solidFill>
-                  <a:schemeClr val="tx1"/>
-                </a:solidFill>
-                <a:latin typeface="Arial" panose="020B0604020202020204" pitchFamily="34" charset="0"/>
-              </a:defRPr>
-            </a:lvl5pPr>
-            <a:lvl6pPr marL="2514600" indent="-228600" eaLnBrk="0" fontAlgn="base" hangingPunct="0">
-              <a:spcBef>
-                <a:spcPct val="0"/>
-              </a:spcBef>
-              <a:spcAft>
-                <a:spcPct val="0"/>
-              </a:spcAft>
-              <a:defRPr>
-                <a:solidFill>
-                  <a:schemeClr val="tx1"/>
-                </a:solidFill>
-                <a:latin typeface="Arial" panose="020B0604020202020204" pitchFamily="34" charset="0"/>
-              </a:defRPr>
-            </a:lvl6pPr>
-            <a:lvl7pPr marL="2971800" indent="-228600" eaLnBrk="0" fontAlgn="base" hangingPunct="0">
-              <a:spcBef>
-                <a:spcPct val="0"/>
-              </a:spcBef>
-              <a:spcAft>
-                <a:spcPct val="0"/>
-              </a:spcAft>
-              <a:defRPr>
-                <a:solidFill>
-                  <a:schemeClr val="tx1"/>
-                </a:solidFill>
-                <a:latin typeface="Arial" panose="020B0604020202020204" pitchFamily="34" charset="0"/>
-              </a:defRPr>
-            </a:lvl7pPr>
-            <a:lvl8pPr marL="3429000" indent="-228600" eaLnBrk="0" fontAlgn="base" hangingPunct="0">
-              <a:spcBef>
-                <a:spcPct val="0"/>
-              </a:spcBef>
-              <a:spcAft>
-                <a:spcPct val="0"/>
-              </a:spcAft>
-              <a:defRPr>
-                <a:solidFill>
-                  <a:schemeClr val="tx1"/>
-                </a:solidFill>
-                <a:latin typeface="Arial" panose="020B0604020202020204" pitchFamily="34" charset="0"/>
-              </a:defRPr>
-            </a:lvl8pPr>
-            <a:lvl9pPr marL="3886200" indent="-228600" eaLnBrk="0" fontAlgn="base" hangingPunct="0">
-              <a:spcBef>
-                <a:spcPct val="0"/>
-              </a:spcBef>
-              <a:spcAft>
-                <a:spcPct val="0"/>
-              </a:spcAft>
-              <a:defRPr>
-                <a:solidFill>
-                  <a:schemeClr val="tx1"/>
-                </a:solidFill>
-                <a:latin typeface="Arial" panose="020B0604020202020204" pitchFamily="34" charset="0"/>
-              </a:defRPr>
-            </a:lvl9pPr>
-          </a:lstStyle>
-          <a:p>
-            <a:pPr eaLnBrk="1" hangingPunct="1"/>
-            <a:fld id="{E7E9740F-FEEC-4722-AD1A-FA148BA257E6}" type="slidenum">
-              <a:rPr lang="nl-BE" altLang="en-US" sz="2000" smtClean="0">
-                <a:solidFill>
-                  <a:srgbClr val="FFFFFF"/>
-                </a:solidFill>
-                <a:latin typeface="Trebuchet MS" panose="020B0603020202020204" pitchFamily="34" charset="0"/>
-              </a:rPr>
-              <a:pPr eaLnBrk="1" hangingPunct="1"/>
-              <a:t>3</a:t>
-            </a:fld>
-            <a:endParaRPr lang="nl-BE" altLang="en-US" sz="2000">
-              <a:solidFill>
-                <a:srgbClr val="FFFFFF"/>
-              </a:solidFill>
-              <a:latin typeface="Trebuchet MS" panose="020B0603020202020204" pitchFamily="34" charset="0"/>
-            </a:endParaRPr>
-          </a:p>
-        </p:txBody>
-      </p:sp>
-    </p:spTree>
-    <p:extLst>
-      <p:ext uri="{BB962C8B-B14F-4D97-AF65-F5344CB8AC3E}">
-        <p14:creationId xmlns:p14="http://schemas.microsoft.com/office/powerpoint/2010/main" val="2020119689"/>
-      </p:ext>
-    </p:extLst>
-  </p:cSld>
-  <p:clrMapOvr>
-    <a:masterClrMapping/>
-  </p:clrMapOvr>
-</p:sld>
-</file>
-
-<file path=ppt/slides/slide30.xml><?xml version="1.0" encoding="utf-8"?>
+<file path=ppt/slides/slide32.xml><?xml version="1.0" encoding="utf-8"?>
 <p:sld xmlns:a="http://schemas.openxmlformats.org/drawingml/2006/main" xmlns:r="http://schemas.openxmlformats.org/officeDocument/2006/relationships" xmlns:p="http://schemas.openxmlformats.org/presentationml/2006/main">
   <p:cSld>
     <p:spTree>
@@ -14063,7 +14918,7 @@
             <a:fld id="{3B80295F-48CD-49FC-897A-CCEC919B8070}" type="slidenum">
               <a:rPr lang="nl-BE" smtClean="0"/>
               <a:pPr/>
-              <a:t>30</a:t>
+              <a:t>32</a:t>
             </a:fld>
             <a:endParaRPr lang="nl-BE" dirty="0"/>
           </a:p>
@@ -14220,7 +15075,7 @@
                 <a:latin typeface="Trebuchet MS" panose="020B0603020202020204" pitchFamily="34" charset="0"/>
               </a:rPr>
               <a:pPr eaLnBrk="1" hangingPunct="1"/>
-              <a:t>30</a:t>
+              <a:t>32</a:t>
             </a:fld>
             <a:endParaRPr lang="nl-BE" altLang="en-US" sz="2000">
               <a:solidFill>
@@ -14394,7 +15249,7 @@
 </p:sld>
 </file>
 
-<file path=ppt/slides/slide31.xml><?xml version="1.0" encoding="utf-8"?>
+<file path=ppt/slides/slide33.xml><?xml version="1.0" encoding="utf-8"?>
 <p:sld xmlns:a="http://schemas.openxmlformats.org/drawingml/2006/main" xmlns:r="http://schemas.openxmlformats.org/officeDocument/2006/relationships" xmlns:p="http://schemas.openxmlformats.org/presentationml/2006/main">
   <p:cSld>
     <p:spTree>
@@ -14519,7 +15374,7 @@
             <a:fld id="{3B80295F-48CD-49FC-897A-CCEC919B8070}" type="slidenum">
               <a:rPr lang="nl-BE" smtClean="0"/>
               <a:pPr/>
-              <a:t>31</a:t>
+              <a:t>33</a:t>
             </a:fld>
             <a:endParaRPr lang="nl-BE" dirty="0"/>
           </a:p>
@@ -14676,7 +15531,7 @@
                 <a:latin typeface="Trebuchet MS" panose="020B0603020202020204" pitchFamily="34" charset="0"/>
               </a:rPr>
               <a:pPr eaLnBrk="1" hangingPunct="1"/>
-              <a:t>31</a:t>
+              <a:t>33</a:t>
             </a:fld>
             <a:endParaRPr lang="nl-BE" altLang="en-US" sz="2000">
               <a:solidFill>
@@ -14830,7 +15685,7 @@
 </p:sld>
 </file>
 
-<file path=ppt/slides/slide32.xml><?xml version="1.0" encoding="utf-8"?>
+<file path=ppt/slides/slide34.xml><?xml version="1.0" encoding="utf-8"?>
 <p:sld xmlns:a="http://schemas.openxmlformats.org/drawingml/2006/main" xmlns:r="http://schemas.openxmlformats.org/officeDocument/2006/relationships" xmlns:p="http://schemas.openxmlformats.org/presentationml/2006/main">
   <p:cSld>
     <p:spTree>
@@ -14955,7 +15810,7 @@
             <a:fld id="{3B80295F-48CD-49FC-897A-CCEC919B8070}" type="slidenum">
               <a:rPr lang="nl-BE" smtClean="0"/>
               <a:pPr/>
-              <a:t>32</a:t>
+              <a:t>34</a:t>
             </a:fld>
             <a:endParaRPr lang="nl-BE" dirty="0"/>
           </a:p>
@@ -15112,7 +15967,7 @@
                 <a:latin typeface="Trebuchet MS" panose="020B0603020202020204" pitchFamily="34" charset="0"/>
               </a:rPr>
               <a:pPr eaLnBrk="1" hangingPunct="1"/>
-              <a:t>32</a:t>
+              <a:t>34</a:t>
             </a:fld>
             <a:endParaRPr lang="nl-BE" altLang="en-US" sz="2000">
               <a:solidFill>
@@ -15274,7 +16129,7 @@
 </p:sld>
 </file>
 
-<file path=ppt/slides/slide33.xml><?xml version="1.0" encoding="utf-8"?>
+<file path=ppt/slides/slide35.xml><?xml version="1.0" encoding="utf-8"?>
 <p:sld xmlns:a="http://schemas.openxmlformats.org/drawingml/2006/main" xmlns:r="http://schemas.openxmlformats.org/officeDocument/2006/relationships" xmlns:p="http://schemas.openxmlformats.org/presentationml/2006/main">
   <p:cSld>
     <p:spTree>
@@ -15399,7 +16254,7 @@
             <a:fld id="{3B80295F-48CD-49FC-897A-CCEC919B8070}" type="slidenum">
               <a:rPr lang="nl-BE" smtClean="0"/>
               <a:pPr/>
-              <a:t>33</a:t>
+              <a:t>35</a:t>
             </a:fld>
             <a:endParaRPr lang="nl-BE" dirty="0"/>
           </a:p>
@@ -15556,7 +16411,7 @@
                 <a:latin typeface="Trebuchet MS" panose="020B0603020202020204" pitchFamily="34" charset="0"/>
               </a:rPr>
               <a:pPr eaLnBrk="1" hangingPunct="1"/>
-              <a:t>33</a:t>
+              <a:t>35</a:t>
             </a:fld>
             <a:endParaRPr lang="nl-BE" altLang="en-US" sz="2000">
               <a:solidFill>
@@ -15685,7 +16540,1009 @@
 </p:sld>
 </file>
 
-<file path=ppt/slides/slide34.xml><?xml version="1.0" encoding="utf-8"?>
+<file path=ppt/slides/slide36.xml><?xml version="1.0" encoding="utf-8"?>
+<p:sld xmlns:a="http://schemas.openxmlformats.org/drawingml/2006/main" xmlns:r="http://schemas.openxmlformats.org/officeDocument/2006/relationships" xmlns:p="http://schemas.openxmlformats.org/presentationml/2006/main">
+  <p:cSld>
+    <p:spTree>
+      <p:nvGrpSpPr>
+        <p:cNvPr id="1" name="">
+          <a:extLst>
+            <a:ext uri="{FF2B5EF4-FFF2-40B4-BE49-F238E27FC236}">
+              <a16:creationId xmlns:a16="http://schemas.microsoft.com/office/drawing/2014/main" id="{45AF4B1C-736D-58BA-73D9-00FBD307F7AE}"/>
+            </a:ext>
+          </a:extLst>
+        </p:cNvPr>
+        <p:cNvGrpSpPr/>
+        <p:nvPr/>
+      </p:nvGrpSpPr>
+      <p:grpSpPr>
+        <a:xfrm>
+          <a:off x="0" y="0"/>
+          <a:ext cx="0" cy="0"/>
+          <a:chOff x="0" y="0"/>
+          <a:chExt cx="0" cy="0"/>
+        </a:xfrm>
+      </p:grpSpPr>
+      <p:sp>
+        <p:nvSpPr>
+          <p:cNvPr id="41987" name="Titel 2">
+            <a:extLst>
+              <a:ext uri="{FF2B5EF4-FFF2-40B4-BE49-F238E27FC236}">
+                <a16:creationId xmlns:a16="http://schemas.microsoft.com/office/drawing/2014/main" id="{F960F9A6-679E-520D-F86E-61540EAFBB63}"/>
+              </a:ext>
+            </a:extLst>
+          </p:cNvPr>
+          <p:cNvSpPr>
+            <a:spLocks noGrp="1"/>
+          </p:cNvSpPr>
+          <p:nvPr>
+            <p:ph type="title"/>
+          </p:nvPr>
+        </p:nvSpPr>
+        <p:spPr>
+          <a:noFill/>
+          <a:extLst>
+            <a:ext uri="{91240B29-F687-4F45-9708-019B960494DF}">
+              <a14:hiddenLine xmlns:a14="http://schemas.microsoft.com/office/drawing/2010/main" w="0">
+                <a:solidFill>
+                  <a:srgbClr val="000000"/>
+                </a:solidFill>
+                <a:miter lim="800000"/>
+                <a:headEnd/>
+                <a:tailEnd/>
+              </a14:hiddenLine>
+            </a:ext>
+          </a:extLst>
+        </p:spPr>
+        <p:txBody>
+          <a:bodyPr/>
+          <a:lstStyle/>
+          <a:p>
+            <a:r>
+              <a:rPr lang="nl-BE" altLang="en-US" dirty="0"/>
+              <a:t>PID controller</a:t>
+            </a:r>
+          </a:p>
+        </p:txBody>
+      </p:sp>
+      <p:sp>
+        <p:nvSpPr>
+          <p:cNvPr id="2" name="Footer Placeholder 1">
+            <a:extLst>
+              <a:ext uri="{FF2B5EF4-FFF2-40B4-BE49-F238E27FC236}">
+                <a16:creationId xmlns:a16="http://schemas.microsoft.com/office/drawing/2014/main" id="{CD96C9DE-55EF-3F56-B1A1-CBDB31DD7FC5}"/>
+              </a:ext>
+            </a:extLst>
+          </p:cNvPr>
+          <p:cNvSpPr>
+            <a:spLocks noGrp="1"/>
+          </p:cNvSpPr>
+          <p:nvPr>
+            <p:ph type="ftr" sz="quarter" idx="11"/>
+          </p:nvPr>
+        </p:nvSpPr>
+        <p:spPr/>
+        <p:txBody>
+          <a:bodyPr/>
+          <a:lstStyle/>
+          <a:p>
+            <a:r>
+              <a:rPr lang="nl-BE" dirty="0"/>
+              <a:t>Projecten van het werkveld – </a:t>
+            </a:r>
+            <a:r>
+              <a:rPr lang="nl-BE" dirty="0" err="1"/>
+              <a:t>IoT</a:t>
+            </a:r>
+            <a:r>
+              <a:rPr lang="nl-BE" dirty="0"/>
+              <a:t> Graduaat</a:t>
+            </a:r>
+          </a:p>
+        </p:txBody>
+      </p:sp>
+      <p:sp>
+        <p:nvSpPr>
+          <p:cNvPr id="3" name="Slide Number Placeholder 2">
+            <a:extLst>
+              <a:ext uri="{FF2B5EF4-FFF2-40B4-BE49-F238E27FC236}">
+                <a16:creationId xmlns:a16="http://schemas.microsoft.com/office/drawing/2014/main" id="{934DCF3A-2153-3B45-F5E0-84C9C9A62863}"/>
+              </a:ext>
+            </a:extLst>
+          </p:cNvPr>
+          <p:cNvSpPr>
+            <a:spLocks noGrp="1"/>
+          </p:cNvSpPr>
+          <p:nvPr>
+            <p:ph type="sldNum" sz="quarter" idx="12"/>
+          </p:nvPr>
+        </p:nvSpPr>
+        <p:spPr/>
+        <p:txBody>
+          <a:bodyPr/>
+          <a:lstStyle/>
+          <a:p>
+            <a:fld id="{3B80295F-48CD-49FC-897A-CCEC919B8070}" type="slidenum">
+              <a:rPr lang="nl-BE" smtClean="0"/>
+              <a:pPr/>
+              <a:t>36</a:t>
+            </a:fld>
+            <a:endParaRPr lang="nl-BE" dirty="0"/>
+          </a:p>
+        </p:txBody>
+      </p:sp>
+      <p:sp>
+        <p:nvSpPr>
+          <p:cNvPr id="41988" name="Tijdelijke aanduiding voor dianummer 3">
+            <a:extLst>
+              <a:ext uri="{FF2B5EF4-FFF2-40B4-BE49-F238E27FC236}">
+                <a16:creationId xmlns:a16="http://schemas.microsoft.com/office/drawing/2014/main" id="{524E05F7-2EDD-7799-5B98-8E7F09AB7F29}"/>
+              </a:ext>
+            </a:extLst>
+          </p:cNvPr>
+          <p:cNvSpPr txBox="1">
+            <a:spLocks noGrp="1"/>
+          </p:cNvSpPr>
+          <p:nvPr/>
+        </p:nvSpPr>
+        <p:spPr bwMode="auto">
+          <a:xfrm>
+            <a:off x="360363" y="6083300"/>
+            <a:ext cx="360362" cy="668338"/>
+          </a:xfrm>
+          <a:prstGeom prst="rect">
+            <a:avLst/>
+          </a:prstGeom>
+          <a:solidFill>
+            <a:srgbClr val="00A0AE"/>
+          </a:solidFill>
+          <a:ln>
+            <a:noFill/>
+          </a:ln>
+          <a:extLst>
+            <a:ext uri="{91240B29-F687-4F45-9708-019B960494DF}">
+              <a14:hiddenLine xmlns:a14="http://schemas.microsoft.com/office/drawing/2010/main" w="9525">
+                <a:solidFill>
+                  <a:srgbClr val="000000"/>
+                </a:solidFill>
+                <a:miter lim="800000"/>
+                <a:headEnd/>
+                <a:tailEnd/>
+              </a14:hiddenLine>
+            </a:ext>
+          </a:extLst>
+        </p:spPr>
+        <p:txBody>
+          <a:bodyPr wrap="none" lIns="0" tIns="108000" rIns="0" bIns="0" anchor="ctr"/>
+          <a:lstStyle>
+            <a:lvl1pPr eaLnBrk="0" hangingPunct="0">
+              <a:defRPr>
+                <a:solidFill>
+                  <a:schemeClr val="tx1"/>
+                </a:solidFill>
+                <a:latin typeface="Arial" panose="020B0604020202020204" pitchFamily="34" charset="0"/>
+              </a:defRPr>
+            </a:lvl1pPr>
+            <a:lvl2pPr marL="742950" indent="-285750" eaLnBrk="0" hangingPunct="0">
+              <a:defRPr>
+                <a:solidFill>
+                  <a:schemeClr val="tx1"/>
+                </a:solidFill>
+                <a:latin typeface="Arial" panose="020B0604020202020204" pitchFamily="34" charset="0"/>
+              </a:defRPr>
+            </a:lvl2pPr>
+            <a:lvl3pPr marL="1143000" indent="-228600" eaLnBrk="0" hangingPunct="0">
+              <a:defRPr>
+                <a:solidFill>
+                  <a:schemeClr val="tx1"/>
+                </a:solidFill>
+                <a:latin typeface="Arial" panose="020B0604020202020204" pitchFamily="34" charset="0"/>
+              </a:defRPr>
+            </a:lvl3pPr>
+            <a:lvl4pPr marL="1600200" indent="-228600" eaLnBrk="0" hangingPunct="0">
+              <a:defRPr>
+                <a:solidFill>
+                  <a:schemeClr val="tx1"/>
+                </a:solidFill>
+                <a:latin typeface="Arial" panose="020B0604020202020204" pitchFamily="34" charset="0"/>
+              </a:defRPr>
+            </a:lvl4pPr>
+            <a:lvl5pPr marL="2057400" indent="-228600" eaLnBrk="0" hangingPunct="0">
+              <a:defRPr>
+                <a:solidFill>
+                  <a:schemeClr val="tx1"/>
+                </a:solidFill>
+                <a:latin typeface="Arial" panose="020B0604020202020204" pitchFamily="34" charset="0"/>
+              </a:defRPr>
+            </a:lvl5pPr>
+            <a:lvl6pPr marL="2514600" indent="-228600" eaLnBrk="0" fontAlgn="base" hangingPunct="0">
+              <a:spcBef>
+                <a:spcPct val="0"/>
+              </a:spcBef>
+              <a:spcAft>
+                <a:spcPct val="0"/>
+              </a:spcAft>
+              <a:defRPr>
+                <a:solidFill>
+                  <a:schemeClr val="tx1"/>
+                </a:solidFill>
+                <a:latin typeface="Arial" panose="020B0604020202020204" pitchFamily="34" charset="0"/>
+              </a:defRPr>
+            </a:lvl6pPr>
+            <a:lvl7pPr marL="2971800" indent="-228600" eaLnBrk="0" fontAlgn="base" hangingPunct="0">
+              <a:spcBef>
+                <a:spcPct val="0"/>
+              </a:spcBef>
+              <a:spcAft>
+                <a:spcPct val="0"/>
+              </a:spcAft>
+              <a:defRPr>
+                <a:solidFill>
+                  <a:schemeClr val="tx1"/>
+                </a:solidFill>
+                <a:latin typeface="Arial" panose="020B0604020202020204" pitchFamily="34" charset="0"/>
+              </a:defRPr>
+            </a:lvl7pPr>
+            <a:lvl8pPr marL="3429000" indent="-228600" eaLnBrk="0" fontAlgn="base" hangingPunct="0">
+              <a:spcBef>
+                <a:spcPct val="0"/>
+              </a:spcBef>
+              <a:spcAft>
+                <a:spcPct val="0"/>
+              </a:spcAft>
+              <a:defRPr>
+                <a:solidFill>
+                  <a:schemeClr val="tx1"/>
+                </a:solidFill>
+                <a:latin typeface="Arial" panose="020B0604020202020204" pitchFamily="34" charset="0"/>
+              </a:defRPr>
+            </a:lvl8pPr>
+            <a:lvl9pPr marL="3886200" indent="-228600" eaLnBrk="0" fontAlgn="base" hangingPunct="0">
+              <a:spcBef>
+                <a:spcPct val="0"/>
+              </a:spcBef>
+              <a:spcAft>
+                <a:spcPct val="0"/>
+              </a:spcAft>
+              <a:defRPr>
+                <a:solidFill>
+                  <a:schemeClr val="tx1"/>
+                </a:solidFill>
+                <a:latin typeface="Arial" panose="020B0604020202020204" pitchFamily="34" charset="0"/>
+              </a:defRPr>
+            </a:lvl9pPr>
+          </a:lstStyle>
+          <a:p>
+            <a:pPr eaLnBrk="1" hangingPunct="1"/>
+            <a:fld id="{E7E9740F-FEEC-4722-AD1A-FA148BA257E6}" type="slidenum">
+              <a:rPr lang="nl-BE" altLang="en-US" sz="2000" smtClean="0">
+                <a:solidFill>
+                  <a:srgbClr val="FFFFFF"/>
+                </a:solidFill>
+                <a:latin typeface="Trebuchet MS" panose="020B0603020202020204" pitchFamily="34" charset="0"/>
+              </a:rPr>
+              <a:pPr eaLnBrk="1" hangingPunct="1"/>
+              <a:t>36</a:t>
+            </a:fld>
+            <a:endParaRPr lang="nl-BE" altLang="en-US" sz="2000">
+              <a:solidFill>
+                <a:srgbClr val="FFFFFF"/>
+              </a:solidFill>
+              <a:latin typeface="Trebuchet MS" panose="020B0603020202020204" pitchFamily="34" charset="0"/>
+            </a:endParaRPr>
+          </a:p>
+        </p:txBody>
+      </p:sp>
+      <p:sp>
+        <p:nvSpPr>
+          <p:cNvPr id="33" name="Tijdelijke aanduiding voor inhoud 1">
+            <a:extLst>
+              <a:ext uri="{FF2B5EF4-FFF2-40B4-BE49-F238E27FC236}">
+                <a16:creationId xmlns:a16="http://schemas.microsoft.com/office/drawing/2014/main" id="{5F5250DA-03F6-D3B9-6992-5AEA513D4534}"/>
+              </a:ext>
+            </a:extLst>
+          </p:cNvPr>
+          <p:cNvSpPr>
+            <a:spLocks noGrp="1"/>
+          </p:cNvSpPr>
+          <p:nvPr>
+            <p:ph idx="1"/>
+          </p:nvPr>
+        </p:nvSpPr>
+        <p:spPr>
+          <a:xfrm>
+            <a:off x="0" y="927266"/>
+            <a:ext cx="9036496" cy="4950005"/>
+          </a:xfrm>
+        </p:spPr>
+        <p:txBody>
+          <a:bodyPr>
+            <a:noAutofit/>
+          </a:bodyPr>
+          <a:lstStyle/>
+          <a:p>
+            <a:pPr>
+              <a:buFont typeface="Arial" panose="020B0604020202020204" pitchFamily="34" charset="0"/>
+              <a:buChar char="•"/>
+            </a:pPr>
+            <a:r>
+              <a:rPr lang="nl-NL" sz="1500" dirty="0"/>
+              <a:t>Hoe werkt de PID controller (in a </a:t>
+            </a:r>
+            <a:r>
+              <a:rPr lang="nl-NL" sz="1500" dirty="0" err="1"/>
+              <a:t>very</a:t>
+            </a:r>
+            <a:r>
+              <a:rPr lang="nl-NL" sz="1500" dirty="0"/>
+              <a:t> </a:t>
+            </a:r>
+            <a:r>
+              <a:rPr lang="nl-NL" sz="1500" dirty="0" err="1"/>
+              <a:t>tiny</a:t>
+            </a:r>
+            <a:r>
+              <a:rPr lang="nl-NL" sz="1500" dirty="0"/>
+              <a:t> nutshell)</a:t>
+            </a:r>
+          </a:p>
+          <a:p>
+            <a:pPr>
+              <a:buFont typeface="Arial" panose="020B0604020202020204" pitchFamily="34" charset="0"/>
+              <a:buChar char="•"/>
+            </a:pPr>
+            <a:r>
+              <a:rPr lang="nl-NL" sz="1500" dirty="0" err="1"/>
+              <a:t>Proportional</a:t>
+            </a:r>
+            <a:r>
+              <a:rPr lang="nl-NL" sz="1500" dirty="0"/>
+              <a:t> – </a:t>
+            </a:r>
+            <a:r>
+              <a:rPr lang="nl-NL" sz="1500" dirty="0" err="1"/>
+              <a:t>integral</a:t>
+            </a:r>
+            <a:r>
+              <a:rPr lang="nl-NL" sz="1500" dirty="0"/>
+              <a:t> – </a:t>
+            </a:r>
+            <a:r>
+              <a:rPr lang="nl-NL" sz="1500" dirty="0" err="1"/>
+              <a:t>derivative</a:t>
+            </a:r>
+            <a:r>
+              <a:rPr lang="nl-NL" sz="1500" dirty="0"/>
+              <a:t> </a:t>
+            </a:r>
+          </a:p>
+          <a:p>
+            <a:pPr>
+              <a:buFont typeface="Arial" panose="020B0604020202020204" pitchFamily="34" charset="0"/>
+              <a:buChar char="•"/>
+            </a:pPr>
+            <a:r>
+              <a:rPr lang="nl-NL" sz="1500" dirty="0"/>
+              <a:t>Feedback systeem </a:t>
+            </a:r>
+          </a:p>
+          <a:p>
+            <a:pPr>
+              <a:buFont typeface="Arial" panose="020B0604020202020204" pitchFamily="34" charset="0"/>
+              <a:buChar char="•"/>
+            </a:pPr>
+            <a:r>
+              <a:rPr lang="nl-NL" sz="1500" dirty="0"/>
+              <a:t>Fout te meten tussen de gewenste waarde en actuele waarde</a:t>
+            </a:r>
+          </a:p>
+          <a:p>
+            <a:pPr lvl="1">
+              <a:buFont typeface="Arial" panose="020B0604020202020204" pitchFamily="34" charset="0"/>
+              <a:buChar char="•"/>
+            </a:pPr>
+            <a:r>
+              <a:rPr lang="nl-NL" sz="1200" dirty="0"/>
+              <a:t>Proportioneel: reageert direct op de fout</a:t>
+            </a:r>
+          </a:p>
+          <a:p>
+            <a:pPr lvl="1">
+              <a:buFont typeface="Arial" panose="020B0604020202020204" pitchFamily="34" charset="0"/>
+              <a:buChar char="•"/>
+            </a:pPr>
+            <a:r>
+              <a:rPr lang="nl-NL" sz="1200" dirty="0"/>
+              <a:t>Integraal: corrigeert op basis van opgetelde fouten uit het verleden (om langdurige afwijkingen op de gewenste waarde te </a:t>
+            </a:r>
+            <a:r>
+              <a:rPr lang="nl-NL" sz="1200" dirty="0" err="1"/>
+              <a:t>elimeneren</a:t>
+            </a:r>
+            <a:r>
+              <a:rPr lang="nl-NL" sz="1200" dirty="0"/>
+              <a:t>) </a:t>
+            </a:r>
+          </a:p>
+          <a:p>
+            <a:pPr lvl="1">
+              <a:buFont typeface="Arial" panose="020B0604020202020204" pitchFamily="34" charset="0"/>
+              <a:buChar char="•"/>
+            </a:pPr>
+            <a:r>
+              <a:rPr lang="nl-NL" sz="1200" dirty="0"/>
+              <a:t>Differentieel: anticipeert op toekomstige fouten door te reageren op de snelheid waarmee de fout veranderd</a:t>
+            </a:r>
+          </a:p>
+          <a:p>
+            <a:pPr>
+              <a:buFont typeface="Arial" panose="020B0604020202020204" pitchFamily="34" charset="0"/>
+              <a:buChar char="•"/>
+            </a:pPr>
+            <a:endParaRPr lang="nl-NL" sz="1500" dirty="0"/>
+          </a:p>
+          <a:p>
+            <a:pPr>
+              <a:buFont typeface="Arial" panose="020B0604020202020204" pitchFamily="34" charset="0"/>
+              <a:buChar char="•"/>
+            </a:pPr>
+            <a:endParaRPr lang="nl-NL" sz="1500" dirty="0"/>
+          </a:p>
+          <a:p>
+            <a:pPr>
+              <a:buFont typeface="Arial" panose="020B0604020202020204" pitchFamily="34" charset="0"/>
+              <a:buChar char="•"/>
+            </a:pPr>
+            <a:endParaRPr lang="nl-NL" sz="1500" dirty="0"/>
+          </a:p>
+          <a:p>
+            <a:pPr>
+              <a:buFont typeface="Arial" panose="020B0604020202020204" pitchFamily="34" charset="0"/>
+              <a:buChar char="•"/>
+            </a:pPr>
+            <a:endParaRPr lang="nl-NL" sz="600" dirty="0"/>
+          </a:p>
+        </p:txBody>
+      </p:sp>
+      <p:pic>
+        <p:nvPicPr>
+          <p:cNvPr id="1026" name="Picture 2" descr="What is a PID Controller? | Dewesoft">
+            <a:extLst>
+              <a:ext uri="{FF2B5EF4-FFF2-40B4-BE49-F238E27FC236}">
+                <a16:creationId xmlns:a16="http://schemas.microsoft.com/office/drawing/2014/main" id="{D8E06C04-3C89-9A84-8FA7-BB71996EFF45}"/>
+              </a:ext>
+            </a:extLst>
+          </p:cNvPr>
+          <p:cNvPicPr>
+            <a:picLocks noChangeAspect="1" noChangeArrowheads="1"/>
+          </p:cNvPicPr>
+          <p:nvPr/>
+        </p:nvPicPr>
+        <p:blipFill>
+          <a:blip r:embed="rId2">
+            <a:extLst>
+              <a:ext uri="{28A0092B-C50C-407E-A947-70E740481C1C}">
+                <a14:useLocalDpi xmlns:a14="http://schemas.microsoft.com/office/drawing/2010/main" val="0"/>
+              </a:ext>
+            </a:extLst>
+          </a:blip>
+          <a:srcRect/>
+          <a:stretch>
+            <a:fillRect/>
+          </a:stretch>
+        </p:blipFill>
+        <p:spPr bwMode="auto">
+          <a:xfrm>
+            <a:off x="2267744" y="3513093"/>
+            <a:ext cx="6474192" cy="2339026"/>
+          </a:xfrm>
+          <a:prstGeom prst="rect">
+            <a:avLst/>
+          </a:prstGeom>
+          <a:noFill/>
+          <a:extLst>
+            <a:ext uri="{909E8E84-426E-40DD-AFC4-6F175D3DCCD1}">
+              <a14:hiddenFill xmlns:a14="http://schemas.microsoft.com/office/drawing/2010/main">
+                <a:solidFill>
+                  <a:srgbClr val="FFFFFF"/>
+                </a:solidFill>
+              </a14:hiddenFill>
+            </a:ext>
+          </a:extLst>
+        </p:spPr>
+      </p:pic>
+    </p:spTree>
+    <p:extLst>
+      <p:ext uri="{BB962C8B-B14F-4D97-AF65-F5344CB8AC3E}">
+        <p14:creationId xmlns:p14="http://schemas.microsoft.com/office/powerpoint/2010/main" val="120336186"/>
+      </p:ext>
+    </p:extLst>
+  </p:cSld>
+  <p:clrMapOvr>
+    <a:masterClrMapping/>
+  </p:clrMapOvr>
+</p:sld>
+</file>
+
+<file path=ppt/slides/slide37.xml><?xml version="1.0" encoding="utf-8"?>
+<p:sld xmlns:a="http://schemas.openxmlformats.org/drawingml/2006/main" xmlns:r="http://schemas.openxmlformats.org/officeDocument/2006/relationships" xmlns:p="http://schemas.openxmlformats.org/presentationml/2006/main">
+  <p:cSld>
+    <p:spTree>
+      <p:nvGrpSpPr>
+        <p:cNvPr id="1" name="">
+          <a:extLst>
+            <a:ext uri="{FF2B5EF4-FFF2-40B4-BE49-F238E27FC236}">
+              <a16:creationId xmlns:a16="http://schemas.microsoft.com/office/drawing/2014/main" id="{615A7624-0E37-3E06-5A7D-B8FB435B28A4}"/>
+            </a:ext>
+          </a:extLst>
+        </p:cNvPr>
+        <p:cNvGrpSpPr/>
+        <p:nvPr/>
+      </p:nvGrpSpPr>
+      <p:grpSpPr>
+        <a:xfrm>
+          <a:off x="0" y="0"/>
+          <a:ext cx="0" cy="0"/>
+          <a:chOff x="0" y="0"/>
+          <a:chExt cx="0" cy="0"/>
+        </a:xfrm>
+      </p:grpSpPr>
+      <p:sp>
+        <p:nvSpPr>
+          <p:cNvPr id="41987" name="Titel 2">
+            <a:extLst>
+              <a:ext uri="{FF2B5EF4-FFF2-40B4-BE49-F238E27FC236}">
+                <a16:creationId xmlns:a16="http://schemas.microsoft.com/office/drawing/2014/main" id="{4A075104-CB88-41E7-213E-482B03039E74}"/>
+              </a:ext>
+            </a:extLst>
+          </p:cNvPr>
+          <p:cNvSpPr>
+            <a:spLocks noGrp="1"/>
+          </p:cNvSpPr>
+          <p:nvPr>
+            <p:ph type="title"/>
+          </p:nvPr>
+        </p:nvSpPr>
+        <p:spPr>
+          <a:noFill/>
+          <a:extLst>
+            <a:ext uri="{91240B29-F687-4F45-9708-019B960494DF}">
+              <a14:hiddenLine xmlns:a14="http://schemas.microsoft.com/office/drawing/2010/main" w="0">
+                <a:solidFill>
+                  <a:srgbClr val="000000"/>
+                </a:solidFill>
+                <a:miter lim="800000"/>
+                <a:headEnd/>
+                <a:tailEnd/>
+              </a14:hiddenLine>
+            </a:ext>
+          </a:extLst>
+        </p:spPr>
+        <p:txBody>
+          <a:bodyPr/>
+          <a:lstStyle/>
+          <a:p>
+            <a:r>
+              <a:rPr lang="nl-BE" altLang="en-US" dirty="0"/>
+              <a:t>PID controller</a:t>
+            </a:r>
+          </a:p>
+        </p:txBody>
+      </p:sp>
+      <p:sp>
+        <p:nvSpPr>
+          <p:cNvPr id="2" name="Footer Placeholder 1">
+            <a:extLst>
+              <a:ext uri="{FF2B5EF4-FFF2-40B4-BE49-F238E27FC236}">
+                <a16:creationId xmlns:a16="http://schemas.microsoft.com/office/drawing/2014/main" id="{211B23CA-7008-7065-117C-B4F88660BD2B}"/>
+              </a:ext>
+            </a:extLst>
+          </p:cNvPr>
+          <p:cNvSpPr>
+            <a:spLocks noGrp="1"/>
+          </p:cNvSpPr>
+          <p:nvPr>
+            <p:ph type="ftr" sz="quarter" idx="11"/>
+          </p:nvPr>
+        </p:nvSpPr>
+        <p:spPr/>
+        <p:txBody>
+          <a:bodyPr/>
+          <a:lstStyle/>
+          <a:p>
+            <a:r>
+              <a:rPr lang="nl-BE" dirty="0"/>
+              <a:t>Projecten van het werkveld – </a:t>
+            </a:r>
+            <a:r>
+              <a:rPr lang="nl-BE" dirty="0" err="1"/>
+              <a:t>IoT</a:t>
+            </a:r>
+            <a:r>
+              <a:rPr lang="nl-BE" dirty="0"/>
+              <a:t> Graduaat</a:t>
+            </a:r>
+          </a:p>
+        </p:txBody>
+      </p:sp>
+      <p:sp>
+        <p:nvSpPr>
+          <p:cNvPr id="3" name="Slide Number Placeholder 2">
+            <a:extLst>
+              <a:ext uri="{FF2B5EF4-FFF2-40B4-BE49-F238E27FC236}">
+                <a16:creationId xmlns:a16="http://schemas.microsoft.com/office/drawing/2014/main" id="{42EEF1E9-709F-67B7-ABEC-9C6F2DC4339C}"/>
+              </a:ext>
+            </a:extLst>
+          </p:cNvPr>
+          <p:cNvSpPr>
+            <a:spLocks noGrp="1"/>
+          </p:cNvSpPr>
+          <p:nvPr>
+            <p:ph type="sldNum" sz="quarter" idx="12"/>
+          </p:nvPr>
+        </p:nvSpPr>
+        <p:spPr/>
+        <p:txBody>
+          <a:bodyPr/>
+          <a:lstStyle/>
+          <a:p>
+            <a:fld id="{3B80295F-48CD-49FC-897A-CCEC919B8070}" type="slidenum">
+              <a:rPr lang="nl-BE" smtClean="0"/>
+              <a:pPr/>
+              <a:t>37</a:t>
+            </a:fld>
+            <a:endParaRPr lang="nl-BE" dirty="0"/>
+          </a:p>
+        </p:txBody>
+      </p:sp>
+      <p:sp>
+        <p:nvSpPr>
+          <p:cNvPr id="41988" name="Tijdelijke aanduiding voor dianummer 3">
+            <a:extLst>
+              <a:ext uri="{FF2B5EF4-FFF2-40B4-BE49-F238E27FC236}">
+                <a16:creationId xmlns:a16="http://schemas.microsoft.com/office/drawing/2014/main" id="{CFEA99D5-397D-CA52-DB53-F0D4B51B5ADE}"/>
+              </a:ext>
+            </a:extLst>
+          </p:cNvPr>
+          <p:cNvSpPr txBox="1">
+            <a:spLocks noGrp="1"/>
+          </p:cNvSpPr>
+          <p:nvPr/>
+        </p:nvSpPr>
+        <p:spPr bwMode="auto">
+          <a:xfrm>
+            <a:off x="360363" y="6083300"/>
+            <a:ext cx="360362" cy="668338"/>
+          </a:xfrm>
+          <a:prstGeom prst="rect">
+            <a:avLst/>
+          </a:prstGeom>
+          <a:solidFill>
+            <a:srgbClr val="00A0AE"/>
+          </a:solidFill>
+          <a:ln>
+            <a:noFill/>
+          </a:ln>
+          <a:extLst>
+            <a:ext uri="{91240B29-F687-4F45-9708-019B960494DF}">
+              <a14:hiddenLine xmlns:a14="http://schemas.microsoft.com/office/drawing/2010/main" w="9525">
+                <a:solidFill>
+                  <a:srgbClr val="000000"/>
+                </a:solidFill>
+                <a:miter lim="800000"/>
+                <a:headEnd/>
+                <a:tailEnd/>
+              </a14:hiddenLine>
+            </a:ext>
+          </a:extLst>
+        </p:spPr>
+        <p:txBody>
+          <a:bodyPr wrap="none" lIns="0" tIns="108000" rIns="0" bIns="0" anchor="ctr"/>
+          <a:lstStyle>
+            <a:lvl1pPr eaLnBrk="0" hangingPunct="0">
+              <a:defRPr>
+                <a:solidFill>
+                  <a:schemeClr val="tx1"/>
+                </a:solidFill>
+                <a:latin typeface="Arial" panose="020B0604020202020204" pitchFamily="34" charset="0"/>
+              </a:defRPr>
+            </a:lvl1pPr>
+            <a:lvl2pPr marL="742950" indent="-285750" eaLnBrk="0" hangingPunct="0">
+              <a:defRPr>
+                <a:solidFill>
+                  <a:schemeClr val="tx1"/>
+                </a:solidFill>
+                <a:latin typeface="Arial" panose="020B0604020202020204" pitchFamily="34" charset="0"/>
+              </a:defRPr>
+            </a:lvl2pPr>
+            <a:lvl3pPr marL="1143000" indent="-228600" eaLnBrk="0" hangingPunct="0">
+              <a:defRPr>
+                <a:solidFill>
+                  <a:schemeClr val="tx1"/>
+                </a:solidFill>
+                <a:latin typeface="Arial" panose="020B0604020202020204" pitchFamily="34" charset="0"/>
+              </a:defRPr>
+            </a:lvl3pPr>
+            <a:lvl4pPr marL="1600200" indent="-228600" eaLnBrk="0" hangingPunct="0">
+              <a:defRPr>
+                <a:solidFill>
+                  <a:schemeClr val="tx1"/>
+                </a:solidFill>
+                <a:latin typeface="Arial" panose="020B0604020202020204" pitchFamily="34" charset="0"/>
+              </a:defRPr>
+            </a:lvl4pPr>
+            <a:lvl5pPr marL="2057400" indent="-228600" eaLnBrk="0" hangingPunct="0">
+              <a:defRPr>
+                <a:solidFill>
+                  <a:schemeClr val="tx1"/>
+                </a:solidFill>
+                <a:latin typeface="Arial" panose="020B0604020202020204" pitchFamily="34" charset="0"/>
+              </a:defRPr>
+            </a:lvl5pPr>
+            <a:lvl6pPr marL="2514600" indent="-228600" eaLnBrk="0" fontAlgn="base" hangingPunct="0">
+              <a:spcBef>
+                <a:spcPct val="0"/>
+              </a:spcBef>
+              <a:spcAft>
+                <a:spcPct val="0"/>
+              </a:spcAft>
+              <a:defRPr>
+                <a:solidFill>
+                  <a:schemeClr val="tx1"/>
+                </a:solidFill>
+                <a:latin typeface="Arial" panose="020B0604020202020204" pitchFamily="34" charset="0"/>
+              </a:defRPr>
+            </a:lvl6pPr>
+            <a:lvl7pPr marL="2971800" indent="-228600" eaLnBrk="0" fontAlgn="base" hangingPunct="0">
+              <a:spcBef>
+                <a:spcPct val="0"/>
+              </a:spcBef>
+              <a:spcAft>
+                <a:spcPct val="0"/>
+              </a:spcAft>
+              <a:defRPr>
+                <a:solidFill>
+                  <a:schemeClr val="tx1"/>
+                </a:solidFill>
+                <a:latin typeface="Arial" panose="020B0604020202020204" pitchFamily="34" charset="0"/>
+              </a:defRPr>
+            </a:lvl7pPr>
+            <a:lvl8pPr marL="3429000" indent="-228600" eaLnBrk="0" fontAlgn="base" hangingPunct="0">
+              <a:spcBef>
+                <a:spcPct val="0"/>
+              </a:spcBef>
+              <a:spcAft>
+                <a:spcPct val="0"/>
+              </a:spcAft>
+              <a:defRPr>
+                <a:solidFill>
+                  <a:schemeClr val="tx1"/>
+                </a:solidFill>
+                <a:latin typeface="Arial" panose="020B0604020202020204" pitchFamily="34" charset="0"/>
+              </a:defRPr>
+            </a:lvl8pPr>
+            <a:lvl9pPr marL="3886200" indent="-228600" eaLnBrk="0" fontAlgn="base" hangingPunct="0">
+              <a:spcBef>
+                <a:spcPct val="0"/>
+              </a:spcBef>
+              <a:spcAft>
+                <a:spcPct val="0"/>
+              </a:spcAft>
+              <a:defRPr>
+                <a:solidFill>
+                  <a:schemeClr val="tx1"/>
+                </a:solidFill>
+                <a:latin typeface="Arial" panose="020B0604020202020204" pitchFamily="34" charset="0"/>
+              </a:defRPr>
+            </a:lvl9pPr>
+          </a:lstStyle>
+          <a:p>
+            <a:pPr eaLnBrk="1" hangingPunct="1"/>
+            <a:fld id="{E7E9740F-FEEC-4722-AD1A-FA148BA257E6}" type="slidenum">
+              <a:rPr lang="nl-BE" altLang="en-US" sz="2000" smtClean="0">
+                <a:solidFill>
+                  <a:srgbClr val="FFFFFF"/>
+                </a:solidFill>
+                <a:latin typeface="Trebuchet MS" panose="020B0603020202020204" pitchFamily="34" charset="0"/>
+              </a:rPr>
+              <a:pPr eaLnBrk="1" hangingPunct="1"/>
+              <a:t>37</a:t>
+            </a:fld>
+            <a:endParaRPr lang="nl-BE" altLang="en-US" sz="2000">
+              <a:solidFill>
+                <a:srgbClr val="FFFFFF"/>
+              </a:solidFill>
+              <a:latin typeface="Trebuchet MS" panose="020B0603020202020204" pitchFamily="34" charset="0"/>
+            </a:endParaRPr>
+          </a:p>
+        </p:txBody>
+      </p:sp>
+      <p:sp>
+        <p:nvSpPr>
+          <p:cNvPr id="33" name="Tijdelijke aanduiding voor inhoud 1">
+            <a:extLst>
+              <a:ext uri="{FF2B5EF4-FFF2-40B4-BE49-F238E27FC236}">
+                <a16:creationId xmlns:a16="http://schemas.microsoft.com/office/drawing/2014/main" id="{170B09A0-2240-578E-15D5-1AE8565058E4}"/>
+              </a:ext>
+            </a:extLst>
+          </p:cNvPr>
+          <p:cNvSpPr>
+            <a:spLocks noGrp="1"/>
+          </p:cNvSpPr>
+          <p:nvPr>
+            <p:ph idx="1"/>
+          </p:nvPr>
+        </p:nvSpPr>
+        <p:spPr>
+          <a:xfrm>
+            <a:off x="0" y="927266"/>
+            <a:ext cx="9036496" cy="4950005"/>
+          </a:xfrm>
+        </p:spPr>
+        <p:txBody>
+          <a:bodyPr>
+            <a:noAutofit/>
+          </a:bodyPr>
+          <a:lstStyle/>
+          <a:p>
+            <a:pPr>
+              <a:buFont typeface="Arial" panose="020B0604020202020204" pitchFamily="34" charset="0"/>
+              <a:buChar char="•"/>
+            </a:pPr>
+            <a:r>
+              <a:rPr lang="nl-NL" sz="1500" dirty="0"/>
+              <a:t>Proportioneel: reageert direct op de fout</a:t>
+            </a:r>
+          </a:p>
+          <a:p>
+            <a:pPr>
+              <a:buFont typeface="Arial" panose="020B0604020202020204" pitchFamily="34" charset="0"/>
+              <a:buChar char="•"/>
+            </a:pPr>
+            <a:r>
+              <a:rPr lang="nl-NL" sz="1500" dirty="0"/>
+              <a:t>Integraal: corrigeert op basis van opgetelde fouten uit het verleden (om langdurige afwijkingen op de gewenste waarde te </a:t>
+            </a:r>
+            <a:r>
+              <a:rPr lang="nl-NL" sz="1500" dirty="0" err="1"/>
+              <a:t>elimeneren</a:t>
+            </a:r>
+            <a:r>
+              <a:rPr lang="nl-NL" sz="1500" dirty="0"/>
+              <a:t>) </a:t>
+            </a:r>
+          </a:p>
+          <a:p>
+            <a:pPr>
+              <a:buFont typeface="Arial" panose="020B0604020202020204" pitchFamily="34" charset="0"/>
+              <a:buChar char="•"/>
+            </a:pPr>
+            <a:r>
+              <a:rPr lang="nl-NL" sz="1500" dirty="0"/>
+              <a:t>Differentieel: anticipeert op toekomstige fouten door te reageren op de snelheid waarmee de fout veranderd</a:t>
+            </a:r>
+          </a:p>
+          <a:p>
+            <a:pPr>
+              <a:buFont typeface="Arial" panose="020B0604020202020204" pitchFamily="34" charset="0"/>
+              <a:buChar char="•"/>
+            </a:pPr>
+            <a:endParaRPr lang="nl-NL" sz="1500" dirty="0"/>
+          </a:p>
+          <a:p>
+            <a:pPr>
+              <a:buFont typeface="Arial" panose="020B0604020202020204" pitchFamily="34" charset="0"/>
+              <a:buChar char="•"/>
+            </a:pPr>
+            <a:endParaRPr lang="nl-NL" sz="1500" dirty="0"/>
+          </a:p>
+          <a:p>
+            <a:pPr>
+              <a:buFont typeface="Arial" panose="020B0604020202020204" pitchFamily="34" charset="0"/>
+              <a:buChar char="•"/>
+            </a:pPr>
+            <a:endParaRPr lang="nl-NL" sz="1500" dirty="0"/>
+          </a:p>
+          <a:p>
+            <a:pPr>
+              <a:buFont typeface="Arial" panose="020B0604020202020204" pitchFamily="34" charset="0"/>
+              <a:buChar char="•"/>
+            </a:pPr>
+            <a:endParaRPr lang="nl-NL" sz="600" dirty="0"/>
+          </a:p>
+        </p:txBody>
+      </p:sp>
+      <p:pic>
+        <p:nvPicPr>
+          <p:cNvPr id="4" name="Picture 2" descr="What is a PID Controller? | Dewesoft">
+            <a:extLst>
+              <a:ext uri="{FF2B5EF4-FFF2-40B4-BE49-F238E27FC236}">
+                <a16:creationId xmlns:a16="http://schemas.microsoft.com/office/drawing/2014/main" id="{944166D2-0E8E-6682-F266-A52B353BC3F0}"/>
+              </a:ext>
+            </a:extLst>
+          </p:cNvPr>
+          <p:cNvPicPr>
+            <a:picLocks noChangeAspect="1" noChangeArrowheads="1"/>
+          </p:cNvPicPr>
+          <p:nvPr/>
+        </p:nvPicPr>
+        <p:blipFill>
+          <a:blip r:embed="rId2">
+            <a:extLst>
+              <a:ext uri="{28A0092B-C50C-407E-A947-70E740481C1C}">
+                <a14:useLocalDpi xmlns:a14="http://schemas.microsoft.com/office/drawing/2010/main" val="0"/>
+              </a:ext>
+            </a:extLst>
+          </a:blip>
+          <a:srcRect/>
+          <a:stretch>
+            <a:fillRect/>
+          </a:stretch>
+        </p:blipFill>
+        <p:spPr bwMode="auto">
+          <a:xfrm>
+            <a:off x="4283968" y="2996952"/>
+            <a:ext cx="4680393" cy="1690954"/>
+          </a:xfrm>
+          <a:prstGeom prst="rect">
+            <a:avLst/>
+          </a:prstGeom>
+          <a:noFill/>
+          <a:extLst>
+            <a:ext uri="{909E8E84-426E-40DD-AFC4-6F175D3DCCD1}">
+              <a14:hiddenFill xmlns:a14="http://schemas.microsoft.com/office/drawing/2010/main">
+                <a:solidFill>
+                  <a:srgbClr val="FFFFFF"/>
+                </a:solidFill>
+              </a14:hiddenFill>
+            </a:ext>
+          </a:extLst>
+        </p:spPr>
+      </p:pic>
+      <p:pic>
+        <p:nvPicPr>
+          <p:cNvPr id="6" name="Picture 5">
+            <a:extLst>
+              <a:ext uri="{FF2B5EF4-FFF2-40B4-BE49-F238E27FC236}">
+                <a16:creationId xmlns:a16="http://schemas.microsoft.com/office/drawing/2014/main" id="{344CAFA9-169D-12B8-056E-AD9833994B69}"/>
+              </a:ext>
+            </a:extLst>
+          </p:cNvPr>
+          <p:cNvPicPr>
+            <a:picLocks noChangeAspect="1"/>
+          </p:cNvPicPr>
+          <p:nvPr/>
+        </p:nvPicPr>
+        <p:blipFill>
+          <a:blip r:embed="rId3"/>
+          <a:stretch>
+            <a:fillRect/>
+          </a:stretch>
+        </p:blipFill>
+        <p:spPr>
+          <a:xfrm>
+            <a:off x="386755" y="2564905"/>
+            <a:ext cx="3510458" cy="3312366"/>
+          </a:xfrm>
+          <a:prstGeom prst="rect">
+            <a:avLst/>
+          </a:prstGeom>
+        </p:spPr>
+      </p:pic>
+    </p:spTree>
+    <p:extLst>
+      <p:ext uri="{BB962C8B-B14F-4D97-AF65-F5344CB8AC3E}">
+        <p14:creationId xmlns:p14="http://schemas.microsoft.com/office/powerpoint/2010/main" val="1029201409"/>
+      </p:ext>
+    </p:extLst>
+  </p:cSld>
+  <p:clrMapOvr>
+    <a:masterClrMapping/>
+  </p:clrMapOvr>
+</p:sld>
+</file>
+
+<file path=ppt/slides/slide38.xml><?xml version="1.0" encoding="utf-8"?>
 <p:sld xmlns:a="http://schemas.openxmlformats.org/drawingml/2006/main" xmlns:r="http://schemas.openxmlformats.org/officeDocument/2006/relationships" xmlns:p="http://schemas.openxmlformats.org/presentationml/2006/main">
   <p:cSld>
     <p:spTree>
@@ -15815,7 +17672,7 @@
             <a:fld id="{3B80295F-48CD-49FC-897A-CCEC919B8070}" type="slidenum">
               <a:rPr lang="nl-BE" smtClean="0"/>
               <a:pPr/>
-              <a:t>34</a:t>
+              <a:t>38</a:t>
             </a:fld>
             <a:endParaRPr lang="nl-BE" dirty="0"/>
           </a:p>
@@ -15972,7 +17829,7 @@
                 <a:latin typeface="Trebuchet MS" panose="020B0603020202020204" pitchFamily="34" charset="0"/>
               </a:rPr>
               <a:pPr eaLnBrk="1" hangingPunct="1"/>
-              <a:t>34</a:t>
+              <a:t>38</a:t>
             </a:fld>
             <a:endParaRPr lang="nl-BE" altLang="en-US" sz="2000">
               <a:solidFill>
@@ -16133,7 +17990,7 @@
 </p:sld>
 </file>
 
-<file path=ppt/slides/slide35.xml><?xml version="1.0" encoding="utf-8"?>
+<file path=ppt/slides/slide39.xml><?xml version="1.0" encoding="utf-8"?>
 <p:sld xmlns:a="http://schemas.openxmlformats.org/drawingml/2006/main" xmlns:r="http://schemas.openxmlformats.org/officeDocument/2006/relationships" xmlns:p="http://schemas.openxmlformats.org/presentationml/2006/main">
   <p:cSld>
     <p:spTree>
@@ -16259,7 +18116,7 @@
             <a:fld id="{3B80295F-48CD-49FC-897A-CCEC919B8070}" type="slidenum">
               <a:rPr lang="nl-BE" smtClean="0"/>
               <a:pPr/>
-              <a:t>35</a:t>
+              <a:t>39</a:t>
             </a:fld>
             <a:endParaRPr lang="nl-BE" dirty="0"/>
           </a:p>
@@ -16416,7 +18273,7 @@
                 <a:latin typeface="Trebuchet MS" panose="020B0603020202020204" pitchFamily="34" charset="0"/>
               </a:rPr>
               <a:pPr eaLnBrk="1" hangingPunct="1"/>
-              <a:t>35</a:t>
+              <a:t>39</a:t>
             </a:fld>
             <a:endParaRPr lang="nl-BE" altLang="en-US" sz="2000">
               <a:solidFill>
@@ -16566,7 +18423,466 @@
 </p:sld>
 </file>
 
-<file path=ppt/slides/slide36.xml><?xml version="1.0" encoding="utf-8"?>
+<file path=ppt/slides/slide4.xml><?xml version="1.0" encoding="utf-8"?>
+<p:sld xmlns:a="http://schemas.openxmlformats.org/drawingml/2006/main" xmlns:r="http://schemas.openxmlformats.org/officeDocument/2006/relationships" xmlns:p="http://schemas.openxmlformats.org/presentationml/2006/main">
+  <p:cSld>
+    <p:spTree>
+      <p:nvGrpSpPr>
+        <p:cNvPr id="1" name="">
+          <a:extLst>
+            <a:ext uri="{FF2B5EF4-FFF2-40B4-BE49-F238E27FC236}">
+              <a16:creationId xmlns:a16="http://schemas.microsoft.com/office/drawing/2014/main" id="{6949836A-956E-D3F6-1A7E-2474B64CAC0C}"/>
+            </a:ext>
+          </a:extLst>
+        </p:cNvPr>
+        <p:cNvGrpSpPr/>
+        <p:nvPr/>
+      </p:nvGrpSpPr>
+      <p:grpSpPr>
+        <a:xfrm>
+          <a:off x="0" y="0"/>
+          <a:ext cx="0" cy="0"/>
+          <a:chOff x="0" y="0"/>
+          <a:chExt cx="0" cy="0"/>
+        </a:xfrm>
+      </p:grpSpPr>
+      <p:sp>
+        <p:nvSpPr>
+          <p:cNvPr id="41987" name="Titel 2">
+            <a:extLst>
+              <a:ext uri="{FF2B5EF4-FFF2-40B4-BE49-F238E27FC236}">
+                <a16:creationId xmlns:a16="http://schemas.microsoft.com/office/drawing/2014/main" id="{C7130699-F41B-CCA7-0887-66FC12AF6EDB}"/>
+              </a:ext>
+            </a:extLst>
+          </p:cNvPr>
+          <p:cNvSpPr>
+            <a:spLocks noGrp="1"/>
+          </p:cNvSpPr>
+          <p:nvPr>
+            <p:ph type="title"/>
+          </p:nvPr>
+        </p:nvSpPr>
+        <p:spPr>
+          <a:noFill/>
+          <a:extLst>
+            <a:ext uri="{91240B29-F687-4F45-9708-019B960494DF}">
+              <a14:hiddenLine xmlns:a14="http://schemas.microsoft.com/office/drawing/2010/main" w="0">
+                <a:solidFill>
+                  <a:srgbClr val="000000"/>
+                </a:solidFill>
+                <a:miter lim="800000"/>
+                <a:headEnd/>
+                <a:tailEnd/>
+              </a14:hiddenLine>
+            </a:ext>
+          </a:extLst>
+        </p:spPr>
+        <p:txBody>
+          <a:bodyPr/>
+          <a:lstStyle/>
+          <a:p>
+            <a:r>
+              <a:rPr lang="nl-BE" altLang="en-US" dirty="0" err="1"/>
+              <a:t>Requirements</a:t>
+            </a:r>
+            <a:endParaRPr lang="nl-BE" altLang="en-US" dirty="0"/>
+          </a:p>
+        </p:txBody>
+      </p:sp>
+      <p:sp>
+        <p:nvSpPr>
+          <p:cNvPr id="41986" name="Tijdelijke aanduiding voor inhoud 1">
+            <a:extLst>
+              <a:ext uri="{FF2B5EF4-FFF2-40B4-BE49-F238E27FC236}">
+                <a16:creationId xmlns:a16="http://schemas.microsoft.com/office/drawing/2014/main" id="{AB11DD67-6B50-93A7-64E8-0459A5842E63}"/>
+              </a:ext>
+            </a:extLst>
+          </p:cNvPr>
+          <p:cNvSpPr>
+            <a:spLocks noGrp="1"/>
+          </p:cNvSpPr>
+          <p:nvPr>
+            <p:ph idx="1"/>
+          </p:nvPr>
+        </p:nvSpPr>
+        <p:spPr>
+          <a:xfrm>
+            <a:off x="0" y="1152000"/>
+            <a:ext cx="9144000" cy="4777330"/>
+          </a:xfrm>
+          <a:noFill/>
+          <a:ln>
+            <a:noFill/>
+          </a:ln>
+        </p:spPr>
+        <p:txBody>
+          <a:bodyPr bIns="144000">
+            <a:normAutofit/>
+          </a:bodyPr>
+          <a:lstStyle/>
+          <a:p>
+            <a:r>
+              <a:rPr lang="nl-NL" sz="1800" dirty="0"/>
+              <a:t>Hoe de temperatuur of vochtigheid geregeld moet worden is abstract.</a:t>
+            </a:r>
+          </a:p>
+          <a:p>
+            <a:pPr lvl="1"/>
+            <a:r>
+              <a:rPr lang="nl-NL" sz="1500" dirty="0"/>
+              <a:t>Via een </a:t>
+            </a:r>
+            <a:r>
+              <a:rPr lang="nl-NL" sz="1500" dirty="0" err="1"/>
+              <a:t>relay</a:t>
+            </a:r>
+            <a:r>
+              <a:rPr lang="nl-NL" sz="1500" dirty="0"/>
+              <a:t> kan een </a:t>
+            </a:r>
+            <a:r>
+              <a:rPr lang="nl-NL" sz="1500" dirty="0" err="1"/>
+              <a:t>verwarmingelement</a:t>
+            </a:r>
+            <a:r>
+              <a:rPr lang="nl-NL" sz="1500" dirty="0"/>
+              <a:t> of stomer gestart of gestopt worden</a:t>
+            </a:r>
+          </a:p>
+          <a:p>
+            <a:pPr lvl="1"/>
+            <a:r>
+              <a:rPr lang="nl-NL" sz="1500" dirty="0"/>
+              <a:t>Werkt als een schakelaar, gesloten =&gt; wordt het toestel gevoed</a:t>
+            </a:r>
+          </a:p>
+          <a:p>
+            <a:pPr lvl="1"/>
+            <a:r>
+              <a:rPr lang="nl-NL" sz="1500" dirty="0"/>
+              <a:t>Dit hebben we abstract gehouden omdat we nu niet weten welk abstract toestel we gaan aansluiten alsook in de toekomst willen we misschien verschillende zaken sturen</a:t>
+            </a:r>
+          </a:p>
+          <a:p>
+            <a:pPr lvl="2"/>
+            <a:r>
+              <a:rPr lang="nl-NL" sz="1200" dirty="0"/>
+              <a:t>Verwarmingselement</a:t>
+            </a:r>
+          </a:p>
+          <a:p>
+            <a:pPr lvl="2"/>
+            <a:r>
+              <a:rPr lang="nl-NL" sz="1200" dirty="0"/>
+              <a:t>Stomer</a:t>
+            </a:r>
+          </a:p>
+          <a:p>
+            <a:pPr lvl="2"/>
+            <a:r>
+              <a:rPr lang="nl-NL" sz="1200" dirty="0"/>
+              <a:t>Verlichting (warmtelamp…)</a:t>
+            </a:r>
+          </a:p>
+          <a:p>
+            <a:pPr lvl="2"/>
+            <a:r>
+              <a:rPr lang="nl-NL" sz="1200" dirty="0"/>
+              <a:t>…</a:t>
+            </a:r>
+          </a:p>
+          <a:p>
+            <a:pPr lvl="2"/>
+            <a:endParaRPr lang="nl-NL" sz="1200" dirty="0"/>
+          </a:p>
+          <a:p>
+            <a:pPr lvl="1"/>
+            <a:endParaRPr lang="nl-NL" sz="1500" dirty="0"/>
+          </a:p>
+          <a:p>
+            <a:pPr lvl="1"/>
+            <a:endParaRPr lang="nl-NL" sz="1500" dirty="0"/>
+          </a:p>
+          <a:p>
+            <a:pPr marL="0" indent="0">
+              <a:buNone/>
+            </a:pPr>
+            <a:endParaRPr lang="nl-NL" sz="1800" dirty="0"/>
+          </a:p>
+          <a:p>
+            <a:pPr marL="0" indent="0">
+              <a:buNone/>
+            </a:pPr>
+            <a:endParaRPr lang="nl-NL" sz="1800" dirty="0"/>
+          </a:p>
+          <a:p>
+            <a:pPr marL="0" indent="0">
+              <a:buNone/>
+            </a:pPr>
+            <a:endParaRPr lang="nl-NL" sz="1800" dirty="0"/>
+          </a:p>
+          <a:p>
+            <a:pPr marL="0" indent="0">
+              <a:buNone/>
+            </a:pPr>
+            <a:endParaRPr lang="nl-NL" sz="1800" dirty="0"/>
+          </a:p>
+          <a:p>
+            <a:pPr marL="0" indent="0" algn="just">
+              <a:buNone/>
+            </a:pPr>
+            <a:endParaRPr lang="nl-BE" altLang="en-US" sz="1800" dirty="0">
+              <a:solidFill>
+                <a:schemeClr val="accent6">
+                  <a:lumMod val="10000"/>
+                </a:schemeClr>
+              </a:solidFill>
+            </a:endParaRPr>
+          </a:p>
+        </p:txBody>
+      </p:sp>
+      <p:sp>
+        <p:nvSpPr>
+          <p:cNvPr id="2" name="Footer Placeholder 1">
+            <a:extLst>
+              <a:ext uri="{FF2B5EF4-FFF2-40B4-BE49-F238E27FC236}">
+                <a16:creationId xmlns:a16="http://schemas.microsoft.com/office/drawing/2014/main" id="{7FBCBBA9-262F-856F-10DD-5D5E687D4B84}"/>
+              </a:ext>
+            </a:extLst>
+          </p:cNvPr>
+          <p:cNvSpPr>
+            <a:spLocks noGrp="1"/>
+          </p:cNvSpPr>
+          <p:nvPr>
+            <p:ph type="ftr" sz="quarter" idx="11"/>
+          </p:nvPr>
+        </p:nvSpPr>
+        <p:spPr/>
+        <p:txBody>
+          <a:bodyPr/>
+          <a:lstStyle/>
+          <a:p>
+            <a:r>
+              <a:rPr lang="nl-BE" dirty="0"/>
+              <a:t>Projecten van het werkveld – </a:t>
+            </a:r>
+            <a:r>
+              <a:rPr lang="nl-BE" dirty="0" err="1"/>
+              <a:t>IoT</a:t>
+            </a:r>
+            <a:r>
+              <a:rPr lang="nl-BE" dirty="0"/>
+              <a:t> Graduaat</a:t>
+            </a:r>
+          </a:p>
+        </p:txBody>
+      </p:sp>
+      <p:sp>
+        <p:nvSpPr>
+          <p:cNvPr id="3" name="Slide Number Placeholder 2">
+            <a:extLst>
+              <a:ext uri="{FF2B5EF4-FFF2-40B4-BE49-F238E27FC236}">
+                <a16:creationId xmlns:a16="http://schemas.microsoft.com/office/drawing/2014/main" id="{1FC415E2-6498-9229-6198-AF79350E7AEA}"/>
+              </a:ext>
+            </a:extLst>
+          </p:cNvPr>
+          <p:cNvSpPr>
+            <a:spLocks noGrp="1"/>
+          </p:cNvSpPr>
+          <p:nvPr>
+            <p:ph type="sldNum" sz="quarter" idx="12"/>
+          </p:nvPr>
+        </p:nvSpPr>
+        <p:spPr/>
+        <p:txBody>
+          <a:bodyPr/>
+          <a:lstStyle/>
+          <a:p>
+            <a:fld id="{3B80295F-48CD-49FC-897A-CCEC919B8070}" type="slidenum">
+              <a:rPr lang="nl-BE" smtClean="0"/>
+              <a:pPr/>
+              <a:t>4</a:t>
+            </a:fld>
+            <a:endParaRPr lang="nl-BE" dirty="0"/>
+          </a:p>
+        </p:txBody>
+      </p:sp>
+      <p:sp>
+        <p:nvSpPr>
+          <p:cNvPr id="41988" name="Tijdelijke aanduiding voor dianummer 3">
+            <a:extLst>
+              <a:ext uri="{FF2B5EF4-FFF2-40B4-BE49-F238E27FC236}">
+                <a16:creationId xmlns:a16="http://schemas.microsoft.com/office/drawing/2014/main" id="{A9E9005B-2EB7-DB87-C737-AF16BFA44624}"/>
+              </a:ext>
+            </a:extLst>
+          </p:cNvPr>
+          <p:cNvSpPr txBox="1">
+            <a:spLocks noGrp="1"/>
+          </p:cNvSpPr>
+          <p:nvPr/>
+        </p:nvSpPr>
+        <p:spPr bwMode="auto">
+          <a:xfrm>
+            <a:off x="360363" y="6083300"/>
+            <a:ext cx="360362" cy="668338"/>
+          </a:xfrm>
+          <a:prstGeom prst="rect">
+            <a:avLst/>
+          </a:prstGeom>
+          <a:solidFill>
+            <a:srgbClr val="00A0AE"/>
+          </a:solidFill>
+          <a:ln>
+            <a:noFill/>
+          </a:ln>
+          <a:extLst>
+            <a:ext uri="{91240B29-F687-4F45-9708-019B960494DF}">
+              <a14:hiddenLine xmlns:a14="http://schemas.microsoft.com/office/drawing/2010/main" w="9525">
+                <a:solidFill>
+                  <a:srgbClr val="000000"/>
+                </a:solidFill>
+                <a:miter lim="800000"/>
+                <a:headEnd/>
+                <a:tailEnd/>
+              </a14:hiddenLine>
+            </a:ext>
+          </a:extLst>
+        </p:spPr>
+        <p:txBody>
+          <a:bodyPr wrap="none" lIns="0" tIns="108000" rIns="0" bIns="0" anchor="ctr"/>
+          <a:lstStyle>
+            <a:lvl1pPr eaLnBrk="0" hangingPunct="0">
+              <a:defRPr>
+                <a:solidFill>
+                  <a:schemeClr val="tx1"/>
+                </a:solidFill>
+                <a:latin typeface="Arial" panose="020B0604020202020204" pitchFamily="34" charset="0"/>
+              </a:defRPr>
+            </a:lvl1pPr>
+            <a:lvl2pPr marL="742950" indent="-285750" eaLnBrk="0" hangingPunct="0">
+              <a:defRPr>
+                <a:solidFill>
+                  <a:schemeClr val="tx1"/>
+                </a:solidFill>
+                <a:latin typeface="Arial" panose="020B0604020202020204" pitchFamily="34" charset="0"/>
+              </a:defRPr>
+            </a:lvl2pPr>
+            <a:lvl3pPr marL="1143000" indent="-228600" eaLnBrk="0" hangingPunct="0">
+              <a:defRPr>
+                <a:solidFill>
+                  <a:schemeClr val="tx1"/>
+                </a:solidFill>
+                <a:latin typeface="Arial" panose="020B0604020202020204" pitchFamily="34" charset="0"/>
+              </a:defRPr>
+            </a:lvl3pPr>
+            <a:lvl4pPr marL="1600200" indent="-228600" eaLnBrk="0" hangingPunct="0">
+              <a:defRPr>
+                <a:solidFill>
+                  <a:schemeClr val="tx1"/>
+                </a:solidFill>
+                <a:latin typeface="Arial" panose="020B0604020202020204" pitchFamily="34" charset="0"/>
+              </a:defRPr>
+            </a:lvl4pPr>
+            <a:lvl5pPr marL="2057400" indent="-228600" eaLnBrk="0" hangingPunct="0">
+              <a:defRPr>
+                <a:solidFill>
+                  <a:schemeClr val="tx1"/>
+                </a:solidFill>
+                <a:latin typeface="Arial" panose="020B0604020202020204" pitchFamily="34" charset="0"/>
+              </a:defRPr>
+            </a:lvl5pPr>
+            <a:lvl6pPr marL="2514600" indent="-228600" eaLnBrk="0" fontAlgn="base" hangingPunct="0">
+              <a:spcBef>
+                <a:spcPct val="0"/>
+              </a:spcBef>
+              <a:spcAft>
+                <a:spcPct val="0"/>
+              </a:spcAft>
+              <a:defRPr>
+                <a:solidFill>
+                  <a:schemeClr val="tx1"/>
+                </a:solidFill>
+                <a:latin typeface="Arial" panose="020B0604020202020204" pitchFamily="34" charset="0"/>
+              </a:defRPr>
+            </a:lvl6pPr>
+            <a:lvl7pPr marL="2971800" indent="-228600" eaLnBrk="0" fontAlgn="base" hangingPunct="0">
+              <a:spcBef>
+                <a:spcPct val="0"/>
+              </a:spcBef>
+              <a:spcAft>
+                <a:spcPct val="0"/>
+              </a:spcAft>
+              <a:defRPr>
+                <a:solidFill>
+                  <a:schemeClr val="tx1"/>
+                </a:solidFill>
+                <a:latin typeface="Arial" panose="020B0604020202020204" pitchFamily="34" charset="0"/>
+              </a:defRPr>
+            </a:lvl7pPr>
+            <a:lvl8pPr marL="3429000" indent="-228600" eaLnBrk="0" fontAlgn="base" hangingPunct="0">
+              <a:spcBef>
+                <a:spcPct val="0"/>
+              </a:spcBef>
+              <a:spcAft>
+                <a:spcPct val="0"/>
+              </a:spcAft>
+              <a:defRPr>
+                <a:solidFill>
+                  <a:schemeClr val="tx1"/>
+                </a:solidFill>
+                <a:latin typeface="Arial" panose="020B0604020202020204" pitchFamily="34" charset="0"/>
+              </a:defRPr>
+            </a:lvl8pPr>
+            <a:lvl9pPr marL="3886200" indent="-228600" eaLnBrk="0" fontAlgn="base" hangingPunct="0">
+              <a:spcBef>
+                <a:spcPct val="0"/>
+              </a:spcBef>
+              <a:spcAft>
+                <a:spcPct val="0"/>
+              </a:spcAft>
+              <a:defRPr>
+                <a:solidFill>
+                  <a:schemeClr val="tx1"/>
+                </a:solidFill>
+                <a:latin typeface="Arial" panose="020B0604020202020204" pitchFamily="34" charset="0"/>
+              </a:defRPr>
+            </a:lvl9pPr>
+          </a:lstStyle>
+          <a:p>
+            <a:pPr eaLnBrk="1" hangingPunct="1"/>
+            <a:fld id="{E7E9740F-FEEC-4722-AD1A-FA148BA257E6}" type="slidenum">
+              <a:rPr lang="nl-BE" altLang="en-US" sz="2000" smtClean="0">
+                <a:solidFill>
+                  <a:srgbClr val="FFFFFF"/>
+                </a:solidFill>
+                <a:latin typeface="Trebuchet MS" panose="020B0603020202020204" pitchFamily="34" charset="0"/>
+              </a:rPr>
+              <a:pPr eaLnBrk="1" hangingPunct="1"/>
+              <a:t>4</a:t>
+            </a:fld>
+            <a:endParaRPr lang="nl-BE" altLang="en-US" sz="2000">
+              <a:solidFill>
+                <a:srgbClr val="FFFFFF"/>
+              </a:solidFill>
+              <a:latin typeface="Trebuchet MS" panose="020B0603020202020204" pitchFamily="34" charset="0"/>
+            </a:endParaRPr>
+          </a:p>
+        </p:txBody>
+      </p:sp>
+    </p:spTree>
+    <p:extLst>
+      <p:ext uri="{BB962C8B-B14F-4D97-AF65-F5344CB8AC3E}">
+        <p14:creationId xmlns:p14="http://schemas.microsoft.com/office/powerpoint/2010/main" val="3060557031"/>
+      </p:ext>
+    </p:extLst>
+  </p:cSld>
+  <p:clrMapOvr>
+    <a:masterClrMapping/>
+  </p:clrMapOvr>
+</p:sld>
+</file>
+
+<file path=ppt/slides/slide40.xml><?xml version="1.0" encoding="utf-8"?>
 <p:sld xmlns:a="http://schemas.openxmlformats.org/drawingml/2006/main" xmlns:r="http://schemas.openxmlformats.org/officeDocument/2006/relationships" xmlns:p="http://schemas.openxmlformats.org/presentationml/2006/main">
   <p:cSld>
     <p:spTree>
@@ -16695,7 +19011,7 @@
             <a:fld id="{3B80295F-48CD-49FC-897A-CCEC919B8070}" type="slidenum">
               <a:rPr lang="nl-BE" smtClean="0"/>
               <a:pPr/>
-              <a:t>36</a:t>
+              <a:t>40</a:t>
             </a:fld>
             <a:endParaRPr lang="nl-BE" dirty="0"/>
           </a:p>
@@ -16852,7 +19168,7 @@
                 <a:latin typeface="Trebuchet MS" panose="020B0603020202020204" pitchFamily="34" charset="0"/>
               </a:rPr>
               <a:pPr eaLnBrk="1" hangingPunct="1"/>
-              <a:t>36</a:t>
+              <a:t>40</a:t>
             </a:fld>
             <a:endParaRPr lang="nl-BE" altLang="en-US" sz="2000">
               <a:solidFill>
@@ -16971,7 +19287,7 @@
 </p:sld>
 </file>
 
-<file path=ppt/slides/slide37.xml><?xml version="1.0" encoding="utf-8"?>
+<file path=ppt/slides/slide41.xml><?xml version="1.0" encoding="utf-8"?>
 <p:sld xmlns:a="http://schemas.openxmlformats.org/drawingml/2006/main" xmlns:r="http://schemas.openxmlformats.org/officeDocument/2006/relationships" xmlns:p="http://schemas.openxmlformats.org/presentationml/2006/main">
   <p:cSld>
     <p:spTree>
@@ -17100,7 +19416,7 @@
             <a:fld id="{3B80295F-48CD-49FC-897A-CCEC919B8070}" type="slidenum">
               <a:rPr lang="nl-BE" smtClean="0"/>
               <a:pPr/>
-              <a:t>37</a:t>
+              <a:t>41</a:t>
             </a:fld>
             <a:endParaRPr lang="nl-BE" dirty="0"/>
           </a:p>
@@ -17257,7 +19573,7 @@
                 <a:latin typeface="Trebuchet MS" panose="020B0603020202020204" pitchFamily="34" charset="0"/>
               </a:rPr>
               <a:pPr eaLnBrk="1" hangingPunct="1"/>
-              <a:t>37</a:t>
+              <a:t>41</a:t>
             </a:fld>
             <a:endParaRPr lang="nl-BE" altLang="en-US" sz="2000">
               <a:solidFill>
@@ -17396,7 +19712,7 @@
 </p:sld>
 </file>
 
-<file path=ppt/slides/slide38.xml><?xml version="1.0" encoding="utf-8"?>
+<file path=ppt/slides/slide42.xml><?xml version="1.0" encoding="utf-8"?>
 <p:sld xmlns:a="http://schemas.openxmlformats.org/drawingml/2006/main" xmlns:r="http://schemas.openxmlformats.org/officeDocument/2006/relationships" xmlns:p="http://schemas.openxmlformats.org/presentationml/2006/main">
   <p:cSld>
     <p:spTree>
@@ -17525,7 +19841,7 @@
             <a:fld id="{3B80295F-48CD-49FC-897A-CCEC919B8070}" type="slidenum">
               <a:rPr lang="nl-BE" smtClean="0"/>
               <a:pPr/>
-              <a:t>38</a:t>
+              <a:t>42</a:t>
             </a:fld>
             <a:endParaRPr lang="nl-BE" dirty="0"/>
           </a:p>
@@ -17682,7 +19998,7 @@
                 <a:latin typeface="Trebuchet MS" panose="020B0603020202020204" pitchFamily="34" charset="0"/>
               </a:rPr>
               <a:pPr eaLnBrk="1" hangingPunct="1"/>
-              <a:t>38</a:t>
+              <a:t>42</a:t>
             </a:fld>
             <a:endParaRPr lang="nl-BE" altLang="en-US" sz="2000">
               <a:solidFill>
@@ -17816,7 +20132,7 @@
 </p:sld>
 </file>
 
-<file path=ppt/slides/slide39.xml><?xml version="1.0" encoding="utf-8"?>
+<file path=ppt/slides/slide43.xml><?xml version="1.0" encoding="utf-8"?>
 <p:sld xmlns:a="http://schemas.openxmlformats.org/drawingml/2006/main" xmlns:r="http://schemas.openxmlformats.org/officeDocument/2006/relationships" xmlns:p="http://schemas.openxmlformats.org/presentationml/2006/main">
   <p:cSld>
     <p:spTree>
@@ -17945,7 +20261,7 @@
             <a:fld id="{3B80295F-48CD-49FC-897A-CCEC919B8070}" type="slidenum">
               <a:rPr lang="nl-BE" smtClean="0"/>
               <a:pPr/>
-              <a:t>39</a:t>
+              <a:t>43</a:t>
             </a:fld>
             <a:endParaRPr lang="nl-BE" dirty="0"/>
           </a:p>
@@ -18102,7 +20418,7 @@
                 <a:latin typeface="Trebuchet MS" panose="020B0603020202020204" pitchFamily="34" charset="0"/>
               </a:rPr>
               <a:pPr eaLnBrk="1" hangingPunct="1"/>
-              <a:t>39</a:t>
+              <a:t>43</a:t>
             </a:fld>
             <a:endParaRPr lang="nl-BE" altLang="en-US" sz="2000">
               <a:solidFill>
@@ -18206,466 +20522,7 @@
 </p:sld>
 </file>
 
-<file path=ppt/slides/slide4.xml><?xml version="1.0" encoding="utf-8"?>
-<p:sld xmlns:a="http://schemas.openxmlformats.org/drawingml/2006/main" xmlns:r="http://schemas.openxmlformats.org/officeDocument/2006/relationships" xmlns:p="http://schemas.openxmlformats.org/presentationml/2006/main">
-  <p:cSld>
-    <p:spTree>
-      <p:nvGrpSpPr>
-        <p:cNvPr id="1" name="">
-          <a:extLst>
-            <a:ext uri="{FF2B5EF4-FFF2-40B4-BE49-F238E27FC236}">
-              <a16:creationId xmlns:a16="http://schemas.microsoft.com/office/drawing/2014/main" id="{6949836A-956E-D3F6-1A7E-2474B64CAC0C}"/>
-            </a:ext>
-          </a:extLst>
-        </p:cNvPr>
-        <p:cNvGrpSpPr/>
-        <p:nvPr/>
-      </p:nvGrpSpPr>
-      <p:grpSpPr>
-        <a:xfrm>
-          <a:off x="0" y="0"/>
-          <a:ext cx="0" cy="0"/>
-          <a:chOff x="0" y="0"/>
-          <a:chExt cx="0" cy="0"/>
-        </a:xfrm>
-      </p:grpSpPr>
-      <p:sp>
-        <p:nvSpPr>
-          <p:cNvPr id="41987" name="Titel 2">
-            <a:extLst>
-              <a:ext uri="{FF2B5EF4-FFF2-40B4-BE49-F238E27FC236}">
-                <a16:creationId xmlns:a16="http://schemas.microsoft.com/office/drawing/2014/main" id="{C7130699-F41B-CCA7-0887-66FC12AF6EDB}"/>
-              </a:ext>
-            </a:extLst>
-          </p:cNvPr>
-          <p:cNvSpPr>
-            <a:spLocks noGrp="1"/>
-          </p:cNvSpPr>
-          <p:nvPr>
-            <p:ph type="title"/>
-          </p:nvPr>
-        </p:nvSpPr>
-        <p:spPr>
-          <a:noFill/>
-          <a:extLst>
-            <a:ext uri="{91240B29-F687-4F45-9708-019B960494DF}">
-              <a14:hiddenLine xmlns:a14="http://schemas.microsoft.com/office/drawing/2010/main" w="0">
-                <a:solidFill>
-                  <a:srgbClr val="000000"/>
-                </a:solidFill>
-                <a:miter lim="800000"/>
-                <a:headEnd/>
-                <a:tailEnd/>
-              </a14:hiddenLine>
-            </a:ext>
-          </a:extLst>
-        </p:spPr>
-        <p:txBody>
-          <a:bodyPr/>
-          <a:lstStyle/>
-          <a:p>
-            <a:r>
-              <a:rPr lang="nl-BE" altLang="en-US" dirty="0" err="1"/>
-              <a:t>Requirements</a:t>
-            </a:r>
-            <a:endParaRPr lang="nl-BE" altLang="en-US" dirty="0"/>
-          </a:p>
-        </p:txBody>
-      </p:sp>
-      <p:sp>
-        <p:nvSpPr>
-          <p:cNvPr id="41986" name="Tijdelijke aanduiding voor inhoud 1">
-            <a:extLst>
-              <a:ext uri="{FF2B5EF4-FFF2-40B4-BE49-F238E27FC236}">
-                <a16:creationId xmlns:a16="http://schemas.microsoft.com/office/drawing/2014/main" id="{AB11DD67-6B50-93A7-64E8-0459A5842E63}"/>
-              </a:ext>
-            </a:extLst>
-          </p:cNvPr>
-          <p:cNvSpPr>
-            <a:spLocks noGrp="1"/>
-          </p:cNvSpPr>
-          <p:nvPr>
-            <p:ph idx="1"/>
-          </p:nvPr>
-        </p:nvSpPr>
-        <p:spPr>
-          <a:xfrm>
-            <a:off x="0" y="1152000"/>
-            <a:ext cx="9144000" cy="4777330"/>
-          </a:xfrm>
-          <a:noFill/>
-          <a:ln>
-            <a:noFill/>
-          </a:ln>
-        </p:spPr>
-        <p:txBody>
-          <a:bodyPr bIns="144000">
-            <a:normAutofit/>
-          </a:bodyPr>
-          <a:lstStyle/>
-          <a:p>
-            <a:r>
-              <a:rPr lang="nl-NL" sz="1800" dirty="0"/>
-              <a:t>Hoe de temperatuur of vochtigheid geregeld moet worden is abstract.</a:t>
-            </a:r>
-          </a:p>
-          <a:p>
-            <a:pPr lvl="1"/>
-            <a:r>
-              <a:rPr lang="nl-NL" sz="1500" dirty="0"/>
-              <a:t>Via een </a:t>
-            </a:r>
-            <a:r>
-              <a:rPr lang="nl-NL" sz="1500" dirty="0" err="1"/>
-              <a:t>relay</a:t>
-            </a:r>
-            <a:r>
-              <a:rPr lang="nl-NL" sz="1500" dirty="0"/>
-              <a:t> kan een </a:t>
-            </a:r>
-            <a:r>
-              <a:rPr lang="nl-NL" sz="1500" dirty="0" err="1"/>
-              <a:t>verwarmingelement</a:t>
-            </a:r>
-            <a:r>
-              <a:rPr lang="nl-NL" sz="1500" dirty="0"/>
-              <a:t> of stomer gestart of gestopt worden</a:t>
-            </a:r>
-          </a:p>
-          <a:p>
-            <a:pPr lvl="1"/>
-            <a:r>
-              <a:rPr lang="nl-NL" sz="1500" dirty="0"/>
-              <a:t>Werkt als een schakelaar, gesloten =&gt; wordt het toestel gevoed</a:t>
-            </a:r>
-          </a:p>
-          <a:p>
-            <a:pPr lvl="1"/>
-            <a:r>
-              <a:rPr lang="nl-NL" sz="1500" dirty="0"/>
-              <a:t>Dit hebben we abstract gehouden omdat we nu niet weten welk abstract toestel we gaan aansluiten alsook in de toekomst willen we misschien verschillende zaken sturen</a:t>
-            </a:r>
-          </a:p>
-          <a:p>
-            <a:pPr lvl="2"/>
-            <a:r>
-              <a:rPr lang="nl-NL" sz="1200" dirty="0"/>
-              <a:t>Verwarmingselement</a:t>
-            </a:r>
-          </a:p>
-          <a:p>
-            <a:pPr lvl="2"/>
-            <a:r>
-              <a:rPr lang="nl-NL" sz="1200" dirty="0"/>
-              <a:t>Stomer</a:t>
-            </a:r>
-          </a:p>
-          <a:p>
-            <a:pPr lvl="2"/>
-            <a:r>
-              <a:rPr lang="nl-NL" sz="1200" dirty="0"/>
-              <a:t>Verlichting (warmtelamp…)</a:t>
-            </a:r>
-          </a:p>
-          <a:p>
-            <a:pPr lvl="2"/>
-            <a:r>
-              <a:rPr lang="nl-NL" sz="1200" dirty="0"/>
-              <a:t>…</a:t>
-            </a:r>
-          </a:p>
-          <a:p>
-            <a:pPr lvl="2"/>
-            <a:endParaRPr lang="nl-NL" sz="1200" dirty="0"/>
-          </a:p>
-          <a:p>
-            <a:pPr lvl="1"/>
-            <a:endParaRPr lang="nl-NL" sz="1500" dirty="0"/>
-          </a:p>
-          <a:p>
-            <a:pPr lvl="1"/>
-            <a:endParaRPr lang="nl-NL" sz="1500" dirty="0"/>
-          </a:p>
-          <a:p>
-            <a:pPr marL="0" indent="0">
-              <a:buNone/>
-            </a:pPr>
-            <a:endParaRPr lang="nl-NL" sz="1800" dirty="0"/>
-          </a:p>
-          <a:p>
-            <a:pPr marL="0" indent="0">
-              <a:buNone/>
-            </a:pPr>
-            <a:endParaRPr lang="nl-NL" sz="1800" dirty="0"/>
-          </a:p>
-          <a:p>
-            <a:pPr marL="0" indent="0">
-              <a:buNone/>
-            </a:pPr>
-            <a:endParaRPr lang="nl-NL" sz="1800" dirty="0"/>
-          </a:p>
-          <a:p>
-            <a:pPr marL="0" indent="0">
-              <a:buNone/>
-            </a:pPr>
-            <a:endParaRPr lang="nl-NL" sz="1800" dirty="0"/>
-          </a:p>
-          <a:p>
-            <a:pPr marL="0" indent="0" algn="just">
-              <a:buNone/>
-            </a:pPr>
-            <a:endParaRPr lang="nl-BE" altLang="en-US" sz="1800" dirty="0">
-              <a:solidFill>
-                <a:schemeClr val="accent6">
-                  <a:lumMod val="10000"/>
-                </a:schemeClr>
-              </a:solidFill>
-            </a:endParaRPr>
-          </a:p>
-        </p:txBody>
-      </p:sp>
-      <p:sp>
-        <p:nvSpPr>
-          <p:cNvPr id="2" name="Footer Placeholder 1">
-            <a:extLst>
-              <a:ext uri="{FF2B5EF4-FFF2-40B4-BE49-F238E27FC236}">
-                <a16:creationId xmlns:a16="http://schemas.microsoft.com/office/drawing/2014/main" id="{7FBCBBA9-262F-856F-10DD-5D5E687D4B84}"/>
-              </a:ext>
-            </a:extLst>
-          </p:cNvPr>
-          <p:cNvSpPr>
-            <a:spLocks noGrp="1"/>
-          </p:cNvSpPr>
-          <p:nvPr>
-            <p:ph type="ftr" sz="quarter" idx="11"/>
-          </p:nvPr>
-        </p:nvSpPr>
-        <p:spPr/>
-        <p:txBody>
-          <a:bodyPr/>
-          <a:lstStyle/>
-          <a:p>
-            <a:r>
-              <a:rPr lang="nl-BE" dirty="0"/>
-              <a:t>Projecten van het werkveld – </a:t>
-            </a:r>
-            <a:r>
-              <a:rPr lang="nl-BE" dirty="0" err="1"/>
-              <a:t>IoT</a:t>
-            </a:r>
-            <a:r>
-              <a:rPr lang="nl-BE" dirty="0"/>
-              <a:t> Graduaat</a:t>
-            </a:r>
-          </a:p>
-        </p:txBody>
-      </p:sp>
-      <p:sp>
-        <p:nvSpPr>
-          <p:cNvPr id="3" name="Slide Number Placeholder 2">
-            <a:extLst>
-              <a:ext uri="{FF2B5EF4-FFF2-40B4-BE49-F238E27FC236}">
-                <a16:creationId xmlns:a16="http://schemas.microsoft.com/office/drawing/2014/main" id="{1FC415E2-6498-9229-6198-AF79350E7AEA}"/>
-              </a:ext>
-            </a:extLst>
-          </p:cNvPr>
-          <p:cNvSpPr>
-            <a:spLocks noGrp="1"/>
-          </p:cNvSpPr>
-          <p:nvPr>
-            <p:ph type="sldNum" sz="quarter" idx="12"/>
-          </p:nvPr>
-        </p:nvSpPr>
-        <p:spPr/>
-        <p:txBody>
-          <a:bodyPr/>
-          <a:lstStyle/>
-          <a:p>
-            <a:fld id="{3B80295F-48CD-49FC-897A-CCEC919B8070}" type="slidenum">
-              <a:rPr lang="nl-BE" smtClean="0"/>
-              <a:pPr/>
-              <a:t>4</a:t>
-            </a:fld>
-            <a:endParaRPr lang="nl-BE" dirty="0"/>
-          </a:p>
-        </p:txBody>
-      </p:sp>
-      <p:sp>
-        <p:nvSpPr>
-          <p:cNvPr id="41988" name="Tijdelijke aanduiding voor dianummer 3">
-            <a:extLst>
-              <a:ext uri="{FF2B5EF4-FFF2-40B4-BE49-F238E27FC236}">
-                <a16:creationId xmlns:a16="http://schemas.microsoft.com/office/drawing/2014/main" id="{A9E9005B-2EB7-DB87-C737-AF16BFA44624}"/>
-              </a:ext>
-            </a:extLst>
-          </p:cNvPr>
-          <p:cNvSpPr txBox="1">
-            <a:spLocks noGrp="1"/>
-          </p:cNvSpPr>
-          <p:nvPr/>
-        </p:nvSpPr>
-        <p:spPr bwMode="auto">
-          <a:xfrm>
-            <a:off x="360363" y="6083300"/>
-            <a:ext cx="360362" cy="668338"/>
-          </a:xfrm>
-          <a:prstGeom prst="rect">
-            <a:avLst/>
-          </a:prstGeom>
-          <a:solidFill>
-            <a:srgbClr val="00A0AE"/>
-          </a:solidFill>
-          <a:ln>
-            <a:noFill/>
-          </a:ln>
-          <a:extLst>
-            <a:ext uri="{91240B29-F687-4F45-9708-019B960494DF}">
-              <a14:hiddenLine xmlns:a14="http://schemas.microsoft.com/office/drawing/2010/main" w="9525">
-                <a:solidFill>
-                  <a:srgbClr val="000000"/>
-                </a:solidFill>
-                <a:miter lim="800000"/>
-                <a:headEnd/>
-                <a:tailEnd/>
-              </a14:hiddenLine>
-            </a:ext>
-          </a:extLst>
-        </p:spPr>
-        <p:txBody>
-          <a:bodyPr wrap="none" lIns="0" tIns="108000" rIns="0" bIns="0" anchor="ctr"/>
-          <a:lstStyle>
-            <a:lvl1pPr eaLnBrk="0" hangingPunct="0">
-              <a:defRPr>
-                <a:solidFill>
-                  <a:schemeClr val="tx1"/>
-                </a:solidFill>
-                <a:latin typeface="Arial" panose="020B0604020202020204" pitchFamily="34" charset="0"/>
-              </a:defRPr>
-            </a:lvl1pPr>
-            <a:lvl2pPr marL="742950" indent="-285750" eaLnBrk="0" hangingPunct="0">
-              <a:defRPr>
-                <a:solidFill>
-                  <a:schemeClr val="tx1"/>
-                </a:solidFill>
-                <a:latin typeface="Arial" panose="020B0604020202020204" pitchFamily="34" charset="0"/>
-              </a:defRPr>
-            </a:lvl2pPr>
-            <a:lvl3pPr marL="1143000" indent="-228600" eaLnBrk="0" hangingPunct="0">
-              <a:defRPr>
-                <a:solidFill>
-                  <a:schemeClr val="tx1"/>
-                </a:solidFill>
-                <a:latin typeface="Arial" panose="020B0604020202020204" pitchFamily="34" charset="0"/>
-              </a:defRPr>
-            </a:lvl3pPr>
-            <a:lvl4pPr marL="1600200" indent="-228600" eaLnBrk="0" hangingPunct="0">
-              <a:defRPr>
-                <a:solidFill>
-                  <a:schemeClr val="tx1"/>
-                </a:solidFill>
-                <a:latin typeface="Arial" panose="020B0604020202020204" pitchFamily="34" charset="0"/>
-              </a:defRPr>
-            </a:lvl4pPr>
-            <a:lvl5pPr marL="2057400" indent="-228600" eaLnBrk="0" hangingPunct="0">
-              <a:defRPr>
-                <a:solidFill>
-                  <a:schemeClr val="tx1"/>
-                </a:solidFill>
-                <a:latin typeface="Arial" panose="020B0604020202020204" pitchFamily="34" charset="0"/>
-              </a:defRPr>
-            </a:lvl5pPr>
-            <a:lvl6pPr marL="2514600" indent="-228600" eaLnBrk="0" fontAlgn="base" hangingPunct="0">
-              <a:spcBef>
-                <a:spcPct val="0"/>
-              </a:spcBef>
-              <a:spcAft>
-                <a:spcPct val="0"/>
-              </a:spcAft>
-              <a:defRPr>
-                <a:solidFill>
-                  <a:schemeClr val="tx1"/>
-                </a:solidFill>
-                <a:latin typeface="Arial" panose="020B0604020202020204" pitchFamily="34" charset="0"/>
-              </a:defRPr>
-            </a:lvl6pPr>
-            <a:lvl7pPr marL="2971800" indent="-228600" eaLnBrk="0" fontAlgn="base" hangingPunct="0">
-              <a:spcBef>
-                <a:spcPct val="0"/>
-              </a:spcBef>
-              <a:spcAft>
-                <a:spcPct val="0"/>
-              </a:spcAft>
-              <a:defRPr>
-                <a:solidFill>
-                  <a:schemeClr val="tx1"/>
-                </a:solidFill>
-                <a:latin typeface="Arial" panose="020B0604020202020204" pitchFamily="34" charset="0"/>
-              </a:defRPr>
-            </a:lvl7pPr>
-            <a:lvl8pPr marL="3429000" indent="-228600" eaLnBrk="0" fontAlgn="base" hangingPunct="0">
-              <a:spcBef>
-                <a:spcPct val="0"/>
-              </a:spcBef>
-              <a:spcAft>
-                <a:spcPct val="0"/>
-              </a:spcAft>
-              <a:defRPr>
-                <a:solidFill>
-                  <a:schemeClr val="tx1"/>
-                </a:solidFill>
-                <a:latin typeface="Arial" panose="020B0604020202020204" pitchFamily="34" charset="0"/>
-              </a:defRPr>
-            </a:lvl8pPr>
-            <a:lvl9pPr marL="3886200" indent="-228600" eaLnBrk="0" fontAlgn="base" hangingPunct="0">
-              <a:spcBef>
-                <a:spcPct val="0"/>
-              </a:spcBef>
-              <a:spcAft>
-                <a:spcPct val="0"/>
-              </a:spcAft>
-              <a:defRPr>
-                <a:solidFill>
-                  <a:schemeClr val="tx1"/>
-                </a:solidFill>
-                <a:latin typeface="Arial" panose="020B0604020202020204" pitchFamily="34" charset="0"/>
-              </a:defRPr>
-            </a:lvl9pPr>
-          </a:lstStyle>
-          <a:p>
-            <a:pPr eaLnBrk="1" hangingPunct="1"/>
-            <a:fld id="{E7E9740F-FEEC-4722-AD1A-FA148BA257E6}" type="slidenum">
-              <a:rPr lang="nl-BE" altLang="en-US" sz="2000" smtClean="0">
-                <a:solidFill>
-                  <a:srgbClr val="FFFFFF"/>
-                </a:solidFill>
-                <a:latin typeface="Trebuchet MS" panose="020B0603020202020204" pitchFamily="34" charset="0"/>
-              </a:rPr>
-              <a:pPr eaLnBrk="1" hangingPunct="1"/>
-              <a:t>4</a:t>
-            </a:fld>
-            <a:endParaRPr lang="nl-BE" altLang="en-US" sz="2000">
-              <a:solidFill>
-                <a:srgbClr val="FFFFFF"/>
-              </a:solidFill>
-              <a:latin typeface="Trebuchet MS" panose="020B0603020202020204" pitchFamily="34" charset="0"/>
-            </a:endParaRPr>
-          </a:p>
-        </p:txBody>
-      </p:sp>
-    </p:spTree>
-    <p:extLst>
-      <p:ext uri="{BB962C8B-B14F-4D97-AF65-F5344CB8AC3E}">
-        <p14:creationId xmlns:p14="http://schemas.microsoft.com/office/powerpoint/2010/main" val="3060557031"/>
-      </p:ext>
-    </p:extLst>
-  </p:cSld>
-  <p:clrMapOvr>
-    <a:masterClrMapping/>
-  </p:clrMapOvr>
-</p:sld>
-</file>
-
-<file path=ppt/slides/slide40.xml><?xml version="1.0" encoding="utf-8"?>
+<file path=ppt/slides/slide44.xml><?xml version="1.0" encoding="utf-8"?>
 <p:sld xmlns:a="http://schemas.openxmlformats.org/drawingml/2006/main" xmlns:r="http://schemas.openxmlformats.org/officeDocument/2006/relationships" xmlns:p="http://schemas.openxmlformats.org/presentationml/2006/main">
   <p:cSld>
     <p:spTree>
@@ -18794,7 +20651,7 @@
             <a:fld id="{3B80295F-48CD-49FC-897A-CCEC919B8070}" type="slidenum">
               <a:rPr lang="nl-BE" smtClean="0"/>
               <a:pPr/>
-              <a:t>40</a:t>
+              <a:t>44</a:t>
             </a:fld>
             <a:endParaRPr lang="nl-BE" dirty="0"/>
           </a:p>
@@ -18951,7 +20808,7 @@
                 <a:latin typeface="Trebuchet MS" panose="020B0603020202020204" pitchFamily="34" charset="0"/>
               </a:rPr>
               <a:pPr eaLnBrk="1" hangingPunct="1"/>
-              <a:t>40</a:t>
+              <a:t>44</a:t>
             </a:fld>
             <a:endParaRPr lang="nl-BE" altLang="en-US" sz="2000">
               <a:solidFill>
@@ -19055,7 +20912,532 @@
 </p:sld>
 </file>
 
-<file path=ppt/slides/slide41.xml><?xml version="1.0" encoding="utf-8"?>
+<file path=ppt/slides/slide45.xml><?xml version="1.0" encoding="utf-8"?>
+<p:sld xmlns:a="http://schemas.openxmlformats.org/drawingml/2006/main" xmlns:r="http://schemas.openxmlformats.org/officeDocument/2006/relationships" xmlns:p="http://schemas.openxmlformats.org/presentationml/2006/main">
+  <p:cSld>
+    <p:spTree>
+      <p:nvGrpSpPr>
+        <p:cNvPr id="1" name="">
+          <a:extLst>
+            <a:ext uri="{FF2B5EF4-FFF2-40B4-BE49-F238E27FC236}">
+              <a16:creationId xmlns:a16="http://schemas.microsoft.com/office/drawing/2014/main" id="{B0C40112-72AC-0DAD-ECD3-93938E60B800}"/>
+            </a:ext>
+          </a:extLst>
+        </p:cNvPr>
+        <p:cNvGrpSpPr/>
+        <p:nvPr/>
+      </p:nvGrpSpPr>
+      <p:grpSpPr>
+        <a:xfrm>
+          <a:off x="0" y="0"/>
+          <a:ext cx="0" cy="0"/>
+          <a:chOff x="0" y="0"/>
+          <a:chExt cx="0" cy="0"/>
+        </a:xfrm>
+      </p:grpSpPr>
+      <p:sp>
+        <p:nvSpPr>
+          <p:cNvPr id="41987" name="Titel 2">
+            <a:extLst>
+              <a:ext uri="{FF2B5EF4-FFF2-40B4-BE49-F238E27FC236}">
+                <a16:creationId xmlns:a16="http://schemas.microsoft.com/office/drawing/2014/main" id="{EC42A461-D9A7-F700-C8FB-795F5CEC52DA}"/>
+              </a:ext>
+            </a:extLst>
+          </p:cNvPr>
+          <p:cNvSpPr>
+            <a:spLocks noGrp="1"/>
+          </p:cNvSpPr>
+          <p:nvPr>
+            <p:ph type="title"/>
+          </p:nvPr>
+        </p:nvSpPr>
+        <p:spPr>
+          <a:noFill/>
+          <a:extLst>
+            <a:ext uri="{91240B29-F687-4F45-9708-019B960494DF}">
+              <a14:hiddenLine xmlns:a14="http://schemas.microsoft.com/office/drawing/2010/main" w="0">
+                <a:solidFill>
+                  <a:srgbClr val="000000"/>
+                </a:solidFill>
+                <a:miter lim="800000"/>
+                <a:headEnd/>
+                <a:tailEnd/>
+              </a14:hiddenLine>
+            </a:ext>
+          </a:extLst>
+        </p:spPr>
+        <p:txBody>
+          <a:bodyPr/>
+          <a:lstStyle/>
+          <a:p>
+            <a:r>
+              <a:rPr lang="nl-BE" altLang="en-US" dirty="0" err="1"/>
+              <a:t>Testing</a:t>
+            </a:r>
+            <a:r>
+              <a:rPr lang="nl-BE" altLang="en-US" dirty="0"/>
+              <a:t> – PID controller</a:t>
+            </a:r>
+          </a:p>
+        </p:txBody>
+      </p:sp>
+      <p:sp>
+        <p:nvSpPr>
+          <p:cNvPr id="4" name="Text Placeholder 3">
+            <a:extLst>
+              <a:ext uri="{FF2B5EF4-FFF2-40B4-BE49-F238E27FC236}">
+                <a16:creationId xmlns:a16="http://schemas.microsoft.com/office/drawing/2014/main" id="{41B2BE7E-2144-B7E1-D8A1-DFF05B93D2D5}"/>
+              </a:ext>
+            </a:extLst>
+          </p:cNvPr>
+          <p:cNvSpPr>
+            <a:spLocks noGrp="1"/>
+          </p:cNvSpPr>
+          <p:nvPr>
+            <p:ph type="body" idx="1"/>
+          </p:nvPr>
+        </p:nvSpPr>
+        <p:spPr>
+          <a:xfrm>
+            <a:off x="0" y="1152000"/>
+            <a:ext cx="4428000" cy="4149208"/>
+          </a:xfrm>
+        </p:spPr>
+        <p:txBody>
+          <a:bodyPr/>
+          <a:lstStyle/>
+          <a:p>
+            <a:pPr marL="457200" indent="-457200">
+              <a:buFont typeface="Arial" panose="020B0604020202020204" pitchFamily="34" charset="0"/>
+              <a:buChar char="•"/>
+            </a:pPr>
+            <a:r>
+              <a:rPr lang="nl-BE" sz="1500" dirty="0"/>
+              <a:t>We zien hier best wel een grote </a:t>
+            </a:r>
+            <a:r>
+              <a:rPr lang="nl-BE" sz="1500" dirty="0" err="1"/>
+              <a:t>overshoot</a:t>
+            </a:r>
+            <a:endParaRPr lang="nl-BE" sz="1500" dirty="0"/>
+          </a:p>
+          <a:p>
+            <a:pPr marL="457200" indent="-457200">
+              <a:buFont typeface="Arial" panose="020B0604020202020204" pitchFamily="34" charset="0"/>
+              <a:buChar char="•"/>
+            </a:pPr>
+            <a:r>
+              <a:rPr lang="nl-BE" sz="1500" dirty="0"/>
+              <a:t>PD waardes zouden hier nog wat </a:t>
+            </a:r>
+            <a:r>
+              <a:rPr lang="nl-BE" sz="1500" dirty="0" err="1"/>
+              <a:t>bijgeregeld</a:t>
+            </a:r>
+            <a:r>
+              <a:rPr lang="nl-BE" sz="1500" dirty="0"/>
+              <a:t> moeten worden…</a:t>
+            </a:r>
+          </a:p>
+          <a:p>
+            <a:pPr marL="457200" indent="-457200">
+              <a:buFont typeface="Arial" panose="020B0604020202020204" pitchFamily="34" charset="0"/>
+              <a:buChar char="•"/>
+            </a:pPr>
+            <a:r>
+              <a:rPr lang="nl-BE" sz="1500" dirty="0"/>
+              <a:t>Plan:</a:t>
+            </a:r>
+          </a:p>
+          <a:p>
+            <a:pPr marL="914400" lvl="1" indent="-457200">
+              <a:buFont typeface="Arial" panose="020B0604020202020204" pitchFamily="34" charset="0"/>
+              <a:buChar char="•"/>
+            </a:pPr>
+            <a:r>
+              <a:rPr lang="nl-BE" sz="900" dirty="0"/>
+              <a:t>Beginnen met het proportioneel gedeelte </a:t>
+            </a:r>
+          </a:p>
+          <a:p>
+            <a:pPr marL="914400" lvl="1" indent="-457200">
+              <a:buFont typeface="Arial" panose="020B0604020202020204" pitchFamily="34" charset="0"/>
+              <a:buChar char="•"/>
+            </a:pPr>
+            <a:r>
+              <a:rPr lang="nl-BE" sz="900" dirty="0"/>
+              <a:t>Lage P waarde en deze stelselmatig verhogen tot er geen oscillaties zichtbaar zijn</a:t>
+            </a:r>
+          </a:p>
+          <a:p>
+            <a:pPr marL="914400" lvl="1" indent="-457200">
+              <a:buFont typeface="Arial" panose="020B0604020202020204" pitchFamily="34" charset="0"/>
+              <a:buChar char="•"/>
+            </a:pPr>
+            <a:r>
+              <a:rPr lang="nl-BE" sz="900" dirty="0"/>
+              <a:t>Beginnen met een hoge D waarde en stelselmatig verlagen</a:t>
+            </a:r>
+          </a:p>
+          <a:p>
+            <a:pPr marL="914400" lvl="1" indent="-457200">
+              <a:buFont typeface="Arial" panose="020B0604020202020204" pitchFamily="34" charset="0"/>
+              <a:buChar char="•"/>
+            </a:pPr>
+            <a:r>
+              <a:rPr lang="nl-BE" sz="900" dirty="0"/>
+              <a:t>D moet je verhogen om </a:t>
+            </a:r>
+            <a:r>
+              <a:rPr lang="nl-BE" sz="900" dirty="0" err="1"/>
+              <a:t>overshoots</a:t>
+            </a:r>
+            <a:r>
+              <a:rPr lang="nl-BE" sz="900" dirty="0"/>
+              <a:t> te verlagen</a:t>
+            </a:r>
+          </a:p>
+          <a:p>
+            <a:pPr marL="914400" lvl="1" indent="-457200">
+              <a:buFont typeface="Arial" panose="020B0604020202020204" pitchFamily="34" charset="0"/>
+              <a:buChar char="•"/>
+            </a:pPr>
+            <a:r>
+              <a:rPr lang="nl-BE" sz="900" dirty="0"/>
+              <a:t>Hier moesten we waarschijnlijk D verhogen…</a:t>
+            </a:r>
+          </a:p>
+          <a:p>
+            <a:pPr marL="914400" lvl="1" indent="-457200">
+              <a:buFont typeface="Arial" panose="020B0604020202020204" pitchFamily="34" charset="0"/>
+              <a:buChar char="•"/>
+            </a:pPr>
+            <a:endParaRPr lang="nl-BE" sz="900" dirty="0"/>
+          </a:p>
+        </p:txBody>
+      </p:sp>
+      <p:sp>
+        <p:nvSpPr>
+          <p:cNvPr id="6" name="Text Placeholder 5">
+            <a:extLst>
+              <a:ext uri="{FF2B5EF4-FFF2-40B4-BE49-F238E27FC236}">
+                <a16:creationId xmlns:a16="http://schemas.microsoft.com/office/drawing/2014/main" id="{20547490-A6EE-D2E7-B739-2A448778627F}"/>
+              </a:ext>
+            </a:extLst>
+          </p:cNvPr>
+          <p:cNvSpPr>
+            <a:spLocks noGrp="1"/>
+          </p:cNvSpPr>
+          <p:nvPr>
+            <p:ph type="body" sz="quarter" idx="3"/>
+          </p:nvPr>
+        </p:nvSpPr>
+        <p:spPr/>
+        <p:txBody>
+          <a:bodyPr/>
+          <a:lstStyle/>
+          <a:p>
+            <a:endParaRPr lang="nl-BE"/>
+          </a:p>
+        </p:txBody>
+      </p:sp>
+      <p:sp>
+        <p:nvSpPr>
+          <p:cNvPr id="7" name="Content Placeholder 6">
+            <a:extLst>
+              <a:ext uri="{FF2B5EF4-FFF2-40B4-BE49-F238E27FC236}">
+                <a16:creationId xmlns:a16="http://schemas.microsoft.com/office/drawing/2014/main" id="{FB65CBFC-49A0-3626-664A-3D06B3C31F72}"/>
+              </a:ext>
+            </a:extLst>
+          </p:cNvPr>
+          <p:cNvSpPr>
+            <a:spLocks noGrp="1"/>
+          </p:cNvSpPr>
+          <p:nvPr>
+            <p:ph sz="quarter" idx="4"/>
+          </p:nvPr>
+        </p:nvSpPr>
+        <p:spPr/>
+        <p:txBody>
+          <a:bodyPr/>
+          <a:lstStyle/>
+          <a:p>
+            <a:endParaRPr lang="nl-BE"/>
+          </a:p>
+        </p:txBody>
+      </p:sp>
+      <p:sp>
+        <p:nvSpPr>
+          <p:cNvPr id="3" name="Slide Number Placeholder 2">
+            <a:extLst>
+              <a:ext uri="{FF2B5EF4-FFF2-40B4-BE49-F238E27FC236}">
+                <a16:creationId xmlns:a16="http://schemas.microsoft.com/office/drawing/2014/main" id="{70A67D38-93CC-A07B-F94B-248A5CE88537}"/>
+              </a:ext>
+            </a:extLst>
+          </p:cNvPr>
+          <p:cNvSpPr>
+            <a:spLocks noGrp="1"/>
+          </p:cNvSpPr>
+          <p:nvPr>
+            <p:ph type="sldNum" sz="quarter" idx="11"/>
+          </p:nvPr>
+        </p:nvSpPr>
+        <p:spPr/>
+        <p:txBody>
+          <a:bodyPr/>
+          <a:lstStyle/>
+          <a:p>
+            <a:fld id="{3B80295F-48CD-49FC-897A-CCEC919B8070}" type="slidenum">
+              <a:rPr lang="nl-BE" smtClean="0"/>
+              <a:pPr/>
+              <a:t>45</a:t>
+            </a:fld>
+            <a:endParaRPr lang="nl-BE" dirty="0"/>
+          </a:p>
+        </p:txBody>
+      </p:sp>
+      <p:sp>
+        <p:nvSpPr>
+          <p:cNvPr id="2" name="Footer Placeholder 1">
+            <a:extLst>
+              <a:ext uri="{FF2B5EF4-FFF2-40B4-BE49-F238E27FC236}">
+                <a16:creationId xmlns:a16="http://schemas.microsoft.com/office/drawing/2014/main" id="{54D684CB-147E-71D1-07C8-B934CF89F0D0}"/>
+              </a:ext>
+            </a:extLst>
+          </p:cNvPr>
+          <p:cNvSpPr>
+            <a:spLocks noGrp="1"/>
+          </p:cNvSpPr>
+          <p:nvPr>
+            <p:ph type="ftr" sz="quarter" idx="12"/>
+          </p:nvPr>
+        </p:nvSpPr>
+        <p:spPr/>
+        <p:txBody>
+          <a:bodyPr/>
+          <a:lstStyle/>
+          <a:p>
+            <a:r>
+              <a:rPr lang="nl-BE" dirty="0"/>
+              <a:t>Projecten van het werkveld – </a:t>
+            </a:r>
+            <a:r>
+              <a:rPr lang="nl-BE" dirty="0" err="1"/>
+              <a:t>IoT</a:t>
+            </a:r>
+            <a:r>
+              <a:rPr lang="nl-BE" dirty="0"/>
+              <a:t> Graduaat</a:t>
+            </a:r>
+          </a:p>
+        </p:txBody>
+      </p:sp>
+      <p:sp>
+        <p:nvSpPr>
+          <p:cNvPr id="41988" name="Tijdelijke aanduiding voor dianummer 3">
+            <a:extLst>
+              <a:ext uri="{FF2B5EF4-FFF2-40B4-BE49-F238E27FC236}">
+                <a16:creationId xmlns:a16="http://schemas.microsoft.com/office/drawing/2014/main" id="{A91A0CD6-7ADF-060B-8A15-C261F546C66A}"/>
+              </a:ext>
+            </a:extLst>
+          </p:cNvPr>
+          <p:cNvSpPr txBox="1">
+            <a:spLocks noGrp="1"/>
+          </p:cNvSpPr>
+          <p:nvPr/>
+        </p:nvSpPr>
+        <p:spPr bwMode="auto">
+          <a:xfrm>
+            <a:off x="360363" y="6083300"/>
+            <a:ext cx="360362" cy="668338"/>
+          </a:xfrm>
+          <a:prstGeom prst="rect">
+            <a:avLst/>
+          </a:prstGeom>
+          <a:solidFill>
+            <a:srgbClr val="00A0AE"/>
+          </a:solidFill>
+          <a:ln>
+            <a:noFill/>
+          </a:ln>
+          <a:extLst>
+            <a:ext uri="{91240B29-F687-4F45-9708-019B960494DF}">
+              <a14:hiddenLine xmlns:a14="http://schemas.microsoft.com/office/drawing/2010/main" w="9525">
+                <a:solidFill>
+                  <a:srgbClr val="000000"/>
+                </a:solidFill>
+                <a:miter lim="800000"/>
+                <a:headEnd/>
+                <a:tailEnd/>
+              </a14:hiddenLine>
+            </a:ext>
+          </a:extLst>
+        </p:spPr>
+        <p:txBody>
+          <a:bodyPr wrap="none" lIns="0" tIns="108000" rIns="0" bIns="0" anchor="ctr"/>
+          <a:lstStyle>
+            <a:lvl1pPr eaLnBrk="0" hangingPunct="0">
+              <a:defRPr>
+                <a:solidFill>
+                  <a:schemeClr val="tx1"/>
+                </a:solidFill>
+                <a:latin typeface="Arial" panose="020B0604020202020204" pitchFamily="34" charset="0"/>
+              </a:defRPr>
+            </a:lvl1pPr>
+            <a:lvl2pPr marL="742950" indent="-285750" eaLnBrk="0" hangingPunct="0">
+              <a:defRPr>
+                <a:solidFill>
+                  <a:schemeClr val="tx1"/>
+                </a:solidFill>
+                <a:latin typeface="Arial" panose="020B0604020202020204" pitchFamily="34" charset="0"/>
+              </a:defRPr>
+            </a:lvl2pPr>
+            <a:lvl3pPr marL="1143000" indent="-228600" eaLnBrk="0" hangingPunct="0">
+              <a:defRPr>
+                <a:solidFill>
+                  <a:schemeClr val="tx1"/>
+                </a:solidFill>
+                <a:latin typeface="Arial" panose="020B0604020202020204" pitchFamily="34" charset="0"/>
+              </a:defRPr>
+            </a:lvl3pPr>
+            <a:lvl4pPr marL="1600200" indent="-228600" eaLnBrk="0" hangingPunct="0">
+              <a:defRPr>
+                <a:solidFill>
+                  <a:schemeClr val="tx1"/>
+                </a:solidFill>
+                <a:latin typeface="Arial" panose="020B0604020202020204" pitchFamily="34" charset="0"/>
+              </a:defRPr>
+            </a:lvl4pPr>
+            <a:lvl5pPr marL="2057400" indent="-228600" eaLnBrk="0" hangingPunct="0">
+              <a:defRPr>
+                <a:solidFill>
+                  <a:schemeClr val="tx1"/>
+                </a:solidFill>
+                <a:latin typeface="Arial" panose="020B0604020202020204" pitchFamily="34" charset="0"/>
+              </a:defRPr>
+            </a:lvl5pPr>
+            <a:lvl6pPr marL="2514600" indent="-228600" eaLnBrk="0" fontAlgn="base" hangingPunct="0">
+              <a:spcBef>
+                <a:spcPct val="0"/>
+              </a:spcBef>
+              <a:spcAft>
+                <a:spcPct val="0"/>
+              </a:spcAft>
+              <a:defRPr>
+                <a:solidFill>
+                  <a:schemeClr val="tx1"/>
+                </a:solidFill>
+                <a:latin typeface="Arial" panose="020B0604020202020204" pitchFamily="34" charset="0"/>
+              </a:defRPr>
+            </a:lvl6pPr>
+            <a:lvl7pPr marL="2971800" indent="-228600" eaLnBrk="0" fontAlgn="base" hangingPunct="0">
+              <a:spcBef>
+                <a:spcPct val="0"/>
+              </a:spcBef>
+              <a:spcAft>
+                <a:spcPct val="0"/>
+              </a:spcAft>
+              <a:defRPr>
+                <a:solidFill>
+                  <a:schemeClr val="tx1"/>
+                </a:solidFill>
+                <a:latin typeface="Arial" panose="020B0604020202020204" pitchFamily="34" charset="0"/>
+              </a:defRPr>
+            </a:lvl7pPr>
+            <a:lvl8pPr marL="3429000" indent="-228600" eaLnBrk="0" fontAlgn="base" hangingPunct="0">
+              <a:spcBef>
+                <a:spcPct val="0"/>
+              </a:spcBef>
+              <a:spcAft>
+                <a:spcPct val="0"/>
+              </a:spcAft>
+              <a:defRPr>
+                <a:solidFill>
+                  <a:schemeClr val="tx1"/>
+                </a:solidFill>
+                <a:latin typeface="Arial" panose="020B0604020202020204" pitchFamily="34" charset="0"/>
+              </a:defRPr>
+            </a:lvl8pPr>
+            <a:lvl9pPr marL="3886200" indent="-228600" eaLnBrk="0" fontAlgn="base" hangingPunct="0">
+              <a:spcBef>
+                <a:spcPct val="0"/>
+              </a:spcBef>
+              <a:spcAft>
+                <a:spcPct val="0"/>
+              </a:spcAft>
+              <a:defRPr>
+                <a:solidFill>
+                  <a:schemeClr val="tx1"/>
+                </a:solidFill>
+                <a:latin typeface="Arial" panose="020B0604020202020204" pitchFamily="34" charset="0"/>
+              </a:defRPr>
+            </a:lvl9pPr>
+          </a:lstStyle>
+          <a:p>
+            <a:pPr eaLnBrk="1" hangingPunct="1"/>
+            <a:fld id="{E7E9740F-FEEC-4722-AD1A-FA148BA257E6}" type="slidenum">
+              <a:rPr lang="nl-BE" altLang="en-US" sz="2000" smtClean="0">
+                <a:solidFill>
+                  <a:srgbClr val="FFFFFF"/>
+                </a:solidFill>
+                <a:latin typeface="Trebuchet MS" panose="020B0603020202020204" pitchFamily="34" charset="0"/>
+              </a:rPr>
+              <a:pPr eaLnBrk="1" hangingPunct="1"/>
+              <a:t>45</a:t>
+            </a:fld>
+            <a:endParaRPr lang="nl-BE" altLang="en-US" sz="2000">
+              <a:solidFill>
+                <a:srgbClr val="FFFFFF"/>
+              </a:solidFill>
+              <a:latin typeface="Trebuchet MS" panose="020B0603020202020204" pitchFamily="34" charset="0"/>
+            </a:endParaRPr>
+          </a:p>
+        </p:txBody>
+      </p:sp>
+      <p:pic>
+        <p:nvPicPr>
+          <p:cNvPr id="5" name="Picture 4">
+            <a:extLst>
+              <a:ext uri="{FF2B5EF4-FFF2-40B4-BE49-F238E27FC236}">
+                <a16:creationId xmlns:a16="http://schemas.microsoft.com/office/drawing/2014/main" id="{64F29307-783B-1613-8BC8-BC64937208F5}"/>
+              </a:ext>
+            </a:extLst>
+          </p:cNvPr>
+          <p:cNvPicPr>
+            <a:picLocks noChangeAspect="1"/>
+          </p:cNvPicPr>
+          <p:nvPr/>
+        </p:nvPicPr>
+        <p:blipFill>
+          <a:blip r:embed="rId2"/>
+          <a:stretch>
+            <a:fillRect/>
+          </a:stretch>
+        </p:blipFill>
+        <p:spPr>
+          <a:xfrm>
+            <a:off x="4139952" y="2259894"/>
+            <a:ext cx="5224169" cy="3271366"/>
+          </a:xfrm>
+          <a:prstGeom prst="rect">
+            <a:avLst/>
+          </a:prstGeom>
+        </p:spPr>
+      </p:pic>
+    </p:spTree>
+    <p:extLst>
+      <p:ext uri="{BB962C8B-B14F-4D97-AF65-F5344CB8AC3E}">
+        <p14:creationId xmlns:p14="http://schemas.microsoft.com/office/powerpoint/2010/main" val="1011703434"/>
+      </p:ext>
+    </p:extLst>
+  </p:cSld>
+  <p:clrMapOvr>
+    <a:masterClrMapping/>
+  </p:clrMapOvr>
+</p:sld>
+</file>
+
+<file path=ppt/slides/slide46.xml><?xml version="1.0" encoding="utf-8"?>
 <p:sld xmlns:a="http://schemas.openxmlformats.org/drawingml/2006/main" xmlns:r="http://schemas.openxmlformats.org/officeDocument/2006/relationships" xmlns:p="http://schemas.openxmlformats.org/presentationml/2006/main">
   <p:cSld>
     <p:spTree>
@@ -19184,7 +21566,7 @@
             <a:fld id="{3B80295F-48CD-49FC-897A-CCEC919B8070}" type="slidenum">
               <a:rPr lang="nl-BE" smtClean="0"/>
               <a:pPr/>
-              <a:t>41</a:t>
+              <a:t>46</a:t>
             </a:fld>
             <a:endParaRPr lang="nl-BE" dirty="0"/>
           </a:p>
@@ -19341,7 +21723,7 @@
                 <a:latin typeface="Trebuchet MS" panose="020B0603020202020204" pitchFamily="34" charset="0"/>
               </a:rPr>
               <a:pPr eaLnBrk="1" hangingPunct="1"/>
-              <a:t>41</a:t>
+              <a:t>46</a:t>
             </a:fld>
             <a:endParaRPr lang="nl-BE" altLang="en-US" sz="2000">
               <a:solidFill>
@@ -19588,7 +21970,7 @@
 </p:sld>
 </file>
 
-<file path=ppt/slides/slide42.xml><?xml version="1.0" encoding="utf-8"?>
+<file path=ppt/slides/slide47.xml><?xml version="1.0" encoding="utf-8"?>
 <p:sld xmlns:a="http://schemas.openxmlformats.org/drawingml/2006/main" xmlns:r="http://schemas.openxmlformats.org/officeDocument/2006/relationships" xmlns:p="http://schemas.openxmlformats.org/presentationml/2006/main">
   <p:cSld>
     <p:spTree>
@@ -19717,7 +22099,7 @@
             <a:fld id="{3B80295F-48CD-49FC-897A-CCEC919B8070}" type="slidenum">
               <a:rPr lang="nl-BE" smtClean="0"/>
               <a:pPr/>
-              <a:t>42</a:t>
+              <a:t>47</a:t>
             </a:fld>
             <a:endParaRPr lang="nl-BE" dirty="0"/>
           </a:p>
@@ -19874,7 +22256,7 @@
                 <a:latin typeface="Trebuchet MS" panose="020B0603020202020204" pitchFamily="34" charset="0"/>
               </a:rPr>
               <a:pPr eaLnBrk="1" hangingPunct="1"/>
-              <a:t>42</a:t>
+              <a:t>47</a:t>
             </a:fld>
             <a:endParaRPr lang="nl-BE" altLang="en-US" sz="2000">
               <a:solidFill>
@@ -20002,7 +22384,7 @@
 </p:sld>
 </file>
 
-<file path=ppt/slides/slide43.xml><?xml version="1.0" encoding="utf-8"?>
+<file path=ppt/slides/slide48.xml><?xml version="1.0" encoding="utf-8"?>
 <p:sld xmlns:a="http://schemas.openxmlformats.org/drawingml/2006/main" xmlns:r="http://schemas.openxmlformats.org/officeDocument/2006/relationships" xmlns:p="http://schemas.openxmlformats.org/presentationml/2006/main">
   <p:cSld>
     <p:spTree>
@@ -20131,7 +22513,7 @@
             <a:fld id="{3B80295F-48CD-49FC-897A-CCEC919B8070}" type="slidenum">
               <a:rPr lang="nl-BE" smtClean="0"/>
               <a:pPr/>
-              <a:t>43</a:t>
+              <a:t>48</a:t>
             </a:fld>
             <a:endParaRPr lang="nl-BE" dirty="0"/>
           </a:p>
@@ -20288,7 +22670,7 @@
                 <a:latin typeface="Trebuchet MS" panose="020B0603020202020204" pitchFamily="34" charset="0"/>
               </a:rPr>
               <a:pPr eaLnBrk="1" hangingPunct="1"/>
-              <a:t>43</a:t>
+              <a:t>48</a:t>
             </a:fld>
             <a:endParaRPr lang="nl-BE" altLang="en-US" sz="2000">
               <a:solidFill>
@@ -20476,7 +22858,7 @@
 </p:sld>
 </file>
 
-<file path=ppt/slides/slide44.xml><?xml version="1.0" encoding="utf-8"?>
+<file path=ppt/slides/slide49.xml><?xml version="1.0" encoding="utf-8"?>
 <p:sld xmlns:a="http://schemas.openxmlformats.org/drawingml/2006/main" xmlns:r="http://schemas.openxmlformats.org/officeDocument/2006/relationships" xmlns:p="http://schemas.openxmlformats.org/presentationml/2006/main">
   <p:cSld>
     <p:spTree>
@@ -20605,7 +22987,7 @@
             <a:fld id="{3B80295F-48CD-49FC-897A-CCEC919B8070}" type="slidenum">
               <a:rPr lang="nl-BE" smtClean="0"/>
               <a:pPr/>
-              <a:t>44</a:t>
+              <a:t>49</a:t>
             </a:fld>
             <a:endParaRPr lang="nl-BE" dirty="0"/>
           </a:p>
@@ -20762,7 +23144,7 @@
                 <a:latin typeface="Trebuchet MS" panose="020B0603020202020204" pitchFamily="34" charset="0"/>
               </a:rPr>
               <a:pPr eaLnBrk="1" hangingPunct="1"/>
-              <a:t>44</a:t>
+              <a:t>49</a:t>
             </a:fld>
             <a:endParaRPr lang="nl-BE" altLang="en-US" sz="2000">
               <a:solidFill>
@@ -20920,372 +23302,6 @@
 </p:sld>
 </file>
 
-<file path=ppt/slides/slide45.xml><?xml version="1.0" encoding="utf-8"?>
-<p:sld xmlns:a="http://schemas.openxmlformats.org/drawingml/2006/main" xmlns:r="http://schemas.openxmlformats.org/officeDocument/2006/relationships" xmlns:p="http://schemas.openxmlformats.org/presentationml/2006/main">
-  <p:cSld>
-    <p:spTree>
-      <p:nvGrpSpPr>
-        <p:cNvPr id="1" name="">
-          <a:extLst>
-            <a:ext uri="{FF2B5EF4-FFF2-40B4-BE49-F238E27FC236}">
-              <a16:creationId xmlns:a16="http://schemas.microsoft.com/office/drawing/2014/main" id="{A668D895-AA55-E539-F6AA-8AF0B77ED03A}"/>
-            </a:ext>
-          </a:extLst>
-        </p:cNvPr>
-        <p:cNvGrpSpPr/>
-        <p:nvPr/>
-      </p:nvGrpSpPr>
-      <p:grpSpPr>
-        <a:xfrm>
-          <a:off x="0" y="0"/>
-          <a:ext cx="0" cy="0"/>
-          <a:chOff x="0" y="0"/>
-          <a:chExt cx="0" cy="0"/>
-        </a:xfrm>
-      </p:grpSpPr>
-      <p:sp>
-        <p:nvSpPr>
-          <p:cNvPr id="41987" name="Titel 2">
-            <a:extLst>
-              <a:ext uri="{FF2B5EF4-FFF2-40B4-BE49-F238E27FC236}">
-                <a16:creationId xmlns:a16="http://schemas.microsoft.com/office/drawing/2014/main" id="{E08F01F4-24CB-1E86-6EC7-BE658159E9BA}"/>
-              </a:ext>
-            </a:extLst>
-          </p:cNvPr>
-          <p:cNvSpPr>
-            <a:spLocks noGrp="1"/>
-          </p:cNvSpPr>
-          <p:nvPr>
-            <p:ph type="title"/>
-          </p:nvPr>
-        </p:nvSpPr>
-        <p:spPr>
-          <a:noFill/>
-          <a:extLst>
-            <a:ext uri="{91240B29-F687-4F45-9708-019B960494DF}">
-              <a14:hiddenLine xmlns:a14="http://schemas.microsoft.com/office/drawing/2010/main" w="0">
-                <a:solidFill>
-                  <a:srgbClr val="000000"/>
-                </a:solidFill>
-                <a:miter lim="800000"/>
-                <a:headEnd/>
-                <a:tailEnd/>
-              </a14:hiddenLine>
-            </a:ext>
-          </a:extLst>
-        </p:spPr>
-        <p:txBody>
-          <a:bodyPr/>
-          <a:lstStyle/>
-          <a:p>
-            <a:r>
-              <a:rPr lang="nl-BE" altLang="en-US" dirty="0"/>
-              <a:t>Bedankt</a:t>
-            </a:r>
-          </a:p>
-        </p:txBody>
-      </p:sp>
-      <p:sp>
-        <p:nvSpPr>
-          <p:cNvPr id="2" name="Footer Placeholder 1">
-            <a:extLst>
-              <a:ext uri="{FF2B5EF4-FFF2-40B4-BE49-F238E27FC236}">
-                <a16:creationId xmlns:a16="http://schemas.microsoft.com/office/drawing/2014/main" id="{6561B46D-15BF-73EE-D461-9664E8A18F75}"/>
-              </a:ext>
-            </a:extLst>
-          </p:cNvPr>
-          <p:cNvSpPr>
-            <a:spLocks noGrp="1"/>
-          </p:cNvSpPr>
-          <p:nvPr>
-            <p:ph type="ftr" sz="quarter" idx="11"/>
-          </p:nvPr>
-        </p:nvSpPr>
-        <p:spPr/>
-        <p:txBody>
-          <a:bodyPr/>
-          <a:lstStyle/>
-          <a:p>
-            <a:r>
-              <a:rPr lang="nl-BE" dirty="0"/>
-              <a:t>Projecten van het werkveld – </a:t>
-            </a:r>
-            <a:r>
-              <a:rPr lang="nl-BE" dirty="0" err="1"/>
-              <a:t>IoT</a:t>
-            </a:r>
-            <a:r>
-              <a:rPr lang="nl-BE" dirty="0"/>
-              <a:t> Graduaat</a:t>
-            </a:r>
-          </a:p>
-        </p:txBody>
-      </p:sp>
-      <p:sp>
-        <p:nvSpPr>
-          <p:cNvPr id="3" name="Slide Number Placeholder 2">
-            <a:extLst>
-              <a:ext uri="{FF2B5EF4-FFF2-40B4-BE49-F238E27FC236}">
-                <a16:creationId xmlns:a16="http://schemas.microsoft.com/office/drawing/2014/main" id="{A9392256-AA99-8A16-58C9-D67399529620}"/>
-              </a:ext>
-            </a:extLst>
-          </p:cNvPr>
-          <p:cNvSpPr>
-            <a:spLocks noGrp="1"/>
-          </p:cNvSpPr>
-          <p:nvPr>
-            <p:ph type="sldNum" sz="quarter" idx="12"/>
-          </p:nvPr>
-        </p:nvSpPr>
-        <p:spPr/>
-        <p:txBody>
-          <a:bodyPr/>
-          <a:lstStyle/>
-          <a:p>
-            <a:fld id="{3B80295F-48CD-49FC-897A-CCEC919B8070}" type="slidenum">
-              <a:rPr lang="nl-BE" smtClean="0"/>
-              <a:pPr/>
-              <a:t>45</a:t>
-            </a:fld>
-            <a:endParaRPr lang="nl-BE" dirty="0"/>
-          </a:p>
-        </p:txBody>
-      </p:sp>
-      <p:sp>
-        <p:nvSpPr>
-          <p:cNvPr id="41988" name="Tijdelijke aanduiding voor dianummer 3">
-            <a:extLst>
-              <a:ext uri="{FF2B5EF4-FFF2-40B4-BE49-F238E27FC236}">
-                <a16:creationId xmlns:a16="http://schemas.microsoft.com/office/drawing/2014/main" id="{2D558ECE-7233-A7F7-56DF-09C8D253F927}"/>
-              </a:ext>
-            </a:extLst>
-          </p:cNvPr>
-          <p:cNvSpPr txBox="1">
-            <a:spLocks noGrp="1"/>
-          </p:cNvSpPr>
-          <p:nvPr/>
-        </p:nvSpPr>
-        <p:spPr bwMode="auto">
-          <a:xfrm>
-            <a:off x="360363" y="6083300"/>
-            <a:ext cx="360362" cy="668338"/>
-          </a:xfrm>
-          <a:prstGeom prst="rect">
-            <a:avLst/>
-          </a:prstGeom>
-          <a:solidFill>
-            <a:srgbClr val="00A0AE"/>
-          </a:solidFill>
-          <a:ln>
-            <a:noFill/>
-          </a:ln>
-          <a:extLst>
-            <a:ext uri="{91240B29-F687-4F45-9708-019B960494DF}">
-              <a14:hiddenLine xmlns:a14="http://schemas.microsoft.com/office/drawing/2010/main" w="9525">
-                <a:solidFill>
-                  <a:srgbClr val="000000"/>
-                </a:solidFill>
-                <a:miter lim="800000"/>
-                <a:headEnd/>
-                <a:tailEnd/>
-              </a14:hiddenLine>
-            </a:ext>
-          </a:extLst>
-        </p:spPr>
-        <p:txBody>
-          <a:bodyPr wrap="none" lIns="0" tIns="108000" rIns="0" bIns="0" anchor="ctr"/>
-          <a:lstStyle>
-            <a:lvl1pPr eaLnBrk="0" hangingPunct="0">
-              <a:defRPr>
-                <a:solidFill>
-                  <a:schemeClr val="tx1"/>
-                </a:solidFill>
-                <a:latin typeface="Arial" panose="020B0604020202020204" pitchFamily="34" charset="0"/>
-              </a:defRPr>
-            </a:lvl1pPr>
-            <a:lvl2pPr marL="742950" indent="-285750" eaLnBrk="0" hangingPunct="0">
-              <a:defRPr>
-                <a:solidFill>
-                  <a:schemeClr val="tx1"/>
-                </a:solidFill>
-                <a:latin typeface="Arial" panose="020B0604020202020204" pitchFamily="34" charset="0"/>
-              </a:defRPr>
-            </a:lvl2pPr>
-            <a:lvl3pPr marL="1143000" indent="-228600" eaLnBrk="0" hangingPunct="0">
-              <a:defRPr>
-                <a:solidFill>
-                  <a:schemeClr val="tx1"/>
-                </a:solidFill>
-                <a:latin typeface="Arial" panose="020B0604020202020204" pitchFamily="34" charset="0"/>
-              </a:defRPr>
-            </a:lvl3pPr>
-            <a:lvl4pPr marL="1600200" indent="-228600" eaLnBrk="0" hangingPunct="0">
-              <a:defRPr>
-                <a:solidFill>
-                  <a:schemeClr val="tx1"/>
-                </a:solidFill>
-                <a:latin typeface="Arial" panose="020B0604020202020204" pitchFamily="34" charset="0"/>
-              </a:defRPr>
-            </a:lvl4pPr>
-            <a:lvl5pPr marL="2057400" indent="-228600" eaLnBrk="0" hangingPunct="0">
-              <a:defRPr>
-                <a:solidFill>
-                  <a:schemeClr val="tx1"/>
-                </a:solidFill>
-                <a:latin typeface="Arial" panose="020B0604020202020204" pitchFamily="34" charset="0"/>
-              </a:defRPr>
-            </a:lvl5pPr>
-            <a:lvl6pPr marL="2514600" indent="-228600" eaLnBrk="0" fontAlgn="base" hangingPunct="0">
-              <a:spcBef>
-                <a:spcPct val="0"/>
-              </a:spcBef>
-              <a:spcAft>
-                <a:spcPct val="0"/>
-              </a:spcAft>
-              <a:defRPr>
-                <a:solidFill>
-                  <a:schemeClr val="tx1"/>
-                </a:solidFill>
-                <a:latin typeface="Arial" panose="020B0604020202020204" pitchFamily="34" charset="0"/>
-              </a:defRPr>
-            </a:lvl6pPr>
-            <a:lvl7pPr marL="2971800" indent="-228600" eaLnBrk="0" fontAlgn="base" hangingPunct="0">
-              <a:spcBef>
-                <a:spcPct val="0"/>
-              </a:spcBef>
-              <a:spcAft>
-                <a:spcPct val="0"/>
-              </a:spcAft>
-              <a:defRPr>
-                <a:solidFill>
-                  <a:schemeClr val="tx1"/>
-                </a:solidFill>
-                <a:latin typeface="Arial" panose="020B0604020202020204" pitchFamily="34" charset="0"/>
-              </a:defRPr>
-            </a:lvl7pPr>
-            <a:lvl8pPr marL="3429000" indent="-228600" eaLnBrk="0" fontAlgn="base" hangingPunct="0">
-              <a:spcBef>
-                <a:spcPct val="0"/>
-              </a:spcBef>
-              <a:spcAft>
-                <a:spcPct val="0"/>
-              </a:spcAft>
-              <a:defRPr>
-                <a:solidFill>
-                  <a:schemeClr val="tx1"/>
-                </a:solidFill>
-                <a:latin typeface="Arial" panose="020B0604020202020204" pitchFamily="34" charset="0"/>
-              </a:defRPr>
-            </a:lvl8pPr>
-            <a:lvl9pPr marL="3886200" indent="-228600" eaLnBrk="0" fontAlgn="base" hangingPunct="0">
-              <a:spcBef>
-                <a:spcPct val="0"/>
-              </a:spcBef>
-              <a:spcAft>
-                <a:spcPct val="0"/>
-              </a:spcAft>
-              <a:defRPr>
-                <a:solidFill>
-                  <a:schemeClr val="tx1"/>
-                </a:solidFill>
-                <a:latin typeface="Arial" panose="020B0604020202020204" pitchFamily="34" charset="0"/>
-              </a:defRPr>
-            </a:lvl9pPr>
-          </a:lstStyle>
-          <a:p>
-            <a:pPr eaLnBrk="1" hangingPunct="1"/>
-            <a:fld id="{E7E9740F-FEEC-4722-AD1A-FA148BA257E6}" type="slidenum">
-              <a:rPr lang="nl-BE" altLang="en-US" sz="2000" smtClean="0">
-                <a:solidFill>
-                  <a:srgbClr val="FFFFFF"/>
-                </a:solidFill>
-                <a:latin typeface="Trebuchet MS" panose="020B0603020202020204" pitchFamily="34" charset="0"/>
-              </a:rPr>
-              <a:pPr eaLnBrk="1" hangingPunct="1"/>
-              <a:t>45</a:t>
-            </a:fld>
-            <a:endParaRPr lang="nl-BE" altLang="en-US" sz="2000">
-              <a:solidFill>
-                <a:srgbClr val="FFFFFF"/>
-              </a:solidFill>
-              <a:latin typeface="Trebuchet MS" panose="020B0603020202020204" pitchFamily="34" charset="0"/>
-            </a:endParaRPr>
-          </a:p>
-        </p:txBody>
-      </p:sp>
-      <p:sp>
-        <p:nvSpPr>
-          <p:cNvPr id="33" name="Tijdelijke aanduiding voor inhoud 1">
-            <a:extLst>
-              <a:ext uri="{FF2B5EF4-FFF2-40B4-BE49-F238E27FC236}">
-                <a16:creationId xmlns:a16="http://schemas.microsoft.com/office/drawing/2014/main" id="{897FB12E-11B7-298E-C932-DE6C2BEA0D7D}"/>
-              </a:ext>
-            </a:extLst>
-          </p:cNvPr>
-          <p:cNvSpPr>
-            <a:spLocks noGrp="1"/>
-          </p:cNvSpPr>
-          <p:nvPr>
-            <p:ph idx="1"/>
-          </p:nvPr>
-        </p:nvSpPr>
-        <p:spPr>
-          <a:xfrm>
-            <a:off x="0" y="927266"/>
-            <a:ext cx="9036496" cy="4950005"/>
-          </a:xfrm>
-        </p:spPr>
-        <p:txBody>
-          <a:bodyPr>
-            <a:noAutofit/>
-          </a:bodyPr>
-          <a:lstStyle/>
-          <a:p>
-            <a:pPr>
-              <a:buFont typeface="Arial" panose="020B0604020202020204" pitchFamily="34" charset="0"/>
-              <a:buChar char="•"/>
-            </a:pPr>
-            <a:r>
-              <a:rPr lang="nl-NL" sz="1500" dirty="0"/>
-              <a:t>Vragen?</a:t>
-            </a:r>
-          </a:p>
-          <a:p>
-            <a:pPr>
-              <a:buFont typeface="Arial" panose="020B0604020202020204" pitchFamily="34" charset="0"/>
-              <a:buChar char="•"/>
-            </a:pPr>
-            <a:endParaRPr lang="nl-NL" sz="1500" dirty="0"/>
-          </a:p>
-          <a:p>
-            <a:pPr>
-              <a:buFont typeface="Arial" panose="020B0604020202020204" pitchFamily="34" charset="0"/>
-              <a:buChar char="•"/>
-            </a:pPr>
-            <a:endParaRPr lang="nl-NL" sz="1500" dirty="0"/>
-          </a:p>
-          <a:p>
-            <a:pPr>
-              <a:buFont typeface="Arial" panose="020B0604020202020204" pitchFamily="34" charset="0"/>
-              <a:buChar char="•"/>
-            </a:pPr>
-            <a:endParaRPr lang="nl-NL" sz="600" dirty="0"/>
-          </a:p>
-        </p:txBody>
-      </p:sp>
-    </p:spTree>
-    <p:extLst>
-      <p:ext uri="{BB962C8B-B14F-4D97-AF65-F5344CB8AC3E}">
-        <p14:creationId xmlns:p14="http://schemas.microsoft.com/office/powerpoint/2010/main" val="3617583624"/>
-      </p:ext>
-    </p:extLst>
-  </p:cSld>
-  <p:clrMapOvr>
-    <a:masterClrMapping/>
-  </p:clrMapOvr>
-</p:sld>
-</file>
-
 <file path=ppt/slides/slide5.xml><?xml version="1.0" encoding="utf-8"?>
 <p:sld xmlns:a="http://schemas.openxmlformats.org/drawingml/2006/main" xmlns:r="http://schemas.openxmlformats.org/officeDocument/2006/relationships" xmlns:p="http://schemas.openxmlformats.org/presentationml/2006/main">
   <p:cSld>
@@ -21770,6 +23786,372 @@
     <p:extLst>
       <p:ext uri="{BB962C8B-B14F-4D97-AF65-F5344CB8AC3E}">
         <p14:creationId xmlns:p14="http://schemas.microsoft.com/office/powerpoint/2010/main" val="2038711540"/>
+      </p:ext>
+    </p:extLst>
+  </p:cSld>
+  <p:clrMapOvr>
+    <a:masterClrMapping/>
+  </p:clrMapOvr>
+</p:sld>
+</file>
+
+<file path=ppt/slides/slide50.xml><?xml version="1.0" encoding="utf-8"?>
+<p:sld xmlns:a="http://schemas.openxmlformats.org/drawingml/2006/main" xmlns:r="http://schemas.openxmlformats.org/officeDocument/2006/relationships" xmlns:p="http://schemas.openxmlformats.org/presentationml/2006/main">
+  <p:cSld>
+    <p:spTree>
+      <p:nvGrpSpPr>
+        <p:cNvPr id="1" name="">
+          <a:extLst>
+            <a:ext uri="{FF2B5EF4-FFF2-40B4-BE49-F238E27FC236}">
+              <a16:creationId xmlns:a16="http://schemas.microsoft.com/office/drawing/2014/main" id="{A668D895-AA55-E539-F6AA-8AF0B77ED03A}"/>
+            </a:ext>
+          </a:extLst>
+        </p:cNvPr>
+        <p:cNvGrpSpPr/>
+        <p:nvPr/>
+      </p:nvGrpSpPr>
+      <p:grpSpPr>
+        <a:xfrm>
+          <a:off x="0" y="0"/>
+          <a:ext cx="0" cy="0"/>
+          <a:chOff x="0" y="0"/>
+          <a:chExt cx="0" cy="0"/>
+        </a:xfrm>
+      </p:grpSpPr>
+      <p:sp>
+        <p:nvSpPr>
+          <p:cNvPr id="41987" name="Titel 2">
+            <a:extLst>
+              <a:ext uri="{FF2B5EF4-FFF2-40B4-BE49-F238E27FC236}">
+                <a16:creationId xmlns:a16="http://schemas.microsoft.com/office/drawing/2014/main" id="{E08F01F4-24CB-1E86-6EC7-BE658159E9BA}"/>
+              </a:ext>
+            </a:extLst>
+          </p:cNvPr>
+          <p:cNvSpPr>
+            <a:spLocks noGrp="1"/>
+          </p:cNvSpPr>
+          <p:nvPr>
+            <p:ph type="title"/>
+          </p:nvPr>
+        </p:nvSpPr>
+        <p:spPr>
+          <a:noFill/>
+          <a:extLst>
+            <a:ext uri="{91240B29-F687-4F45-9708-019B960494DF}">
+              <a14:hiddenLine xmlns:a14="http://schemas.microsoft.com/office/drawing/2010/main" w="0">
+                <a:solidFill>
+                  <a:srgbClr val="000000"/>
+                </a:solidFill>
+                <a:miter lim="800000"/>
+                <a:headEnd/>
+                <a:tailEnd/>
+              </a14:hiddenLine>
+            </a:ext>
+          </a:extLst>
+        </p:spPr>
+        <p:txBody>
+          <a:bodyPr/>
+          <a:lstStyle/>
+          <a:p>
+            <a:r>
+              <a:rPr lang="nl-BE" altLang="en-US" dirty="0"/>
+              <a:t>Bedankt</a:t>
+            </a:r>
+          </a:p>
+        </p:txBody>
+      </p:sp>
+      <p:sp>
+        <p:nvSpPr>
+          <p:cNvPr id="2" name="Footer Placeholder 1">
+            <a:extLst>
+              <a:ext uri="{FF2B5EF4-FFF2-40B4-BE49-F238E27FC236}">
+                <a16:creationId xmlns:a16="http://schemas.microsoft.com/office/drawing/2014/main" id="{6561B46D-15BF-73EE-D461-9664E8A18F75}"/>
+              </a:ext>
+            </a:extLst>
+          </p:cNvPr>
+          <p:cNvSpPr>
+            <a:spLocks noGrp="1"/>
+          </p:cNvSpPr>
+          <p:nvPr>
+            <p:ph type="ftr" sz="quarter" idx="11"/>
+          </p:nvPr>
+        </p:nvSpPr>
+        <p:spPr/>
+        <p:txBody>
+          <a:bodyPr/>
+          <a:lstStyle/>
+          <a:p>
+            <a:r>
+              <a:rPr lang="nl-BE" dirty="0"/>
+              <a:t>Projecten van het werkveld – </a:t>
+            </a:r>
+            <a:r>
+              <a:rPr lang="nl-BE" dirty="0" err="1"/>
+              <a:t>IoT</a:t>
+            </a:r>
+            <a:r>
+              <a:rPr lang="nl-BE" dirty="0"/>
+              <a:t> Graduaat</a:t>
+            </a:r>
+          </a:p>
+        </p:txBody>
+      </p:sp>
+      <p:sp>
+        <p:nvSpPr>
+          <p:cNvPr id="3" name="Slide Number Placeholder 2">
+            <a:extLst>
+              <a:ext uri="{FF2B5EF4-FFF2-40B4-BE49-F238E27FC236}">
+                <a16:creationId xmlns:a16="http://schemas.microsoft.com/office/drawing/2014/main" id="{A9392256-AA99-8A16-58C9-D67399529620}"/>
+              </a:ext>
+            </a:extLst>
+          </p:cNvPr>
+          <p:cNvSpPr>
+            <a:spLocks noGrp="1"/>
+          </p:cNvSpPr>
+          <p:nvPr>
+            <p:ph type="sldNum" sz="quarter" idx="12"/>
+          </p:nvPr>
+        </p:nvSpPr>
+        <p:spPr/>
+        <p:txBody>
+          <a:bodyPr/>
+          <a:lstStyle/>
+          <a:p>
+            <a:fld id="{3B80295F-48CD-49FC-897A-CCEC919B8070}" type="slidenum">
+              <a:rPr lang="nl-BE" smtClean="0"/>
+              <a:pPr/>
+              <a:t>50</a:t>
+            </a:fld>
+            <a:endParaRPr lang="nl-BE" dirty="0"/>
+          </a:p>
+        </p:txBody>
+      </p:sp>
+      <p:sp>
+        <p:nvSpPr>
+          <p:cNvPr id="41988" name="Tijdelijke aanduiding voor dianummer 3">
+            <a:extLst>
+              <a:ext uri="{FF2B5EF4-FFF2-40B4-BE49-F238E27FC236}">
+                <a16:creationId xmlns:a16="http://schemas.microsoft.com/office/drawing/2014/main" id="{2D558ECE-7233-A7F7-56DF-09C8D253F927}"/>
+              </a:ext>
+            </a:extLst>
+          </p:cNvPr>
+          <p:cNvSpPr txBox="1">
+            <a:spLocks noGrp="1"/>
+          </p:cNvSpPr>
+          <p:nvPr/>
+        </p:nvSpPr>
+        <p:spPr bwMode="auto">
+          <a:xfrm>
+            <a:off x="360363" y="6083300"/>
+            <a:ext cx="360362" cy="668338"/>
+          </a:xfrm>
+          <a:prstGeom prst="rect">
+            <a:avLst/>
+          </a:prstGeom>
+          <a:solidFill>
+            <a:srgbClr val="00A0AE"/>
+          </a:solidFill>
+          <a:ln>
+            <a:noFill/>
+          </a:ln>
+          <a:extLst>
+            <a:ext uri="{91240B29-F687-4F45-9708-019B960494DF}">
+              <a14:hiddenLine xmlns:a14="http://schemas.microsoft.com/office/drawing/2010/main" w="9525">
+                <a:solidFill>
+                  <a:srgbClr val="000000"/>
+                </a:solidFill>
+                <a:miter lim="800000"/>
+                <a:headEnd/>
+                <a:tailEnd/>
+              </a14:hiddenLine>
+            </a:ext>
+          </a:extLst>
+        </p:spPr>
+        <p:txBody>
+          <a:bodyPr wrap="none" lIns="0" tIns="108000" rIns="0" bIns="0" anchor="ctr"/>
+          <a:lstStyle>
+            <a:lvl1pPr eaLnBrk="0" hangingPunct="0">
+              <a:defRPr>
+                <a:solidFill>
+                  <a:schemeClr val="tx1"/>
+                </a:solidFill>
+                <a:latin typeface="Arial" panose="020B0604020202020204" pitchFamily="34" charset="0"/>
+              </a:defRPr>
+            </a:lvl1pPr>
+            <a:lvl2pPr marL="742950" indent="-285750" eaLnBrk="0" hangingPunct="0">
+              <a:defRPr>
+                <a:solidFill>
+                  <a:schemeClr val="tx1"/>
+                </a:solidFill>
+                <a:latin typeface="Arial" panose="020B0604020202020204" pitchFamily="34" charset="0"/>
+              </a:defRPr>
+            </a:lvl2pPr>
+            <a:lvl3pPr marL="1143000" indent="-228600" eaLnBrk="0" hangingPunct="0">
+              <a:defRPr>
+                <a:solidFill>
+                  <a:schemeClr val="tx1"/>
+                </a:solidFill>
+                <a:latin typeface="Arial" panose="020B0604020202020204" pitchFamily="34" charset="0"/>
+              </a:defRPr>
+            </a:lvl3pPr>
+            <a:lvl4pPr marL="1600200" indent="-228600" eaLnBrk="0" hangingPunct="0">
+              <a:defRPr>
+                <a:solidFill>
+                  <a:schemeClr val="tx1"/>
+                </a:solidFill>
+                <a:latin typeface="Arial" panose="020B0604020202020204" pitchFamily="34" charset="0"/>
+              </a:defRPr>
+            </a:lvl4pPr>
+            <a:lvl5pPr marL="2057400" indent="-228600" eaLnBrk="0" hangingPunct="0">
+              <a:defRPr>
+                <a:solidFill>
+                  <a:schemeClr val="tx1"/>
+                </a:solidFill>
+                <a:latin typeface="Arial" panose="020B0604020202020204" pitchFamily="34" charset="0"/>
+              </a:defRPr>
+            </a:lvl5pPr>
+            <a:lvl6pPr marL="2514600" indent="-228600" eaLnBrk="0" fontAlgn="base" hangingPunct="0">
+              <a:spcBef>
+                <a:spcPct val="0"/>
+              </a:spcBef>
+              <a:spcAft>
+                <a:spcPct val="0"/>
+              </a:spcAft>
+              <a:defRPr>
+                <a:solidFill>
+                  <a:schemeClr val="tx1"/>
+                </a:solidFill>
+                <a:latin typeface="Arial" panose="020B0604020202020204" pitchFamily="34" charset="0"/>
+              </a:defRPr>
+            </a:lvl6pPr>
+            <a:lvl7pPr marL="2971800" indent="-228600" eaLnBrk="0" fontAlgn="base" hangingPunct="0">
+              <a:spcBef>
+                <a:spcPct val="0"/>
+              </a:spcBef>
+              <a:spcAft>
+                <a:spcPct val="0"/>
+              </a:spcAft>
+              <a:defRPr>
+                <a:solidFill>
+                  <a:schemeClr val="tx1"/>
+                </a:solidFill>
+                <a:latin typeface="Arial" panose="020B0604020202020204" pitchFamily="34" charset="0"/>
+              </a:defRPr>
+            </a:lvl7pPr>
+            <a:lvl8pPr marL="3429000" indent="-228600" eaLnBrk="0" fontAlgn="base" hangingPunct="0">
+              <a:spcBef>
+                <a:spcPct val="0"/>
+              </a:spcBef>
+              <a:spcAft>
+                <a:spcPct val="0"/>
+              </a:spcAft>
+              <a:defRPr>
+                <a:solidFill>
+                  <a:schemeClr val="tx1"/>
+                </a:solidFill>
+                <a:latin typeface="Arial" panose="020B0604020202020204" pitchFamily="34" charset="0"/>
+              </a:defRPr>
+            </a:lvl8pPr>
+            <a:lvl9pPr marL="3886200" indent="-228600" eaLnBrk="0" fontAlgn="base" hangingPunct="0">
+              <a:spcBef>
+                <a:spcPct val="0"/>
+              </a:spcBef>
+              <a:spcAft>
+                <a:spcPct val="0"/>
+              </a:spcAft>
+              <a:defRPr>
+                <a:solidFill>
+                  <a:schemeClr val="tx1"/>
+                </a:solidFill>
+                <a:latin typeface="Arial" panose="020B0604020202020204" pitchFamily="34" charset="0"/>
+              </a:defRPr>
+            </a:lvl9pPr>
+          </a:lstStyle>
+          <a:p>
+            <a:pPr eaLnBrk="1" hangingPunct="1"/>
+            <a:fld id="{E7E9740F-FEEC-4722-AD1A-FA148BA257E6}" type="slidenum">
+              <a:rPr lang="nl-BE" altLang="en-US" sz="2000" smtClean="0">
+                <a:solidFill>
+                  <a:srgbClr val="FFFFFF"/>
+                </a:solidFill>
+                <a:latin typeface="Trebuchet MS" panose="020B0603020202020204" pitchFamily="34" charset="0"/>
+              </a:rPr>
+              <a:pPr eaLnBrk="1" hangingPunct="1"/>
+              <a:t>50</a:t>
+            </a:fld>
+            <a:endParaRPr lang="nl-BE" altLang="en-US" sz="2000">
+              <a:solidFill>
+                <a:srgbClr val="FFFFFF"/>
+              </a:solidFill>
+              <a:latin typeface="Trebuchet MS" panose="020B0603020202020204" pitchFamily="34" charset="0"/>
+            </a:endParaRPr>
+          </a:p>
+        </p:txBody>
+      </p:sp>
+      <p:sp>
+        <p:nvSpPr>
+          <p:cNvPr id="33" name="Tijdelijke aanduiding voor inhoud 1">
+            <a:extLst>
+              <a:ext uri="{FF2B5EF4-FFF2-40B4-BE49-F238E27FC236}">
+                <a16:creationId xmlns:a16="http://schemas.microsoft.com/office/drawing/2014/main" id="{897FB12E-11B7-298E-C932-DE6C2BEA0D7D}"/>
+              </a:ext>
+            </a:extLst>
+          </p:cNvPr>
+          <p:cNvSpPr>
+            <a:spLocks noGrp="1"/>
+          </p:cNvSpPr>
+          <p:nvPr>
+            <p:ph idx="1"/>
+          </p:nvPr>
+        </p:nvSpPr>
+        <p:spPr>
+          <a:xfrm>
+            <a:off x="0" y="927266"/>
+            <a:ext cx="9036496" cy="4950005"/>
+          </a:xfrm>
+        </p:spPr>
+        <p:txBody>
+          <a:bodyPr>
+            <a:noAutofit/>
+          </a:bodyPr>
+          <a:lstStyle/>
+          <a:p>
+            <a:pPr>
+              <a:buFont typeface="Arial" panose="020B0604020202020204" pitchFamily="34" charset="0"/>
+              <a:buChar char="•"/>
+            </a:pPr>
+            <a:r>
+              <a:rPr lang="nl-NL" sz="1500" dirty="0"/>
+              <a:t>Vragen?</a:t>
+            </a:r>
+          </a:p>
+          <a:p>
+            <a:pPr>
+              <a:buFont typeface="Arial" panose="020B0604020202020204" pitchFamily="34" charset="0"/>
+              <a:buChar char="•"/>
+            </a:pPr>
+            <a:endParaRPr lang="nl-NL" sz="1500" dirty="0"/>
+          </a:p>
+          <a:p>
+            <a:pPr>
+              <a:buFont typeface="Arial" panose="020B0604020202020204" pitchFamily="34" charset="0"/>
+              <a:buChar char="•"/>
+            </a:pPr>
+            <a:endParaRPr lang="nl-NL" sz="1500" dirty="0"/>
+          </a:p>
+          <a:p>
+            <a:pPr>
+              <a:buFont typeface="Arial" panose="020B0604020202020204" pitchFamily="34" charset="0"/>
+              <a:buChar char="•"/>
+            </a:pPr>
+            <a:endParaRPr lang="nl-NL" sz="600" dirty="0"/>
+          </a:p>
+        </p:txBody>
+      </p:sp>
+    </p:spTree>
+    <p:extLst>
+      <p:ext uri="{BB962C8B-B14F-4D97-AF65-F5344CB8AC3E}">
+        <p14:creationId xmlns:p14="http://schemas.microsoft.com/office/powerpoint/2010/main" val="3617583624"/>
       </p:ext>
     </p:extLst>
   </p:cSld>

--- a/doc/Projecten voor het werkveld 2.pptx
+++ b/doc/Projecten voor het werkveld 2.pptx
@@ -5,10 +5,10 @@
     <p:sldMasterId id="2147483685" r:id="rId1"/>
   </p:sldMasterIdLst>
   <p:notesMasterIdLst>
-    <p:notesMasterId r:id="rId52"/>
+    <p:notesMasterId r:id="rId54"/>
   </p:notesMasterIdLst>
   <p:handoutMasterIdLst>
-    <p:handoutMasterId r:id="rId53"/>
+    <p:handoutMasterId r:id="rId55"/>
   </p:handoutMasterIdLst>
   <p:sldIdLst>
     <p:sldId id="258" r:id="rId2"/>
@@ -48,19 +48,21 @@
     <p:sldId id="418" r:id="rId36"/>
     <p:sldId id="432" r:id="rId37"/>
     <p:sldId id="433" r:id="rId38"/>
-    <p:sldId id="429" r:id="rId39"/>
-    <p:sldId id="430" r:id="rId40"/>
-    <p:sldId id="419" r:id="rId41"/>
-    <p:sldId id="420" r:id="rId42"/>
-    <p:sldId id="421" r:id="rId43"/>
-    <p:sldId id="422" r:id="rId44"/>
-    <p:sldId id="423" r:id="rId45"/>
-    <p:sldId id="431" r:id="rId46"/>
-    <p:sldId id="424" r:id="rId47"/>
-    <p:sldId id="425" r:id="rId48"/>
-    <p:sldId id="426" r:id="rId49"/>
-    <p:sldId id="427" r:id="rId50"/>
-    <p:sldId id="428" r:id="rId51"/>
+    <p:sldId id="436" r:id="rId39"/>
+    <p:sldId id="437" r:id="rId40"/>
+    <p:sldId id="429" r:id="rId41"/>
+    <p:sldId id="430" r:id="rId42"/>
+    <p:sldId id="419" r:id="rId43"/>
+    <p:sldId id="420" r:id="rId44"/>
+    <p:sldId id="421" r:id="rId45"/>
+    <p:sldId id="422" r:id="rId46"/>
+    <p:sldId id="423" r:id="rId47"/>
+    <p:sldId id="431" r:id="rId48"/>
+    <p:sldId id="424" r:id="rId49"/>
+    <p:sldId id="425" r:id="rId50"/>
+    <p:sldId id="426" r:id="rId51"/>
+    <p:sldId id="427" r:id="rId52"/>
+    <p:sldId id="428" r:id="rId53"/>
   </p:sldIdLst>
   <p:sldSz cx="9144000" cy="6858000" type="screen4x3"/>
   <p:notesSz cx="6858000" cy="9144000"/>
@@ -17550,7 +17552,7 @@
         <p:cNvPr id="1" name="">
           <a:extLst>
             <a:ext uri="{FF2B5EF4-FFF2-40B4-BE49-F238E27FC236}">
-              <a16:creationId xmlns:a16="http://schemas.microsoft.com/office/drawing/2014/main" id="{45832F27-9E41-9796-D270-18083850C587}"/>
+              <a16:creationId xmlns:a16="http://schemas.microsoft.com/office/drawing/2014/main" id="{46A3E137-F696-173A-5FCC-24228649EDD1}"/>
             </a:ext>
           </a:extLst>
         </p:cNvPr>
@@ -17570,7 +17572,7 @@
           <p:cNvPr id="41987" name="Titel 2">
             <a:extLst>
               <a:ext uri="{FF2B5EF4-FFF2-40B4-BE49-F238E27FC236}">
-                <a16:creationId xmlns:a16="http://schemas.microsoft.com/office/drawing/2014/main" id="{6FAB2338-B241-CC9D-DFD1-C75428C1BAFD}"/>
+                <a16:creationId xmlns:a16="http://schemas.microsoft.com/office/drawing/2014/main" id="{C8460244-015B-A079-CB2B-C02DAF8E09E3}"/>
               </a:ext>
             </a:extLst>
           </p:cNvPr>
@@ -17602,13 +17604,8 @@
           <a:p>
             <a:r>
               <a:rPr lang="nl-BE" altLang="en-US" dirty="0"/>
-              <a:t>MQTT - </a:t>
-            </a:r>
-            <a:r>
-              <a:rPr lang="nl-BE" altLang="en-US" dirty="0" err="1"/>
-              <a:t>docker</a:t>
-            </a:r>
-            <a:endParaRPr lang="nl-BE" altLang="en-US" dirty="0"/>
+              <a:t>On/off controller</a:t>
+            </a:r>
           </a:p>
         </p:txBody>
       </p:sp>
@@ -17617,7 +17614,7 @@
           <p:cNvPr id="2" name="Footer Placeholder 1">
             <a:extLst>
               <a:ext uri="{FF2B5EF4-FFF2-40B4-BE49-F238E27FC236}">
-                <a16:creationId xmlns:a16="http://schemas.microsoft.com/office/drawing/2014/main" id="{0ECC9CDB-C59A-0871-2CD8-4CA86131136D}"/>
+                <a16:creationId xmlns:a16="http://schemas.microsoft.com/office/drawing/2014/main" id="{EA1EA0BB-2E05-316D-B6CA-D66DA9A35C69}"/>
               </a:ext>
             </a:extLst>
           </p:cNvPr>
@@ -17653,7 +17650,7 @@
           <p:cNvPr id="3" name="Slide Number Placeholder 2">
             <a:extLst>
               <a:ext uri="{FF2B5EF4-FFF2-40B4-BE49-F238E27FC236}">
-                <a16:creationId xmlns:a16="http://schemas.microsoft.com/office/drawing/2014/main" id="{78D6DF69-7467-8561-6D9C-5F25982A8587}"/>
+                <a16:creationId xmlns:a16="http://schemas.microsoft.com/office/drawing/2014/main" id="{FD380B33-7061-779E-D2EA-8BCEE484CC82}"/>
               </a:ext>
             </a:extLst>
           </p:cNvPr>
@@ -17683,7 +17680,7 @@
           <p:cNvPr id="41988" name="Tijdelijke aanduiding voor dianummer 3">
             <a:extLst>
               <a:ext uri="{FF2B5EF4-FFF2-40B4-BE49-F238E27FC236}">
-                <a16:creationId xmlns:a16="http://schemas.microsoft.com/office/drawing/2014/main" id="{F7713B8D-D810-FFD9-DB16-3ACC85B48D37}"/>
+                <a16:creationId xmlns:a16="http://schemas.microsoft.com/office/drawing/2014/main" id="{8F1DDAE9-EC7C-1B16-3822-338DD32A58DF}"/>
               </a:ext>
             </a:extLst>
           </p:cNvPr>
@@ -17830,6 +17827,1400 @@
               </a:rPr>
               <a:pPr eaLnBrk="1" hangingPunct="1"/>
               <a:t>38</a:t>
+            </a:fld>
+            <a:endParaRPr lang="nl-BE" altLang="en-US" sz="2000">
+              <a:solidFill>
+                <a:srgbClr val="FFFFFF"/>
+              </a:solidFill>
+              <a:latin typeface="Trebuchet MS" panose="020B0603020202020204" pitchFamily="34" charset="0"/>
+            </a:endParaRPr>
+          </a:p>
+        </p:txBody>
+      </p:sp>
+      <p:sp>
+        <p:nvSpPr>
+          <p:cNvPr id="33" name="Tijdelijke aanduiding voor inhoud 1">
+            <a:extLst>
+              <a:ext uri="{FF2B5EF4-FFF2-40B4-BE49-F238E27FC236}">
+                <a16:creationId xmlns:a16="http://schemas.microsoft.com/office/drawing/2014/main" id="{5446FFEA-965E-C2ED-2B3C-824DFE83BD14}"/>
+              </a:ext>
+            </a:extLst>
+          </p:cNvPr>
+          <p:cNvSpPr>
+            <a:spLocks noGrp="1"/>
+          </p:cNvSpPr>
+          <p:nvPr>
+            <p:ph idx="1"/>
+          </p:nvPr>
+        </p:nvSpPr>
+        <p:spPr>
+          <a:xfrm>
+            <a:off x="0" y="927266"/>
+            <a:ext cx="9036496" cy="4950005"/>
+          </a:xfrm>
+        </p:spPr>
+        <p:txBody>
+          <a:bodyPr>
+            <a:noAutofit/>
+          </a:bodyPr>
+          <a:lstStyle/>
+          <a:p>
+            <a:pPr>
+              <a:buFont typeface="Arial" panose="020B0604020202020204" pitchFamily="34" charset="0"/>
+              <a:buChar char="•"/>
+            </a:pPr>
+            <a:r>
+              <a:rPr lang="nl-NL" sz="1500" dirty="0"/>
+              <a:t>Onze feedback is bijna direct, we vergelijken de temperatuur data heel snel op</a:t>
+            </a:r>
+          </a:p>
+          <a:p>
+            <a:pPr>
+              <a:buFont typeface="Arial" panose="020B0604020202020204" pitchFamily="34" charset="0"/>
+              <a:buChar char="•"/>
+            </a:pPr>
+            <a:r>
+              <a:rPr lang="nl-NL" sz="1500" dirty="0"/>
+              <a:t>Hierdoor is onze feedback en error minimaal</a:t>
+            </a:r>
+          </a:p>
+          <a:p>
+            <a:pPr>
+              <a:buFont typeface="Arial" panose="020B0604020202020204" pitchFamily="34" charset="0"/>
+              <a:buChar char="•"/>
+            </a:pPr>
+            <a:r>
+              <a:rPr lang="nl-NL" sz="1500" dirty="0"/>
+              <a:t>ON/OFF kan een simpele optie zijn voor sturing</a:t>
+            </a:r>
+          </a:p>
+          <a:p>
+            <a:pPr lvl="1">
+              <a:buFont typeface="Arial" panose="020B0604020202020204" pitchFamily="34" charset="0"/>
+              <a:buChar char="•"/>
+            </a:pPr>
+            <a:r>
+              <a:rPr lang="nl-NL" sz="1200" dirty="0"/>
+              <a:t>Geen parameter P, I, D</a:t>
+            </a:r>
+          </a:p>
+          <a:p>
+            <a:pPr lvl="1">
+              <a:buFont typeface="Arial" panose="020B0604020202020204" pitchFamily="34" charset="0"/>
+              <a:buChar char="•"/>
+            </a:pPr>
+            <a:r>
+              <a:rPr lang="nl-NL" sz="1200" dirty="0"/>
+              <a:t>Simpele logica</a:t>
+            </a:r>
+          </a:p>
+          <a:p>
+            <a:pPr lvl="1">
+              <a:buFont typeface="Arial" panose="020B0604020202020204" pitchFamily="34" charset="0"/>
+              <a:buChar char="•"/>
+            </a:pPr>
+            <a:r>
+              <a:rPr lang="nl-NL" sz="1200" dirty="0"/>
+              <a:t>Geen complexe regeling dus anticipeert lastiger op “natuurlijk” gedrag</a:t>
+            </a:r>
+          </a:p>
+          <a:p>
+            <a:pPr>
+              <a:buFont typeface="Arial" panose="020B0604020202020204" pitchFamily="34" charset="0"/>
+              <a:buChar char="•"/>
+            </a:pPr>
+            <a:endParaRPr lang="nl-NL" sz="1500" dirty="0"/>
+          </a:p>
+          <a:p>
+            <a:pPr>
+              <a:buFont typeface="Arial" panose="020B0604020202020204" pitchFamily="34" charset="0"/>
+              <a:buChar char="•"/>
+            </a:pPr>
+            <a:endParaRPr lang="nl-NL" sz="1500" dirty="0"/>
+          </a:p>
+          <a:p>
+            <a:pPr>
+              <a:buFont typeface="Arial" panose="020B0604020202020204" pitchFamily="34" charset="0"/>
+              <a:buChar char="•"/>
+            </a:pPr>
+            <a:endParaRPr lang="nl-NL" sz="1500" dirty="0"/>
+          </a:p>
+          <a:p>
+            <a:pPr>
+              <a:buFont typeface="Arial" panose="020B0604020202020204" pitchFamily="34" charset="0"/>
+              <a:buChar char="•"/>
+            </a:pPr>
+            <a:endParaRPr lang="nl-NL" sz="600" dirty="0"/>
+          </a:p>
+        </p:txBody>
+      </p:sp>
+      <p:pic>
+        <p:nvPicPr>
+          <p:cNvPr id="7" name="Picture 6">
+            <a:extLst>
+              <a:ext uri="{FF2B5EF4-FFF2-40B4-BE49-F238E27FC236}">
+                <a16:creationId xmlns:a16="http://schemas.microsoft.com/office/drawing/2014/main" id="{F3FF64F0-AE5D-E10D-69F4-6EF8E99A959E}"/>
+              </a:ext>
+            </a:extLst>
+          </p:cNvPr>
+          <p:cNvPicPr>
+            <a:picLocks noChangeAspect="1"/>
+          </p:cNvPicPr>
+          <p:nvPr/>
+        </p:nvPicPr>
+        <p:blipFill>
+          <a:blip r:embed="rId2"/>
+          <a:stretch>
+            <a:fillRect/>
+          </a:stretch>
+        </p:blipFill>
+        <p:spPr>
+          <a:xfrm>
+            <a:off x="139780" y="2924944"/>
+            <a:ext cx="4320480" cy="2592288"/>
+          </a:xfrm>
+          <a:prstGeom prst="rect">
+            <a:avLst/>
+          </a:prstGeom>
+        </p:spPr>
+      </p:pic>
+      <p:pic>
+        <p:nvPicPr>
+          <p:cNvPr id="9" name="Picture 8">
+            <a:extLst>
+              <a:ext uri="{FF2B5EF4-FFF2-40B4-BE49-F238E27FC236}">
+                <a16:creationId xmlns:a16="http://schemas.microsoft.com/office/drawing/2014/main" id="{FCC6BF8C-E59C-63F4-0B95-01C97349337A}"/>
+              </a:ext>
+            </a:extLst>
+          </p:cNvPr>
+          <p:cNvPicPr>
+            <a:picLocks noChangeAspect="1"/>
+          </p:cNvPicPr>
+          <p:nvPr/>
+        </p:nvPicPr>
+        <p:blipFill>
+          <a:blip r:embed="rId3"/>
+          <a:stretch>
+            <a:fillRect/>
+          </a:stretch>
+        </p:blipFill>
+        <p:spPr>
+          <a:xfrm>
+            <a:off x="4139952" y="2924944"/>
+            <a:ext cx="4320480" cy="2592288"/>
+          </a:xfrm>
+          <a:prstGeom prst="rect">
+            <a:avLst/>
+          </a:prstGeom>
+        </p:spPr>
+      </p:pic>
+    </p:spTree>
+    <p:extLst>
+      <p:ext uri="{BB962C8B-B14F-4D97-AF65-F5344CB8AC3E}">
+        <p14:creationId xmlns:p14="http://schemas.microsoft.com/office/powerpoint/2010/main" val="1202407270"/>
+      </p:ext>
+    </p:extLst>
+  </p:cSld>
+  <p:clrMapOvr>
+    <a:masterClrMapping/>
+  </p:clrMapOvr>
+</p:sld>
+</file>
+
+<file path=ppt/slides/slide39.xml><?xml version="1.0" encoding="utf-8"?>
+<p:sld xmlns:a="http://schemas.openxmlformats.org/drawingml/2006/main" xmlns:r="http://schemas.openxmlformats.org/officeDocument/2006/relationships" xmlns:p="http://schemas.openxmlformats.org/presentationml/2006/main">
+  <p:cSld>
+    <p:spTree>
+      <p:nvGrpSpPr>
+        <p:cNvPr id="1" name="">
+          <a:extLst>
+            <a:ext uri="{FF2B5EF4-FFF2-40B4-BE49-F238E27FC236}">
+              <a16:creationId xmlns:a16="http://schemas.microsoft.com/office/drawing/2014/main" id="{9140A47C-942B-EA5A-2757-DD50A330C7FA}"/>
+            </a:ext>
+          </a:extLst>
+        </p:cNvPr>
+        <p:cNvGrpSpPr/>
+        <p:nvPr/>
+      </p:nvGrpSpPr>
+      <p:grpSpPr>
+        <a:xfrm>
+          <a:off x="0" y="0"/>
+          <a:ext cx="0" cy="0"/>
+          <a:chOff x="0" y="0"/>
+          <a:chExt cx="0" cy="0"/>
+        </a:xfrm>
+      </p:grpSpPr>
+      <p:sp>
+        <p:nvSpPr>
+          <p:cNvPr id="41987" name="Titel 2">
+            <a:extLst>
+              <a:ext uri="{FF2B5EF4-FFF2-40B4-BE49-F238E27FC236}">
+                <a16:creationId xmlns:a16="http://schemas.microsoft.com/office/drawing/2014/main" id="{D33ECFCD-BE80-5E3B-BA67-2410701DC733}"/>
+              </a:ext>
+            </a:extLst>
+          </p:cNvPr>
+          <p:cNvSpPr>
+            <a:spLocks noGrp="1"/>
+          </p:cNvSpPr>
+          <p:nvPr>
+            <p:ph type="title"/>
+          </p:nvPr>
+        </p:nvSpPr>
+        <p:spPr>
+          <a:noFill/>
+          <a:extLst>
+            <a:ext uri="{91240B29-F687-4F45-9708-019B960494DF}">
+              <a14:hiddenLine xmlns:a14="http://schemas.microsoft.com/office/drawing/2010/main" w="0">
+                <a:solidFill>
+                  <a:srgbClr val="000000"/>
+                </a:solidFill>
+                <a:miter lim="800000"/>
+                <a:headEnd/>
+                <a:tailEnd/>
+              </a14:hiddenLine>
+            </a:ext>
+          </a:extLst>
+        </p:spPr>
+        <p:txBody>
+          <a:bodyPr/>
+          <a:lstStyle/>
+          <a:p>
+            <a:r>
+              <a:rPr lang="nl-BE" altLang="en-US" dirty="0"/>
+              <a:t>On/off controller</a:t>
+            </a:r>
+          </a:p>
+        </p:txBody>
+      </p:sp>
+      <p:sp>
+        <p:nvSpPr>
+          <p:cNvPr id="2" name="Footer Placeholder 1">
+            <a:extLst>
+              <a:ext uri="{FF2B5EF4-FFF2-40B4-BE49-F238E27FC236}">
+                <a16:creationId xmlns:a16="http://schemas.microsoft.com/office/drawing/2014/main" id="{0056F383-5A4D-C53C-12ED-4B84C7B68702}"/>
+              </a:ext>
+            </a:extLst>
+          </p:cNvPr>
+          <p:cNvSpPr>
+            <a:spLocks noGrp="1"/>
+          </p:cNvSpPr>
+          <p:nvPr>
+            <p:ph type="ftr" sz="quarter" idx="11"/>
+          </p:nvPr>
+        </p:nvSpPr>
+        <p:spPr/>
+        <p:txBody>
+          <a:bodyPr/>
+          <a:lstStyle/>
+          <a:p>
+            <a:r>
+              <a:rPr lang="nl-BE" dirty="0"/>
+              <a:t>Projecten van het werkveld – </a:t>
+            </a:r>
+            <a:r>
+              <a:rPr lang="nl-BE" dirty="0" err="1"/>
+              <a:t>IoT</a:t>
+            </a:r>
+            <a:r>
+              <a:rPr lang="nl-BE" dirty="0"/>
+              <a:t> Graduaat</a:t>
+            </a:r>
+          </a:p>
+        </p:txBody>
+      </p:sp>
+      <p:sp>
+        <p:nvSpPr>
+          <p:cNvPr id="3" name="Slide Number Placeholder 2">
+            <a:extLst>
+              <a:ext uri="{FF2B5EF4-FFF2-40B4-BE49-F238E27FC236}">
+                <a16:creationId xmlns:a16="http://schemas.microsoft.com/office/drawing/2014/main" id="{3D531B6D-08FA-2C10-9101-D72A0C2E9FD6}"/>
+              </a:ext>
+            </a:extLst>
+          </p:cNvPr>
+          <p:cNvSpPr>
+            <a:spLocks noGrp="1"/>
+          </p:cNvSpPr>
+          <p:nvPr>
+            <p:ph type="sldNum" sz="quarter" idx="12"/>
+          </p:nvPr>
+        </p:nvSpPr>
+        <p:spPr/>
+        <p:txBody>
+          <a:bodyPr/>
+          <a:lstStyle/>
+          <a:p>
+            <a:fld id="{3B80295F-48CD-49FC-897A-CCEC919B8070}" type="slidenum">
+              <a:rPr lang="nl-BE" smtClean="0"/>
+              <a:pPr/>
+              <a:t>39</a:t>
+            </a:fld>
+            <a:endParaRPr lang="nl-BE" dirty="0"/>
+          </a:p>
+        </p:txBody>
+      </p:sp>
+      <p:sp>
+        <p:nvSpPr>
+          <p:cNvPr id="41988" name="Tijdelijke aanduiding voor dianummer 3">
+            <a:extLst>
+              <a:ext uri="{FF2B5EF4-FFF2-40B4-BE49-F238E27FC236}">
+                <a16:creationId xmlns:a16="http://schemas.microsoft.com/office/drawing/2014/main" id="{C70C6AE1-30AD-BEA6-29FB-B6720088011F}"/>
+              </a:ext>
+            </a:extLst>
+          </p:cNvPr>
+          <p:cNvSpPr txBox="1">
+            <a:spLocks noGrp="1"/>
+          </p:cNvSpPr>
+          <p:nvPr/>
+        </p:nvSpPr>
+        <p:spPr bwMode="auto">
+          <a:xfrm>
+            <a:off x="360363" y="6083300"/>
+            <a:ext cx="360362" cy="668338"/>
+          </a:xfrm>
+          <a:prstGeom prst="rect">
+            <a:avLst/>
+          </a:prstGeom>
+          <a:solidFill>
+            <a:srgbClr val="00A0AE"/>
+          </a:solidFill>
+          <a:ln>
+            <a:noFill/>
+          </a:ln>
+          <a:extLst>
+            <a:ext uri="{91240B29-F687-4F45-9708-019B960494DF}">
+              <a14:hiddenLine xmlns:a14="http://schemas.microsoft.com/office/drawing/2010/main" w="9525">
+                <a:solidFill>
+                  <a:srgbClr val="000000"/>
+                </a:solidFill>
+                <a:miter lim="800000"/>
+                <a:headEnd/>
+                <a:tailEnd/>
+              </a14:hiddenLine>
+            </a:ext>
+          </a:extLst>
+        </p:spPr>
+        <p:txBody>
+          <a:bodyPr wrap="none" lIns="0" tIns="108000" rIns="0" bIns="0" anchor="ctr"/>
+          <a:lstStyle>
+            <a:lvl1pPr eaLnBrk="0" hangingPunct="0">
+              <a:defRPr>
+                <a:solidFill>
+                  <a:schemeClr val="tx1"/>
+                </a:solidFill>
+                <a:latin typeface="Arial" panose="020B0604020202020204" pitchFamily="34" charset="0"/>
+              </a:defRPr>
+            </a:lvl1pPr>
+            <a:lvl2pPr marL="742950" indent="-285750" eaLnBrk="0" hangingPunct="0">
+              <a:defRPr>
+                <a:solidFill>
+                  <a:schemeClr val="tx1"/>
+                </a:solidFill>
+                <a:latin typeface="Arial" panose="020B0604020202020204" pitchFamily="34" charset="0"/>
+              </a:defRPr>
+            </a:lvl2pPr>
+            <a:lvl3pPr marL="1143000" indent="-228600" eaLnBrk="0" hangingPunct="0">
+              <a:defRPr>
+                <a:solidFill>
+                  <a:schemeClr val="tx1"/>
+                </a:solidFill>
+                <a:latin typeface="Arial" panose="020B0604020202020204" pitchFamily="34" charset="0"/>
+              </a:defRPr>
+            </a:lvl3pPr>
+            <a:lvl4pPr marL="1600200" indent="-228600" eaLnBrk="0" hangingPunct="0">
+              <a:defRPr>
+                <a:solidFill>
+                  <a:schemeClr val="tx1"/>
+                </a:solidFill>
+                <a:latin typeface="Arial" panose="020B0604020202020204" pitchFamily="34" charset="0"/>
+              </a:defRPr>
+            </a:lvl4pPr>
+            <a:lvl5pPr marL="2057400" indent="-228600" eaLnBrk="0" hangingPunct="0">
+              <a:defRPr>
+                <a:solidFill>
+                  <a:schemeClr val="tx1"/>
+                </a:solidFill>
+                <a:latin typeface="Arial" panose="020B0604020202020204" pitchFamily="34" charset="0"/>
+              </a:defRPr>
+            </a:lvl5pPr>
+            <a:lvl6pPr marL="2514600" indent="-228600" eaLnBrk="0" fontAlgn="base" hangingPunct="0">
+              <a:spcBef>
+                <a:spcPct val="0"/>
+              </a:spcBef>
+              <a:spcAft>
+                <a:spcPct val="0"/>
+              </a:spcAft>
+              <a:defRPr>
+                <a:solidFill>
+                  <a:schemeClr val="tx1"/>
+                </a:solidFill>
+                <a:latin typeface="Arial" panose="020B0604020202020204" pitchFamily="34" charset="0"/>
+              </a:defRPr>
+            </a:lvl6pPr>
+            <a:lvl7pPr marL="2971800" indent="-228600" eaLnBrk="0" fontAlgn="base" hangingPunct="0">
+              <a:spcBef>
+                <a:spcPct val="0"/>
+              </a:spcBef>
+              <a:spcAft>
+                <a:spcPct val="0"/>
+              </a:spcAft>
+              <a:defRPr>
+                <a:solidFill>
+                  <a:schemeClr val="tx1"/>
+                </a:solidFill>
+                <a:latin typeface="Arial" panose="020B0604020202020204" pitchFamily="34" charset="0"/>
+              </a:defRPr>
+            </a:lvl7pPr>
+            <a:lvl8pPr marL="3429000" indent="-228600" eaLnBrk="0" fontAlgn="base" hangingPunct="0">
+              <a:spcBef>
+                <a:spcPct val="0"/>
+              </a:spcBef>
+              <a:spcAft>
+                <a:spcPct val="0"/>
+              </a:spcAft>
+              <a:defRPr>
+                <a:solidFill>
+                  <a:schemeClr val="tx1"/>
+                </a:solidFill>
+                <a:latin typeface="Arial" panose="020B0604020202020204" pitchFamily="34" charset="0"/>
+              </a:defRPr>
+            </a:lvl8pPr>
+            <a:lvl9pPr marL="3886200" indent="-228600" eaLnBrk="0" fontAlgn="base" hangingPunct="0">
+              <a:spcBef>
+                <a:spcPct val="0"/>
+              </a:spcBef>
+              <a:spcAft>
+                <a:spcPct val="0"/>
+              </a:spcAft>
+              <a:defRPr>
+                <a:solidFill>
+                  <a:schemeClr val="tx1"/>
+                </a:solidFill>
+                <a:latin typeface="Arial" panose="020B0604020202020204" pitchFamily="34" charset="0"/>
+              </a:defRPr>
+            </a:lvl9pPr>
+          </a:lstStyle>
+          <a:p>
+            <a:pPr eaLnBrk="1" hangingPunct="1"/>
+            <a:fld id="{E7E9740F-FEEC-4722-AD1A-FA148BA257E6}" type="slidenum">
+              <a:rPr lang="nl-BE" altLang="en-US" sz="2000" smtClean="0">
+                <a:solidFill>
+                  <a:srgbClr val="FFFFFF"/>
+                </a:solidFill>
+                <a:latin typeface="Trebuchet MS" panose="020B0603020202020204" pitchFamily="34" charset="0"/>
+              </a:rPr>
+              <a:pPr eaLnBrk="1" hangingPunct="1"/>
+              <a:t>39</a:t>
+            </a:fld>
+            <a:endParaRPr lang="nl-BE" altLang="en-US" sz="2000">
+              <a:solidFill>
+                <a:srgbClr val="FFFFFF"/>
+              </a:solidFill>
+              <a:latin typeface="Trebuchet MS" panose="020B0603020202020204" pitchFamily="34" charset="0"/>
+            </a:endParaRPr>
+          </a:p>
+        </p:txBody>
+      </p:sp>
+      <p:sp>
+        <p:nvSpPr>
+          <p:cNvPr id="33" name="Tijdelijke aanduiding voor inhoud 1">
+            <a:extLst>
+              <a:ext uri="{FF2B5EF4-FFF2-40B4-BE49-F238E27FC236}">
+                <a16:creationId xmlns:a16="http://schemas.microsoft.com/office/drawing/2014/main" id="{3EC915EA-B976-6AE2-B9C5-F387CACAFA25}"/>
+              </a:ext>
+            </a:extLst>
+          </p:cNvPr>
+          <p:cNvSpPr>
+            <a:spLocks noGrp="1"/>
+          </p:cNvSpPr>
+          <p:nvPr>
+            <p:ph idx="1"/>
+          </p:nvPr>
+        </p:nvSpPr>
+        <p:spPr>
+          <a:xfrm>
+            <a:off x="0" y="927266"/>
+            <a:ext cx="9036496" cy="4950005"/>
+          </a:xfrm>
+        </p:spPr>
+        <p:txBody>
+          <a:bodyPr>
+            <a:noAutofit/>
+          </a:bodyPr>
+          <a:lstStyle/>
+          <a:p>
+            <a:pPr>
+              <a:buFont typeface="Arial" panose="020B0604020202020204" pitchFamily="34" charset="0"/>
+              <a:buChar char="•"/>
+            </a:pPr>
+            <a:endParaRPr lang="nl-NL" sz="1500" dirty="0"/>
+          </a:p>
+          <a:p>
+            <a:pPr>
+              <a:buFont typeface="Arial" panose="020B0604020202020204" pitchFamily="34" charset="0"/>
+              <a:buChar char="•"/>
+            </a:pPr>
+            <a:endParaRPr lang="nl-NL" sz="1500" dirty="0"/>
+          </a:p>
+          <a:p>
+            <a:pPr>
+              <a:buFont typeface="Arial" panose="020B0604020202020204" pitchFamily="34" charset="0"/>
+              <a:buChar char="•"/>
+            </a:pPr>
+            <a:endParaRPr lang="nl-NL" sz="1500" dirty="0"/>
+          </a:p>
+          <a:p>
+            <a:pPr>
+              <a:buFont typeface="Arial" panose="020B0604020202020204" pitchFamily="34" charset="0"/>
+              <a:buChar char="•"/>
+            </a:pPr>
+            <a:r>
+              <a:rPr lang="nl-NL" sz="1500" dirty="0"/>
+              <a:t>ON/OFF					PID</a:t>
+            </a:r>
+          </a:p>
+          <a:p>
+            <a:pPr>
+              <a:buFont typeface="Arial" panose="020B0604020202020204" pitchFamily="34" charset="0"/>
+              <a:buChar char="•"/>
+            </a:pPr>
+            <a:endParaRPr lang="nl-NL" sz="1500" dirty="0"/>
+          </a:p>
+          <a:p>
+            <a:pPr>
+              <a:buFont typeface="Arial" panose="020B0604020202020204" pitchFamily="34" charset="0"/>
+              <a:buChar char="•"/>
+            </a:pPr>
+            <a:endParaRPr lang="nl-NL" sz="1500" dirty="0"/>
+          </a:p>
+          <a:p>
+            <a:pPr>
+              <a:buFont typeface="Arial" panose="020B0604020202020204" pitchFamily="34" charset="0"/>
+              <a:buChar char="•"/>
+            </a:pPr>
+            <a:endParaRPr lang="nl-NL" sz="600" dirty="0"/>
+          </a:p>
+        </p:txBody>
+      </p:sp>
+      <p:pic>
+        <p:nvPicPr>
+          <p:cNvPr id="5" name="Picture 4">
+            <a:extLst>
+              <a:ext uri="{FF2B5EF4-FFF2-40B4-BE49-F238E27FC236}">
+                <a16:creationId xmlns:a16="http://schemas.microsoft.com/office/drawing/2014/main" id="{FCCC1DAC-B758-651F-747C-67A487468DC2}"/>
+              </a:ext>
+            </a:extLst>
+          </p:cNvPr>
+          <p:cNvPicPr>
+            <a:picLocks noChangeAspect="1"/>
+          </p:cNvPicPr>
+          <p:nvPr/>
+        </p:nvPicPr>
+        <p:blipFill>
+          <a:blip r:embed="rId2"/>
+          <a:stretch>
+            <a:fillRect/>
+          </a:stretch>
+        </p:blipFill>
+        <p:spPr>
+          <a:xfrm>
+            <a:off x="0" y="2429963"/>
+            <a:ext cx="4800533" cy="2880320"/>
+          </a:xfrm>
+          <a:prstGeom prst="rect">
+            <a:avLst/>
+          </a:prstGeom>
+        </p:spPr>
+      </p:pic>
+      <p:pic>
+        <p:nvPicPr>
+          <p:cNvPr id="8" name="Picture 7">
+            <a:extLst>
+              <a:ext uri="{FF2B5EF4-FFF2-40B4-BE49-F238E27FC236}">
+                <a16:creationId xmlns:a16="http://schemas.microsoft.com/office/drawing/2014/main" id="{AEBAD03A-F39B-329E-0C4F-DD65A0CEB646}"/>
+              </a:ext>
+            </a:extLst>
+          </p:cNvPr>
+          <p:cNvPicPr>
+            <a:picLocks noChangeAspect="1"/>
+          </p:cNvPicPr>
+          <p:nvPr/>
+        </p:nvPicPr>
+        <p:blipFill>
+          <a:blip r:embed="rId3"/>
+          <a:stretch>
+            <a:fillRect/>
+          </a:stretch>
+        </p:blipFill>
+        <p:spPr>
+          <a:xfrm>
+            <a:off x="4484605" y="2429963"/>
+            <a:ext cx="4827414" cy="2896448"/>
+          </a:xfrm>
+          <a:prstGeom prst="rect">
+            <a:avLst/>
+          </a:prstGeom>
+        </p:spPr>
+      </p:pic>
+    </p:spTree>
+    <p:extLst>
+      <p:ext uri="{BB962C8B-B14F-4D97-AF65-F5344CB8AC3E}">
+        <p14:creationId xmlns:p14="http://schemas.microsoft.com/office/powerpoint/2010/main" val="68462718"/>
+      </p:ext>
+    </p:extLst>
+  </p:cSld>
+  <p:clrMapOvr>
+    <a:masterClrMapping/>
+  </p:clrMapOvr>
+</p:sld>
+</file>
+
+<file path=ppt/slides/slide4.xml><?xml version="1.0" encoding="utf-8"?>
+<p:sld xmlns:a="http://schemas.openxmlformats.org/drawingml/2006/main" xmlns:r="http://schemas.openxmlformats.org/officeDocument/2006/relationships" xmlns:p="http://schemas.openxmlformats.org/presentationml/2006/main">
+  <p:cSld>
+    <p:spTree>
+      <p:nvGrpSpPr>
+        <p:cNvPr id="1" name="">
+          <a:extLst>
+            <a:ext uri="{FF2B5EF4-FFF2-40B4-BE49-F238E27FC236}">
+              <a16:creationId xmlns:a16="http://schemas.microsoft.com/office/drawing/2014/main" id="{6949836A-956E-D3F6-1A7E-2474B64CAC0C}"/>
+            </a:ext>
+          </a:extLst>
+        </p:cNvPr>
+        <p:cNvGrpSpPr/>
+        <p:nvPr/>
+      </p:nvGrpSpPr>
+      <p:grpSpPr>
+        <a:xfrm>
+          <a:off x="0" y="0"/>
+          <a:ext cx="0" cy="0"/>
+          <a:chOff x="0" y="0"/>
+          <a:chExt cx="0" cy="0"/>
+        </a:xfrm>
+      </p:grpSpPr>
+      <p:sp>
+        <p:nvSpPr>
+          <p:cNvPr id="41987" name="Titel 2">
+            <a:extLst>
+              <a:ext uri="{FF2B5EF4-FFF2-40B4-BE49-F238E27FC236}">
+                <a16:creationId xmlns:a16="http://schemas.microsoft.com/office/drawing/2014/main" id="{C7130699-F41B-CCA7-0887-66FC12AF6EDB}"/>
+              </a:ext>
+            </a:extLst>
+          </p:cNvPr>
+          <p:cNvSpPr>
+            <a:spLocks noGrp="1"/>
+          </p:cNvSpPr>
+          <p:nvPr>
+            <p:ph type="title"/>
+          </p:nvPr>
+        </p:nvSpPr>
+        <p:spPr>
+          <a:noFill/>
+          <a:extLst>
+            <a:ext uri="{91240B29-F687-4F45-9708-019B960494DF}">
+              <a14:hiddenLine xmlns:a14="http://schemas.microsoft.com/office/drawing/2010/main" w="0">
+                <a:solidFill>
+                  <a:srgbClr val="000000"/>
+                </a:solidFill>
+                <a:miter lim="800000"/>
+                <a:headEnd/>
+                <a:tailEnd/>
+              </a14:hiddenLine>
+            </a:ext>
+          </a:extLst>
+        </p:spPr>
+        <p:txBody>
+          <a:bodyPr/>
+          <a:lstStyle/>
+          <a:p>
+            <a:r>
+              <a:rPr lang="nl-BE" altLang="en-US" dirty="0" err="1"/>
+              <a:t>Requirements</a:t>
+            </a:r>
+            <a:endParaRPr lang="nl-BE" altLang="en-US" dirty="0"/>
+          </a:p>
+        </p:txBody>
+      </p:sp>
+      <p:sp>
+        <p:nvSpPr>
+          <p:cNvPr id="41986" name="Tijdelijke aanduiding voor inhoud 1">
+            <a:extLst>
+              <a:ext uri="{FF2B5EF4-FFF2-40B4-BE49-F238E27FC236}">
+                <a16:creationId xmlns:a16="http://schemas.microsoft.com/office/drawing/2014/main" id="{AB11DD67-6B50-93A7-64E8-0459A5842E63}"/>
+              </a:ext>
+            </a:extLst>
+          </p:cNvPr>
+          <p:cNvSpPr>
+            <a:spLocks noGrp="1"/>
+          </p:cNvSpPr>
+          <p:nvPr>
+            <p:ph idx="1"/>
+          </p:nvPr>
+        </p:nvSpPr>
+        <p:spPr>
+          <a:xfrm>
+            <a:off x="0" y="1152000"/>
+            <a:ext cx="9144000" cy="4777330"/>
+          </a:xfrm>
+          <a:noFill/>
+          <a:ln>
+            <a:noFill/>
+          </a:ln>
+        </p:spPr>
+        <p:txBody>
+          <a:bodyPr bIns="144000">
+            <a:normAutofit/>
+          </a:bodyPr>
+          <a:lstStyle/>
+          <a:p>
+            <a:r>
+              <a:rPr lang="nl-NL" sz="1800" dirty="0"/>
+              <a:t>Hoe de temperatuur of vochtigheid geregeld moet worden is abstract.</a:t>
+            </a:r>
+          </a:p>
+          <a:p>
+            <a:pPr lvl="1"/>
+            <a:r>
+              <a:rPr lang="nl-NL" sz="1500" dirty="0"/>
+              <a:t>Via een </a:t>
+            </a:r>
+            <a:r>
+              <a:rPr lang="nl-NL" sz="1500" dirty="0" err="1"/>
+              <a:t>relay</a:t>
+            </a:r>
+            <a:r>
+              <a:rPr lang="nl-NL" sz="1500" dirty="0"/>
+              <a:t> kan een </a:t>
+            </a:r>
+            <a:r>
+              <a:rPr lang="nl-NL" sz="1500" dirty="0" err="1"/>
+              <a:t>verwarmingelement</a:t>
+            </a:r>
+            <a:r>
+              <a:rPr lang="nl-NL" sz="1500" dirty="0"/>
+              <a:t> of stomer gestart of gestopt worden</a:t>
+            </a:r>
+          </a:p>
+          <a:p>
+            <a:pPr lvl="1"/>
+            <a:r>
+              <a:rPr lang="nl-NL" sz="1500" dirty="0"/>
+              <a:t>Werkt als een schakelaar, gesloten =&gt; wordt het toestel gevoed</a:t>
+            </a:r>
+          </a:p>
+          <a:p>
+            <a:pPr lvl="1"/>
+            <a:r>
+              <a:rPr lang="nl-NL" sz="1500" dirty="0"/>
+              <a:t>Dit hebben we abstract gehouden omdat we nu niet weten welk abstract toestel we gaan aansluiten alsook in de toekomst willen we misschien verschillende zaken sturen</a:t>
+            </a:r>
+          </a:p>
+          <a:p>
+            <a:pPr lvl="2"/>
+            <a:r>
+              <a:rPr lang="nl-NL" sz="1200" dirty="0"/>
+              <a:t>Verwarmingselement</a:t>
+            </a:r>
+          </a:p>
+          <a:p>
+            <a:pPr lvl="2"/>
+            <a:r>
+              <a:rPr lang="nl-NL" sz="1200" dirty="0"/>
+              <a:t>Stomer</a:t>
+            </a:r>
+          </a:p>
+          <a:p>
+            <a:pPr lvl="2"/>
+            <a:r>
+              <a:rPr lang="nl-NL" sz="1200" dirty="0"/>
+              <a:t>Verlichting (warmtelamp…)</a:t>
+            </a:r>
+          </a:p>
+          <a:p>
+            <a:pPr lvl="2"/>
+            <a:r>
+              <a:rPr lang="nl-NL" sz="1200" dirty="0"/>
+              <a:t>…</a:t>
+            </a:r>
+          </a:p>
+          <a:p>
+            <a:pPr lvl="2"/>
+            <a:endParaRPr lang="nl-NL" sz="1200" dirty="0"/>
+          </a:p>
+          <a:p>
+            <a:pPr lvl="1"/>
+            <a:endParaRPr lang="nl-NL" sz="1500" dirty="0"/>
+          </a:p>
+          <a:p>
+            <a:pPr lvl="1"/>
+            <a:endParaRPr lang="nl-NL" sz="1500" dirty="0"/>
+          </a:p>
+          <a:p>
+            <a:pPr marL="0" indent="0">
+              <a:buNone/>
+            </a:pPr>
+            <a:endParaRPr lang="nl-NL" sz="1800" dirty="0"/>
+          </a:p>
+          <a:p>
+            <a:pPr marL="0" indent="0">
+              <a:buNone/>
+            </a:pPr>
+            <a:endParaRPr lang="nl-NL" sz="1800" dirty="0"/>
+          </a:p>
+          <a:p>
+            <a:pPr marL="0" indent="0">
+              <a:buNone/>
+            </a:pPr>
+            <a:endParaRPr lang="nl-NL" sz="1800" dirty="0"/>
+          </a:p>
+          <a:p>
+            <a:pPr marL="0" indent="0">
+              <a:buNone/>
+            </a:pPr>
+            <a:endParaRPr lang="nl-NL" sz="1800" dirty="0"/>
+          </a:p>
+          <a:p>
+            <a:pPr marL="0" indent="0" algn="just">
+              <a:buNone/>
+            </a:pPr>
+            <a:endParaRPr lang="nl-BE" altLang="en-US" sz="1800" dirty="0">
+              <a:solidFill>
+                <a:schemeClr val="accent6">
+                  <a:lumMod val="10000"/>
+                </a:schemeClr>
+              </a:solidFill>
+            </a:endParaRPr>
+          </a:p>
+        </p:txBody>
+      </p:sp>
+      <p:sp>
+        <p:nvSpPr>
+          <p:cNvPr id="2" name="Footer Placeholder 1">
+            <a:extLst>
+              <a:ext uri="{FF2B5EF4-FFF2-40B4-BE49-F238E27FC236}">
+                <a16:creationId xmlns:a16="http://schemas.microsoft.com/office/drawing/2014/main" id="{7FBCBBA9-262F-856F-10DD-5D5E687D4B84}"/>
+              </a:ext>
+            </a:extLst>
+          </p:cNvPr>
+          <p:cNvSpPr>
+            <a:spLocks noGrp="1"/>
+          </p:cNvSpPr>
+          <p:nvPr>
+            <p:ph type="ftr" sz="quarter" idx="11"/>
+          </p:nvPr>
+        </p:nvSpPr>
+        <p:spPr/>
+        <p:txBody>
+          <a:bodyPr/>
+          <a:lstStyle/>
+          <a:p>
+            <a:r>
+              <a:rPr lang="nl-BE" dirty="0"/>
+              <a:t>Projecten van het werkveld – </a:t>
+            </a:r>
+            <a:r>
+              <a:rPr lang="nl-BE" dirty="0" err="1"/>
+              <a:t>IoT</a:t>
+            </a:r>
+            <a:r>
+              <a:rPr lang="nl-BE" dirty="0"/>
+              <a:t> Graduaat</a:t>
+            </a:r>
+          </a:p>
+        </p:txBody>
+      </p:sp>
+      <p:sp>
+        <p:nvSpPr>
+          <p:cNvPr id="3" name="Slide Number Placeholder 2">
+            <a:extLst>
+              <a:ext uri="{FF2B5EF4-FFF2-40B4-BE49-F238E27FC236}">
+                <a16:creationId xmlns:a16="http://schemas.microsoft.com/office/drawing/2014/main" id="{1FC415E2-6498-9229-6198-AF79350E7AEA}"/>
+              </a:ext>
+            </a:extLst>
+          </p:cNvPr>
+          <p:cNvSpPr>
+            <a:spLocks noGrp="1"/>
+          </p:cNvSpPr>
+          <p:nvPr>
+            <p:ph type="sldNum" sz="quarter" idx="12"/>
+          </p:nvPr>
+        </p:nvSpPr>
+        <p:spPr/>
+        <p:txBody>
+          <a:bodyPr/>
+          <a:lstStyle/>
+          <a:p>
+            <a:fld id="{3B80295F-48CD-49FC-897A-CCEC919B8070}" type="slidenum">
+              <a:rPr lang="nl-BE" smtClean="0"/>
+              <a:pPr/>
+              <a:t>4</a:t>
+            </a:fld>
+            <a:endParaRPr lang="nl-BE" dirty="0"/>
+          </a:p>
+        </p:txBody>
+      </p:sp>
+      <p:sp>
+        <p:nvSpPr>
+          <p:cNvPr id="41988" name="Tijdelijke aanduiding voor dianummer 3">
+            <a:extLst>
+              <a:ext uri="{FF2B5EF4-FFF2-40B4-BE49-F238E27FC236}">
+                <a16:creationId xmlns:a16="http://schemas.microsoft.com/office/drawing/2014/main" id="{A9E9005B-2EB7-DB87-C737-AF16BFA44624}"/>
+              </a:ext>
+            </a:extLst>
+          </p:cNvPr>
+          <p:cNvSpPr txBox="1">
+            <a:spLocks noGrp="1"/>
+          </p:cNvSpPr>
+          <p:nvPr/>
+        </p:nvSpPr>
+        <p:spPr bwMode="auto">
+          <a:xfrm>
+            <a:off x="360363" y="6083300"/>
+            <a:ext cx="360362" cy="668338"/>
+          </a:xfrm>
+          <a:prstGeom prst="rect">
+            <a:avLst/>
+          </a:prstGeom>
+          <a:solidFill>
+            <a:srgbClr val="00A0AE"/>
+          </a:solidFill>
+          <a:ln>
+            <a:noFill/>
+          </a:ln>
+          <a:extLst>
+            <a:ext uri="{91240B29-F687-4F45-9708-019B960494DF}">
+              <a14:hiddenLine xmlns:a14="http://schemas.microsoft.com/office/drawing/2010/main" w="9525">
+                <a:solidFill>
+                  <a:srgbClr val="000000"/>
+                </a:solidFill>
+                <a:miter lim="800000"/>
+                <a:headEnd/>
+                <a:tailEnd/>
+              </a14:hiddenLine>
+            </a:ext>
+          </a:extLst>
+        </p:spPr>
+        <p:txBody>
+          <a:bodyPr wrap="none" lIns="0" tIns="108000" rIns="0" bIns="0" anchor="ctr"/>
+          <a:lstStyle>
+            <a:lvl1pPr eaLnBrk="0" hangingPunct="0">
+              <a:defRPr>
+                <a:solidFill>
+                  <a:schemeClr val="tx1"/>
+                </a:solidFill>
+                <a:latin typeface="Arial" panose="020B0604020202020204" pitchFamily="34" charset="0"/>
+              </a:defRPr>
+            </a:lvl1pPr>
+            <a:lvl2pPr marL="742950" indent="-285750" eaLnBrk="0" hangingPunct="0">
+              <a:defRPr>
+                <a:solidFill>
+                  <a:schemeClr val="tx1"/>
+                </a:solidFill>
+                <a:latin typeface="Arial" panose="020B0604020202020204" pitchFamily="34" charset="0"/>
+              </a:defRPr>
+            </a:lvl2pPr>
+            <a:lvl3pPr marL="1143000" indent="-228600" eaLnBrk="0" hangingPunct="0">
+              <a:defRPr>
+                <a:solidFill>
+                  <a:schemeClr val="tx1"/>
+                </a:solidFill>
+                <a:latin typeface="Arial" panose="020B0604020202020204" pitchFamily="34" charset="0"/>
+              </a:defRPr>
+            </a:lvl3pPr>
+            <a:lvl4pPr marL="1600200" indent="-228600" eaLnBrk="0" hangingPunct="0">
+              <a:defRPr>
+                <a:solidFill>
+                  <a:schemeClr val="tx1"/>
+                </a:solidFill>
+                <a:latin typeface="Arial" panose="020B0604020202020204" pitchFamily="34" charset="0"/>
+              </a:defRPr>
+            </a:lvl4pPr>
+            <a:lvl5pPr marL="2057400" indent="-228600" eaLnBrk="0" hangingPunct="0">
+              <a:defRPr>
+                <a:solidFill>
+                  <a:schemeClr val="tx1"/>
+                </a:solidFill>
+                <a:latin typeface="Arial" panose="020B0604020202020204" pitchFamily="34" charset="0"/>
+              </a:defRPr>
+            </a:lvl5pPr>
+            <a:lvl6pPr marL="2514600" indent="-228600" eaLnBrk="0" fontAlgn="base" hangingPunct="0">
+              <a:spcBef>
+                <a:spcPct val="0"/>
+              </a:spcBef>
+              <a:spcAft>
+                <a:spcPct val="0"/>
+              </a:spcAft>
+              <a:defRPr>
+                <a:solidFill>
+                  <a:schemeClr val="tx1"/>
+                </a:solidFill>
+                <a:latin typeface="Arial" panose="020B0604020202020204" pitchFamily="34" charset="0"/>
+              </a:defRPr>
+            </a:lvl6pPr>
+            <a:lvl7pPr marL="2971800" indent="-228600" eaLnBrk="0" fontAlgn="base" hangingPunct="0">
+              <a:spcBef>
+                <a:spcPct val="0"/>
+              </a:spcBef>
+              <a:spcAft>
+                <a:spcPct val="0"/>
+              </a:spcAft>
+              <a:defRPr>
+                <a:solidFill>
+                  <a:schemeClr val="tx1"/>
+                </a:solidFill>
+                <a:latin typeface="Arial" panose="020B0604020202020204" pitchFamily="34" charset="0"/>
+              </a:defRPr>
+            </a:lvl7pPr>
+            <a:lvl8pPr marL="3429000" indent="-228600" eaLnBrk="0" fontAlgn="base" hangingPunct="0">
+              <a:spcBef>
+                <a:spcPct val="0"/>
+              </a:spcBef>
+              <a:spcAft>
+                <a:spcPct val="0"/>
+              </a:spcAft>
+              <a:defRPr>
+                <a:solidFill>
+                  <a:schemeClr val="tx1"/>
+                </a:solidFill>
+                <a:latin typeface="Arial" panose="020B0604020202020204" pitchFamily="34" charset="0"/>
+              </a:defRPr>
+            </a:lvl8pPr>
+            <a:lvl9pPr marL="3886200" indent="-228600" eaLnBrk="0" fontAlgn="base" hangingPunct="0">
+              <a:spcBef>
+                <a:spcPct val="0"/>
+              </a:spcBef>
+              <a:spcAft>
+                <a:spcPct val="0"/>
+              </a:spcAft>
+              <a:defRPr>
+                <a:solidFill>
+                  <a:schemeClr val="tx1"/>
+                </a:solidFill>
+                <a:latin typeface="Arial" panose="020B0604020202020204" pitchFamily="34" charset="0"/>
+              </a:defRPr>
+            </a:lvl9pPr>
+          </a:lstStyle>
+          <a:p>
+            <a:pPr eaLnBrk="1" hangingPunct="1"/>
+            <a:fld id="{E7E9740F-FEEC-4722-AD1A-FA148BA257E6}" type="slidenum">
+              <a:rPr lang="nl-BE" altLang="en-US" sz="2000" smtClean="0">
+                <a:solidFill>
+                  <a:srgbClr val="FFFFFF"/>
+                </a:solidFill>
+                <a:latin typeface="Trebuchet MS" panose="020B0603020202020204" pitchFamily="34" charset="0"/>
+              </a:rPr>
+              <a:pPr eaLnBrk="1" hangingPunct="1"/>
+              <a:t>4</a:t>
+            </a:fld>
+            <a:endParaRPr lang="nl-BE" altLang="en-US" sz="2000">
+              <a:solidFill>
+                <a:srgbClr val="FFFFFF"/>
+              </a:solidFill>
+              <a:latin typeface="Trebuchet MS" panose="020B0603020202020204" pitchFamily="34" charset="0"/>
+            </a:endParaRPr>
+          </a:p>
+        </p:txBody>
+      </p:sp>
+    </p:spTree>
+    <p:extLst>
+      <p:ext uri="{BB962C8B-B14F-4D97-AF65-F5344CB8AC3E}">
+        <p14:creationId xmlns:p14="http://schemas.microsoft.com/office/powerpoint/2010/main" val="3060557031"/>
+      </p:ext>
+    </p:extLst>
+  </p:cSld>
+  <p:clrMapOvr>
+    <a:masterClrMapping/>
+  </p:clrMapOvr>
+</p:sld>
+</file>
+
+<file path=ppt/slides/slide40.xml><?xml version="1.0" encoding="utf-8"?>
+<p:sld xmlns:a="http://schemas.openxmlformats.org/drawingml/2006/main" xmlns:r="http://schemas.openxmlformats.org/officeDocument/2006/relationships" xmlns:p="http://schemas.openxmlformats.org/presentationml/2006/main">
+  <p:cSld>
+    <p:spTree>
+      <p:nvGrpSpPr>
+        <p:cNvPr id="1" name="">
+          <a:extLst>
+            <a:ext uri="{FF2B5EF4-FFF2-40B4-BE49-F238E27FC236}">
+              <a16:creationId xmlns:a16="http://schemas.microsoft.com/office/drawing/2014/main" id="{45832F27-9E41-9796-D270-18083850C587}"/>
+            </a:ext>
+          </a:extLst>
+        </p:cNvPr>
+        <p:cNvGrpSpPr/>
+        <p:nvPr/>
+      </p:nvGrpSpPr>
+      <p:grpSpPr>
+        <a:xfrm>
+          <a:off x="0" y="0"/>
+          <a:ext cx="0" cy="0"/>
+          <a:chOff x="0" y="0"/>
+          <a:chExt cx="0" cy="0"/>
+        </a:xfrm>
+      </p:grpSpPr>
+      <p:sp>
+        <p:nvSpPr>
+          <p:cNvPr id="41987" name="Titel 2">
+            <a:extLst>
+              <a:ext uri="{FF2B5EF4-FFF2-40B4-BE49-F238E27FC236}">
+                <a16:creationId xmlns:a16="http://schemas.microsoft.com/office/drawing/2014/main" id="{6FAB2338-B241-CC9D-DFD1-C75428C1BAFD}"/>
+              </a:ext>
+            </a:extLst>
+          </p:cNvPr>
+          <p:cNvSpPr>
+            <a:spLocks noGrp="1"/>
+          </p:cNvSpPr>
+          <p:nvPr>
+            <p:ph type="title"/>
+          </p:nvPr>
+        </p:nvSpPr>
+        <p:spPr>
+          <a:noFill/>
+          <a:extLst>
+            <a:ext uri="{91240B29-F687-4F45-9708-019B960494DF}">
+              <a14:hiddenLine xmlns:a14="http://schemas.microsoft.com/office/drawing/2010/main" w="0">
+                <a:solidFill>
+                  <a:srgbClr val="000000"/>
+                </a:solidFill>
+                <a:miter lim="800000"/>
+                <a:headEnd/>
+                <a:tailEnd/>
+              </a14:hiddenLine>
+            </a:ext>
+          </a:extLst>
+        </p:spPr>
+        <p:txBody>
+          <a:bodyPr/>
+          <a:lstStyle/>
+          <a:p>
+            <a:r>
+              <a:rPr lang="nl-BE" altLang="en-US" dirty="0"/>
+              <a:t>MQTT - </a:t>
+            </a:r>
+            <a:r>
+              <a:rPr lang="nl-BE" altLang="en-US" dirty="0" err="1"/>
+              <a:t>docker</a:t>
+            </a:r>
+            <a:endParaRPr lang="nl-BE" altLang="en-US" dirty="0"/>
+          </a:p>
+        </p:txBody>
+      </p:sp>
+      <p:sp>
+        <p:nvSpPr>
+          <p:cNvPr id="2" name="Footer Placeholder 1">
+            <a:extLst>
+              <a:ext uri="{FF2B5EF4-FFF2-40B4-BE49-F238E27FC236}">
+                <a16:creationId xmlns:a16="http://schemas.microsoft.com/office/drawing/2014/main" id="{0ECC9CDB-C59A-0871-2CD8-4CA86131136D}"/>
+              </a:ext>
+            </a:extLst>
+          </p:cNvPr>
+          <p:cNvSpPr>
+            <a:spLocks noGrp="1"/>
+          </p:cNvSpPr>
+          <p:nvPr>
+            <p:ph type="ftr" sz="quarter" idx="11"/>
+          </p:nvPr>
+        </p:nvSpPr>
+        <p:spPr/>
+        <p:txBody>
+          <a:bodyPr/>
+          <a:lstStyle/>
+          <a:p>
+            <a:r>
+              <a:rPr lang="nl-BE" dirty="0"/>
+              <a:t>Projecten van het werkveld – </a:t>
+            </a:r>
+            <a:r>
+              <a:rPr lang="nl-BE" dirty="0" err="1"/>
+              <a:t>IoT</a:t>
+            </a:r>
+            <a:r>
+              <a:rPr lang="nl-BE" dirty="0"/>
+              <a:t> Graduaat</a:t>
+            </a:r>
+          </a:p>
+        </p:txBody>
+      </p:sp>
+      <p:sp>
+        <p:nvSpPr>
+          <p:cNvPr id="3" name="Slide Number Placeholder 2">
+            <a:extLst>
+              <a:ext uri="{FF2B5EF4-FFF2-40B4-BE49-F238E27FC236}">
+                <a16:creationId xmlns:a16="http://schemas.microsoft.com/office/drawing/2014/main" id="{78D6DF69-7467-8561-6D9C-5F25982A8587}"/>
+              </a:ext>
+            </a:extLst>
+          </p:cNvPr>
+          <p:cNvSpPr>
+            <a:spLocks noGrp="1"/>
+          </p:cNvSpPr>
+          <p:nvPr>
+            <p:ph type="sldNum" sz="quarter" idx="12"/>
+          </p:nvPr>
+        </p:nvSpPr>
+        <p:spPr/>
+        <p:txBody>
+          <a:bodyPr/>
+          <a:lstStyle/>
+          <a:p>
+            <a:fld id="{3B80295F-48CD-49FC-897A-CCEC919B8070}" type="slidenum">
+              <a:rPr lang="nl-BE" smtClean="0"/>
+              <a:pPr/>
+              <a:t>40</a:t>
+            </a:fld>
+            <a:endParaRPr lang="nl-BE" dirty="0"/>
+          </a:p>
+        </p:txBody>
+      </p:sp>
+      <p:sp>
+        <p:nvSpPr>
+          <p:cNvPr id="41988" name="Tijdelijke aanduiding voor dianummer 3">
+            <a:extLst>
+              <a:ext uri="{FF2B5EF4-FFF2-40B4-BE49-F238E27FC236}">
+                <a16:creationId xmlns:a16="http://schemas.microsoft.com/office/drawing/2014/main" id="{F7713B8D-D810-FFD9-DB16-3ACC85B48D37}"/>
+              </a:ext>
+            </a:extLst>
+          </p:cNvPr>
+          <p:cNvSpPr txBox="1">
+            <a:spLocks noGrp="1"/>
+          </p:cNvSpPr>
+          <p:nvPr/>
+        </p:nvSpPr>
+        <p:spPr bwMode="auto">
+          <a:xfrm>
+            <a:off x="360363" y="6083300"/>
+            <a:ext cx="360362" cy="668338"/>
+          </a:xfrm>
+          <a:prstGeom prst="rect">
+            <a:avLst/>
+          </a:prstGeom>
+          <a:solidFill>
+            <a:srgbClr val="00A0AE"/>
+          </a:solidFill>
+          <a:ln>
+            <a:noFill/>
+          </a:ln>
+          <a:extLst>
+            <a:ext uri="{91240B29-F687-4F45-9708-019B960494DF}">
+              <a14:hiddenLine xmlns:a14="http://schemas.microsoft.com/office/drawing/2010/main" w="9525">
+                <a:solidFill>
+                  <a:srgbClr val="000000"/>
+                </a:solidFill>
+                <a:miter lim="800000"/>
+                <a:headEnd/>
+                <a:tailEnd/>
+              </a14:hiddenLine>
+            </a:ext>
+          </a:extLst>
+        </p:spPr>
+        <p:txBody>
+          <a:bodyPr wrap="none" lIns="0" tIns="108000" rIns="0" bIns="0" anchor="ctr"/>
+          <a:lstStyle>
+            <a:lvl1pPr eaLnBrk="0" hangingPunct="0">
+              <a:defRPr>
+                <a:solidFill>
+                  <a:schemeClr val="tx1"/>
+                </a:solidFill>
+                <a:latin typeface="Arial" panose="020B0604020202020204" pitchFamily="34" charset="0"/>
+              </a:defRPr>
+            </a:lvl1pPr>
+            <a:lvl2pPr marL="742950" indent="-285750" eaLnBrk="0" hangingPunct="0">
+              <a:defRPr>
+                <a:solidFill>
+                  <a:schemeClr val="tx1"/>
+                </a:solidFill>
+                <a:latin typeface="Arial" panose="020B0604020202020204" pitchFamily="34" charset="0"/>
+              </a:defRPr>
+            </a:lvl2pPr>
+            <a:lvl3pPr marL="1143000" indent="-228600" eaLnBrk="0" hangingPunct="0">
+              <a:defRPr>
+                <a:solidFill>
+                  <a:schemeClr val="tx1"/>
+                </a:solidFill>
+                <a:latin typeface="Arial" panose="020B0604020202020204" pitchFamily="34" charset="0"/>
+              </a:defRPr>
+            </a:lvl3pPr>
+            <a:lvl4pPr marL="1600200" indent="-228600" eaLnBrk="0" hangingPunct="0">
+              <a:defRPr>
+                <a:solidFill>
+                  <a:schemeClr val="tx1"/>
+                </a:solidFill>
+                <a:latin typeface="Arial" panose="020B0604020202020204" pitchFamily="34" charset="0"/>
+              </a:defRPr>
+            </a:lvl4pPr>
+            <a:lvl5pPr marL="2057400" indent="-228600" eaLnBrk="0" hangingPunct="0">
+              <a:defRPr>
+                <a:solidFill>
+                  <a:schemeClr val="tx1"/>
+                </a:solidFill>
+                <a:latin typeface="Arial" panose="020B0604020202020204" pitchFamily="34" charset="0"/>
+              </a:defRPr>
+            </a:lvl5pPr>
+            <a:lvl6pPr marL="2514600" indent="-228600" eaLnBrk="0" fontAlgn="base" hangingPunct="0">
+              <a:spcBef>
+                <a:spcPct val="0"/>
+              </a:spcBef>
+              <a:spcAft>
+                <a:spcPct val="0"/>
+              </a:spcAft>
+              <a:defRPr>
+                <a:solidFill>
+                  <a:schemeClr val="tx1"/>
+                </a:solidFill>
+                <a:latin typeface="Arial" panose="020B0604020202020204" pitchFamily="34" charset="0"/>
+              </a:defRPr>
+            </a:lvl6pPr>
+            <a:lvl7pPr marL="2971800" indent="-228600" eaLnBrk="0" fontAlgn="base" hangingPunct="0">
+              <a:spcBef>
+                <a:spcPct val="0"/>
+              </a:spcBef>
+              <a:spcAft>
+                <a:spcPct val="0"/>
+              </a:spcAft>
+              <a:defRPr>
+                <a:solidFill>
+                  <a:schemeClr val="tx1"/>
+                </a:solidFill>
+                <a:latin typeface="Arial" panose="020B0604020202020204" pitchFamily="34" charset="0"/>
+              </a:defRPr>
+            </a:lvl7pPr>
+            <a:lvl8pPr marL="3429000" indent="-228600" eaLnBrk="0" fontAlgn="base" hangingPunct="0">
+              <a:spcBef>
+                <a:spcPct val="0"/>
+              </a:spcBef>
+              <a:spcAft>
+                <a:spcPct val="0"/>
+              </a:spcAft>
+              <a:defRPr>
+                <a:solidFill>
+                  <a:schemeClr val="tx1"/>
+                </a:solidFill>
+                <a:latin typeface="Arial" panose="020B0604020202020204" pitchFamily="34" charset="0"/>
+              </a:defRPr>
+            </a:lvl8pPr>
+            <a:lvl9pPr marL="3886200" indent="-228600" eaLnBrk="0" fontAlgn="base" hangingPunct="0">
+              <a:spcBef>
+                <a:spcPct val="0"/>
+              </a:spcBef>
+              <a:spcAft>
+                <a:spcPct val="0"/>
+              </a:spcAft>
+              <a:defRPr>
+                <a:solidFill>
+                  <a:schemeClr val="tx1"/>
+                </a:solidFill>
+                <a:latin typeface="Arial" panose="020B0604020202020204" pitchFamily="34" charset="0"/>
+              </a:defRPr>
+            </a:lvl9pPr>
+          </a:lstStyle>
+          <a:p>
+            <a:pPr eaLnBrk="1" hangingPunct="1"/>
+            <a:fld id="{E7E9740F-FEEC-4722-AD1A-FA148BA257E6}" type="slidenum">
+              <a:rPr lang="nl-BE" altLang="en-US" sz="2000" smtClean="0">
+                <a:solidFill>
+                  <a:srgbClr val="FFFFFF"/>
+                </a:solidFill>
+                <a:latin typeface="Trebuchet MS" panose="020B0603020202020204" pitchFamily="34" charset="0"/>
+              </a:rPr>
+              <a:pPr eaLnBrk="1" hangingPunct="1"/>
+              <a:t>40</a:t>
             </a:fld>
             <a:endParaRPr lang="nl-BE" altLang="en-US" sz="2000">
               <a:solidFill>
@@ -17990,7 +19381,7 @@
 </p:sld>
 </file>
 
-<file path=ppt/slides/slide39.xml><?xml version="1.0" encoding="utf-8"?>
+<file path=ppt/slides/slide41.xml><?xml version="1.0" encoding="utf-8"?>
 <p:sld xmlns:a="http://schemas.openxmlformats.org/drawingml/2006/main" xmlns:r="http://schemas.openxmlformats.org/officeDocument/2006/relationships" xmlns:p="http://schemas.openxmlformats.org/presentationml/2006/main">
   <p:cSld>
     <p:spTree>
@@ -18116,7 +19507,7 @@
             <a:fld id="{3B80295F-48CD-49FC-897A-CCEC919B8070}" type="slidenum">
               <a:rPr lang="nl-BE" smtClean="0"/>
               <a:pPr/>
-              <a:t>39</a:t>
+              <a:t>41</a:t>
             </a:fld>
             <a:endParaRPr lang="nl-BE" dirty="0"/>
           </a:p>
@@ -18273,7 +19664,7 @@
                 <a:latin typeface="Trebuchet MS" panose="020B0603020202020204" pitchFamily="34" charset="0"/>
               </a:rPr>
               <a:pPr eaLnBrk="1" hangingPunct="1"/>
-              <a:t>39</a:t>
+              <a:t>41</a:t>
             </a:fld>
             <a:endParaRPr lang="nl-BE" altLang="en-US" sz="2000">
               <a:solidFill>
@@ -18423,466 +19814,7 @@
 </p:sld>
 </file>
 
-<file path=ppt/slides/slide4.xml><?xml version="1.0" encoding="utf-8"?>
-<p:sld xmlns:a="http://schemas.openxmlformats.org/drawingml/2006/main" xmlns:r="http://schemas.openxmlformats.org/officeDocument/2006/relationships" xmlns:p="http://schemas.openxmlformats.org/presentationml/2006/main">
-  <p:cSld>
-    <p:spTree>
-      <p:nvGrpSpPr>
-        <p:cNvPr id="1" name="">
-          <a:extLst>
-            <a:ext uri="{FF2B5EF4-FFF2-40B4-BE49-F238E27FC236}">
-              <a16:creationId xmlns:a16="http://schemas.microsoft.com/office/drawing/2014/main" id="{6949836A-956E-D3F6-1A7E-2474B64CAC0C}"/>
-            </a:ext>
-          </a:extLst>
-        </p:cNvPr>
-        <p:cNvGrpSpPr/>
-        <p:nvPr/>
-      </p:nvGrpSpPr>
-      <p:grpSpPr>
-        <a:xfrm>
-          <a:off x="0" y="0"/>
-          <a:ext cx="0" cy="0"/>
-          <a:chOff x="0" y="0"/>
-          <a:chExt cx="0" cy="0"/>
-        </a:xfrm>
-      </p:grpSpPr>
-      <p:sp>
-        <p:nvSpPr>
-          <p:cNvPr id="41987" name="Titel 2">
-            <a:extLst>
-              <a:ext uri="{FF2B5EF4-FFF2-40B4-BE49-F238E27FC236}">
-                <a16:creationId xmlns:a16="http://schemas.microsoft.com/office/drawing/2014/main" id="{C7130699-F41B-CCA7-0887-66FC12AF6EDB}"/>
-              </a:ext>
-            </a:extLst>
-          </p:cNvPr>
-          <p:cNvSpPr>
-            <a:spLocks noGrp="1"/>
-          </p:cNvSpPr>
-          <p:nvPr>
-            <p:ph type="title"/>
-          </p:nvPr>
-        </p:nvSpPr>
-        <p:spPr>
-          <a:noFill/>
-          <a:extLst>
-            <a:ext uri="{91240B29-F687-4F45-9708-019B960494DF}">
-              <a14:hiddenLine xmlns:a14="http://schemas.microsoft.com/office/drawing/2010/main" w="0">
-                <a:solidFill>
-                  <a:srgbClr val="000000"/>
-                </a:solidFill>
-                <a:miter lim="800000"/>
-                <a:headEnd/>
-                <a:tailEnd/>
-              </a14:hiddenLine>
-            </a:ext>
-          </a:extLst>
-        </p:spPr>
-        <p:txBody>
-          <a:bodyPr/>
-          <a:lstStyle/>
-          <a:p>
-            <a:r>
-              <a:rPr lang="nl-BE" altLang="en-US" dirty="0" err="1"/>
-              <a:t>Requirements</a:t>
-            </a:r>
-            <a:endParaRPr lang="nl-BE" altLang="en-US" dirty="0"/>
-          </a:p>
-        </p:txBody>
-      </p:sp>
-      <p:sp>
-        <p:nvSpPr>
-          <p:cNvPr id="41986" name="Tijdelijke aanduiding voor inhoud 1">
-            <a:extLst>
-              <a:ext uri="{FF2B5EF4-FFF2-40B4-BE49-F238E27FC236}">
-                <a16:creationId xmlns:a16="http://schemas.microsoft.com/office/drawing/2014/main" id="{AB11DD67-6B50-93A7-64E8-0459A5842E63}"/>
-              </a:ext>
-            </a:extLst>
-          </p:cNvPr>
-          <p:cNvSpPr>
-            <a:spLocks noGrp="1"/>
-          </p:cNvSpPr>
-          <p:nvPr>
-            <p:ph idx="1"/>
-          </p:nvPr>
-        </p:nvSpPr>
-        <p:spPr>
-          <a:xfrm>
-            <a:off x="0" y="1152000"/>
-            <a:ext cx="9144000" cy="4777330"/>
-          </a:xfrm>
-          <a:noFill/>
-          <a:ln>
-            <a:noFill/>
-          </a:ln>
-        </p:spPr>
-        <p:txBody>
-          <a:bodyPr bIns="144000">
-            <a:normAutofit/>
-          </a:bodyPr>
-          <a:lstStyle/>
-          <a:p>
-            <a:r>
-              <a:rPr lang="nl-NL" sz="1800" dirty="0"/>
-              <a:t>Hoe de temperatuur of vochtigheid geregeld moet worden is abstract.</a:t>
-            </a:r>
-          </a:p>
-          <a:p>
-            <a:pPr lvl="1"/>
-            <a:r>
-              <a:rPr lang="nl-NL" sz="1500" dirty="0"/>
-              <a:t>Via een </a:t>
-            </a:r>
-            <a:r>
-              <a:rPr lang="nl-NL" sz="1500" dirty="0" err="1"/>
-              <a:t>relay</a:t>
-            </a:r>
-            <a:r>
-              <a:rPr lang="nl-NL" sz="1500" dirty="0"/>
-              <a:t> kan een </a:t>
-            </a:r>
-            <a:r>
-              <a:rPr lang="nl-NL" sz="1500" dirty="0" err="1"/>
-              <a:t>verwarmingelement</a:t>
-            </a:r>
-            <a:r>
-              <a:rPr lang="nl-NL" sz="1500" dirty="0"/>
-              <a:t> of stomer gestart of gestopt worden</a:t>
-            </a:r>
-          </a:p>
-          <a:p>
-            <a:pPr lvl="1"/>
-            <a:r>
-              <a:rPr lang="nl-NL" sz="1500" dirty="0"/>
-              <a:t>Werkt als een schakelaar, gesloten =&gt; wordt het toestel gevoed</a:t>
-            </a:r>
-          </a:p>
-          <a:p>
-            <a:pPr lvl="1"/>
-            <a:r>
-              <a:rPr lang="nl-NL" sz="1500" dirty="0"/>
-              <a:t>Dit hebben we abstract gehouden omdat we nu niet weten welk abstract toestel we gaan aansluiten alsook in de toekomst willen we misschien verschillende zaken sturen</a:t>
-            </a:r>
-          </a:p>
-          <a:p>
-            <a:pPr lvl="2"/>
-            <a:r>
-              <a:rPr lang="nl-NL" sz="1200" dirty="0"/>
-              <a:t>Verwarmingselement</a:t>
-            </a:r>
-          </a:p>
-          <a:p>
-            <a:pPr lvl="2"/>
-            <a:r>
-              <a:rPr lang="nl-NL" sz="1200" dirty="0"/>
-              <a:t>Stomer</a:t>
-            </a:r>
-          </a:p>
-          <a:p>
-            <a:pPr lvl="2"/>
-            <a:r>
-              <a:rPr lang="nl-NL" sz="1200" dirty="0"/>
-              <a:t>Verlichting (warmtelamp…)</a:t>
-            </a:r>
-          </a:p>
-          <a:p>
-            <a:pPr lvl="2"/>
-            <a:r>
-              <a:rPr lang="nl-NL" sz="1200" dirty="0"/>
-              <a:t>…</a:t>
-            </a:r>
-          </a:p>
-          <a:p>
-            <a:pPr lvl="2"/>
-            <a:endParaRPr lang="nl-NL" sz="1200" dirty="0"/>
-          </a:p>
-          <a:p>
-            <a:pPr lvl="1"/>
-            <a:endParaRPr lang="nl-NL" sz="1500" dirty="0"/>
-          </a:p>
-          <a:p>
-            <a:pPr lvl="1"/>
-            <a:endParaRPr lang="nl-NL" sz="1500" dirty="0"/>
-          </a:p>
-          <a:p>
-            <a:pPr marL="0" indent="0">
-              <a:buNone/>
-            </a:pPr>
-            <a:endParaRPr lang="nl-NL" sz="1800" dirty="0"/>
-          </a:p>
-          <a:p>
-            <a:pPr marL="0" indent="0">
-              <a:buNone/>
-            </a:pPr>
-            <a:endParaRPr lang="nl-NL" sz="1800" dirty="0"/>
-          </a:p>
-          <a:p>
-            <a:pPr marL="0" indent="0">
-              <a:buNone/>
-            </a:pPr>
-            <a:endParaRPr lang="nl-NL" sz="1800" dirty="0"/>
-          </a:p>
-          <a:p>
-            <a:pPr marL="0" indent="0">
-              <a:buNone/>
-            </a:pPr>
-            <a:endParaRPr lang="nl-NL" sz="1800" dirty="0"/>
-          </a:p>
-          <a:p>
-            <a:pPr marL="0" indent="0" algn="just">
-              <a:buNone/>
-            </a:pPr>
-            <a:endParaRPr lang="nl-BE" altLang="en-US" sz="1800" dirty="0">
-              <a:solidFill>
-                <a:schemeClr val="accent6">
-                  <a:lumMod val="10000"/>
-                </a:schemeClr>
-              </a:solidFill>
-            </a:endParaRPr>
-          </a:p>
-        </p:txBody>
-      </p:sp>
-      <p:sp>
-        <p:nvSpPr>
-          <p:cNvPr id="2" name="Footer Placeholder 1">
-            <a:extLst>
-              <a:ext uri="{FF2B5EF4-FFF2-40B4-BE49-F238E27FC236}">
-                <a16:creationId xmlns:a16="http://schemas.microsoft.com/office/drawing/2014/main" id="{7FBCBBA9-262F-856F-10DD-5D5E687D4B84}"/>
-              </a:ext>
-            </a:extLst>
-          </p:cNvPr>
-          <p:cNvSpPr>
-            <a:spLocks noGrp="1"/>
-          </p:cNvSpPr>
-          <p:nvPr>
-            <p:ph type="ftr" sz="quarter" idx="11"/>
-          </p:nvPr>
-        </p:nvSpPr>
-        <p:spPr/>
-        <p:txBody>
-          <a:bodyPr/>
-          <a:lstStyle/>
-          <a:p>
-            <a:r>
-              <a:rPr lang="nl-BE" dirty="0"/>
-              <a:t>Projecten van het werkveld – </a:t>
-            </a:r>
-            <a:r>
-              <a:rPr lang="nl-BE" dirty="0" err="1"/>
-              <a:t>IoT</a:t>
-            </a:r>
-            <a:r>
-              <a:rPr lang="nl-BE" dirty="0"/>
-              <a:t> Graduaat</a:t>
-            </a:r>
-          </a:p>
-        </p:txBody>
-      </p:sp>
-      <p:sp>
-        <p:nvSpPr>
-          <p:cNvPr id="3" name="Slide Number Placeholder 2">
-            <a:extLst>
-              <a:ext uri="{FF2B5EF4-FFF2-40B4-BE49-F238E27FC236}">
-                <a16:creationId xmlns:a16="http://schemas.microsoft.com/office/drawing/2014/main" id="{1FC415E2-6498-9229-6198-AF79350E7AEA}"/>
-              </a:ext>
-            </a:extLst>
-          </p:cNvPr>
-          <p:cNvSpPr>
-            <a:spLocks noGrp="1"/>
-          </p:cNvSpPr>
-          <p:nvPr>
-            <p:ph type="sldNum" sz="quarter" idx="12"/>
-          </p:nvPr>
-        </p:nvSpPr>
-        <p:spPr/>
-        <p:txBody>
-          <a:bodyPr/>
-          <a:lstStyle/>
-          <a:p>
-            <a:fld id="{3B80295F-48CD-49FC-897A-CCEC919B8070}" type="slidenum">
-              <a:rPr lang="nl-BE" smtClean="0"/>
-              <a:pPr/>
-              <a:t>4</a:t>
-            </a:fld>
-            <a:endParaRPr lang="nl-BE" dirty="0"/>
-          </a:p>
-        </p:txBody>
-      </p:sp>
-      <p:sp>
-        <p:nvSpPr>
-          <p:cNvPr id="41988" name="Tijdelijke aanduiding voor dianummer 3">
-            <a:extLst>
-              <a:ext uri="{FF2B5EF4-FFF2-40B4-BE49-F238E27FC236}">
-                <a16:creationId xmlns:a16="http://schemas.microsoft.com/office/drawing/2014/main" id="{A9E9005B-2EB7-DB87-C737-AF16BFA44624}"/>
-              </a:ext>
-            </a:extLst>
-          </p:cNvPr>
-          <p:cNvSpPr txBox="1">
-            <a:spLocks noGrp="1"/>
-          </p:cNvSpPr>
-          <p:nvPr/>
-        </p:nvSpPr>
-        <p:spPr bwMode="auto">
-          <a:xfrm>
-            <a:off x="360363" y="6083300"/>
-            <a:ext cx="360362" cy="668338"/>
-          </a:xfrm>
-          <a:prstGeom prst="rect">
-            <a:avLst/>
-          </a:prstGeom>
-          <a:solidFill>
-            <a:srgbClr val="00A0AE"/>
-          </a:solidFill>
-          <a:ln>
-            <a:noFill/>
-          </a:ln>
-          <a:extLst>
-            <a:ext uri="{91240B29-F687-4F45-9708-019B960494DF}">
-              <a14:hiddenLine xmlns:a14="http://schemas.microsoft.com/office/drawing/2010/main" w="9525">
-                <a:solidFill>
-                  <a:srgbClr val="000000"/>
-                </a:solidFill>
-                <a:miter lim="800000"/>
-                <a:headEnd/>
-                <a:tailEnd/>
-              </a14:hiddenLine>
-            </a:ext>
-          </a:extLst>
-        </p:spPr>
-        <p:txBody>
-          <a:bodyPr wrap="none" lIns="0" tIns="108000" rIns="0" bIns="0" anchor="ctr"/>
-          <a:lstStyle>
-            <a:lvl1pPr eaLnBrk="0" hangingPunct="0">
-              <a:defRPr>
-                <a:solidFill>
-                  <a:schemeClr val="tx1"/>
-                </a:solidFill>
-                <a:latin typeface="Arial" panose="020B0604020202020204" pitchFamily="34" charset="0"/>
-              </a:defRPr>
-            </a:lvl1pPr>
-            <a:lvl2pPr marL="742950" indent="-285750" eaLnBrk="0" hangingPunct="0">
-              <a:defRPr>
-                <a:solidFill>
-                  <a:schemeClr val="tx1"/>
-                </a:solidFill>
-                <a:latin typeface="Arial" panose="020B0604020202020204" pitchFamily="34" charset="0"/>
-              </a:defRPr>
-            </a:lvl2pPr>
-            <a:lvl3pPr marL="1143000" indent="-228600" eaLnBrk="0" hangingPunct="0">
-              <a:defRPr>
-                <a:solidFill>
-                  <a:schemeClr val="tx1"/>
-                </a:solidFill>
-                <a:latin typeface="Arial" panose="020B0604020202020204" pitchFamily="34" charset="0"/>
-              </a:defRPr>
-            </a:lvl3pPr>
-            <a:lvl4pPr marL="1600200" indent="-228600" eaLnBrk="0" hangingPunct="0">
-              <a:defRPr>
-                <a:solidFill>
-                  <a:schemeClr val="tx1"/>
-                </a:solidFill>
-                <a:latin typeface="Arial" panose="020B0604020202020204" pitchFamily="34" charset="0"/>
-              </a:defRPr>
-            </a:lvl4pPr>
-            <a:lvl5pPr marL="2057400" indent="-228600" eaLnBrk="0" hangingPunct="0">
-              <a:defRPr>
-                <a:solidFill>
-                  <a:schemeClr val="tx1"/>
-                </a:solidFill>
-                <a:latin typeface="Arial" panose="020B0604020202020204" pitchFamily="34" charset="0"/>
-              </a:defRPr>
-            </a:lvl5pPr>
-            <a:lvl6pPr marL="2514600" indent="-228600" eaLnBrk="0" fontAlgn="base" hangingPunct="0">
-              <a:spcBef>
-                <a:spcPct val="0"/>
-              </a:spcBef>
-              <a:spcAft>
-                <a:spcPct val="0"/>
-              </a:spcAft>
-              <a:defRPr>
-                <a:solidFill>
-                  <a:schemeClr val="tx1"/>
-                </a:solidFill>
-                <a:latin typeface="Arial" panose="020B0604020202020204" pitchFamily="34" charset="0"/>
-              </a:defRPr>
-            </a:lvl6pPr>
-            <a:lvl7pPr marL="2971800" indent="-228600" eaLnBrk="0" fontAlgn="base" hangingPunct="0">
-              <a:spcBef>
-                <a:spcPct val="0"/>
-              </a:spcBef>
-              <a:spcAft>
-                <a:spcPct val="0"/>
-              </a:spcAft>
-              <a:defRPr>
-                <a:solidFill>
-                  <a:schemeClr val="tx1"/>
-                </a:solidFill>
-                <a:latin typeface="Arial" panose="020B0604020202020204" pitchFamily="34" charset="0"/>
-              </a:defRPr>
-            </a:lvl7pPr>
-            <a:lvl8pPr marL="3429000" indent="-228600" eaLnBrk="0" fontAlgn="base" hangingPunct="0">
-              <a:spcBef>
-                <a:spcPct val="0"/>
-              </a:spcBef>
-              <a:spcAft>
-                <a:spcPct val="0"/>
-              </a:spcAft>
-              <a:defRPr>
-                <a:solidFill>
-                  <a:schemeClr val="tx1"/>
-                </a:solidFill>
-                <a:latin typeface="Arial" panose="020B0604020202020204" pitchFamily="34" charset="0"/>
-              </a:defRPr>
-            </a:lvl8pPr>
-            <a:lvl9pPr marL="3886200" indent="-228600" eaLnBrk="0" fontAlgn="base" hangingPunct="0">
-              <a:spcBef>
-                <a:spcPct val="0"/>
-              </a:spcBef>
-              <a:spcAft>
-                <a:spcPct val="0"/>
-              </a:spcAft>
-              <a:defRPr>
-                <a:solidFill>
-                  <a:schemeClr val="tx1"/>
-                </a:solidFill>
-                <a:latin typeface="Arial" panose="020B0604020202020204" pitchFamily="34" charset="0"/>
-              </a:defRPr>
-            </a:lvl9pPr>
-          </a:lstStyle>
-          <a:p>
-            <a:pPr eaLnBrk="1" hangingPunct="1"/>
-            <a:fld id="{E7E9740F-FEEC-4722-AD1A-FA148BA257E6}" type="slidenum">
-              <a:rPr lang="nl-BE" altLang="en-US" sz="2000" smtClean="0">
-                <a:solidFill>
-                  <a:srgbClr val="FFFFFF"/>
-                </a:solidFill>
-                <a:latin typeface="Trebuchet MS" panose="020B0603020202020204" pitchFamily="34" charset="0"/>
-              </a:rPr>
-              <a:pPr eaLnBrk="1" hangingPunct="1"/>
-              <a:t>4</a:t>
-            </a:fld>
-            <a:endParaRPr lang="nl-BE" altLang="en-US" sz="2000">
-              <a:solidFill>
-                <a:srgbClr val="FFFFFF"/>
-              </a:solidFill>
-              <a:latin typeface="Trebuchet MS" panose="020B0603020202020204" pitchFamily="34" charset="0"/>
-            </a:endParaRPr>
-          </a:p>
-        </p:txBody>
-      </p:sp>
-    </p:spTree>
-    <p:extLst>
-      <p:ext uri="{BB962C8B-B14F-4D97-AF65-F5344CB8AC3E}">
-        <p14:creationId xmlns:p14="http://schemas.microsoft.com/office/powerpoint/2010/main" val="3060557031"/>
-      </p:ext>
-    </p:extLst>
-  </p:cSld>
-  <p:clrMapOvr>
-    <a:masterClrMapping/>
-  </p:clrMapOvr>
-</p:sld>
-</file>
-
-<file path=ppt/slides/slide40.xml><?xml version="1.0" encoding="utf-8"?>
+<file path=ppt/slides/slide42.xml><?xml version="1.0" encoding="utf-8"?>
 <p:sld xmlns:a="http://schemas.openxmlformats.org/drawingml/2006/main" xmlns:r="http://schemas.openxmlformats.org/officeDocument/2006/relationships" xmlns:p="http://schemas.openxmlformats.org/presentationml/2006/main">
   <p:cSld>
     <p:spTree>
@@ -19011,7 +19943,7 @@
             <a:fld id="{3B80295F-48CD-49FC-897A-CCEC919B8070}" type="slidenum">
               <a:rPr lang="nl-BE" smtClean="0"/>
               <a:pPr/>
-              <a:t>40</a:t>
+              <a:t>42</a:t>
             </a:fld>
             <a:endParaRPr lang="nl-BE" dirty="0"/>
           </a:p>
@@ -19168,7 +20100,7 @@
                 <a:latin typeface="Trebuchet MS" panose="020B0603020202020204" pitchFamily="34" charset="0"/>
               </a:rPr>
               <a:pPr eaLnBrk="1" hangingPunct="1"/>
-              <a:t>40</a:t>
+              <a:t>42</a:t>
             </a:fld>
             <a:endParaRPr lang="nl-BE" altLang="en-US" sz="2000">
               <a:solidFill>
@@ -19287,7 +20219,7 @@
 </p:sld>
 </file>
 
-<file path=ppt/slides/slide41.xml><?xml version="1.0" encoding="utf-8"?>
+<file path=ppt/slides/slide43.xml><?xml version="1.0" encoding="utf-8"?>
 <p:sld xmlns:a="http://schemas.openxmlformats.org/drawingml/2006/main" xmlns:r="http://schemas.openxmlformats.org/officeDocument/2006/relationships" xmlns:p="http://schemas.openxmlformats.org/presentationml/2006/main">
   <p:cSld>
     <p:spTree>
@@ -19416,7 +20348,7 @@
             <a:fld id="{3B80295F-48CD-49FC-897A-CCEC919B8070}" type="slidenum">
               <a:rPr lang="nl-BE" smtClean="0"/>
               <a:pPr/>
-              <a:t>41</a:t>
+              <a:t>43</a:t>
             </a:fld>
             <a:endParaRPr lang="nl-BE" dirty="0"/>
           </a:p>
@@ -19573,7 +20505,7 @@
                 <a:latin typeface="Trebuchet MS" panose="020B0603020202020204" pitchFamily="34" charset="0"/>
               </a:rPr>
               <a:pPr eaLnBrk="1" hangingPunct="1"/>
-              <a:t>41</a:t>
+              <a:t>43</a:t>
             </a:fld>
             <a:endParaRPr lang="nl-BE" altLang="en-US" sz="2000">
               <a:solidFill>
@@ -19712,7 +20644,7 @@
 </p:sld>
 </file>
 
-<file path=ppt/slides/slide42.xml><?xml version="1.0" encoding="utf-8"?>
+<file path=ppt/slides/slide44.xml><?xml version="1.0" encoding="utf-8"?>
 <p:sld xmlns:a="http://schemas.openxmlformats.org/drawingml/2006/main" xmlns:r="http://schemas.openxmlformats.org/officeDocument/2006/relationships" xmlns:p="http://schemas.openxmlformats.org/presentationml/2006/main">
   <p:cSld>
     <p:spTree>
@@ -19841,7 +20773,7 @@
             <a:fld id="{3B80295F-48CD-49FC-897A-CCEC919B8070}" type="slidenum">
               <a:rPr lang="nl-BE" smtClean="0"/>
               <a:pPr/>
-              <a:t>42</a:t>
+              <a:t>44</a:t>
             </a:fld>
             <a:endParaRPr lang="nl-BE" dirty="0"/>
           </a:p>
@@ -19998,7 +20930,7 @@
                 <a:latin typeface="Trebuchet MS" panose="020B0603020202020204" pitchFamily="34" charset="0"/>
               </a:rPr>
               <a:pPr eaLnBrk="1" hangingPunct="1"/>
-              <a:t>42</a:t>
+              <a:t>44</a:t>
             </a:fld>
             <a:endParaRPr lang="nl-BE" altLang="en-US" sz="2000">
               <a:solidFill>
@@ -20132,7 +21064,7 @@
 </p:sld>
 </file>
 
-<file path=ppt/slides/slide43.xml><?xml version="1.0" encoding="utf-8"?>
+<file path=ppt/slides/slide45.xml><?xml version="1.0" encoding="utf-8"?>
 <p:sld xmlns:a="http://schemas.openxmlformats.org/drawingml/2006/main" xmlns:r="http://schemas.openxmlformats.org/officeDocument/2006/relationships" xmlns:p="http://schemas.openxmlformats.org/presentationml/2006/main">
   <p:cSld>
     <p:spTree>
@@ -20261,7 +21193,7 @@
             <a:fld id="{3B80295F-48CD-49FC-897A-CCEC919B8070}" type="slidenum">
               <a:rPr lang="nl-BE" smtClean="0"/>
               <a:pPr/>
-              <a:t>43</a:t>
+              <a:t>45</a:t>
             </a:fld>
             <a:endParaRPr lang="nl-BE" dirty="0"/>
           </a:p>
@@ -20418,7 +21350,7 @@
                 <a:latin typeface="Trebuchet MS" panose="020B0603020202020204" pitchFamily="34" charset="0"/>
               </a:rPr>
               <a:pPr eaLnBrk="1" hangingPunct="1"/>
-              <a:t>43</a:t>
+              <a:t>45</a:t>
             </a:fld>
             <a:endParaRPr lang="nl-BE" altLang="en-US" sz="2000">
               <a:solidFill>
@@ -20522,7 +21454,7 @@
 </p:sld>
 </file>
 
-<file path=ppt/slides/slide44.xml><?xml version="1.0" encoding="utf-8"?>
+<file path=ppt/slides/slide46.xml><?xml version="1.0" encoding="utf-8"?>
 <p:sld xmlns:a="http://schemas.openxmlformats.org/drawingml/2006/main" xmlns:r="http://schemas.openxmlformats.org/officeDocument/2006/relationships" xmlns:p="http://schemas.openxmlformats.org/presentationml/2006/main">
   <p:cSld>
     <p:spTree>
@@ -20651,7 +21583,7 @@
             <a:fld id="{3B80295F-48CD-49FC-897A-CCEC919B8070}" type="slidenum">
               <a:rPr lang="nl-BE" smtClean="0"/>
               <a:pPr/>
-              <a:t>44</a:t>
+              <a:t>46</a:t>
             </a:fld>
             <a:endParaRPr lang="nl-BE" dirty="0"/>
           </a:p>
@@ -20808,7 +21740,7 @@
                 <a:latin typeface="Trebuchet MS" panose="020B0603020202020204" pitchFamily="34" charset="0"/>
               </a:rPr>
               <a:pPr eaLnBrk="1" hangingPunct="1"/>
-              <a:t>44</a:t>
+              <a:t>46</a:t>
             </a:fld>
             <a:endParaRPr lang="nl-BE" altLang="en-US" sz="2000">
               <a:solidFill>
@@ -20912,7 +21844,7 @@
 </p:sld>
 </file>
 
-<file path=ppt/slides/slide45.xml><?xml version="1.0" encoding="utf-8"?>
+<file path=ppt/slides/slide47.xml><?xml version="1.0" encoding="utf-8"?>
 <p:sld xmlns:a="http://schemas.openxmlformats.org/drawingml/2006/main" xmlns:r="http://schemas.openxmlformats.org/officeDocument/2006/relationships" xmlns:p="http://schemas.openxmlformats.org/presentationml/2006/main">
   <p:cSld>
     <p:spTree>
@@ -21190,7 +22122,7 @@
             <a:fld id="{3B80295F-48CD-49FC-897A-CCEC919B8070}" type="slidenum">
               <a:rPr lang="nl-BE" smtClean="0"/>
               <a:pPr/>
-              <a:t>45</a:t>
+              <a:t>47</a:t>
             </a:fld>
             <a:endParaRPr lang="nl-BE" dirty="0"/>
           </a:p>
@@ -21383,7 +22315,7 @@
                 <a:latin typeface="Trebuchet MS" panose="020B0603020202020204" pitchFamily="34" charset="0"/>
               </a:rPr>
               <a:pPr eaLnBrk="1" hangingPunct="1"/>
-              <a:t>45</a:t>
+              <a:t>47</a:t>
             </a:fld>
             <a:endParaRPr lang="nl-BE" altLang="en-US" sz="2000">
               <a:solidFill>
@@ -21437,7 +22369,7 @@
 </p:sld>
 </file>
 
-<file path=ppt/slides/slide46.xml><?xml version="1.0" encoding="utf-8"?>
+<file path=ppt/slides/slide48.xml><?xml version="1.0" encoding="utf-8"?>
 <p:sld xmlns:a="http://schemas.openxmlformats.org/drawingml/2006/main" xmlns:r="http://schemas.openxmlformats.org/officeDocument/2006/relationships" xmlns:p="http://schemas.openxmlformats.org/presentationml/2006/main">
   <p:cSld>
     <p:spTree>
@@ -21566,7 +22498,7 @@
             <a:fld id="{3B80295F-48CD-49FC-897A-CCEC919B8070}" type="slidenum">
               <a:rPr lang="nl-BE" smtClean="0"/>
               <a:pPr/>
-              <a:t>46</a:t>
+              <a:t>48</a:t>
             </a:fld>
             <a:endParaRPr lang="nl-BE" dirty="0"/>
           </a:p>
@@ -21723,7 +22655,7 @@
                 <a:latin typeface="Trebuchet MS" panose="020B0603020202020204" pitchFamily="34" charset="0"/>
               </a:rPr>
               <a:pPr eaLnBrk="1" hangingPunct="1"/>
-              <a:t>46</a:t>
+              <a:t>48</a:t>
             </a:fld>
             <a:endParaRPr lang="nl-BE" altLang="en-US" sz="2000">
               <a:solidFill>
@@ -21970,7 +22902,7 @@
 </p:sld>
 </file>
 
-<file path=ppt/slides/slide47.xml><?xml version="1.0" encoding="utf-8"?>
+<file path=ppt/slides/slide49.xml><?xml version="1.0" encoding="utf-8"?>
 <p:sld xmlns:a="http://schemas.openxmlformats.org/drawingml/2006/main" xmlns:r="http://schemas.openxmlformats.org/officeDocument/2006/relationships" xmlns:p="http://schemas.openxmlformats.org/presentationml/2006/main">
   <p:cSld>
     <p:spTree>
@@ -22099,7 +23031,7 @@
             <a:fld id="{3B80295F-48CD-49FC-897A-CCEC919B8070}" type="slidenum">
               <a:rPr lang="nl-BE" smtClean="0"/>
               <a:pPr/>
-              <a:t>47</a:t>
+              <a:t>49</a:t>
             </a:fld>
             <a:endParaRPr lang="nl-BE" dirty="0"/>
           </a:p>
@@ -22256,7 +23188,7 @@
                 <a:latin typeface="Trebuchet MS" panose="020B0603020202020204" pitchFamily="34" charset="0"/>
               </a:rPr>
               <a:pPr eaLnBrk="1" hangingPunct="1"/>
-              <a:t>47</a:t>
+              <a:t>49</a:t>
             </a:fld>
             <a:endParaRPr lang="nl-BE" altLang="en-US" sz="2000">
               <a:solidFill>
@@ -22384,7 +23316,500 @@
 </p:sld>
 </file>
 
-<file path=ppt/slides/slide48.xml><?xml version="1.0" encoding="utf-8"?>
+<file path=ppt/slides/slide5.xml><?xml version="1.0" encoding="utf-8"?>
+<p:sld xmlns:a="http://schemas.openxmlformats.org/drawingml/2006/main" xmlns:r="http://schemas.openxmlformats.org/officeDocument/2006/relationships" xmlns:p="http://schemas.openxmlformats.org/presentationml/2006/main">
+  <p:cSld>
+    <p:spTree>
+      <p:nvGrpSpPr>
+        <p:cNvPr id="1" name="">
+          <a:extLst>
+            <a:ext uri="{FF2B5EF4-FFF2-40B4-BE49-F238E27FC236}">
+              <a16:creationId xmlns:a16="http://schemas.microsoft.com/office/drawing/2014/main" id="{75702556-861B-4827-8CD2-AB4EB5D88168}"/>
+            </a:ext>
+          </a:extLst>
+        </p:cNvPr>
+        <p:cNvGrpSpPr/>
+        <p:nvPr/>
+      </p:nvGrpSpPr>
+      <p:grpSpPr>
+        <a:xfrm>
+          <a:off x="0" y="0"/>
+          <a:ext cx="0" cy="0"/>
+          <a:chOff x="0" y="0"/>
+          <a:chExt cx="0" cy="0"/>
+        </a:xfrm>
+      </p:grpSpPr>
+      <p:sp>
+        <p:nvSpPr>
+          <p:cNvPr id="41987" name="Titel 2">
+            <a:extLst>
+              <a:ext uri="{FF2B5EF4-FFF2-40B4-BE49-F238E27FC236}">
+                <a16:creationId xmlns:a16="http://schemas.microsoft.com/office/drawing/2014/main" id="{2C3A8E47-7C23-DC1D-4182-B1952221FF7A}"/>
+              </a:ext>
+            </a:extLst>
+          </p:cNvPr>
+          <p:cNvSpPr>
+            <a:spLocks noGrp="1"/>
+          </p:cNvSpPr>
+          <p:nvPr>
+            <p:ph type="title"/>
+          </p:nvPr>
+        </p:nvSpPr>
+        <p:spPr>
+          <a:noFill/>
+          <a:extLst>
+            <a:ext uri="{91240B29-F687-4F45-9708-019B960494DF}">
+              <a14:hiddenLine xmlns:a14="http://schemas.microsoft.com/office/drawing/2010/main" w="0">
+                <a:solidFill>
+                  <a:srgbClr val="000000"/>
+                </a:solidFill>
+                <a:miter lim="800000"/>
+                <a:headEnd/>
+                <a:tailEnd/>
+              </a14:hiddenLine>
+            </a:ext>
+          </a:extLst>
+        </p:spPr>
+        <p:txBody>
+          <a:bodyPr/>
+          <a:lstStyle/>
+          <a:p>
+            <a:r>
+              <a:rPr lang="nl-BE" altLang="en-US" dirty="0" err="1"/>
+              <a:t>Requirements</a:t>
+            </a:r>
+            <a:endParaRPr lang="nl-BE" altLang="en-US" dirty="0"/>
+          </a:p>
+        </p:txBody>
+      </p:sp>
+      <p:sp>
+        <p:nvSpPr>
+          <p:cNvPr id="41986" name="Tijdelijke aanduiding voor inhoud 1">
+            <a:extLst>
+              <a:ext uri="{FF2B5EF4-FFF2-40B4-BE49-F238E27FC236}">
+                <a16:creationId xmlns:a16="http://schemas.microsoft.com/office/drawing/2014/main" id="{1689E161-4770-4D34-98B7-DE8E16A62644}"/>
+              </a:ext>
+            </a:extLst>
+          </p:cNvPr>
+          <p:cNvSpPr>
+            <a:spLocks noGrp="1"/>
+          </p:cNvSpPr>
+          <p:nvPr>
+            <p:ph idx="1"/>
+          </p:nvPr>
+        </p:nvSpPr>
+        <p:spPr>
+          <a:xfrm>
+            <a:off x="0" y="1152000"/>
+            <a:ext cx="9144000" cy="4777330"/>
+          </a:xfrm>
+          <a:noFill/>
+          <a:ln>
+            <a:noFill/>
+          </a:ln>
+        </p:spPr>
+        <p:txBody>
+          <a:bodyPr bIns="144000">
+            <a:normAutofit/>
+          </a:bodyPr>
+          <a:lstStyle/>
+          <a:p>
+            <a:r>
+              <a:rPr lang="nl-NL" sz="1800" dirty="0"/>
+              <a:t>We hebben een verschil gemaakt tussen een actuator en sensor</a:t>
+            </a:r>
+          </a:p>
+          <a:p>
+            <a:pPr lvl="1"/>
+            <a:r>
+              <a:rPr lang="nl-NL" sz="1500" dirty="0"/>
+              <a:t>Hierdoor is het mogelijk om alles op 1 </a:t>
+            </a:r>
+            <a:r>
+              <a:rPr lang="nl-NL" sz="1500" dirty="0" err="1"/>
+              <a:t>embedded</a:t>
+            </a:r>
+            <a:r>
+              <a:rPr lang="nl-NL" sz="1500" dirty="0"/>
+              <a:t> </a:t>
+            </a:r>
+            <a:r>
+              <a:rPr lang="nl-NL" sz="1500" dirty="0" err="1"/>
+              <a:t>linux</a:t>
+            </a:r>
+            <a:r>
+              <a:rPr lang="nl-NL" sz="1500" dirty="0"/>
+              <a:t> device (</a:t>
+            </a:r>
+            <a:r>
+              <a:rPr lang="nl-NL" sz="1500" dirty="0" err="1"/>
+              <a:t>raspberry</a:t>
+            </a:r>
+            <a:r>
+              <a:rPr lang="nl-NL" sz="1500" dirty="0"/>
+              <a:t> bijvoorbeeld) uit te voeren of op 2 </a:t>
+            </a:r>
+            <a:r>
+              <a:rPr lang="nl-NL" sz="1500" dirty="0" err="1"/>
+              <a:t>embedded</a:t>
+            </a:r>
+            <a:r>
+              <a:rPr lang="nl-NL" sz="1500" dirty="0"/>
+              <a:t> </a:t>
+            </a:r>
+            <a:r>
+              <a:rPr lang="nl-NL" sz="1500" dirty="0" err="1"/>
+              <a:t>linux</a:t>
+            </a:r>
+            <a:r>
+              <a:rPr lang="nl-NL" sz="1500" dirty="0"/>
+              <a:t> </a:t>
+            </a:r>
+            <a:r>
+              <a:rPr lang="nl-NL" sz="1500" dirty="0" err="1"/>
+              <a:t>devices</a:t>
+            </a:r>
+            <a:endParaRPr lang="nl-NL" sz="1500" dirty="0"/>
+          </a:p>
+          <a:p>
+            <a:pPr lvl="1"/>
+            <a:r>
+              <a:rPr lang="nl-NL" sz="1500" dirty="0"/>
+              <a:t>Hierdoor kan je bijvoorbeeld de sensor uitlezen met MCU 1 en het verwarmingselement bedienen met MCU2 OF opteren om alles op 1 MCU uit te voeren</a:t>
+            </a:r>
+          </a:p>
+          <a:p>
+            <a:pPr lvl="1"/>
+            <a:r>
+              <a:rPr lang="nl-NL" sz="1500" dirty="0"/>
+              <a:t>Dit noemen we gedecentraliseerd werken </a:t>
+            </a:r>
+          </a:p>
+          <a:p>
+            <a:pPr lvl="2"/>
+            <a:r>
+              <a:rPr lang="nl-NL" sz="1400" dirty="0" err="1"/>
+              <a:t>Loosely</a:t>
+            </a:r>
+            <a:r>
+              <a:rPr lang="nl-NL" sz="1400" dirty="0"/>
+              <a:t> </a:t>
+            </a:r>
+            <a:r>
+              <a:rPr lang="nl-NL" sz="1400" dirty="0" err="1"/>
+              <a:t>coupled</a:t>
+            </a:r>
+            <a:r>
+              <a:rPr lang="nl-NL" sz="1400" dirty="0"/>
+              <a:t> dankzij een MQTT interface</a:t>
+            </a:r>
+          </a:p>
+          <a:p>
+            <a:pPr lvl="2"/>
+            <a:r>
+              <a:rPr lang="nl-NL" sz="1400" dirty="0"/>
+              <a:t>Maar toch een shared code base waardoor onderhoud binnen te perken blijft</a:t>
+            </a:r>
+          </a:p>
+          <a:p>
+            <a:pPr lvl="3"/>
+            <a:r>
+              <a:rPr lang="nl-NL" sz="1100" dirty="0"/>
+              <a:t>Kan natuurlijk in het nadeel zijn bij zeer grote projecten…</a:t>
+            </a:r>
+          </a:p>
+          <a:p>
+            <a:pPr lvl="2"/>
+            <a:endParaRPr lang="nl-NL" sz="1200" dirty="0"/>
+          </a:p>
+          <a:p>
+            <a:pPr lvl="1"/>
+            <a:endParaRPr lang="nl-NL" sz="1500" dirty="0"/>
+          </a:p>
+          <a:p>
+            <a:pPr lvl="1"/>
+            <a:endParaRPr lang="nl-NL" sz="1500" dirty="0"/>
+          </a:p>
+          <a:p>
+            <a:pPr marL="0" indent="0">
+              <a:buNone/>
+            </a:pPr>
+            <a:endParaRPr lang="nl-NL" sz="1800" dirty="0"/>
+          </a:p>
+          <a:p>
+            <a:pPr marL="0" indent="0">
+              <a:buNone/>
+            </a:pPr>
+            <a:endParaRPr lang="nl-NL" sz="1800" dirty="0"/>
+          </a:p>
+          <a:p>
+            <a:pPr marL="0" indent="0">
+              <a:buNone/>
+            </a:pPr>
+            <a:endParaRPr lang="nl-NL" sz="1800" dirty="0"/>
+          </a:p>
+          <a:p>
+            <a:pPr marL="0" indent="0">
+              <a:buNone/>
+            </a:pPr>
+            <a:endParaRPr lang="nl-NL" sz="1800" dirty="0"/>
+          </a:p>
+          <a:p>
+            <a:pPr marL="0" indent="0" algn="just">
+              <a:buNone/>
+            </a:pPr>
+            <a:endParaRPr lang="nl-BE" altLang="en-US" sz="1800" dirty="0">
+              <a:solidFill>
+                <a:schemeClr val="accent6">
+                  <a:lumMod val="10000"/>
+                </a:schemeClr>
+              </a:solidFill>
+            </a:endParaRPr>
+          </a:p>
+        </p:txBody>
+      </p:sp>
+      <p:sp>
+        <p:nvSpPr>
+          <p:cNvPr id="2" name="Footer Placeholder 1">
+            <a:extLst>
+              <a:ext uri="{FF2B5EF4-FFF2-40B4-BE49-F238E27FC236}">
+                <a16:creationId xmlns:a16="http://schemas.microsoft.com/office/drawing/2014/main" id="{77418B91-D309-0786-8096-6F0779F9D5AC}"/>
+              </a:ext>
+            </a:extLst>
+          </p:cNvPr>
+          <p:cNvSpPr>
+            <a:spLocks noGrp="1"/>
+          </p:cNvSpPr>
+          <p:nvPr>
+            <p:ph type="ftr" sz="quarter" idx="11"/>
+          </p:nvPr>
+        </p:nvSpPr>
+        <p:spPr/>
+        <p:txBody>
+          <a:bodyPr/>
+          <a:lstStyle/>
+          <a:p>
+            <a:r>
+              <a:rPr lang="nl-BE" dirty="0"/>
+              <a:t>Projecten van het werkveld – </a:t>
+            </a:r>
+            <a:r>
+              <a:rPr lang="nl-BE" dirty="0" err="1"/>
+              <a:t>IoT</a:t>
+            </a:r>
+            <a:r>
+              <a:rPr lang="nl-BE" dirty="0"/>
+              <a:t> Graduaat</a:t>
+            </a:r>
+          </a:p>
+        </p:txBody>
+      </p:sp>
+      <p:sp>
+        <p:nvSpPr>
+          <p:cNvPr id="3" name="Slide Number Placeholder 2">
+            <a:extLst>
+              <a:ext uri="{FF2B5EF4-FFF2-40B4-BE49-F238E27FC236}">
+                <a16:creationId xmlns:a16="http://schemas.microsoft.com/office/drawing/2014/main" id="{ADCFDD0F-04A8-3ABD-1B59-8D908D35AF47}"/>
+              </a:ext>
+            </a:extLst>
+          </p:cNvPr>
+          <p:cNvSpPr>
+            <a:spLocks noGrp="1"/>
+          </p:cNvSpPr>
+          <p:nvPr>
+            <p:ph type="sldNum" sz="quarter" idx="12"/>
+          </p:nvPr>
+        </p:nvSpPr>
+        <p:spPr/>
+        <p:txBody>
+          <a:bodyPr/>
+          <a:lstStyle/>
+          <a:p>
+            <a:fld id="{3B80295F-48CD-49FC-897A-CCEC919B8070}" type="slidenum">
+              <a:rPr lang="nl-BE" smtClean="0"/>
+              <a:pPr/>
+              <a:t>5</a:t>
+            </a:fld>
+            <a:endParaRPr lang="nl-BE" dirty="0"/>
+          </a:p>
+        </p:txBody>
+      </p:sp>
+      <p:sp>
+        <p:nvSpPr>
+          <p:cNvPr id="41988" name="Tijdelijke aanduiding voor dianummer 3">
+            <a:extLst>
+              <a:ext uri="{FF2B5EF4-FFF2-40B4-BE49-F238E27FC236}">
+                <a16:creationId xmlns:a16="http://schemas.microsoft.com/office/drawing/2014/main" id="{63C553E4-FD6F-491C-C7BA-9F393315000B}"/>
+              </a:ext>
+            </a:extLst>
+          </p:cNvPr>
+          <p:cNvSpPr txBox="1">
+            <a:spLocks noGrp="1"/>
+          </p:cNvSpPr>
+          <p:nvPr/>
+        </p:nvSpPr>
+        <p:spPr bwMode="auto">
+          <a:xfrm>
+            <a:off x="360363" y="6083300"/>
+            <a:ext cx="360362" cy="668338"/>
+          </a:xfrm>
+          <a:prstGeom prst="rect">
+            <a:avLst/>
+          </a:prstGeom>
+          <a:solidFill>
+            <a:srgbClr val="00A0AE"/>
+          </a:solidFill>
+          <a:ln>
+            <a:noFill/>
+          </a:ln>
+          <a:extLst>
+            <a:ext uri="{91240B29-F687-4F45-9708-019B960494DF}">
+              <a14:hiddenLine xmlns:a14="http://schemas.microsoft.com/office/drawing/2010/main" w="9525">
+                <a:solidFill>
+                  <a:srgbClr val="000000"/>
+                </a:solidFill>
+                <a:miter lim="800000"/>
+                <a:headEnd/>
+                <a:tailEnd/>
+              </a14:hiddenLine>
+            </a:ext>
+          </a:extLst>
+        </p:spPr>
+        <p:txBody>
+          <a:bodyPr wrap="none" lIns="0" tIns="108000" rIns="0" bIns="0" anchor="ctr"/>
+          <a:lstStyle>
+            <a:lvl1pPr eaLnBrk="0" hangingPunct="0">
+              <a:defRPr>
+                <a:solidFill>
+                  <a:schemeClr val="tx1"/>
+                </a:solidFill>
+                <a:latin typeface="Arial" panose="020B0604020202020204" pitchFamily="34" charset="0"/>
+              </a:defRPr>
+            </a:lvl1pPr>
+            <a:lvl2pPr marL="742950" indent="-285750" eaLnBrk="0" hangingPunct="0">
+              <a:defRPr>
+                <a:solidFill>
+                  <a:schemeClr val="tx1"/>
+                </a:solidFill>
+                <a:latin typeface="Arial" panose="020B0604020202020204" pitchFamily="34" charset="0"/>
+              </a:defRPr>
+            </a:lvl2pPr>
+            <a:lvl3pPr marL="1143000" indent="-228600" eaLnBrk="0" hangingPunct="0">
+              <a:defRPr>
+                <a:solidFill>
+                  <a:schemeClr val="tx1"/>
+                </a:solidFill>
+                <a:latin typeface="Arial" panose="020B0604020202020204" pitchFamily="34" charset="0"/>
+              </a:defRPr>
+            </a:lvl3pPr>
+            <a:lvl4pPr marL="1600200" indent="-228600" eaLnBrk="0" hangingPunct="0">
+              <a:defRPr>
+                <a:solidFill>
+                  <a:schemeClr val="tx1"/>
+                </a:solidFill>
+                <a:latin typeface="Arial" panose="020B0604020202020204" pitchFamily="34" charset="0"/>
+              </a:defRPr>
+            </a:lvl4pPr>
+            <a:lvl5pPr marL="2057400" indent="-228600" eaLnBrk="0" hangingPunct="0">
+              <a:defRPr>
+                <a:solidFill>
+                  <a:schemeClr val="tx1"/>
+                </a:solidFill>
+                <a:latin typeface="Arial" panose="020B0604020202020204" pitchFamily="34" charset="0"/>
+              </a:defRPr>
+            </a:lvl5pPr>
+            <a:lvl6pPr marL="2514600" indent="-228600" eaLnBrk="0" fontAlgn="base" hangingPunct="0">
+              <a:spcBef>
+                <a:spcPct val="0"/>
+              </a:spcBef>
+              <a:spcAft>
+                <a:spcPct val="0"/>
+              </a:spcAft>
+              <a:defRPr>
+                <a:solidFill>
+                  <a:schemeClr val="tx1"/>
+                </a:solidFill>
+                <a:latin typeface="Arial" panose="020B0604020202020204" pitchFamily="34" charset="0"/>
+              </a:defRPr>
+            </a:lvl6pPr>
+            <a:lvl7pPr marL="2971800" indent="-228600" eaLnBrk="0" fontAlgn="base" hangingPunct="0">
+              <a:spcBef>
+                <a:spcPct val="0"/>
+              </a:spcBef>
+              <a:spcAft>
+                <a:spcPct val="0"/>
+              </a:spcAft>
+              <a:defRPr>
+                <a:solidFill>
+                  <a:schemeClr val="tx1"/>
+                </a:solidFill>
+                <a:latin typeface="Arial" panose="020B0604020202020204" pitchFamily="34" charset="0"/>
+              </a:defRPr>
+            </a:lvl7pPr>
+            <a:lvl8pPr marL="3429000" indent="-228600" eaLnBrk="0" fontAlgn="base" hangingPunct="0">
+              <a:spcBef>
+                <a:spcPct val="0"/>
+              </a:spcBef>
+              <a:spcAft>
+                <a:spcPct val="0"/>
+              </a:spcAft>
+              <a:defRPr>
+                <a:solidFill>
+                  <a:schemeClr val="tx1"/>
+                </a:solidFill>
+                <a:latin typeface="Arial" panose="020B0604020202020204" pitchFamily="34" charset="0"/>
+              </a:defRPr>
+            </a:lvl8pPr>
+            <a:lvl9pPr marL="3886200" indent="-228600" eaLnBrk="0" fontAlgn="base" hangingPunct="0">
+              <a:spcBef>
+                <a:spcPct val="0"/>
+              </a:spcBef>
+              <a:spcAft>
+                <a:spcPct val="0"/>
+              </a:spcAft>
+              <a:defRPr>
+                <a:solidFill>
+                  <a:schemeClr val="tx1"/>
+                </a:solidFill>
+                <a:latin typeface="Arial" panose="020B0604020202020204" pitchFamily="34" charset="0"/>
+              </a:defRPr>
+            </a:lvl9pPr>
+          </a:lstStyle>
+          <a:p>
+            <a:pPr eaLnBrk="1" hangingPunct="1"/>
+            <a:fld id="{E7E9740F-FEEC-4722-AD1A-FA148BA257E6}" type="slidenum">
+              <a:rPr lang="nl-BE" altLang="en-US" sz="2000" smtClean="0">
+                <a:solidFill>
+                  <a:srgbClr val="FFFFFF"/>
+                </a:solidFill>
+                <a:latin typeface="Trebuchet MS" panose="020B0603020202020204" pitchFamily="34" charset="0"/>
+              </a:rPr>
+              <a:pPr eaLnBrk="1" hangingPunct="1"/>
+              <a:t>5</a:t>
+            </a:fld>
+            <a:endParaRPr lang="nl-BE" altLang="en-US" sz="2000">
+              <a:solidFill>
+                <a:srgbClr val="FFFFFF"/>
+              </a:solidFill>
+              <a:latin typeface="Trebuchet MS" panose="020B0603020202020204" pitchFamily="34" charset="0"/>
+            </a:endParaRPr>
+          </a:p>
+        </p:txBody>
+      </p:sp>
+    </p:spTree>
+    <p:extLst>
+      <p:ext uri="{BB962C8B-B14F-4D97-AF65-F5344CB8AC3E}">
+        <p14:creationId xmlns:p14="http://schemas.microsoft.com/office/powerpoint/2010/main" val="2038711540"/>
+      </p:ext>
+    </p:extLst>
+  </p:cSld>
+  <p:clrMapOvr>
+    <a:masterClrMapping/>
+  </p:clrMapOvr>
+</p:sld>
+</file>
+
+<file path=ppt/slides/slide50.xml><?xml version="1.0" encoding="utf-8"?>
 <p:sld xmlns:a="http://schemas.openxmlformats.org/drawingml/2006/main" xmlns:r="http://schemas.openxmlformats.org/officeDocument/2006/relationships" xmlns:p="http://schemas.openxmlformats.org/presentationml/2006/main">
   <p:cSld>
     <p:spTree>
@@ -22513,7 +23938,7 @@
             <a:fld id="{3B80295F-48CD-49FC-897A-CCEC919B8070}" type="slidenum">
               <a:rPr lang="nl-BE" smtClean="0"/>
               <a:pPr/>
-              <a:t>48</a:t>
+              <a:t>50</a:t>
             </a:fld>
             <a:endParaRPr lang="nl-BE" dirty="0"/>
           </a:p>
@@ -22670,7 +24095,7 @@
                 <a:latin typeface="Trebuchet MS" panose="020B0603020202020204" pitchFamily="34" charset="0"/>
               </a:rPr>
               <a:pPr eaLnBrk="1" hangingPunct="1"/>
-              <a:t>48</a:t>
+              <a:t>50</a:t>
             </a:fld>
             <a:endParaRPr lang="nl-BE" altLang="en-US" sz="2000">
               <a:solidFill>
@@ -22858,7 +24283,7 @@
 </p:sld>
 </file>
 
-<file path=ppt/slides/slide49.xml><?xml version="1.0" encoding="utf-8"?>
+<file path=ppt/slides/slide51.xml><?xml version="1.0" encoding="utf-8"?>
 <p:sld xmlns:a="http://schemas.openxmlformats.org/drawingml/2006/main" xmlns:r="http://schemas.openxmlformats.org/officeDocument/2006/relationships" xmlns:p="http://schemas.openxmlformats.org/presentationml/2006/main">
   <p:cSld>
     <p:spTree>
@@ -22987,7 +24412,7 @@
             <a:fld id="{3B80295F-48CD-49FC-897A-CCEC919B8070}" type="slidenum">
               <a:rPr lang="nl-BE" smtClean="0"/>
               <a:pPr/>
-              <a:t>49</a:t>
+              <a:t>51</a:t>
             </a:fld>
             <a:endParaRPr lang="nl-BE" dirty="0"/>
           </a:p>
@@ -23144,7 +24569,7 @@
                 <a:latin typeface="Trebuchet MS" panose="020B0603020202020204" pitchFamily="34" charset="0"/>
               </a:rPr>
               <a:pPr eaLnBrk="1" hangingPunct="1"/>
-              <a:t>49</a:t>
+              <a:t>51</a:t>
             </a:fld>
             <a:endParaRPr lang="nl-BE" altLang="en-US" sz="2000">
               <a:solidFill>
@@ -23302,500 +24727,7 @@
 </p:sld>
 </file>
 
-<file path=ppt/slides/slide5.xml><?xml version="1.0" encoding="utf-8"?>
-<p:sld xmlns:a="http://schemas.openxmlformats.org/drawingml/2006/main" xmlns:r="http://schemas.openxmlformats.org/officeDocument/2006/relationships" xmlns:p="http://schemas.openxmlformats.org/presentationml/2006/main">
-  <p:cSld>
-    <p:spTree>
-      <p:nvGrpSpPr>
-        <p:cNvPr id="1" name="">
-          <a:extLst>
-            <a:ext uri="{FF2B5EF4-FFF2-40B4-BE49-F238E27FC236}">
-              <a16:creationId xmlns:a16="http://schemas.microsoft.com/office/drawing/2014/main" id="{75702556-861B-4827-8CD2-AB4EB5D88168}"/>
-            </a:ext>
-          </a:extLst>
-        </p:cNvPr>
-        <p:cNvGrpSpPr/>
-        <p:nvPr/>
-      </p:nvGrpSpPr>
-      <p:grpSpPr>
-        <a:xfrm>
-          <a:off x="0" y="0"/>
-          <a:ext cx="0" cy="0"/>
-          <a:chOff x="0" y="0"/>
-          <a:chExt cx="0" cy="0"/>
-        </a:xfrm>
-      </p:grpSpPr>
-      <p:sp>
-        <p:nvSpPr>
-          <p:cNvPr id="41987" name="Titel 2">
-            <a:extLst>
-              <a:ext uri="{FF2B5EF4-FFF2-40B4-BE49-F238E27FC236}">
-                <a16:creationId xmlns:a16="http://schemas.microsoft.com/office/drawing/2014/main" id="{2C3A8E47-7C23-DC1D-4182-B1952221FF7A}"/>
-              </a:ext>
-            </a:extLst>
-          </p:cNvPr>
-          <p:cNvSpPr>
-            <a:spLocks noGrp="1"/>
-          </p:cNvSpPr>
-          <p:nvPr>
-            <p:ph type="title"/>
-          </p:nvPr>
-        </p:nvSpPr>
-        <p:spPr>
-          <a:noFill/>
-          <a:extLst>
-            <a:ext uri="{91240B29-F687-4F45-9708-019B960494DF}">
-              <a14:hiddenLine xmlns:a14="http://schemas.microsoft.com/office/drawing/2010/main" w="0">
-                <a:solidFill>
-                  <a:srgbClr val="000000"/>
-                </a:solidFill>
-                <a:miter lim="800000"/>
-                <a:headEnd/>
-                <a:tailEnd/>
-              </a14:hiddenLine>
-            </a:ext>
-          </a:extLst>
-        </p:spPr>
-        <p:txBody>
-          <a:bodyPr/>
-          <a:lstStyle/>
-          <a:p>
-            <a:r>
-              <a:rPr lang="nl-BE" altLang="en-US" dirty="0" err="1"/>
-              <a:t>Requirements</a:t>
-            </a:r>
-            <a:endParaRPr lang="nl-BE" altLang="en-US" dirty="0"/>
-          </a:p>
-        </p:txBody>
-      </p:sp>
-      <p:sp>
-        <p:nvSpPr>
-          <p:cNvPr id="41986" name="Tijdelijke aanduiding voor inhoud 1">
-            <a:extLst>
-              <a:ext uri="{FF2B5EF4-FFF2-40B4-BE49-F238E27FC236}">
-                <a16:creationId xmlns:a16="http://schemas.microsoft.com/office/drawing/2014/main" id="{1689E161-4770-4D34-98B7-DE8E16A62644}"/>
-              </a:ext>
-            </a:extLst>
-          </p:cNvPr>
-          <p:cNvSpPr>
-            <a:spLocks noGrp="1"/>
-          </p:cNvSpPr>
-          <p:nvPr>
-            <p:ph idx="1"/>
-          </p:nvPr>
-        </p:nvSpPr>
-        <p:spPr>
-          <a:xfrm>
-            <a:off x="0" y="1152000"/>
-            <a:ext cx="9144000" cy="4777330"/>
-          </a:xfrm>
-          <a:noFill/>
-          <a:ln>
-            <a:noFill/>
-          </a:ln>
-        </p:spPr>
-        <p:txBody>
-          <a:bodyPr bIns="144000">
-            <a:normAutofit/>
-          </a:bodyPr>
-          <a:lstStyle/>
-          <a:p>
-            <a:r>
-              <a:rPr lang="nl-NL" sz="1800" dirty="0"/>
-              <a:t>We hebben een verschil gemaakt tussen een actuator en sensor</a:t>
-            </a:r>
-          </a:p>
-          <a:p>
-            <a:pPr lvl="1"/>
-            <a:r>
-              <a:rPr lang="nl-NL" sz="1500" dirty="0"/>
-              <a:t>Hierdoor is het mogelijk om alles op 1 </a:t>
-            </a:r>
-            <a:r>
-              <a:rPr lang="nl-NL" sz="1500" dirty="0" err="1"/>
-              <a:t>embedded</a:t>
-            </a:r>
-            <a:r>
-              <a:rPr lang="nl-NL" sz="1500" dirty="0"/>
-              <a:t> </a:t>
-            </a:r>
-            <a:r>
-              <a:rPr lang="nl-NL" sz="1500" dirty="0" err="1"/>
-              <a:t>linux</a:t>
-            </a:r>
-            <a:r>
-              <a:rPr lang="nl-NL" sz="1500" dirty="0"/>
-              <a:t> device (</a:t>
-            </a:r>
-            <a:r>
-              <a:rPr lang="nl-NL" sz="1500" dirty="0" err="1"/>
-              <a:t>raspberry</a:t>
-            </a:r>
-            <a:r>
-              <a:rPr lang="nl-NL" sz="1500" dirty="0"/>
-              <a:t> bijvoorbeeld) uit te voeren of op 2 </a:t>
-            </a:r>
-            <a:r>
-              <a:rPr lang="nl-NL" sz="1500" dirty="0" err="1"/>
-              <a:t>embedded</a:t>
-            </a:r>
-            <a:r>
-              <a:rPr lang="nl-NL" sz="1500" dirty="0"/>
-              <a:t> </a:t>
-            </a:r>
-            <a:r>
-              <a:rPr lang="nl-NL" sz="1500" dirty="0" err="1"/>
-              <a:t>linux</a:t>
-            </a:r>
-            <a:r>
-              <a:rPr lang="nl-NL" sz="1500" dirty="0"/>
-              <a:t> </a:t>
-            </a:r>
-            <a:r>
-              <a:rPr lang="nl-NL" sz="1500" dirty="0" err="1"/>
-              <a:t>devices</a:t>
-            </a:r>
-            <a:endParaRPr lang="nl-NL" sz="1500" dirty="0"/>
-          </a:p>
-          <a:p>
-            <a:pPr lvl="1"/>
-            <a:r>
-              <a:rPr lang="nl-NL" sz="1500" dirty="0"/>
-              <a:t>Hierdoor kan je bijvoorbeeld de sensor uitlezen met MCU 1 en het verwarmingselement bedienen met MCU2 OF opteren om alles op 1 MCU uit te voeren</a:t>
-            </a:r>
-          </a:p>
-          <a:p>
-            <a:pPr lvl="1"/>
-            <a:r>
-              <a:rPr lang="nl-NL" sz="1500" dirty="0"/>
-              <a:t>Dit noemen we gedecentraliseerd werken </a:t>
-            </a:r>
-          </a:p>
-          <a:p>
-            <a:pPr lvl="2"/>
-            <a:r>
-              <a:rPr lang="nl-NL" sz="1400" dirty="0" err="1"/>
-              <a:t>Loosely</a:t>
-            </a:r>
-            <a:r>
-              <a:rPr lang="nl-NL" sz="1400" dirty="0"/>
-              <a:t> </a:t>
-            </a:r>
-            <a:r>
-              <a:rPr lang="nl-NL" sz="1400" dirty="0" err="1"/>
-              <a:t>coupled</a:t>
-            </a:r>
-            <a:r>
-              <a:rPr lang="nl-NL" sz="1400" dirty="0"/>
-              <a:t> dankzij een MQTT interface</a:t>
-            </a:r>
-          </a:p>
-          <a:p>
-            <a:pPr lvl="2"/>
-            <a:r>
-              <a:rPr lang="nl-NL" sz="1400" dirty="0"/>
-              <a:t>Maar toch een shared code base waardoor onderhoud binnen te perken blijft</a:t>
-            </a:r>
-          </a:p>
-          <a:p>
-            <a:pPr lvl="3"/>
-            <a:r>
-              <a:rPr lang="nl-NL" sz="1100" dirty="0"/>
-              <a:t>Kan natuurlijk in het nadeel zijn bij zeer grote projecten…</a:t>
-            </a:r>
-          </a:p>
-          <a:p>
-            <a:pPr lvl="2"/>
-            <a:endParaRPr lang="nl-NL" sz="1200" dirty="0"/>
-          </a:p>
-          <a:p>
-            <a:pPr lvl="1"/>
-            <a:endParaRPr lang="nl-NL" sz="1500" dirty="0"/>
-          </a:p>
-          <a:p>
-            <a:pPr lvl="1"/>
-            <a:endParaRPr lang="nl-NL" sz="1500" dirty="0"/>
-          </a:p>
-          <a:p>
-            <a:pPr marL="0" indent="0">
-              <a:buNone/>
-            </a:pPr>
-            <a:endParaRPr lang="nl-NL" sz="1800" dirty="0"/>
-          </a:p>
-          <a:p>
-            <a:pPr marL="0" indent="0">
-              <a:buNone/>
-            </a:pPr>
-            <a:endParaRPr lang="nl-NL" sz="1800" dirty="0"/>
-          </a:p>
-          <a:p>
-            <a:pPr marL="0" indent="0">
-              <a:buNone/>
-            </a:pPr>
-            <a:endParaRPr lang="nl-NL" sz="1800" dirty="0"/>
-          </a:p>
-          <a:p>
-            <a:pPr marL="0" indent="0">
-              <a:buNone/>
-            </a:pPr>
-            <a:endParaRPr lang="nl-NL" sz="1800" dirty="0"/>
-          </a:p>
-          <a:p>
-            <a:pPr marL="0" indent="0" algn="just">
-              <a:buNone/>
-            </a:pPr>
-            <a:endParaRPr lang="nl-BE" altLang="en-US" sz="1800" dirty="0">
-              <a:solidFill>
-                <a:schemeClr val="accent6">
-                  <a:lumMod val="10000"/>
-                </a:schemeClr>
-              </a:solidFill>
-            </a:endParaRPr>
-          </a:p>
-        </p:txBody>
-      </p:sp>
-      <p:sp>
-        <p:nvSpPr>
-          <p:cNvPr id="2" name="Footer Placeholder 1">
-            <a:extLst>
-              <a:ext uri="{FF2B5EF4-FFF2-40B4-BE49-F238E27FC236}">
-                <a16:creationId xmlns:a16="http://schemas.microsoft.com/office/drawing/2014/main" id="{77418B91-D309-0786-8096-6F0779F9D5AC}"/>
-              </a:ext>
-            </a:extLst>
-          </p:cNvPr>
-          <p:cNvSpPr>
-            <a:spLocks noGrp="1"/>
-          </p:cNvSpPr>
-          <p:nvPr>
-            <p:ph type="ftr" sz="quarter" idx="11"/>
-          </p:nvPr>
-        </p:nvSpPr>
-        <p:spPr/>
-        <p:txBody>
-          <a:bodyPr/>
-          <a:lstStyle/>
-          <a:p>
-            <a:r>
-              <a:rPr lang="nl-BE" dirty="0"/>
-              <a:t>Projecten van het werkveld – </a:t>
-            </a:r>
-            <a:r>
-              <a:rPr lang="nl-BE" dirty="0" err="1"/>
-              <a:t>IoT</a:t>
-            </a:r>
-            <a:r>
-              <a:rPr lang="nl-BE" dirty="0"/>
-              <a:t> Graduaat</a:t>
-            </a:r>
-          </a:p>
-        </p:txBody>
-      </p:sp>
-      <p:sp>
-        <p:nvSpPr>
-          <p:cNvPr id="3" name="Slide Number Placeholder 2">
-            <a:extLst>
-              <a:ext uri="{FF2B5EF4-FFF2-40B4-BE49-F238E27FC236}">
-                <a16:creationId xmlns:a16="http://schemas.microsoft.com/office/drawing/2014/main" id="{ADCFDD0F-04A8-3ABD-1B59-8D908D35AF47}"/>
-              </a:ext>
-            </a:extLst>
-          </p:cNvPr>
-          <p:cNvSpPr>
-            <a:spLocks noGrp="1"/>
-          </p:cNvSpPr>
-          <p:nvPr>
-            <p:ph type="sldNum" sz="quarter" idx="12"/>
-          </p:nvPr>
-        </p:nvSpPr>
-        <p:spPr/>
-        <p:txBody>
-          <a:bodyPr/>
-          <a:lstStyle/>
-          <a:p>
-            <a:fld id="{3B80295F-48CD-49FC-897A-CCEC919B8070}" type="slidenum">
-              <a:rPr lang="nl-BE" smtClean="0"/>
-              <a:pPr/>
-              <a:t>5</a:t>
-            </a:fld>
-            <a:endParaRPr lang="nl-BE" dirty="0"/>
-          </a:p>
-        </p:txBody>
-      </p:sp>
-      <p:sp>
-        <p:nvSpPr>
-          <p:cNvPr id="41988" name="Tijdelijke aanduiding voor dianummer 3">
-            <a:extLst>
-              <a:ext uri="{FF2B5EF4-FFF2-40B4-BE49-F238E27FC236}">
-                <a16:creationId xmlns:a16="http://schemas.microsoft.com/office/drawing/2014/main" id="{63C553E4-FD6F-491C-C7BA-9F393315000B}"/>
-              </a:ext>
-            </a:extLst>
-          </p:cNvPr>
-          <p:cNvSpPr txBox="1">
-            <a:spLocks noGrp="1"/>
-          </p:cNvSpPr>
-          <p:nvPr/>
-        </p:nvSpPr>
-        <p:spPr bwMode="auto">
-          <a:xfrm>
-            <a:off x="360363" y="6083300"/>
-            <a:ext cx="360362" cy="668338"/>
-          </a:xfrm>
-          <a:prstGeom prst="rect">
-            <a:avLst/>
-          </a:prstGeom>
-          <a:solidFill>
-            <a:srgbClr val="00A0AE"/>
-          </a:solidFill>
-          <a:ln>
-            <a:noFill/>
-          </a:ln>
-          <a:extLst>
-            <a:ext uri="{91240B29-F687-4F45-9708-019B960494DF}">
-              <a14:hiddenLine xmlns:a14="http://schemas.microsoft.com/office/drawing/2010/main" w="9525">
-                <a:solidFill>
-                  <a:srgbClr val="000000"/>
-                </a:solidFill>
-                <a:miter lim="800000"/>
-                <a:headEnd/>
-                <a:tailEnd/>
-              </a14:hiddenLine>
-            </a:ext>
-          </a:extLst>
-        </p:spPr>
-        <p:txBody>
-          <a:bodyPr wrap="none" lIns="0" tIns="108000" rIns="0" bIns="0" anchor="ctr"/>
-          <a:lstStyle>
-            <a:lvl1pPr eaLnBrk="0" hangingPunct="0">
-              <a:defRPr>
-                <a:solidFill>
-                  <a:schemeClr val="tx1"/>
-                </a:solidFill>
-                <a:latin typeface="Arial" panose="020B0604020202020204" pitchFamily="34" charset="0"/>
-              </a:defRPr>
-            </a:lvl1pPr>
-            <a:lvl2pPr marL="742950" indent="-285750" eaLnBrk="0" hangingPunct="0">
-              <a:defRPr>
-                <a:solidFill>
-                  <a:schemeClr val="tx1"/>
-                </a:solidFill>
-                <a:latin typeface="Arial" panose="020B0604020202020204" pitchFamily="34" charset="0"/>
-              </a:defRPr>
-            </a:lvl2pPr>
-            <a:lvl3pPr marL="1143000" indent="-228600" eaLnBrk="0" hangingPunct="0">
-              <a:defRPr>
-                <a:solidFill>
-                  <a:schemeClr val="tx1"/>
-                </a:solidFill>
-                <a:latin typeface="Arial" panose="020B0604020202020204" pitchFamily="34" charset="0"/>
-              </a:defRPr>
-            </a:lvl3pPr>
-            <a:lvl4pPr marL="1600200" indent="-228600" eaLnBrk="0" hangingPunct="0">
-              <a:defRPr>
-                <a:solidFill>
-                  <a:schemeClr val="tx1"/>
-                </a:solidFill>
-                <a:latin typeface="Arial" panose="020B0604020202020204" pitchFamily="34" charset="0"/>
-              </a:defRPr>
-            </a:lvl4pPr>
-            <a:lvl5pPr marL="2057400" indent="-228600" eaLnBrk="0" hangingPunct="0">
-              <a:defRPr>
-                <a:solidFill>
-                  <a:schemeClr val="tx1"/>
-                </a:solidFill>
-                <a:latin typeface="Arial" panose="020B0604020202020204" pitchFamily="34" charset="0"/>
-              </a:defRPr>
-            </a:lvl5pPr>
-            <a:lvl6pPr marL="2514600" indent="-228600" eaLnBrk="0" fontAlgn="base" hangingPunct="0">
-              <a:spcBef>
-                <a:spcPct val="0"/>
-              </a:spcBef>
-              <a:spcAft>
-                <a:spcPct val="0"/>
-              </a:spcAft>
-              <a:defRPr>
-                <a:solidFill>
-                  <a:schemeClr val="tx1"/>
-                </a:solidFill>
-                <a:latin typeface="Arial" panose="020B0604020202020204" pitchFamily="34" charset="0"/>
-              </a:defRPr>
-            </a:lvl6pPr>
-            <a:lvl7pPr marL="2971800" indent="-228600" eaLnBrk="0" fontAlgn="base" hangingPunct="0">
-              <a:spcBef>
-                <a:spcPct val="0"/>
-              </a:spcBef>
-              <a:spcAft>
-                <a:spcPct val="0"/>
-              </a:spcAft>
-              <a:defRPr>
-                <a:solidFill>
-                  <a:schemeClr val="tx1"/>
-                </a:solidFill>
-                <a:latin typeface="Arial" panose="020B0604020202020204" pitchFamily="34" charset="0"/>
-              </a:defRPr>
-            </a:lvl7pPr>
-            <a:lvl8pPr marL="3429000" indent="-228600" eaLnBrk="0" fontAlgn="base" hangingPunct="0">
-              <a:spcBef>
-                <a:spcPct val="0"/>
-              </a:spcBef>
-              <a:spcAft>
-                <a:spcPct val="0"/>
-              </a:spcAft>
-              <a:defRPr>
-                <a:solidFill>
-                  <a:schemeClr val="tx1"/>
-                </a:solidFill>
-                <a:latin typeface="Arial" panose="020B0604020202020204" pitchFamily="34" charset="0"/>
-              </a:defRPr>
-            </a:lvl8pPr>
-            <a:lvl9pPr marL="3886200" indent="-228600" eaLnBrk="0" fontAlgn="base" hangingPunct="0">
-              <a:spcBef>
-                <a:spcPct val="0"/>
-              </a:spcBef>
-              <a:spcAft>
-                <a:spcPct val="0"/>
-              </a:spcAft>
-              <a:defRPr>
-                <a:solidFill>
-                  <a:schemeClr val="tx1"/>
-                </a:solidFill>
-                <a:latin typeface="Arial" panose="020B0604020202020204" pitchFamily="34" charset="0"/>
-              </a:defRPr>
-            </a:lvl9pPr>
-          </a:lstStyle>
-          <a:p>
-            <a:pPr eaLnBrk="1" hangingPunct="1"/>
-            <a:fld id="{E7E9740F-FEEC-4722-AD1A-FA148BA257E6}" type="slidenum">
-              <a:rPr lang="nl-BE" altLang="en-US" sz="2000" smtClean="0">
-                <a:solidFill>
-                  <a:srgbClr val="FFFFFF"/>
-                </a:solidFill>
-                <a:latin typeface="Trebuchet MS" panose="020B0603020202020204" pitchFamily="34" charset="0"/>
-              </a:rPr>
-              <a:pPr eaLnBrk="1" hangingPunct="1"/>
-              <a:t>5</a:t>
-            </a:fld>
-            <a:endParaRPr lang="nl-BE" altLang="en-US" sz="2000">
-              <a:solidFill>
-                <a:srgbClr val="FFFFFF"/>
-              </a:solidFill>
-              <a:latin typeface="Trebuchet MS" panose="020B0603020202020204" pitchFamily="34" charset="0"/>
-            </a:endParaRPr>
-          </a:p>
-        </p:txBody>
-      </p:sp>
-    </p:spTree>
-    <p:extLst>
-      <p:ext uri="{BB962C8B-B14F-4D97-AF65-F5344CB8AC3E}">
-        <p14:creationId xmlns:p14="http://schemas.microsoft.com/office/powerpoint/2010/main" val="2038711540"/>
-      </p:ext>
-    </p:extLst>
-  </p:cSld>
-  <p:clrMapOvr>
-    <a:masterClrMapping/>
-  </p:clrMapOvr>
-</p:sld>
-</file>
-
-<file path=ppt/slides/slide50.xml><?xml version="1.0" encoding="utf-8"?>
+<file path=ppt/slides/slide52.xml><?xml version="1.0" encoding="utf-8"?>
 <p:sld xmlns:a="http://schemas.openxmlformats.org/drawingml/2006/main" xmlns:r="http://schemas.openxmlformats.org/officeDocument/2006/relationships" xmlns:p="http://schemas.openxmlformats.org/presentationml/2006/main">
   <p:cSld>
     <p:spTree>
@@ -23920,7 +24852,7 @@
             <a:fld id="{3B80295F-48CD-49FC-897A-CCEC919B8070}" type="slidenum">
               <a:rPr lang="nl-BE" smtClean="0"/>
               <a:pPr/>
-              <a:t>50</a:t>
+              <a:t>52</a:t>
             </a:fld>
             <a:endParaRPr lang="nl-BE" dirty="0"/>
           </a:p>
@@ -24077,7 +25009,7 @@
                 <a:latin typeface="Trebuchet MS" panose="020B0603020202020204" pitchFamily="34" charset="0"/>
               </a:rPr>
               <a:pPr eaLnBrk="1" hangingPunct="1"/>
-              <a:t>50</a:t>
+              <a:t>52</a:t>
             </a:fld>
             <a:endParaRPr lang="nl-BE" altLang="en-US" sz="2000">
               <a:solidFill>

--- a/doc/Projecten voor het werkveld 2.pptx
+++ b/doc/Projecten voor het werkveld 2.pptx
@@ -5,10 +5,10 @@
     <p:sldMasterId id="2147483685" r:id="rId1"/>
   </p:sldMasterIdLst>
   <p:notesMasterIdLst>
-    <p:notesMasterId r:id="rId54"/>
+    <p:notesMasterId r:id="rId55"/>
   </p:notesMasterIdLst>
   <p:handoutMasterIdLst>
-    <p:handoutMasterId r:id="rId55"/>
+    <p:handoutMasterId r:id="rId56"/>
   </p:handoutMasterIdLst>
   <p:sldIdLst>
     <p:sldId id="258" r:id="rId2"/>
@@ -62,7 +62,8 @@
     <p:sldId id="425" r:id="rId50"/>
     <p:sldId id="426" r:id="rId51"/>
     <p:sldId id="427" r:id="rId52"/>
-    <p:sldId id="428" r:id="rId53"/>
+    <p:sldId id="438" r:id="rId53"/>
+    <p:sldId id="428" r:id="rId54"/>
   </p:sldIdLst>
   <p:sldSz cx="9144000" cy="6858000" type="screen4x3"/>
   <p:notesSz cx="6858000" cy="9144000"/>
@@ -24735,7 +24736,7 @@
         <p:cNvPr id="1" name="">
           <a:extLst>
             <a:ext uri="{FF2B5EF4-FFF2-40B4-BE49-F238E27FC236}">
-              <a16:creationId xmlns:a16="http://schemas.microsoft.com/office/drawing/2014/main" id="{A668D895-AA55-E539-F6AA-8AF0B77ED03A}"/>
+              <a16:creationId xmlns:a16="http://schemas.microsoft.com/office/drawing/2014/main" id="{02EDE2D7-24F6-0869-40E4-9C001770C2EE}"/>
             </a:ext>
           </a:extLst>
         </p:cNvPr>
@@ -24755,7 +24756,7 @@
           <p:cNvPr id="41987" name="Titel 2">
             <a:extLst>
               <a:ext uri="{FF2B5EF4-FFF2-40B4-BE49-F238E27FC236}">
-                <a16:creationId xmlns:a16="http://schemas.microsoft.com/office/drawing/2014/main" id="{E08F01F4-24CB-1E86-6EC7-BE658159E9BA}"/>
+                <a16:creationId xmlns:a16="http://schemas.microsoft.com/office/drawing/2014/main" id="{A35CA76A-81A7-8F88-62B4-D60B75ED1E27}"/>
               </a:ext>
             </a:extLst>
           </p:cNvPr>
@@ -24787,8 +24788,13 @@
           <a:p>
             <a:r>
               <a:rPr lang="nl-BE" altLang="en-US" dirty="0"/>
-              <a:t>Bedankt</a:t>
-            </a:r>
+              <a:t>CLI control – </a:t>
+            </a:r>
+            <a:r>
+              <a:rPr lang="nl-BE" altLang="en-US" dirty="0" err="1"/>
+              <a:t>enviro_check</a:t>
+            </a:r>
+            <a:endParaRPr lang="nl-BE" altLang="en-US" dirty="0"/>
           </a:p>
         </p:txBody>
       </p:sp>
@@ -24797,7 +24803,7 @@
           <p:cNvPr id="2" name="Footer Placeholder 1">
             <a:extLst>
               <a:ext uri="{FF2B5EF4-FFF2-40B4-BE49-F238E27FC236}">
-                <a16:creationId xmlns:a16="http://schemas.microsoft.com/office/drawing/2014/main" id="{6561B46D-15BF-73EE-D461-9664E8A18F75}"/>
+                <a16:creationId xmlns:a16="http://schemas.microsoft.com/office/drawing/2014/main" id="{1843ABF6-F850-5237-4375-2D700377D85A}"/>
               </a:ext>
             </a:extLst>
           </p:cNvPr>
@@ -24833,7 +24839,7 @@
           <p:cNvPr id="3" name="Slide Number Placeholder 2">
             <a:extLst>
               <a:ext uri="{FF2B5EF4-FFF2-40B4-BE49-F238E27FC236}">
-                <a16:creationId xmlns:a16="http://schemas.microsoft.com/office/drawing/2014/main" id="{A9392256-AA99-8A16-58C9-D67399529620}"/>
+                <a16:creationId xmlns:a16="http://schemas.microsoft.com/office/drawing/2014/main" id="{8F6EA831-A9F6-BE50-23D3-9E4212C4A364}"/>
               </a:ext>
             </a:extLst>
           </p:cNvPr>
@@ -24863,7 +24869,7 @@
           <p:cNvPr id="41988" name="Tijdelijke aanduiding voor dianummer 3">
             <a:extLst>
               <a:ext uri="{FF2B5EF4-FFF2-40B4-BE49-F238E27FC236}">
-                <a16:creationId xmlns:a16="http://schemas.microsoft.com/office/drawing/2014/main" id="{2D558ECE-7233-A7F7-56DF-09C8D253F927}"/>
+                <a16:creationId xmlns:a16="http://schemas.microsoft.com/office/drawing/2014/main" id="{DA4E4541-7058-8D10-10F1-0CC42750CBBD}"/>
               </a:ext>
             </a:extLst>
           </p:cNvPr>
@@ -25010,6 +25016,439 @@
               </a:rPr>
               <a:pPr eaLnBrk="1" hangingPunct="1"/>
               <a:t>52</a:t>
+            </a:fld>
+            <a:endParaRPr lang="nl-BE" altLang="en-US" sz="2000">
+              <a:solidFill>
+                <a:srgbClr val="FFFFFF"/>
+              </a:solidFill>
+              <a:latin typeface="Trebuchet MS" panose="020B0603020202020204" pitchFamily="34" charset="0"/>
+            </a:endParaRPr>
+          </a:p>
+        </p:txBody>
+      </p:sp>
+      <p:sp>
+        <p:nvSpPr>
+          <p:cNvPr id="33" name="Tijdelijke aanduiding voor inhoud 1">
+            <a:extLst>
+              <a:ext uri="{FF2B5EF4-FFF2-40B4-BE49-F238E27FC236}">
+                <a16:creationId xmlns:a16="http://schemas.microsoft.com/office/drawing/2014/main" id="{3B3C04E9-5832-F3AD-A75E-338E91A9B150}"/>
+              </a:ext>
+            </a:extLst>
+          </p:cNvPr>
+          <p:cNvSpPr>
+            <a:spLocks noGrp="1"/>
+          </p:cNvSpPr>
+          <p:nvPr>
+            <p:ph idx="1"/>
+          </p:nvPr>
+        </p:nvSpPr>
+        <p:spPr>
+          <a:xfrm>
+            <a:off x="0" y="927266"/>
+            <a:ext cx="9036496" cy="4950005"/>
+          </a:xfrm>
+        </p:spPr>
+        <p:txBody>
+          <a:bodyPr>
+            <a:noAutofit/>
+          </a:bodyPr>
+          <a:lstStyle/>
+          <a:p>
+            <a:pPr>
+              <a:buFont typeface="Arial" panose="020B0604020202020204" pitchFamily="34" charset="0"/>
+              <a:buChar char="•"/>
+            </a:pPr>
+            <a:r>
+              <a:rPr lang="nl-NL" sz="1500" dirty="0"/>
+              <a:t>Omdat we soms graag controle over processen hebben of data on </a:t>
+            </a:r>
+            <a:r>
+              <a:rPr lang="nl-NL" sz="1500" dirty="0" err="1"/>
+              <a:t>the</a:t>
+            </a:r>
+            <a:r>
+              <a:rPr lang="nl-NL" sz="1500" dirty="0"/>
+              <a:t> </a:t>
+            </a:r>
+            <a:r>
+              <a:rPr lang="nl-NL" sz="1500" dirty="0" err="1"/>
+              <a:t>fly</a:t>
+            </a:r>
+            <a:r>
+              <a:rPr lang="nl-NL" sz="1500" dirty="0"/>
+              <a:t> willen zien</a:t>
+            </a:r>
+          </a:p>
+          <a:p>
+            <a:pPr>
+              <a:buFont typeface="Arial" panose="020B0604020202020204" pitchFamily="34" charset="0"/>
+              <a:buChar char="•"/>
+            </a:pPr>
+            <a:r>
+              <a:rPr lang="nl-NL" sz="1500" dirty="0" err="1"/>
+              <a:t>Cli</a:t>
+            </a:r>
+            <a:r>
+              <a:rPr lang="nl-NL" sz="1500" dirty="0"/>
+              <a:t> tool om te sturen en lezen</a:t>
+            </a:r>
+          </a:p>
+          <a:p>
+            <a:pPr>
+              <a:buFont typeface="Arial" panose="020B0604020202020204" pitchFamily="34" charset="0"/>
+              <a:buChar char="•"/>
+            </a:pPr>
+            <a:endParaRPr lang="nl-NL" sz="1500" dirty="0"/>
+          </a:p>
+          <a:p>
+            <a:pPr>
+              <a:buFont typeface="Arial" panose="020B0604020202020204" pitchFamily="34" charset="0"/>
+              <a:buChar char="•"/>
+            </a:pPr>
+            <a:endParaRPr lang="nl-NL" sz="1500" dirty="0"/>
+          </a:p>
+          <a:p>
+            <a:pPr>
+              <a:buFont typeface="Arial" panose="020B0604020202020204" pitchFamily="34" charset="0"/>
+              <a:buChar char="•"/>
+            </a:pPr>
+            <a:endParaRPr lang="nl-NL" sz="1500" dirty="0"/>
+          </a:p>
+          <a:p>
+            <a:pPr>
+              <a:buFont typeface="Arial" panose="020B0604020202020204" pitchFamily="34" charset="0"/>
+              <a:buChar char="•"/>
+            </a:pPr>
+            <a:endParaRPr lang="nl-NL" sz="600" dirty="0"/>
+          </a:p>
+        </p:txBody>
+      </p:sp>
+      <p:pic>
+        <p:nvPicPr>
+          <p:cNvPr id="5" name="Picture 4">
+            <a:extLst>
+              <a:ext uri="{FF2B5EF4-FFF2-40B4-BE49-F238E27FC236}">
+                <a16:creationId xmlns:a16="http://schemas.microsoft.com/office/drawing/2014/main" id="{60FDF3C6-0ADA-3F12-5363-7C8E522849D1}"/>
+              </a:ext>
+            </a:extLst>
+          </p:cNvPr>
+          <p:cNvPicPr>
+            <a:picLocks noChangeAspect="1"/>
+          </p:cNvPicPr>
+          <p:nvPr/>
+        </p:nvPicPr>
+        <p:blipFill>
+          <a:blip r:embed="rId2"/>
+          <a:stretch>
+            <a:fillRect/>
+          </a:stretch>
+        </p:blipFill>
+        <p:spPr>
+          <a:xfrm>
+            <a:off x="890073" y="2103803"/>
+            <a:ext cx="7363853" cy="3248478"/>
+          </a:xfrm>
+          <a:prstGeom prst="rect">
+            <a:avLst/>
+          </a:prstGeom>
+        </p:spPr>
+      </p:pic>
+    </p:spTree>
+    <p:extLst>
+      <p:ext uri="{BB962C8B-B14F-4D97-AF65-F5344CB8AC3E}">
+        <p14:creationId xmlns:p14="http://schemas.microsoft.com/office/powerpoint/2010/main" val="3235431435"/>
+      </p:ext>
+    </p:extLst>
+  </p:cSld>
+  <p:clrMapOvr>
+    <a:masterClrMapping/>
+  </p:clrMapOvr>
+</p:sld>
+</file>
+
+<file path=ppt/slides/slide53.xml><?xml version="1.0" encoding="utf-8"?>
+<p:sld xmlns:a="http://schemas.openxmlformats.org/drawingml/2006/main" xmlns:r="http://schemas.openxmlformats.org/officeDocument/2006/relationships" xmlns:p="http://schemas.openxmlformats.org/presentationml/2006/main">
+  <p:cSld>
+    <p:spTree>
+      <p:nvGrpSpPr>
+        <p:cNvPr id="1" name="">
+          <a:extLst>
+            <a:ext uri="{FF2B5EF4-FFF2-40B4-BE49-F238E27FC236}">
+              <a16:creationId xmlns:a16="http://schemas.microsoft.com/office/drawing/2014/main" id="{A668D895-AA55-E539-F6AA-8AF0B77ED03A}"/>
+            </a:ext>
+          </a:extLst>
+        </p:cNvPr>
+        <p:cNvGrpSpPr/>
+        <p:nvPr/>
+      </p:nvGrpSpPr>
+      <p:grpSpPr>
+        <a:xfrm>
+          <a:off x="0" y="0"/>
+          <a:ext cx="0" cy="0"/>
+          <a:chOff x="0" y="0"/>
+          <a:chExt cx="0" cy="0"/>
+        </a:xfrm>
+      </p:grpSpPr>
+      <p:sp>
+        <p:nvSpPr>
+          <p:cNvPr id="41987" name="Titel 2">
+            <a:extLst>
+              <a:ext uri="{FF2B5EF4-FFF2-40B4-BE49-F238E27FC236}">
+                <a16:creationId xmlns:a16="http://schemas.microsoft.com/office/drawing/2014/main" id="{E08F01F4-24CB-1E86-6EC7-BE658159E9BA}"/>
+              </a:ext>
+            </a:extLst>
+          </p:cNvPr>
+          <p:cNvSpPr>
+            <a:spLocks noGrp="1"/>
+          </p:cNvSpPr>
+          <p:nvPr>
+            <p:ph type="title"/>
+          </p:nvPr>
+        </p:nvSpPr>
+        <p:spPr>
+          <a:noFill/>
+          <a:extLst>
+            <a:ext uri="{91240B29-F687-4F45-9708-019B960494DF}">
+              <a14:hiddenLine xmlns:a14="http://schemas.microsoft.com/office/drawing/2010/main" w="0">
+                <a:solidFill>
+                  <a:srgbClr val="000000"/>
+                </a:solidFill>
+                <a:miter lim="800000"/>
+                <a:headEnd/>
+                <a:tailEnd/>
+              </a14:hiddenLine>
+            </a:ext>
+          </a:extLst>
+        </p:spPr>
+        <p:txBody>
+          <a:bodyPr/>
+          <a:lstStyle/>
+          <a:p>
+            <a:r>
+              <a:rPr lang="nl-BE" altLang="en-US" dirty="0"/>
+              <a:t>Bedankt</a:t>
+            </a:r>
+          </a:p>
+        </p:txBody>
+      </p:sp>
+      <p:sp>
+        <p:nvSpPr>
+          <p:cNvPr id="2" name="Footer Placeholder 1">
+            <a:extLst>
+              <a:ext uri="{FF2B5EF4-FFF2-40B4-BE49-F238E27FC236}">
+                <a16:creationId xmlns:a16="http://schemas.microsoft.com/office/drawing/2014/main" id="{6561B46D-15BF-73EE-D461-9664E8A18F75}"/>
+              </a:ext>
+            </a:extLst>
+          </p:cNvPr>
+          <p:cNvSpPr>
+            <a:spLocks noGrp="1"/>
+          </p:cNvSpPr>
+          <p:nvPr>
+            <p:ph type="ftr" sz="quarter" idx="11"/>
+          </p:nvPr>
+        </p:nvSpPr>
+        <p:spPr/>
+        <p:txBody>
+          <a:bodyPr/>
+          <a:lstStyle/>
+          <a:p>
+            <a:r>
+              <a:rPr lang="nl-BE" dirty="0"/>
+              <a:t>Projecten van het werkveld – </a:t>
+            </a:r>
+            <a:r>
+              <a:rPr lang="nl-BE" dirty="0" err="1"/>
+              <a:t>IoT</a:t>
+            </a:r>
+            <a:r>
+              <a:rPr lang="nl-BE" dirty="0"/>
+              <a:t> Graduaat</a:t>
+            </a:r>
+          </a:p>
+        </p:txBody>
+      </p:sp>
+      <p:sp>
+        <p:nvSpPr>
+          <p:cNvPr id="3" name="Slide Number Placeholder 2">
+            <a:extLst>
+              <a:ext uri="{FF2B5EF4-FFF2-40B4-BE49-F238E27FC236}">
+                <a16:creationId xmlns:a16="http://schemas.microsoft.com/office/drawing/2014/main" id="{A9392256-AA99-8A16-58C9-D67399529620}"/>
+              </a:ext>
+            </a:extLst>
+          </p:cNvPr>
+          <p:cNvSpPr>
+            <a:spLocks noGrp="1"/>
+          </p:cNvSpPr>
+          <p:nvPr>
+            <p:ph type="sldNum" sz="quarter" idx="12"/>
+          </p:nvPr>
+        </p:nvSpPr>
+        <p:spPr/>
+        <p:txBody>
+          <a:bodyPr/>
+          <a:lstStyle/>
+          <a:p>
+            <a:fld id="{3B80295F-48CD-49FC-897A-CCEC919B8070}" type="slidenum">
+              <a:rPr lang="nl-BE" smtClean="0"/>
+              <a:pPr/>
+              <a:t>53</a:t>
+            </a:fld>
+            <a:endParaRPr lang="nl-BE" dirty="0"/>
+          </a:p>
+        </p:txBody>
+      </p:sp>
+      <p:sp>
+        <p:nvSpPr>
+          <p:cNvPr id="41988" name="Tijdelijke aanduiding voor dianummer 3">
+            <a:extLst>
+              <a:ext uri="{FF2B5EF4-FFF2-40B4-BE49-F238E27FC236}">
+                <a16:creationId xmlns:a16="http://schemas.microsoft.com/office/drawing/2014/main" id="{2D558ECE-7233-A7F7-56DF-09C8D253F927}"/>
+              </a:ext>
+            </a:extLst>
+          </p:cNvPr>
+          <p:cNvSpPr txBox="1">
+            <a:spLocks noGrp="1"/>
+          </p:cNvSpPr>
+          <p:nvPr/>
+        </p:nvSpPr>
+        <p:spPr bwMode="auto">
+          <a:xfrm>
+            <a:off x="360363" y="6083300"/>
+            <a:ext cx="360362" cy="668338"/>
+          </a:xfrm>
+          <a:prstGeom prst="rect">
+            <a:avLst/>
+          </a:prstGeom>
+          <a:solidFill>
+            <a:srgbClr val="00A0AE"/>
+          </a:solidFill>
+          <a:ln>
+            <a:noFill/>
+          </a:ln>
+          <a:extLst>
+            <a:ext uri="{91240B29-F687-4F45-9708-019B960494DF}">
+              <a14:hiddenLine xmlns:a14="http://schemas.microsoft.com/office/drawing/2010/main" w="9525">
+                <a:solidFill>
+                  <a:srgbClr val="000000"/>
+                </a:solidFill>
+                <a:miter lim="800000"/>
+                <a:headEnd/>
+                <a:tailEnd/>
+              </a14:hiddenLine>
+            </a:ext>
+          </a:extLst>
+        </p:spPr>
+        <p:txBody>
+          <a:bodyPr wrap="none" lIns="0" tIns="108000" rIns="0" bIns="0" anchor="ctr"/>
+          <a:lstStyle>
+            <a:lvl1pPr eaLnBrk="0" hangingPunct="0">
+              <a:defRPr>
+                <a:solidFill>
+                  <a:schemeClr val="tx1"/>
+                </a:solidFill>
+                <a:latin typeface="Arial" panose="020B0604020202020204" pitchFamily="34" charset="0"/>
+              </a:defRPr>
+            </a:lvl1pPr>
+            <a:lvl2pPr marL="742950" indent="-285750" eaLnBrk="0" hangingPunct="0">
+              <a:defRPr>
+                <a:solidFill>
+                  <a:schemeClr val="tx1"/>
+                </a:solidFill>
+                <a:latin typeface="Arial" panose="020B0604020202020204" pitchFamily="34" charset="0"/>
+              </a:defRPr>
+            </a:lvl2pPr>
+            <a:lvl3pPr marL="1143000" indent="-228600" eaLnBrk="0" hangingPunct="0">
+              <a:defRPr>
+                <a:solidFill>
+                  <a:schemeClr val="tx1"/>
+                </a:solidFill>
+                <a:latin typeface="Arial" panose="020B0604020202020204" pitchFamily="34" charset="0"/>
+              </a:defRPr>
+            </a:lvl3pPr>
+            <a:lvl4pPr marL="1600200" indent="-228600" eaLnBrk="0" hangingPunct="0">
+              <a:defRPr>
+                <a:solidFill>
+                  <a:schemeClr val="tx1"/>
+                </a:solidFill>
+                <a:latin typeface="Arial" panose="020B0604020202020204" pitchFamily="34" charset="0"/>
+              </a:defRPr>
+            </a:lvl4pPr>
+            <a:lvl5pPr marL="2057400" indent="-228600" eaLnBrk="0" hangingPunct="0">
+              <a:defRPr>
+                <a:solidFill>
+                  <a:schemeClr val="tx1"/>
+                </a:solidFill>
+                <a:latin typeface="Arial" panose="020B0604020202020204" pitchFamily="34" charset="0"/>
+              </a:defRPr>
+            </a:lvl5pPr>
+            <a:lvl6pPr marL="2514600" indent="-228600" eaLnBrk="0" fontAlgn="base" hangingPunct="0">
+              <a:spcBef>
+                <a:spcPct val="0"/>
+              </a:spcBef>
+              <a:spcAft>
+                <a:spcPct val="0"/>
+              </a:spcAft>
+              <a:defRPr>
+                <a:solidFill>
+                  <a:schemeClr val="tx1"/>
+                </a:solidFill>
+                <a:latin typeface="Arial" panose="020B0604020202020204" pitchFamily="34" charset="0"/>
+              </a:defRPr>
+            </a:lvl6pPr>
+            <a:lvl7pPr marL="2971800" indent="-228600" eaLnBrk="0" fontAlgn="base" hangingPunct="0">
+              <a:spcBef>
+                <a:spcPct val="0"/>
+              </a:spcBef>
+              <a:spcAft>
+                <a:spcPct val="0"/>
+              </a:spcAft>
+              <a:defRPr>
+                <a:solidFill>
+                  <a:schemeClr val="tx1"/>
+                </a:solidFill>
+                <a:latin typeface="Arial" panose="020B0604020202020204" pitchFamily="34" charset="0"/>
+              </a:defRPr>
+            </a:lvl7pPr>
+            <a:lvl8pPr marL="3429000" indent="-228600" eaLnBrk="0" fontAlgn="base" hangingPunct="0">
+              <a:spcBef>
+                <a:spcPct val="0"/>
+              </a:spcBef>
+              <a:spcAft>
+                <a:spcPct val="0"/>
+              </a:spcAft>
+              <a:defRPr>
+                <a:solidFill>
+                  <a:schemeClr val="tx1"/>
+                </a:solidFill>
+                <a:latin typeface="Arial" panose="020B0604020202020204" pitchFamily="34" charset="0"/>
+              </a:defRPr>
+            </a:lvl8pPr>
+            <a:lvl9pPr marL="3886200" indent="-228600" eaLnBrk="0" fontAlgn="base" hangingPunct="0">
+              <a:spcBef>
+                <a:spcPct val="0"/>
+              </a:spcBef>
+              <a:spcAft>
+                <a:spcPct val="0"/>
+              </a:spcAft>
+              <a:defRPr>
+                <a:solidFill>
+                  <a:schemeClr val="tx1"/>
+                </a:solidFill>
+                <a:latin typeface="Arial" panose="020B0604020202020204" pitchFamily="34" charset="0"/>
+              </a:defRPr>
+            </a:lvl9pPr>
+          </a:lstStyle>
+          <a:p>
+            <a:pPr eaLnBrk="1" hangingPunct="1"/>
+            <a:fld id="{E7E9740F-FEEC-4722-AD1A-FA148BA257E6}" type="slidenum">
+              <a:rPr lang="nl-BE" altLang="en-US" sz="2000" smtClean="0">
+                <a:solidFill>
+                  <a:srgbClr val="FFFFFF"/>
+                </a:solidFill>
+                <a:latin typeface="Trebuchet MS" panose="020B0603020202020204" pitchFamily="34" charset="0"/>
+              </a:rPr>
+              <a:pPr eaLnBrk="1" hangingPunct="1"/>
+              <a:t>53</a:t>
             </a:fld>
             <a:endParaRPr lang="nl-BE" altLang="en-US" sz="2000">
               <a:solidFill>
